--- a/pics/2021-11-02-RM_ANOVA/pics.pptx
+++ b/pics/2021-11-02-RM_ANOVA/pics.pptx
@@ -6,6 +6,7 @@
   </p:sldMasterIdLst>
   <p:sldIdLst>
     <p:sldId id="256" r:id="rId2"/>
+    <p:sldId id="257" r:id="rId3"/>
   </p:sldIdLst>
   <p:sldSz cx="9144000" cy="6858000" type="screen4x3"/>
   <p:notesSz cx="6858000" cy="9144000"/>
@@ -288,7 +289,7 @@
           <a:p>
             <a:fld id="{FB30EDBD-1C2D-4C1E-B459-B60219FAB484}" type="datetimeFigureOut">
               <a:rPr lang="ko-KR" altLang="en-US" smtClean="0"/>
-              <a:t>2021-11-02</a:t>
+              <a:t>2021-11-05</a:t>
             </a:fld>
             <a:endParaRPr lang="ko-KR" altLang="en-US"/>
           </a:p>
@@ -453,7 +454,7 @@
           <a:p>
             <a:fld id="{FB30EDBD-1C2D-4C1E-B459-B60219FAB484}" type="datetimeFigureOut">
               <a:rPr lang="ko-KR" altLang="en-US" smtClean="0"/>
-              <a:t>2021-11-02</a:t>
+              <a:t>2021-11-05</a:t>
             </a:fld>
             <a:endParaRPr lang="ko-KR" altLang="en-US"/>
           </a:p>
@@ -628,7 +629,7 @@
           <a:p>
             <a:fld id="{FB30EDBD-1C2D-4C1E-B459-B60219FAB484}" type="datetimeFigureOut">
               <a:rPr lang="ko-KR" altLang="en-US" smtClean="0"/>
-              <a:t>2021-11-02</a:t>
+              <a:t>2021-11-05</a:t>
             </a:fld>
             <a:endParaRPr lang="ko-KR" altLang="en-US"/>
           </a:p>
@@ -793,7 +794,7 @@
           <a:p>
             <a:fld id="{FB30EDBD-1C2D-4C1E-B459-B60219FAB484}" type="datetimeFigureOut">
               <a:rPr lang="ko-KR" altLang="en-US" smtClean="0"/>
-              <a:t>2021-11-02</a:t>
+              <a:t>2021-11-05</a:t>
             </a:fld>
             <a:endParaRPr lang="ko-KR" altLang="en-US"/>
           </a:p>
@@ -1034,7 +1035,7 @@
           <a:p>
             <a:fld id="{FB30EDBD-1C2D-4C1E-B459-B60219FAB484}" type="datetimeFigureOut">
               <a:rPr lang="ko-KR" altLang="en-US" smtClean="0"/>
-              <a:t>2021-11-02</a:t>
+              <a:t>2021-11-05</a:t>
             </a:fld>
             <a:endParaRPr lang="ko-KR" altLang="en-US"/>
           </a:p>
@@ -1317,7 +1318,7 @@
           <a:p>
             <a:fld id="{FB30EDBD-1C2D-4C1E-B459-B60219FAB484}" type="datetimeFigureOut">
               <a:rPr lang="ko-KR" altLang="en-US" smtClean="0"/>
-              <a:t>2021-11-02</a:t>
+              <a:t>2021-11-05</a:t>
             </a:fld>
             <a:endParaRPr lang="ko-KR" altLang="en-US"/>
           </a:p>
@@ -1734,7 +1735,7 @@
           <a:p>
             <a:fld id="{FB30EDBD-1C2D-4C1E-B459-B60219FAB484}" type="datetimeFigureOut">
               <a:rPr lang="ko-KR" altLang="en-US" smtClean="0"/>
-              <a:t>2021-11-02</a:t>
+              <a:t>2021-11-05</a:t>
             </a:fld>
             <a:endParaRPr lang="ko-KR" altLang="en-US"/>
           </a:p>
@@ -1847,7 +1848,7 @@
           <a:p>
             <a:fld id="{FB30EDBD-1C2D-4C1E-B459-B60219FAB484}" type="datetimeFigureOut">
               <a:rPr lang="ko-KR" altLang="en-US" smtClean="0"/>
-              <a:t>2021-11-02</a:t>
+              <a:t>2021-11-05</a:t>
             </a:fld>
             <a:endParaRPr lang="ko-KR" altLang="en-US"/>
           </a:p>
@@ -1937,7 +1938,7 @@
           <a:p>
             <a:fld id="{FB30EDBD-1C2D-4C1E-B459-B60219FAB484}" type="datetimeFigureOut">
               <a:rPr lang="ko-KR" altLang="en-US" smtClean="0"/>
-              <a:t>2021-11-02</a:t>
+              <a:t>2021-11-05</a:t>
             </a:fld>
             <a:endParaRPr lang="ko-KR" altLang="en-US"/>
           </a:p>
@@ -2209,7 +2210,7 @@
           <a:p>
             <a:fld id="{FB30EDBD-1C2D-4C1E-B459-B60219FAB484}" type="datetimeFigureOut">
               <a:rPr lang="ko-KR" altLang="en-US" smtClean="0"/>
-              <a:t>2021-11-02</a:t>
+              <a:t>2021-11-05</a:t>
             </a:fld>
             <a:endParaRPr lang="ko-KR" altLang="en-US"/>
           </a:p>
@@ -2457,7 +2458,7 @@
           <a:p>
             <a:fld id="{FB30EDBD-1C2D-4C1E-B459-B60219FAB484}" type="datetimeFigureOut">
               <a:rPr lang="ko-KR" altLang="en-US" smtClean="0"/>
-              <a:t>2021-11-02</a:t>
+              <a:t>2021-11-05</a:t>
             </a:fld>
             <a:endParaRPr lang="ko-KR" altLang="en-US"/>
           </a:p>
@@ -2665,7 +2666,7 @@
           <a:p>
             <a:fld id="{FB30EDBD-1C2D-4C1E-B459-B60219FAB484}" type="datetimeFigureOut">
               <a:rPr lang="ko-KR" altLang="en-US" smtClean="0"/>
-              <a:t>2021-11-02</a:t>
+              <a:t>2021-11-05</a:t>
             </a:fld>
             <a:endParaRPr lang="ko-KR" altLang="en-US"/>
           </a:p>
@@ -3046,14 +3047,14 @@
               <p:nvPr>
                 <p:extLst>
                   <p:ext uri="{D42A27DB-BD31-4B8C-83A1-F6EECF244321}">
-                    <p14:modId xmlns:p14="http://schemas.microsoft.com/office/powerpoint/2010/main" val="1959417213"/>
+                    <p14:modId xmlns:p14="http://schemas.microsoft.com/office/powerpoint/2010/main" val="2034779301"/>
                   </p:ext>
                 </p:extLst>
               </p:nvPr>
             </p:nvGraphicFramePr>
             <p:xfrm>
-              <a:off x="539552" y="476672"/>
-              <a:ext cx="8208911" cy="5340035"/>
+              <a:off x="755577" y="860774"/>
+              <a:ext cx="7632847" cy="5136453"/>
             </p:xfrm>
             <a:graphic>
               <a:graphicData uri="http://schemas.openxmlformats.org/drawingml/2006/table">
@@ -3062,15 +3063,13 @@
                     <a:tableStyleId>{5C22544A-7EE6-4342-B048-85BDC9FD1C3A}</a:tableStyleId>
                   </a:tblPr>
                   <a:tblGrid>
-                    <a:gridCol w="1872208"/>
-                    <a:gridCol w="1200133"/>
-                    <a:gridCol w="1200133"/>
-                    <a:gridCol w="1200133"/>
-                    <a:gridCol w="792088"/>
-                    <a:gridCol w="1944216"/>
+                    <a:gridCol w="2041096"/>
+                    <a:gridCol w="1863917"/>
+                    <a:gridCol w="1863917"/>
+                    <a:gridCol w="1863917"/>
                   </a:tblGrid>
                   <a:tr h="370840">
-                    <a:tc rowSpan="2">
+                    <a:tc rowSpan="6">
                       <a:txBody>
                         <a:bodyPr/>
                         <a:lstStyle/>
@@ -3082,19 +3081,21 @@
                                 <a:sysClr val="windowText" lastClr="000000"/>
                               </a:solidFill>
                             </a:rPr>
-                            <a:t>Experimental subjects,</a:t>
+                            <a:t>Total sample size=</a:t>
                           </a:r>
-                        </a:p>
-                        <a:p>
-                          <a:pPr algn="ctr" latinLnBrk="1"/>
                           <a:r>
-                            <a:rPr lang="en-US" altLang="ko-KR" dirty="0" smtClean="0">
+                            <a:rPr lang="en-US" altLang="ko-KR" baseline="0" dirty="0" smtClean="0">
                               <a:solidFill>
                                 <a:sysClr val="windowText" lastClr="000000"/>
                               </a:solidFill>
                             </a:rPr>
-                            <a:t>N=4</a:t>
+                            <a:t> n</a:t>
                           </a:r>
+                          <a:endParaRPr lang="en-US" altLang="ko-KR" dirty="0" smtClean="0">
+                            <a:solidFill>
+                              <a:sysClr val="windowText" lastClr="000000"/>
+                            </a:solidFill>
+                          </a:endParaRPr>
                         </a:p>
                       </a:txBody>
                       <a:tcPr anchor="ctr">
@@ -3167,7 +3168,15 @@
                                 <a:sysClr val="windowText" lastClr="000000"/>
                               </a:solidFill>
                             </a:rPr>
-                            <a:t> m=3</a:t>
+                            <a:t> </a:t>
+                          </a:r>
+                          <a:r>
+                            <a:rPr lang="en-US" altLang="ko-KR" baseline="0" dirty="0" smtClean="0">
+                              <a:solidFill>
+                                <a:sysClr val="windowText" lastClr="000000"/>
+                              </a:solidFill>
+                            </a:rPr>
+                            <a:t>m=3</a:t>
                           </a:r>
                           <a:endParaRPr lang="ko-KR" altLang="en-US" dirty="0">
                             <a:solidFill>
@@ -3236,88 +3245,6 @@
                         </a:p>
                       </a:txBody>
                       <a:tcPr/>
-                    </a:tc>
-                    <a:tc hMerge="1">
-                      <a:txBody>
-                        <a:bodyPr/>
-                        <a:lstStyle/>
-                        <a:p>
-                          <a:pPr latinLnBrk="1"/>
-                          <a:endParaRPr lang="ko-KR" altLang="en-US" dirty="0"/>
-                        </a:p>
-                      </a:txBody>
-                      <a:tcPr/>
-                    </a:tc>
-                    <a:tc gridSpan="2">
-                      <a:txBody>
-                        <a:bodyPr/>
-                        <a:lstStyle/>
-                        <a:p>
-                          <a:pPr algn="ctr" latinLnBrk="1"/>
-                          <a:r>
-                            <a:rPr lang="en-US" altLang="ko-KR" dirty="0" smtClean="0">
-                              <a:solidFill>
-                                <a:sysClr val="windowText" lastClr="000000"/>
-                              </a:solidFill>
-                            </a:rPr>
-                            <a:t>Subject</a:t>
-                          </a:r>
-                          <a:endParaRPr lang="ko-KR" altLang="en-US" dirty="0">
-                            <a:solidFill>
-                              <a:sysClr val="windowText" lastClr="000000"/>
-                            </a:solidFill>
-                          </a:endParaRPr>
-                        </a:p>
-                      </a:txBody>
-                      <a:tcPr anchor="ctr">
-                        <a:lnL w="12700" cap="flat" cmpd="sng" algn="ctr">
-                          <a:solidFill>
-                            <a:schemeClr val="tx1"/>
-                          </a:solidFill>
-                          <a:prstDash val="solid"/>
-                          <a:round/>
-                          <a:headEnd type="none" w="med" len="med"/>
-                          <a:tailEnd type="none" w="med" len="med"/>
-                        </a:lnL>
-                        <a:lnR w="12700" cap="flat" cmpd="sng" algn="ctr">
-                          <a:solidFill>
-                            <a:schemeClr val="tx1"/>
-                          </a:solidFill>
-                          <a:prstDash val="solid"/>
-                          <a:round/>
-                          <a:headEnd type="none" w="med" len="med"/>
-                          <a:tailEnd type="none" w="med" len="med"/>
-                        </a:lnR>
-                        <a:lnT w="12700" cap="flat" cmpd="sng" algn="ctr">
-                          <a:solidFill>
-                            <a:schemeClr val="tx1"/>
-                          </a:solidFill>
-                          <a:prstDash val="solid"/>
-                          <a:round/>
-                          <a:headEnd type="none" w="med" len="med"/>
-                          <a:tailEnd type="none" w="med" len="med"/>
-                        </a:lnT>
-                        <a:lnB w="12700" cap="flat" cmpd="sng" algn="ctr">
-                          <a:solidFill>
-                            <a:schemeClr val="tx1"/>
-                          </a:solidFill>
-                          <a:prstDash val="solid"/>
-                          <a:round/>
-                          <a:headEnd type="none" w="med" len="med"/>
-                          <a:tailEnd type="none" w="med" len="med"/>
-                        </a:lnB>
-                        <a:lnTlToBr w="12700" cmpd="sng">
-                          <a:noFill/>
-                          <a:prstDash val="solid"/>
-                        </a:lnTlToBr>
-                        <a:lnBlToTr w="12700" cmpd="sng">
-                          <a:noFill/>
-                          <a:prstDash val="solid"/>
-                        </a:lnBlToTr>
-                        <a:solidFill>
-                          <a:schemeClr val="bg2"/>
-                        </a:solidFill>
-                      </a:tcPr>
                     </a:tc>
                     <a:tc hMerge="1">
                       <a:txBody>
@@ -3556,164 +3483,14 @@
                         </a:solidFill>
                       </a:tcPr>
                     </a:tc>
-                    <a:tc>
-                      <a:txBody>
-                        <a:bodyPr/>
-                        <a:lstStyle/>
-                        <a:p>
-                          <a:pPr algn="ctr" latinLnBrk="1"/>
-                          <a:r>
-                            <a:rPr lang="en-US" altLang="ko-KR" dirty="0" smtClean="0">
-                              <a:solidFill>
-                                <a:sysClr val="windowText" lastClr="000000"/>
-                              </a:solidFill>
-                            </a:rPr>
-                            <a:t>Mean</a:t>
-                          </a:r>
-                          <a:endParaRPr lang="ko-KR" altLang="en-US" dirty="0">
-                            <a:solidFill>
-                              <a:sysClr val="windowText" lastClr="000000"/>
-                            </a:solidFill>
-                          </a:endParaRPr>
-                        </a:p>
-                      </a:txBody>
-                      <a:tcPr anchor="ctr">
-                        <a:lnL w="12700" cap="flat" cmpd="sng" algn="ctr">
-                          <a:solidFill>
-                            <a:schemeClr val="tx1"/>
-                          </a:solidFill>
-                          <a:prstDash val="solid"/>
-                          <a:round/>
-                          <a:headEnd type="none" w="med" len="med"/>
-                          <a:tailEnd type="none" w="med" len="med"/>
-                        </a:lnL>
-                        <a:lnR w="12700" cap="flat" cmpd="sng" algn="ctr">
-                          <a:solidFill>
-                            <a:schemeClr val="tx1"/>
-                          </a:solidFill>
-                          <a:prstDash val="solid"/>
-                          <a:round/>
-                          <a:headEnd type="none" w="med" len="med"/>
-                          <a:tailEnd type="none" w="med" len="med"/>
-                        </a:lnR>
-                        <a:lnT w="12700" cap="flat" cmpd="sng" algn="ctr">
-                          <a:solidFill>
-                            <a:schemeClr val="tx1"/>
-                          </a:solidFill>
-                          <a:prstDash val="solid"/>
-                          <a:round/>
-                          <a:headEnd type="none" w="med" len="med"/>
-                          <a:tailEnd type="none" w="med" len="med"/>
-                        </a:lnT>
-                        <a:lnB w="12700" cap="flat" cmpd="sng" algn="ctr">
-                          <a:solidFill>
-                            <a:schemeClr val="tx1"/>
-                          </a:solidFill>
-                          <a:prstDash val="solid"/>
-                          <a:round/>
-                          <a:headEnd type="none" w="med" len="med"/>
-                          <a:tailEnd type="none" w="med" len="med"/>
-                        </a:lnB>
-                        <a:lnTlToBr w="12700" cmpd="sng">
-                          <a:noFill/>
-                          <a:prstDash val="solid"/>
-                        </a:lnTlToBr>
-                        <a:lnBlToTr w="12700" cmpd="sng">
-                          <a:noFill/>
-                          <a:prstDash val="solid"/>
-                        </a:lnBlToTr>
-                        <a:solidFill>
-                          <a:schemeClr val="bg2"/>
-                        </a:solidFill>
-                      </a:tcPr>
-                    </a:tc>
-                    <a:tc>
-                      <a:txBody>
-                        <a:bodyPr/>
-                        <a:lstStyle/>
-                        <a:p>
-                          <a:pPr algn="ctr" latinLnBrk="1"/>
-                          <a:r>
-                            <a:rPr lang="en-US" altLang="ko-KR" dirty="0" smtClean="0">
-                              <a:solidFill>
-                                <a:sysClr val="windowText" lastClr="000000"/>
-                              </a:solidFill>
-                            </a:rPr>
-                            <a:t>Sum of Squared</a:t>
-                          </a:r>
-                          <a:endParaRPr lang="ko-KR" altLang="en-US" dirty="0">
-                            <a:solidFill>
-                              <a:sysClr val="windowText" lastClr="000000"/>
-                            </a:solidFill>
-                          </a:endParaRPr>
-                        </a:p>
-                      </a:txBody>
-                      <a:tcPr anchor="ctr">
-                        <a:lnL w="12700" cap="flat" cmpd="sng" algn="ctr">
-                          <a:solidFill>
-                            <a:schemeClr val="tx1"/>
-                          </a:solidFill>
-                          <a:prstDash val="solid"/>
-                          <a:round/>
-                          <a:headEnd type="none" w="med" len="med"/>
-                          <a:tailEnd type="none" w="med" len="med"/>
-                        </a:lnL>
-                        <a:lnR w="12700" cap="flat" cmpd="sng" algn="ctr">
-                          <a:solidFill>
-                            <a:schemeClr val="tx1"/>
-                          </a:solidFill>
-                          <a:prstDash val="solid"/>
-                          <a:round/>
-                          <a:headEnd type="none" w="med" len="med"/>
-                          <a:tailEnd type="none" w="med" len="med"/>
-                        </a:lnR>
-                        <a:lnT w="12700" cap="flat" cmpd="sng" algn="ctr">
-                          <a:solidFill>
-                            <a:schemeClr val="tx1"/>
-                          </a:solidFill>
-                          <a:prstDash val="solid"/>
-                          <a:round/>
-                          <a:headEnd type="none" w="med" len="med"/>
-                          <a:tailEnd type="none" w="med" len="med"/>
-                        </a:lnT>
-                        <a:lnB w="12700" cap="flat" cmpd="sng" algn="ctr">
-                          <a:solidFill>
-                            <a:schemeClr val="tx1"/>
-                          </a:solidFill>
-                          <a:prstDash val="solid"/>
-                          <a:round/>
-                          <a:headEnd type="none" w="med" len="med"/>
-                          <a:tailEnd type="none" w="med" len="med"/>
-                        </a:lnB>
-                        <a:lnTlToBr w="12700" cmpd="sng">
-                          <a:noFill/>
-                          <a:prstDash val="solid"/>
-                        </a:lnTlToBr>
-                        <a:lnBlToTr w="12700" cmpd="sng">
-                          <a:noFill/>
-                          <a:prstDash val="solid"/>
-                        </a:lnBlToTr>
-                        <a:solidFill>
-                          <a:schemeClr val="bg2"/>
-                        </a:solidFill>
-                      </a:tcPr>
-                    </a:tc>
                   </a:tr>
                   <a:tr h="370840">
-                    <a:tc>
+                    <a:tc vMerge="1">
                       <a:txBody>
                         <a:bodyPr/>
                         <a:lstStyle/>
                         <a:p>
                           <a:pPr algn="ctr" latinLnBrk="1"/>
-                          <a:r>
-                            <a:rPr lang="en-US" altLang="ko-KR" dirty="0" smtClean="0">
-                              <a:solidFill>
-                                <a:sysClr val="windowText" lastClr="000000"/>
-                              </a:solidFill>
-                            </a:rPr>
-                            <a:t>1</a:t>
-                          </a:r>
                           <a:endParaRPr lang="ko-KR" altLang="en-US" dirty="0">
                             <a:solidFill>
                               <a:sysClr val="windowText" lastClr="000000"/>
@@ -3919,16 +3696,7 @@
                                         </a:solidFill>
                                         <a:latin typeface="Cambria Math"/>
                                       </a:rPr>
-                                      <m:t>2</m:t>
-                                    </m:r>
-                                    <m:r>
-                                      <a:rPr lang="en-US" altLang="ko-KR" b="0" i="1" smtClean="0">
-                                        <a:solidFill>
-                                          <a:sysClr val="windowText" lastClr="000000"/>
-                                        </a:solidFill>
-                                        <a:latin typeface="Cambria Math"/>
-                                      </a:rPr>
-                                      <m:t>1</m:t>
+                                      <m:t>21</m:t>
                                     </m:r>
                                   </m:sub>
                                 </m:sSub>
@@ -4034,8 +3802,2657 @@
                                         </a:solidFill>
                                         <a:latin typeface="Cambria Math"/>
                                       </a:rPr>
-                                      <m:t>3</m:t>
+                                      <m:t>31</m:t>
                                     </m:r>
+                                  </m:sub>
+                                </m:sSub>
+                              </m:oMath>
+                            </m:oMathPara>
+                          </a14:m>
+                          <a:endParaRPr lang="ko-KR" altLang="en-US" dirty="0">
+                            <a:solidFill>
+                              <a:sysClr val="windowText" lastClr="000000"/>
+                            </a:solidFill>
+                          </a:endParaRPr>
+                        </a:p>
+                      </a:txBody>
+                      <a:tcPr anchor="ctr">
+                        <a:lnL w="12700" cap="flat" cmpd="sng" algn="ctr">
+                          <a:solidFill>
+                            <a:schemeClr val="tx1"/>
+                          </a:solidFill>
+                          <a:prstDash val="solid"/>
+                          <a:round/>
+                          <a:headEnd type="none" w="med" len="med"/>
+                          <a:tailEnd type="none" w="med" len="med"/>
+                        </a:lnL>
+                        <a:lnR w="12700" cap="flat" cmpd="sng" algn="ctr">
+                          <a:solidFill>
+                            <a:schemeClr val="tx1"/>
+                          </a:solidFill>
+                          <a:prstDash val="solid"/>
+                          <a:round/>
+                          <a:headEnd type="none" w="med" len="med"/>
+                          <a:tailEnd type="none" w="med" len="med"/>
+                        </a:lnR>
+                        <a:lnT w="12700" cap="flat" cmpd="sng" algn="ctr">
+                          <a:solidFill>
+                            <a:schemeClr val="tx1"/>
+                          </a:solidFill>
+                          <a:prstDash val="solid"/>
+                          <a:round/>
+                          <a:headEnd type="none" w="med" len="med"/>
+                          <a:tailEnd type="none" w="med" len="med"/>
+                        </a:lnT>
+                        <a:lnB w="12700" cap="flat" cmpd="sng" algn="ctr">
+                          <a:solidFill>
+                            <a:schemeClr val="tx1"/>
+                          </a:solidFill>
+                          <a:prstDash val="solid"/>
+                          <a:round/>
+                          <a:headEnd type="none" w="med" len="med"/>
+                          <a:tailEnd type="none" w="med" len="med"/>
+                        </a:lnB>
+                        <a:lnTlToBr w="12700" cmpd="sng">
+                          <a:noFill/>
+                          <a:prstDash val="solid"/>
+                        </a:lnTlToBr>
+                        <a:lnBlToTr w="12700" cmpd="sng">
+                          <a:noFill/>
+                          <a:prstDash val="solid"/>
+                        </a:lnBlToTr>
+                        <a:solidFill>
+                          <a:schemeClr val="bg1"/>
+                        </a:solidFill>
+                      </a:tcPr>
+                    </a:tc>
+                  </a:tr>
+                  <a:tr h="370840">
+                    <a:tc vMerge="1">
+                      <a:txBody>
+                        <a:bodyPr/>
+                        <a:lstStyle/>
+                        <a:p>
+                          <a:pPr algn="ctr" latinLnBrk="1"/>
+                          <a:endParaRPr lang="ko-KR" altLang="en-US" dirty="0">
+                            <a:solidFill>
+                              <a:sysClr val="windowText" lastClr="000000"/>
+                            </a:solidFill>
+                          </a:endParaRPr>
+                        </a:p>
+                      </a:txBody>
+                      <a:tcPr anchor="ctr">
+                        <a:lnL w="12700" cap="flat" cmpd="sng" algn="ctr">
+                          <a:solidFill>
+                            <a:schemeClr val="tx1"/>
+                          </a:solidFill>
+                          <a:prstDash val="solid"/>
+                          <a:round/>
+                          <a:headEnd type="none" w="med" len="med"/>
+                          <a:tailEnd type="none" w="med" len="med"/>
+                        </a:lnL>
+                        <a:lnR w="12700" cap="flat" cmpd="sng" algn="ctr">
+                          <a:solidFill>
+                            <a:schemeClr val="tx1"/>
+                          </a:solidFill>
+                          <a:prstDash val="solid"/>
+                          <a:round/>
+                          <a:headEnd type="none" w="med" len="med"/>
+                          <a:tailEnd type="none" w="med" len="med"/>
+                        </a:lnR>
+                        <a:lnT w="12700" cap="flat" cmpd="sng" algn="ctr">
+                          <a:solidFill>
+                            <a:schemeClr val="tx1"/>
+                          </a:solidFill>
+                          <a:prstDash val="solid"/>
+                          <a:round/>
+                          <a:headEnd type="none" w="med" len="med"/>
+                          <a:tailEnd type="none" w="med" len="med"/>
+                        </a:lnT>
+                        <a:lnB w="12700" cap="flat" cmpd="sng" algn="ctr">
+                          <a:solidFill>
+                            <a:schemeClr val="tx1"/>
+                          </a:solidFill>
+                          <a:prstDash val="solid"/>
+                          <a:round/>
+                          <a:headEnd type="none" w="med" len="med"/>
+                          <a:tailEnd type="none" w="med" len="med"/>
+                        </a:lnB>
+                        <a:lnTlToBr w="12700" cmpd="sng">
+                          <a:noFill/>
+                          <a:prstDash val="solid"/>
+                        </a:lnTlToBr>
+                        <a:lnBlToTr w="12700" cmpd="sng">
+                          <a:noFill/>
+                          <a:prstDash val="solid"/>
+                        </a:lnBlToTr>
+                        <a:solidFill>
+                          <a:schemeClr val="bg2"/>
+                        </a:solidFill>
+                      </a:tcPr>
+                    </a:tc>
+                    <a:tc>
+                      <a:txBody>
+                        <a:bodyPr/>
+                        <a:lstStyle/>
+                        <a:p>
+                          <a:pPr algn="ctr" latinLnBrk="1"/>
+                          <a14:m>
+                            <m:oMathPara xmlns:m="http://schemas.openxmlformats.org/officeDocument/2006/math">
+                              <m:oMathParaPr>
+                                <m:jc m:val="centerGroup"/>
+                              </m:oMathParaPr>
+                              <m:oMath xmlns:m="http://schemas.openxmlformats.org/officeDocument/2006/math">
+                                <m:sSub>
+                                  <m:sSubPr>
+                                    <m:ctrlPr>
+                                      <a:rPr lang="en-US" altLang="ko-KR" b="0" i="1" smtClean="0">
+                                        <a:solidFill>
+                                          <a:sysClr val="windowText" lastClr="000000"/>
+                                        </a:solidFill>
+                                        <a:latin typeface="Cambria Math"/>
+                                      </a:rPr>
+                                    </m:ctrlPr>
+                                  </m:sSubPr>
+                                  <m:e>
+                                    <m:r>
+                                      <a:rPr lang="en-US" altLang="ko-KR" b="0" i="1" smtClean="0">
+                                        <a:solidFill>
+                                          <a:sysClr val="windowText" lastClr="000000"/>
+                                        </a:solidFill>
+                                        <a:latin typeface="Cambria Math"/>
+                                      </a:rPr>
+                                      <m:t>𝑋</m:t>
+                                    </m:r>
+                                  </m:e>
+                                  <m:sub>
+                                    <m:r>
+                                      <a:rPr lang="en-US" altLang="ko-KR" b="0" i="1" smtClean="0">
+                                        <a:solidFill>
+                                          <a:sysClr val="windowText" lastClr="000000"/>
+                                        </a:solidFill>
+                                        <a:latin typeface="Cambria Math"/>
+                                      </a:rPr>
+                                      <m:t>12</m:t>
+                                    </m:r>
+                                  </m:sub>
+                                </m:sSub>
+                              </m:oMath>
+                            </m:oMathPara>
+                          </a14:m>
+                          <a:endParaRPr lang="ko-KR" altLang="en-US" dirty="0">
+                            <a:solidFill>
+                              <a:sysClr val="windowText" lastClr="000000"/>
+                            </a:solidFill>
+                          </a:endParaRPr>
+                        </a:p>
+                      </a:txBody>
+                      <a:tcPr anchor="ctr">
+                        <a:lnL w="12700" cap="flat" cmpd="sng" algn="ctr">
+                          <a:solidFill>
+                            <a:schemeClr val="tx1"/>
+                          </a:solidFill>
+                          <a:prstDash val="solid"/>
+                          <a:round/>
+                          <a:headEnd type="none" w="med" len="med"/>
+                          <a:tailEnd type="none" w="med" len="med"/>
+                        </a:lnL>
+                        <a:lnR w="12700" cap="flat" cmpd="sng" algn="ctr">
+                          <a:solidFill>
+                            <a:schemeClr val="tx1"/>
+                          </a:solidFill>
+                          <a:prstDash val="solid"/>
+                          <a:round/>
+                          <a:headEnd type="none" w="med" len="med"/>
+                          <a:tailEnd type="none" w="med" len="med"/>
+                        </a:lnR>
+                        <a:lnT w="12700" cap="flat" cmpd="sng" algn="ctr">
+                          <a:solidFill>
+                            <a:schemeClr val="tx1"/>
+                          </a:solidFill>
+                          <a:prstDash val="solid"/>
+                          <a:round/>
+                          <a:headEnd type="none" w="med" len="med"/>
+                          <a:tailEnd type="none" w="med" len="med"/>
+                        </a:lnT>
+                        <a:lnB w="12700" cap="flat" cmpd="sng" algn="ctr">
+                          <a:solidFill>
+                            <a:schemeClr val="tx1"/>
+                          </a:solidFill>
+                          <a:prstDash val="solid"/>
+                          <a:round/>
+                          <a:headEnd type="none" w="med" len="med"/>
+                          <a:tailEnd type="none" w="med" len="med"/>
+                        </a:lnB>
+                        <a:lnTlToBr w="12700" cmpd="sng">
+                          <a:noFill/>
+                          <a:prstDash val="solid"/>
+                        </a:lnTlToBr>
+                        <a:lnBlToTr w="12700" cmpd="sng">
+                          <a:noFill/>
+                          <a:prstDash val="solid"/>
+                        </a:lnBlToTr>
+                        <a:solidFill>
+                          <a:schemeClr val="bg1"/>
+                        </a:solidFill>
+                      </a:tcPr>
+                    </a:tc>
+                    <a:tc>
+                      <a:txBody>
+                        <a:bodyPr/>
+                        <a:lstStyle/>
+                        <a:p>
+                          <a:pPr algn="ctr" latinLnBrk="1"/>
+                          <a14:m>
+                            <m:oMathPara xmlns:m="http://schemas.openxmlformats.org/officeDocument/2006/math">
+                              <m:oMathParaPr>
+                                <m:jc m:val="centerGroup"/>
+                              </m:oMathParaPr>
+                              <m:oMath xmlns:m="http://schemas.openxmlformats.org/officeDocument/2006/math">
+                                <m:sSub>
+                                  <m:sSubPr>
+                                    <m:ctrlPr>
+                                      <a:rPr lang="en-US" altLang="ko-KR" b="0" i="1" smtClean="0">
+                                        <a:solidFill>
+                                          <a:sysClr val="windowText" lastClr="000000"/>
+                                        </a:solidFill>
+                                        <a:latin typeface="Cambria Math"/>
+                                      </a:rPr>
+                                    </m:ctrlPr>
+                                  </m:sSubPr>
+                                  <m:e>
+                                    <m:r>
+                                      <a:rPr lang="en-US" altLang="ko-KR" b="0" i="1" smtClean="0">
+                                        <a:solidFill>
+                                          <a:sysClr val="windowText" lastClr="000000"/>
+                                        </a:solidFill>
+                                        <a:latin typeface="Cambria Math"/>
+                                      </a:rPr>
+                                      <m:t>𝑋</m:t>
+                                    </m:r>
+                                  </m:e>
+                                  <m:sub>
+                                    <m:r>
+                                      <a:rPr lang="en-US" altLang="ko-KR" b="0" i="1" smtClean="0">
+                                        <a:solidFill>
+                                          <a:sysClr val="windowText" lastClr="000000"/>
+                                        </a:solidFill>
+                                        <a:latin typeface="Cambria Math"/>
+                                      </a:rPr>
+                                      <m:t>22</m:t>
+                                    </m:r>
+                                  </m:sub>
+                                </m:sSub>
+                              </m:oMath>
+                            </m:oMathPara>
+                          </a14:m>
+                          <a:endParaRPr lang="ko-KR" altLang="en-US" dirty="0">
+                            <a:solidFill>
+                              <a:sysClr val="windowText" lastClr="000000"/>
+                            </a:solidFill>
+                          </a:endParaRPr>
+                        </a:p>
+                      </a:txBody>
+                      <a:tcPr anchor="ctr">
+                        <a:lnL w="12700" cap="flat" cmpd="sng" algn="ctr">
+                          <a:solidFill>
+                            <a:schemeClr val="tx1"/>
+                          </a:solidFill>
+                          <a:prstDash val="solid"/>
+                          <a:round/>
+                          <a:headEnd type="none" w="med" len="med"/>
+                          <a:tailEnd type="none" w="med" len="med"/>
+                        </a:lnL>
+                        <a:lnR w="12700" cap="flat" cmpd="sng" algn="ctr">
+                          <a:solidFill>
+                            <a:schemeClr val="tx1"/>
+                          </a:solidFill>
+                          <a:prstDash val="solid"/>
+                          <a:round/>
+                          <a:headEnd type="none" w="med" len="med"/>
+                          <a:tailEnd type="none" w="med" len="med"/>
+                        </a:lnR>
+                        <a:lnT w="12700" cap="flat" cmpd="sng" algn="ctr">
+                          <a:solidFill>
+                            <a:schemeClr val="tx1"/>
+                          </a:solidFill>
+                          <a:prstDash val="solid"/>
+                          <a:round/>
+                          <a:headEnd type="none" w="med" len="med"/>
+                          <a:tailEnd type="none" w="med" len="med"/>
+                        </a:lnT>
+                        <a:lnB w="12700" cap="flat" cmpd="sng" algn="ctr">
+                          <a:solidFill>
+                            <a:schemeClr val="tx1"/>
+                          </a:solidFill>
+                          <a:prstDash val="solid"/>
+                          <a:round/>
+                          <a:headEnd type="none" w="med" len="med"/>
+                          <a:tailEnd type="none" w="med" len="med"/>
+                        </a:lnB>
+                        <a:lnTlToBr w="12700" cmpd="sng">
+                          <a:noFill/>
+                          <a:prstDash val="solid"/>
+                        </a:lnTlToBr>
+                        <a:lnBlToTr w="12700" cmpd="sng">
+                          <a:noFill/>
+                          <a:prstDash val="solid"/>
+                        </a:lnBlToTr>
+                        <a:solidFill>
+                          <a:schemeClr val="bg1"/>
+                        </a:solidFill>
+                      </a:tcPr>
+                    </a:tc>
+                    <a:tc>
+                      <a:txBody>
+                        <a:bodyPr/>
+                        <a:lstStyle/>
+                        <a:p>
+                          <a:pPr algn="ctr" latinLnBrk="1"/>
+                          <a14:m>
+                            <m:oMathPara xmlns:m="http://schemas.openxmlformats.org/officeDocument/2006/math">
+                              <m:oMathParaPr>
+                                <m:jc m:val="centerGroup"/>
+                              </m:oMathParaPr>
+                              <m:oMath xmlns:m="http://schemas.openxmlformats.org/officeDocument/2006/math">
+                                <m:sSub>
+                                  <m:sSubPr>
+                                    <m:ctrlPr>
+                                      <a:rPr lang="en-US" altLang="ko-KR" b="0" i="1" smtClean="0">
+                                        <a:solidFill>
+                                          <a:sysClr val="windowText" lastClr="000000"/>
+                                        </a:solidFill>
+                                        <a:latin typeface="Cambria Math"/>
+                                      </a:rPr>
+                                    </m:ctrlPr>
+                                  </m:sSubPr>
+                                  <m:e>
+                                    <m:r>
+                                      <a:rPr lang="en-US" altLang="ko-KR" b="0" i="1" smtClean="0">
+                                        <a:solidFill>
+                                          <a:sysClr val="windowText" lastClr="000000"/>
+                                        </a:solidFill>
+                                        <a:latin typeface="Cambria Math"/>
+                                      </a:rPr>
+                                      <m:t>𝑋</m:t>
+                                    </m:r>
+                                  </m:e>
+                                  <m:sub>
+                                    <m:r>
+                                      <a:rPr lang="en-US" altLang="ko-KR" b="0" i="1" smtClean="0">
+                                        <a:solidFill>
+                                          <a:sysClr val="windowText" lastClr="000000"/>
+                                        </a:solidFill>
+                                        <a:latin typeface="Cambria Math"/>
+                                      </a:rPr>
+                                      <m:t>32</m:t>
+                                    </m:r>
+                                  </m:sub>
+                                </m:sSub>
+                              </m:oMath>
+                            </m:oMathPara>
+                          </a14:m>
+                          <a:endParaRPr lang="ko-KR" altLang="en-US" dirty="0">
+                            <a:solidFill>
+                              <a:sysClr val="windowText" lastClr="000000"/>
+                            </a:solidFill>
+                          </a:endParaRPr>
+                        </a:p>
+                      </a:txBody>
+                      <a:tcPr anchor="ctr">
+                        <a:lnL w="12700" cap="flat" cmpd="sng" algn="ctr">
+                          <a:solidFill>
+                            <a:schemeClr val="tx1"/>
+                          </a:solidFill>
+                          <a:prstDash val="solid"/>
+                          <a:round/>
+                          <a:headEnd type="none" w="med" len="med"/>
+                          <a:tailEnd type="none" w="med" len="med"/>
+                        </a:lnL>
+                        <a:lnR w="12700" cap="flat" cmpd="sng" algn="ctr">
+                          <a:solidFill>
+                            <a:schemeClr val="tx1"/>
+                          </a:solidFill>
+                          <a:prstDash val="solid"/>
+                          <a:round/>
+                          <a:headEnd type="none" w="med" len="med"/>
+                          <a:tailEnd type="none" w="med" len="med"/>
+                        </a:lnR>
+                        <a:lnT w="12700" cap="flat" cmpd="sng" algn="ctr">
+                          <a:solidFill>
+                            <a:schemeClr val="tx1"/>
+                          </a:solidFill>
+                          <a:prstDash val="solid"/>
+                          <a:round/>
+                          <a:headEnd type="none" w="med" len="med"/>
+                          <a:tailEnd type="none" w="med" len="med"/>
+                        </a:lnT>
+                        <a:lnB w="12700" cap="flat" cmpd="sng" algn="ctr">
+                          <a:solidFill>
+                            <a:schemeClr val="tx1"/>
+                          </a:solidFill>
+                          <a:prstDash val="solid"/>
+                          <a:round/>
+                          <a:headEnd type="none" w="med" len="med"/>
+                          <a:tailEnd type="none" w="med" len="med"/>
+                        </a:lnB>
+                        <a:lnTlToBr w="12700" cmpd="sng">
+                          <a:noFill/>
+                          <a:prstDash val="solid"/>
+                        </a:lnTlToBr>
+                        <a:lnBlToTr w="12700" cmpd="sng">
+                          <a:noFill/>
+                          <a:prstDash val="solid"/>
+                        </a:lnBlToTr>
+                        <a:solidFill>
+                          <a:schemeClr val="bg1"/>
+                        </a:solidFill>
+                      </a:tcPr>
+                    </a:tc>
+                  </a:tr>
+                  <a:tr h="370840">
+                    <a:tc vMerge="1">
+                      <a:txBody>
+                        <a:bodyPr/>
+                        <a:lstStyle/>
+                        <a:p>
+                          <a:pPr algn="ctr" latinLnBrk="1"/>
+                          <a:endParaRPr lang="ko-KR" altLang="en-US" dirty="0">
+                            <a:solidFill>
+                              <a:sysClr val="windowText" lastClr="000000"/>
+                            </a:solidFill>
+                          </a:endParaRPr>
+                        </a:p>
+                      </a:txBody>
+                      <a:tcPr anchor="ctr">
+                        <a:lnL w="12700" cap="flat" cmpd="sng" algn="ctr">
+                          <a:solidFill>
+                            <a:schemeClr val="tx1"/>
+                          </a:solidFill>
+                          <a:prstDash val="solid"/>
+                          <a:round/>
+                          <a:headEnd type="none" w="med" len="med"/>
+                          <a:tailEnd type="none" w="med" len="med"/>
+                        </a:lnL>
+                        <a:lnR w="12700" cap="flat" cmpd="sng" algn="ctr">
+                          <a:solidFill>
+                            <a:schemeClr val="tx1"/>
+                          </a:solidFill>
+                          <a:prstDash val="solid"/>
+                          <a:round/>
+                          <a:headEnd type="none" w="med" len="med"/>
+                          <a:tailEnd type="none" w="med" len="med"/>
+                        </a:lnR>
+                        <a:lnT w="12700" cap="flat" cmpd="sng" algn="ctr">
+                          <a:solidFill>
+                            <a:schemeClr val="tx1"/>
+                          </a:solidFill>
+                          <a:prstDash val="solid"/>
+                          <a:round/>
+                          <a:headEnd type="none" w="med" len="med"/>
+                          <a:tailEnd type="none" w="med" len="med"/>
+                        </a:lnT>
+                        <a:lnB w="12700" cap="flat" cmpd="sng" algn="ctr">
+                          <a:solidFill>
+                            <a:schemeClr val="tx1"/>
+                          </a:solidFill>
+                          <a:prstDash val="solid"/>
+                          <a:round/>
+                          <a:headEnd type="none" w="med" len="med"/>
+                          <a:tailEnd type="none" w="med" len="med"/>
+                        </a:lnB>
+                        <a:lnTlToBr w="12700" cmpd="sng">
+                          <a:noFill/>
+                          <a:prstDash val="solid"/>
+                        </a:lnTlToBr>
+                        <a:lnBlToTr w="12700" cmpd="sng">
+                          <a:noFill/>
+                          <a:prstDash val="solid"/>
+                        </a:lnBlToTr>
+                        <a:solidFill>
+                          <a:schemeClr val="bg2"/>
+                        </a:solidFill>
+                      </a:tcPr>
+                    </a:tc>
+                    <a:tc>
+                      <a:txBody>
+                        <a:bodyPr/>
+                        <a:lstStyle/>
+                        <a:p>
+                          <a:pPr algn="ctr" latinLnBrk="1"/>
+                          <a14:m>
+                            <m:oMathPara xmlns:m="http://schemas.openxmlformats.org/officeDocument/2006/math">
+                              <m:oMathParaPr>
+                                <m:jc m:val="centerGroup"/>
+                              </m:oMathParaPr>
+                              <m:oMath xmlns:m="http://schemas.openxmlformats.org/officeDocument/2006/math">
+                                <m:sSub>
+                                  <m:sSubPr>
+                                    <m:ctrlPr>
+                                      <a:rPr lang="en-US" altLang="ko-KR" b="0" i="1" smtClean="0">
+                                        <a:solidFill>
+                                          <a:sysClr val="windowText" lastClr="000000"/>
+                                        </a:solidFill>
+                                        <a:latin typeface="Cambria Math"/>
+                                      </a:rPr>
+                                    </m:ctrlPr>
+                                  </m:sSubPr>
+                                  <m:e>
+                                    <m:r>
+                                      <a:rPr lang="en-US" altLang="ko-KR" b="0" i="1" smtClean="0">
+                                        <a:solidFill>
+                                          <a:sysClr val="windowText" lastClr="000000"/>
+                                        </a:solidFill>
+                                        <a:latin typeface="Cambria Math"/>
+                                      </a:rPr>
+                                      <m:t>𝑋</m:t>
+                                    </m:r>
+                                  </m:e>
+                                  <m:sub>
+                                    <m:r>
+                                      <a:rPr lang="en-US" altLang="ko-KR" b="0" i="1" smtClean="0">
+                                        <a:solidFill>
+                                          <a:sysClr val="windowText" lastClr="000000"/>
+                                        </a:solidFill>
+                                        <a:latin typeface="Cambria Math"/>
+                                      </a:rPr>
+                                      <m:t>13</m:t>
+                                    </m:r>
+                                  </m:sub>
+                                </m:sSub>
+                              </m:oMath>
+                            </m:oMathPara>
+                          </a14:m>
+                          <a:endParaRPr lang="ko-KR" altLang="en-US" dirty="0">
+                            <a:solidFill>
+                              <a:sysClr val="windowText" lastClr="000000"/>
+                            </a:solidFill>
+                          </a:endParaRPr>
+                        </a:p>
+                      </a:txBody>
+                      <a:tcPr anchor="ctr">
+                        <a:lnL w="12700" cap="flat" cmpd="sng" algn="ctr">
+                          <a:solidFill>
+                            <a:schemeClr val="tx1"/>
+                          </a:solidFill>
+                          <a:prstDash val="solid"/>
+                          <a:round/>
+                          <a:headEnd type="none" w="med" len="med"/>
+                          <a:tailEnd type="none" w="med" len="med"/>
+                        </a:lnL>
+                        <a:lnR w="12700" cap="flat" cmpd="sng" algn="ctr">
+                          <a:solidFill>
+                            <a:schemeClr val="tx1"/>
+                          </a:solidFill>
+                          <a:prstDash val="solid"/>
+                          <a:round/>
+                          <a:headEnd type="none" w="med" len="med"/>
+                          <a:tailEnd type="none" w="med" len="med"/>
+                        </a:lnR>
+                        <a:lnT w="12700" cap="flat" cmpd="sng" algn="ctr">
+                          <a:solidFill>
+                            <a:schemeClr val="tx1"/>
+                          </a:solidFill>
+                          <a:prstDash val="solid"/>
+                          <a:round/>
+                          <a:headEnd type="none" w="med" len="med"/>
+                          <a:tailEnd type="none" w="med" len="med"/>
+                        </a:lnT>
+                        <a:lnB w="12700" cap="flat" cmpd="sng" algn="ctr">
+                          <a:solidFill>
+                            <a:schemeClr val="tx1"/>
+                          </a:solidFill>
+                          <a:prstDash val="solid"/>
+                          <a:round/>
+                          <a:headEnd type="none" w="med" len="med"/>
+                          <a:tailEnd type="none" w="med" len="med"/>
+                        </a:lnB>
+                        <a:lnTlToBr w="12700" cmpd="sng">
+                          <a:noFill/>
+                          <a:prstDash val="solid"/>
+                        </a:lnTlToBr>
+                        <a:lnBlToTr w="12700" cmpd="sng">
+                          <a:noFill/>
+                          <a:prstDash val="solid"/>
+                        </a:lnBlToTr>
+                        <a:solidFill>
+                          <a:schemeClr val="bg1"/>
+                        </a:solidFill>
+                      </a:tcPr>
+                    </a:tc>
+                    <a:tc>
+                      <a:txBody>
+                        <a:bodyPr/>
+                        <a:lstStyle/>
+                        <a:p>
+                          <a:pPr algn="ctr" latinLnBrk="1"/>
+                          <a14:m>
+                            <m:oMathPara xmlns:m="http://schemas.openxmlformats.org/officeDocument/2006/math">
+                              <m:oMathParaPr>
+                                <m:jc m:val="centerGroup"/>
+                              </m:oMathParaPr>
+                              <m:oMath xmlns:m="http://schemas.openxmlformats.org/officeDocument/2006/math">
+                                <m:sSub>
+                                  <m:sSubPr>
+                                    <m:ctrlPr>
+                                      <a:rPr lang="en-US" altLang="ko-KR" b="0" i="1" smtClean="0">
+                                        <a:solidFill>
+                                          <a:sysClr val="windowText" lastClr="000000"/>
+                                        </a:solidFill>
+                                        <a:latin typeface="Cambria Math"/>
+                                      </a:rPr>
+                                    </m:ctrlPr>
+                                  </m:sSubPr>
+                                  <m:e>
+                                    <m:r>
+                                      <a:rPr lang="en-US" altLang="ko-KR" b="0" i="1" smtClean="0">
+                                        <a:solidFill>
+                                          <a:sysClr val="windowText" lastClr="000000"/>
+                                        </a:solidFill>
+                                        <a:latin typeface="Cambria Math"/>
+                                      </a:rPr>
+                                      <m:t>𝑋</m:t>
+                                    </m:r>
+                                  </m:e>
+                                  <m:sub>
+                                    <m:r>
+                                      <a:rPr lang="en-US" altLang="ko-KR" b="0" i="1" smtClean="0">
+                                        <a:solidFill>
+                                          <a:sysClr val="windowText" lastClr="000000"/>
+                                        </a:solidFill>
+                                        <a:latin typeface="Cambria Math"/>
+                                      </a:rPr>
+                                      <m:t>23</m:t>
+                                    </m:r>
+                                  </m:sub>
+                                </m:sSub>
+                              </m:oMath>
+                            </m:oMathPara>
+                          </a14:m>
+                          <a:endParaRPr lang="ko-KR" altLang="en-US" dirty="0">
+                            <a:solidFill>
+                              <a:sysClr val="windowText" lastClr="000000"/>
+                            </a:solidFill>
+                          </a:endParaRPr>
+                        </a:p>
+                      </a:txBody>
+                      <a:tcPr anchor="ctr">
+                        <a:lnL w="12700" cap="flat" cmpd="sng" algn="ctr">
+                          <a:solidFill>
+                            <a:schemeClr val="tx1"/>
+                          </a:solidFill>
+                          <a:prstDash val="solid"/>
+                          <a:round/>
+                          <a:headEnd type="none" w="med" len="med"/>
+                          <a:tailEnd type="none" w="med" len="med"/>
+                        </a:lnL>
+                        <a:lnR w="12700" cap="flat" cmpd="sng" algn="ctr">
+                          <a:solidFill>
+                            <a:schemeClr val="tx1"/>
+                          </a:solidFill>
+                          <a:prstDash val="solid"/>
+                          <a:round/>
+                          <a:headEnd type="none" w="med" len="med"/>
+                          <a:tailEnd type="none" w="med" len="med"/>
+                        </a:lnR>
+                        <a:lnT w="12700" cap="flat" cmpd="sng" algn="ctr">
+                          <a:solidFill>
+                            <a:schemeClr val="tx1"/>
+                          </a:solidFill>
+                          <a:prstDash val="solid"/>
+                          <a:round/>
+                          <a:headEnd type="none" w="med" len="med"/>
+                          <a:tailEnd type="none" w="med" len="med"/>
+                        </a:lnT>
+                        <a:lnB w="12700" cap="flat" cmpd="sng" algn="ctr">
+                          <a:solidFill>
+                            <a:schemeClr val="tx1"/>
+                          </a:solidFill>
+                          <a:prstDash val="solid"/>
+                          <a:round/>
+                          <a:headEnd type="none" w="med" len="med"/>
+                          <a:tailEnd type="none" w="med" len="med"/>
+                        </a:lnB>
+                        <a:lnTlToBr w="12700" cmpd="sng">
+                          <a:noFill/>
+                          <a:prstDash val="solid"/>
+                        </a:lnTlToBr>
+                        <a:lnBlToTr w="12700" cmpd="sng">
+                          <a:noFill/>
+                          <a:prstDash val="solid"/>
+                        </a:lnBlToTr>
+                        <a:solidFill>
+                          <a:schemeClr val="bg1"/>
+                        </a:solidFill>
+                      </a:tcPr>
+                    </a:tc>
+                    <a:tc>
+                      <a:txBody>
+                        <a:bodyPr/>
+                        <a:lstStyle/>
+                        <a:p>
+                          <a:pPr algn="ctr" latinLnBrk="1"/>
+                          <a14:m>
+                            <m:oMathPara xmlns:m="http://schemas.openxmlformats.org/officeDocument/2006/math">
+                              <m:oMathParaPr>
+                                <m:jc m:val="centerGroup"/>
+                              </m:oMathParaPr>
+                              <m:oMath xmlns:m="http://schemas.openxmlformats.org/officeDocument/2006/math">
+                                <m:sSub>
+                                  <m:sSubPr>
+                                    <m:ctrlPr>
+                                      <a:rPr lang="en-US" altLang="ko-KR" b="0" i="1" smtClean="0">
+                                        <a:solidFill>
+                                          <a:sysClr val="windowText" lastClr="000000"/>
+                                        </a:solidFill>
+                                        <a:latin typeface="Cambria Math"/>
+                                      </a:rPr>
+                                    </m:ctrlPr>
+                                  </m:sSubPr>
+                                  <m:e>
+                                    <m:r>
+                                      <a:rPr lang="en-US" altLang="ko-KR" b="0" i="1" smtClean="0">
+                                        <a:solidFill>
+                                          <a:sysClr val="windowText" lastClr="000000"/>
+                                        </a:solidFill>
+                                        <a:latin typeface="Cambria Math"/>
+                                      </a:rPr>
+                                      <m:t>𝑋</m:t>
+                                    </m:r>
+                                  </m:e>
+                                  <m:sub>
+                                    <m:r>
+                                      <a:rPr lang="en-US" altLang="ko-KR" b="0" i="1" smtClean="0">
+                                        <a:solidFill>
+                                          <a:sysClr val="windowText" lastClr="000000"/>
+                                        </a:solidFill>
+                                        <a:latin typeface="Cambria Math"/>
+                                      </a:rPr>
+                                      <m:t>33</m:t>
+                                    </m:r>
+                                  </m:sub>
+                                </m:sSub>
+                              </m:oMath>
+                            </m:oMathPara>
+                          </a14:m>
+                          <a:endParaRPr lang="ko-KR" altLang="en-US" dirty="0">
+                            <a:solidFill>
+                              <a:sysClr val="windowText" lastClr="000000"/>
+                            </a:solidFill>
+                          </a:endParaRPr>
+                        </a:p>
+                      </a:txBody>
+                      <a:tcPr anchor="ctr">
+                        <a:lnL w="12700" cap="flat" cmpd="sng" algn="ctr">
+                          <a:solidFill>
+                            <a:schemeClr val="tx1"/>
+                          </a:solidFill>
+                          <a:prstDash val="solid"/>
+                          <a:round/>
+                          <a:headEnd type="none" w="med" len="med"/>
+                          <a:tailEnd type="none" w="med" len="med"/>
+                        </a:lnL>
+                        <a:lnR w="12700" cap="flat" cmpd="sng" algn="ctr">
+                          <a:solidFill>
+                            <a:schemeClr val="tx1"/>
+                          </a:solidFill>
+                          <a:prstDash val="solid"/>
+                          <a:round/>
+                          <a:headEnd type="none" w="med" len="med"/>
+                          <a:tailEnd type="none" w="med" len="med"/>
+                        </a:lnR>
+                        <a:lnT w="12700" cap="flat" cmpd="sng" algn="ctr">
+                          <a:solidFill>
+                            <a:schemeClr val="tx1"/>
+                          </a:solidFill>
+                          <a:prstDash val="solid"/>
+                          <a:round/>
+                          <a:headEnd type="none" w="med" len="med"/>
+                          <a:tailEnd type="none" w="med" len="med"/>
+                        </a:lnT>
+                        <a:lnB w="12700" cap="flat" cmpd="sng" algn="ctr">
+                          <a:solidFill>
+                            <a:schemeClr val="tx1"/>
+                          </a:solidFill>
+                          <a:prstDash val="solid"/>
+                          <a:round/>
+                          <a:headEnd type="none" w="med" len="med"/>
+                          <a:tailEnd type="none" w="med" len="med"/>
+                        </a:lnB>
+                        <a:lnTlToBr w="12700" cmpd="sng">
+                          <a:noFill/>
+                          <a:prstDash val="solid"/>
+                        </a:lnTlToBr>
+                        <a:lnBlToTr w="12700" cmpd="sng">
+                          <a:noFill/>
+                          <a:prstDash val="solid"/>
+                        </a:lnBlToTr>
+                        <a:solidFill>
+                          <a:schemeClr val="bg1"/>
+                        </a:solidFill>
+                      </a:tcPr>
+                    </a:tc>
+                  </a:tr>
+                  <a:tr h="370840">
+                    <a:tc vMerge="1">
+                      <a:txBody>
+                        <a:bodyPr/>
+                        <a:lstStyle/>
+                        <a:p>
+                          <a:pPr algn="ctr" latinLnBrk="1"/>
+                          <a:endParaRPr lang="ko-KR" altLang="en-US" dirty="0">
+                            <a:solidFill>
+                              <a:sysClr val="windowText" lastClr="000000"/>
+                            </a:solidFill>
+                          </a:endParaRPr>
+                        </a:p>
+                      </a:txBody>
+                      <a:tcPr anchor="ctr">
+                        <a:lnL w="12700" cap="flat" cmpd="sng" algn="ctr">
+                          <a:solidFill>
+                            <a:schemeClr val="tx1"/>
+                          </a:solidFill>
+                          <a:prstDash val="solid"/>
+                          <a:round/>
+                          <a:headEnd type="none" w="med" len="med"/>
+                          <a:tailEnd type="none" w="med" len="med"/>
+                        </a:lnL>
+                        <a:lnR w="12700" cap="flat" cmpd="sng" algn="ctr">
+                          <a:solidFill>
+                            <a:schemeClr val="tx1"/>
+                          </a:solidFill>
+                          <a:prstDash val="solid"/>
+                          <a:round/>
+                          <a:headEnd type="none" w="med" len="med"/>
+                          <a:tailEnd type="none" w="med" len="med"/>
+                        </a:lnR>
+                        <a:lnT w="12700" cap="flat" cmpd="sng" algn="ctr">
+                          <a:solidFill>
+                            <a:schemeClr val="tx1"/>
+                          </a:solidFill>
+                          <a:prstDash val="solid"/>
+                          <a:round/>
+                          <a:headEnd type="none" w="med" len="med"/>
+                          <a:tailEnd type="none" w="med" len="med"/>
+                        </a:lnT>
+                        <a:lnB w="12700" cap="flat" cmpd="sng" algn="ctr">
+                          <a:solidFill>
+                            <a:schemeClr val="tx1"/>
+                          </a:solidFill>
+                          <a:prstDash val="solid"/>
+                          <a:round/>
+                          <a:headEnd type="none" w="med" len="med"/>
+                          <a:tailEnd type="none" w="med" len="med"/>
+                        </a:lnB>
+                        <a:lnTlToBr w="12700" cmpd="sng">
+                          <a:noFill/>
+                          <a:prstDash val="solid"/>
+                        </a:lnTlToBr>
+                        <a:lnBlToTr w="12700" cmpd="sng">
+                          <a:noFill/>
+                          <a:prstDash val="solid"/>
+                        </a:lnBlToTr>
+                        <a:solidFill>
+                          <a:schemeClr val="bg2"/>
+                        </a:solidFill>
+                      </a:tcPr>
+                    </a:tc>
+                    <a:tc>
+                      <a:txBody>
+                        <a:bodyPr/>
+                        <a:lstStyle/>
+                        <a:p>
+                          <a:pPr algn="ctr" latinLnBrk="1"/>
+                          <a14:m>
+                            <m:oMathPara xmlns:m="http://schemas.openxmlformats.org/officeDocument/2006/math">
+                              <m:oMathParaPr>
+                                <m:jc m:val="centerGroup"/>
+                              </m:oMathParaPr>
+                              <m:oMath xmlns:m="http://schemas.openxmlformats.org/officeDocument/2006/math">
+                                <m:sSub>
+                                  <m:sSubPr>
+                                    <m:ctrlPr>
+                                      <a:rPr lang="en-US" altLang="ko-KR" b="0" i="1" smtClean="0">
+                                        <a:solidFill>
+                                          <a:sysClr val="windowText" lastClr="000000"/>
+                                        </a:solidFill>
+                                        <a:latin typeface="Cambria Math"/>
+                                      </a:rPr>
+                                    </m:ctrlPr>
+                                  </m:sSubPr>
+                                  <m:e>
+                                    <m:r>
+                                      <a:rPr lang="en-US" altLang="ko-KR" b="0" i="1" smtClean="0">
+                                        <a:solidFill>
+                                          <a:sysClr val="windowText" lastClr="000000"/>
+                                        </a:solidFill>
+                                        <a:latin typeface="Cambria Math"/>
+                                      </a:rPr>
+                                      <m:t>𝑋</m:t>
+                                    </m:r>
+                                  </m:e>
+                                  <m:sub>
+                                    <m:r>
+                                      <a:rPr lang="en-US" altLang="ko-KR" b="0" i="1" smtClean="0">
+                                        <a:solidFill>
+                                          <a:sysClr val="windowText" lastClr="000000"/>
+                                        </a:solidFill>
+                                        <a:latin typeface="Cambria Math"/>
+                                      </a:rPr>
+                                      <m:t>14</m:t>
+                                    </m:r>
+                                  </m:sub>
+                                </m:sSub>
+                              </m:oMath>
+                            </m:oMathPara>
+                          </a14:m>
+                          <a:endParaRPr lang="ko-KR" altLang="en-US" dirty="0">
+                            <a:solidFill>
+                              <a:sysClr val="windowText" lastClr="000000"/>
+                            </a:solidFill>
+                          </a:endParaRPr>
+                        </a:p>
+                      </a:txBody>
+                      <a:tcPr anchor="ctr">
+                        <a:lnL w="12700" cap="flat" cmpd="sng" algn="ctr">
+                          <a:solidFill>
+                            <a:schemeClr val="tx1"/>
+                          </a:solidFill>
+                          <a:prstDash val="solid"/>
+                          <a:round/>
+                          <a:headEnd type="none" w="med" len="med"/>
+                          <a:tailEnd type="none" w="med" len="med"/>
+                        </a:lnL>
+                        <a:lnR w="12700" cap="flat" cmpd="sng" algn="ctr">
+                          <a:solidFill>
+                            <a:schemeClr val="tx1"/>
+                          </a:solidFill>
+                          <a:prstDash val="solid"/>
+                          <a:round/>
+                          <a:headEnd type="none" w="med" len="med"/>
+                          <a:tailEnd type="none" w="med" len="med"/>
+                        </a:lnR>
+                        <a:lnT w="12700" cap="flat" cmpd="sng" algn="ctr">
+                          <a:solidFill>
+                            <a:schemeClr val="tx1"/>
+                          </a:solidFill>
+                          <a:prstDash val="solid"/>
+                          <a:round/>
+                          <a:headEnd type="none" w="med" len="med"/>
+                          <a:tailEnd type="none" w="med" len="med"/>
+                        </a:lnT>
+                        <a:lnB w="12700" cap="flat" cmpd="sng" algn="ctr">
+                          <a:solidFill>
+                            <a:schemeClr val="tx1"/>
+                          </a:solidFill>
+                          <a:prstDash val="solid"/>
+                          <a:round/>
+                          <a:headEnd type="none" w="med" len="med"/>
+                          <a:tailEnd type="none" w="med" len="med"/>
+                        </a:lnB>
+                        <a:lnTlToBr w="12700" cmpd="sng">
+                          <a:noFill/>
+                          <a:prstDash val="solid"/>
+                        </a:lnTlToBr>
+                        <a:lnBlToTr w="12700" cmpd="sng">
+                          <a:noFill/>
+                          <a:prstDash val="solid"/>
+                        </a:lnBlToTr>
+                        <a:solidFill>
+                          <a:schemeClr val="bg1"/>
+                        </a:solidFill>
+                      </a:tcPr>
+                    </a:tc>
+                    <a:tc>
+                      <a:txBody>
+                        <a:bodyPr/>
+                        <a:lstStyle/>
+                        <a:p>
+                          <a:pPr algn="ctr" latinLnBrk="1"/>
+                          <a14:m>
+                            <m:oMathPara xmlns:m="http://schemas.openxmlformats.org/officeDocument/2006/math">
+                              <m:oMathParaPr>
+                                <m:jc m:val="centerGroup"/>
+                              </m:oMathParaPr>
+                              <m:oMath xmlns:m="http://schemas.openxmlformats.org/officeDocument/2006/math">
+                                <m:sSub>
+                                  <m:sSubPr>
+                                    <m:ctrlPr>
+                                      <a:rPr lang="en-US" altLang="ko-KR" b="0" i="1" smtClean="0">
+                                        <a:solidFill>
+                                          <a:sysClr val="windowText" lastClr="000000"/>
+                                        </a:solidFill>
+                                        <a:latin typeface="Cambria Math"/>
+                                      </a:rPr>
+                                    </m:ctrlPr>
+                                  </m:sSubPr>
+                                  <m:e>
+                                    <m:r>
+                                      <a:rPr lang="en-US" altLang="ko-KR" b="0" i="1" smtClean="0">
+                                        <a:solidFill>
+                                          <a:sysClr val="windowText" lastClr="000000"/>
+                                        </a:solidFill>
+                                        <a:latin typeface="Cambria Math"/>
+                                      </a:rPr>
+                                      <m:t>𝑋</m:t>
+                                    </m:r>
+                                  </m:e>
+                                  <m:sub>
+                                    <m:r>
+                                      <a:rPr lang="en-US" altLang="ko-KR" b="0" i="1" smtClean="0">
+                                        <a:solidFill>
+                                          <a:sysClr val="windowText" lastClr="000000"/>
+                                        </a:solidFill>
+                                        <a:latin typeface="Cambria Math"/>
+                                      </a:rPr>
+                                      <m:t>24</m:t>
+                                    </m:r>
+                                  </m:sub>
+                                </m:sSub>
+                              </m:oMath>
+                            </m:oMathPara>
+                          </a14:m>
+                          <a:endParaRPr lang="ko-KR" altLang="en-US" dirty="0">
+                            <a:solidFill>
+                              <a:sysClr val="windowText" lastClr="000000"/>
+                            </a:solidFill>
+                          </a:endParaRPr>
+                        </a:p>
+                      </a:txBody>
+                      <a:tcPr anchor="ctr">
+                        <a:lnL w="12700" cap="flat" cmpd="sng" algn="ctr">
+                          <a:solidFill>
+                            <a:schemeClr val="tx1"/>
+                          </a:solidFill>
+                          <a:prstDash val="solid"/>
+                          <a:round/>
+                          <a:headEnd type="none" w="med" len="med"/>
+                          <a:tailEnd type="none" w="med" len="med"/>
+                        </a:lnL>
+                        <a:lnR w="12700" cap="flat" cmpd="sng" algn="ctr">
+                          <a:solidFill>
+                            <a:schemeClr val="tx1"/>
+                          </a:solidFill>
+                          <a:prstDash val="solid"/>
+                          <a:round/>
+                          <a:headEnd type="none" w="med" len="med"/>
+                          <a:tailEnd type="none" w="med" len="med"/>
+                        </a:lnR>
+                        <a:lnT w="12700" cap="flat" cmpd="sng" algn="ctr">
+                          <a:solidFill>
+                            <a:schemeClr val="tx1"/>
+                          </a:solidFill>
+                          <a:prstDash val="solid"/>
+                          <a:round/>
+                          <a:headEnd type="none" w="med" len="med"/>
+                          <a:tailEnd type="none" w="med" len="med"/>
+                        </a:lnT>
+                        <a:lnB w="12700" cap="flat" cmpd="sng" algn="ctr">
+                          <a:solidFill>
+                            <a:schemeClr val="tx1"/>
+                          </a:solidFill>
+                          <a:prstDash val="solid"/>
+                          <a:round/>
+                          <a:headEnd type="none" w="med" len="med"/>
+                          <a:tailEnd type="none" w="med" len="med"/>
+                        </a:lnB>
+                        <a:lnTlToBr w="12700" cmpd="sng">
+                          <a:noFill/>
+                          <a:prstDash val="solid"/>
+                        </a:lnTlToBr>
+                        <a:lnBlToTr w="12700" cmpd="sng">
+                          <a:noFill/>
+                          <a:prstDash val="solid"/>
+                        </a:lnBlToTr>
+                        <a:solidFill>
+                          <a:schemeClr val="bg1"/>
+                        </a:solidFill>
+                      </a:tcPr>
+                    </a:tc>
+                    <a:tc>
+                      <a:txBody>
+                        <a:bodyPr/>
+                        <a:lstStyle/>
+                        <a:p>
+                          <a:pPr algn="ctr" latinLnBrk="1"/>
+                          <a14:m>
+                            <m:oMathPara xmlns:m="http://schemas.openxmlformats.org/officeDocument/2006/math">
+                              <m:oMathParaPr>
+                                <m:jc m:val="centerGroup"/>
+                              </m:oMathParaPr>
+                              <m:oMath xmlns:m="http://schemas.openxmlformats.org/officeDocument/2006/math">
+                                <m:sSub>
+                                  <m:sSubPr>
+                                    <m:ctrlPr>
+                                      <a:rPr lang="en-US" altLang="ko-KR" b="0" i="1" smtClean="0">
+                                        <a:solidFill>
+                                          <a:sysClr val="windowText" lastClr="000000"/>
+                                        </a:solidFill>
+                                        <a:latin typeface="Cambria Math"/>
+                                      </a:rPr>
+                                    </m:ctrlPr>
+                                  </m:sSubPr>
+                                  <m:e>
+                                    <m:r>
+                                      <a:rPr lang="en-US" altLang="ko-KR" b="0" i="1" smtClean="0">
+                                        <a:solidFill>
+                                          <a:sysClr val="windowText" lastClr="000000"/>
+                                        </a:solidFill>
+                                        <a:latin typeface="Cambria Math"/>
+                                      </a:rPr>
+                                      <m:t>𝑋</m:t>
+                                    </m:r>
+                                  </m:e>
+                                  <m:sub>
+                                    <m:r>
+                                      <a:rPr lang="en-US" altLang="ko-KR" b="0" i="1" smtClean="0">
+                                        <a:solidFill>
+                                          <a:sysClr val="windowText" lastClr="000000"/>
+                                        </a:solidFill>
+                                        <a:latin typeface="Cambria Math"/>
+                                      </a:rPr>
+                                      <m:t>34</m:t>
+                                    </m:r>
+                                  </m:sub>
+                                </m:sSub>
+                              </m:oMath>
+                            </m:oMathPara>
+                          </a14:m>
+                          <a:endParaRPr lang="ko-KR" altLang="en-US" dirty="0">
+                            <a:solidFill>
+                              <a:sysClr val="windowText" lastClr="000000"/>
+                            </a:solidFill>
+                          </a:endParaRPr>
+                        </a:p>
+                      </a:txBody>
+                      <a:tcPr anchor="ctr">
+                        <a:lnL w="12700" cap="flat" cmpd="sng" algn="ctr">
+                          <a:solidFill>
+                            <a:schemeClr val="tx1"/>
+                          </a:solidFill>
+                          <a:prstDash val="solid"/>
+                          <a:round/>
+                          <a:headEnd type="none" w="med" len="med"/>
+                          <a:tailEnd type="none" w="med" len="med"/>
+                        </a:lnL>
+                        <a:lnR w="12700" cap="flat" cmpd="sng" algn="ctr">
+                          <a:solidFill>
+                            <a:schemeClr val="tx1"/>
+                          </a:solidFill>
+                          <a:prstDash val="solid"/>
+                          <a:round/>
+                          <a:headEnd type="none" w="med" len="med"/>
+                          <a:tailEnd type="none" w="med" len="med"/>
+                        </a:lnR>
+                        <a:lnT w="12700" cap="flat" cmpd="sng" algn="ctr">
+                          <a:solidFill>
+                            <a:schemeClr val="tx1"/>
+                          </a:solidFill>
+                          <a:prstDash val="solid"/>
+                          <a:round/>
+                          <a:headEnd type="none" w="med" len="med"/>
+                          <a:tailEnd type="none" w="med" len="med"/>
+                        </a:lnT>
+                        <a:lnB w="12700" cap="flat" cmpd="sng" algn="ctr">
+                          <a:solidFill>
+                            <a:schemeClr val="tx1"/>
+                          </a:solidFill>
+                          <a:prstDash val="solid"/>
+                          <a:round/>
+                          <a:headEnd type="none" w="med" len="med"/>
+                          <a:tailEnd type="none" w="med" len="med"/>
+                        </a:lnB>
+                        <a:lnTlToBr w="12700" cmpd="sng">
+                          <a:noFill/>
+                          <a:prstDash val="solid"/>
+                        </a:lnTlToBr>
+                        <a:lnBlToTr w="12700" cmpd="sng">
+                          <a:noFill/>
+                          <a:prstDash val="solid"/>
+                        </a:lnBlToTr>
+                        <a:solidFill>
+                          <a:schemeClr val="bg1"/>
+                        </a:solidFill>
+                      </a:tcPr>
+                    </a:tc>
+                  </a:tr>
+                  <a:tr h="370840">
+                    <a:tc>
+                      <a:txBody>
+                        <a:bodyPr/>
+                        <a:lstStyle/>
+                        <a:p>
+                          <a:pPr algn="ctr" latinLnBrk="1"/>
+                          <a:r>
+                            <a:rPr lang="en-US" altLang="ko-KR" dirty="0" smtClean="0">
+                              <a:solidFill>
+                                <a:sysClr val="windowText" lastClr="000000"/>
+                              </a:solidFill>
+                            </a:rPr>
+                            <a:t>Treatment</a:t>
+                          </a:r>
+                        </a:p>
+                        <a:p>
+                          <a:pPr algn="ctr" latinLnBrk="1"/>
+                          <a:r>
+                            <a:rPr lang="en-US" altLang="ko-KR" dirty="0" smtClean="0">
+                              <a:solidFill>
+                                <a:sysClr val="windowText" lastClr="000000"/>
+                              </a:solidFill>
+                            </a:rPr>
+                            <a:t>Means</a:t>
+                          </a:r>
+                          <a:endParaRPr lang="ko-KR" altLang="en-US" dirty="0">
+                            <a:solidFill>
+                              <a:sysClr val="windowText" lastClr="000000"/>
+                            </a:solidFill>
+                          </a:endParaRPr>
+                        </a:p>
+                      </a:txBody>
+                      <a:tcPr anchor="ctr">
+                        <a:lnL w="12700" cap="flat" cmpd="sng" algn="ctr">
+                          <a:solidFill>
+                            <a:schemeClr val="tx1"/>
+                          </a:solidFill>
+                          <a:prstDash val="solid"/>
+                          <a:round/>
+                          <a:headEnd type="none" w="med" len="med"/>
+                          <a:tailEnd type="none" w="med" len="med"/>
+                        </a:lnL>
+                        <a:lnR w="12700" cap="flat" cmpd="sng" algn="ctr">
+                          <a:solidFill>
+                            <a:schemeClr val="tx1"/>
+                          </a:solidFill>
+                          <a:prstDash val="solid"/>
+                          <a:round/>
+                          <a:headEnd type="none" w="med" len="med"/>
+                          <a:tailEnd type="none" w="med" len="med"/>
+                        </a:lnR>
+                        <a:lnT w="12700" cap="flat" cmpd="sng" algn="ctr">
+                          <a:solidFill>
+                            <a:schemeClr val="tx1"/>
+                          </a:solidFill>
+                          <a:prstDash val="solid"/>
+                          <a:round/>
+                          <a:headEnd type="none" w="med" len="med"/>
+                          <a:tailEnd type="none" w="med" len="med"/>
+                        </a:lnT>
+                        <a:lnB w="12700" cap="flat" cmpd="sng" algn="ctr">
+                          <a:solidFill>
+                            <a:schemeClr val="tx1"/>
+                          </a:solidFill>
+                          <a:prstDash val="solid"/>
+                          <a:round/>
+                          <a:headEnd type="none" w="med" len="med"/>
+                          <a:tailEnd type="none" w="med" len="med"/>
+                        </a:lnB>
+                        <a:lnTlToBr w="12700" cmpd="sng">
+                          <a:noFill/>
+                          <a:prstDash val="solid"/>
+                        </a:lnTlToBr>
+                        <a:lnBlToTr w="12700" cmpd="sng">
+                          <a:noFill/>
+                          <a:prstDash val="solid"/>
+                        </a:lnBlToTr>
+                        <a:solidFill>
+                          <a:schemeClr val="bg2"/>
+                        </a:solidFill>
+                      </a:tcPr>
+                    </a:tc>
+                    <a:tc>
+                      <a:txBody>
+                        <a:bodyPr/>
+                        <a:lstStyle/>
+                        <a:p>
+                          <a:pPr marL="0" marR="0" indent="0" algn="ctr" defTabSz="914400" rtl="0" eaLnBrk="1" fontAlgn="auto" latinLnBrk="1" hangingPunct="1">
+                            <a:lnSpc>
+                              <a:spcPct val="100000"/>
+                            </a:lnSpc>
+                            <a:spcBef>
+                              <a:spcPts val="0"/>
+                            </a:spcBef>
+                            <a:spcAft>
+                              <a:spcPts val="0"/>
+                            </a:spcAft>
+                            <a:buClrTx/>
+                            <a:buSzTx/>
+                            <a:buFontTx/>
+                            <a:buNone/>
+                            <a:tabLst/>
+                            <a:defRPr/>
+                          </a:pPr>
+                          <a14:m>
+                            <m:oMathPara xmlns:m="http://schemas.openxmlformats.org/officeDocument/2006/math">
+                              <m:oMathParaPr>
+                                <m:jc m:val="centerGroup"/>
+                              </m:oMathParaPr>
+                              <m:oMath xmlns:m="http://schemas.openxmlformats.org/officeDocument/2006/math">
+                                <m:acc>
+                                  <m:accPr>
+                                    <m:chr m:val="̅"/>
+                                    <m:ctrlPr>
+                                      <a:rPr lang="en-US" altLang="ko-KR" b="0" i="1" smtClean="0">
+                                        <a:solidFill>
+                                          <a:sysClr val="windowText" lastClr="000000"/>
+                                        </a:solidFill>
+                                        <a:latin typeface="Cambria Math"/>
+                                      </a:rPr>
+                                    </m:ctrlPr>
+                                  </m:accPr>
+                                  <m:e>
+                                    <m:sSub>
+                                      <m:sSubPr>
+                                        <m:ctrlPr>
+                                          <a:rPr lang="en-US" altLang="ko-KR" b="0" i="1" smtClean="0">
+                                            <a:solidFill>
+                                              <a:sysClr val="windowText" lastClr="000000"/>
+                                            </a:solidFill>
+                                            <a:latin typeface="Cambria Math"/>
+                                          </a:rPr>
+                                        </m:ctrlPr>
+                                      </m:sSubPr>
+                                      <m:e>
+                                        <m:r>
+                                          <a:rPr lang="en-US" altLang="ko-KR" b="0" i="1" smtClean="0">
+                                            <a:solidFill>
+                                              <a:sysClr val="windowText" lastClr="000000"/>
+                                            </a:solidFill>
+                                            <a:latin typeface="Cambria Math"/>
+                                          </a:rPr>
+                                          <m:t>𝑋</m:t>
+                                        </m:r>
+                                      </m:e>
+                                      <m:sub>
+                                        <m:r>
+                                          <a:rPr lang="en-US" altLang="ko-KR" b="0" i="1" smtClean="0">
+                                            <a:solidFill>
+                                              <a:sysClr val="windowText" lastClr="000000"/>
+                                            </a:solidFill>
+                                            <a:latin typeface="Cambria Math"/>
+                                          </a:rPr>
+                                          <m:t>1 </m:t>
+                                        </m:r>
+                                      </m:sub>
+                                    </m:sSub>
+                                  </m:e>
+                                </m:acc>
+                              </m:oMath>
+                            </m:oMathPara>
+                          </a14:m>
+                          <a:endParaRPr lang="ko-KR" altLang="en-US" dirty="0">
+                            <a:solidFill>
+                              <a:sysClr val="windowText" lastClr="000000"/>
+                            </a:solidFill>
+                          </a:endParaRPr>
+                        </a:p>
+                      </a:txBody>
+                      <a:tcPr anchor="ctr">
+                        <a:lnL w="12700" cap="flat" cmpd="sng" algn="ctr">
+                          <a:solidFill>
+                            <a:schemeClr val="tx1"/>
+                          </a:solidFill>
+                          <a:prstDash val="solid"/>
+                          <a:round/>
+                          <a:headEnd type="none" w="med" len="med"/>
+                          <a:tailEnd type="none" w="med" len="med"/>
+                        </a:lnL>
+                        <a:lnR w="12700" cap="flat" cmpd="sng" algn="ctr">
+                          <a:solidFill>
+                            <a:schemeClr val="tx1"/>
+                          </a:solidFill>
+                          <a:prstDash val="solid"/>
+                          <a:round/>
+                          <a:headEnd type="none" w="med" len="med"/>
+                          <a:tailEnd type="none" w="med" len="med"/>
+                        </a:lnR>
+                        <a:lnT w="12700" cap="flat" cmpd="sng" algn="ctr">
+                          <a:solidFill>
+                            <a:schemeClr val="tx1"/>
+                          </a:solidFill>
+                          <a:prstDash val="solid"/>
+                          <a:round/>
+                          <a:headEnd type="none" w="med" len="med"/>
+                          <a:tailEnd type="none" w="med" len="med"/>
+                        </a:lnT>
+                        <a:lnB w="12700" cap="flat" cmpd="sng" algn="ctr">
+                          <a:solidFill>
+                            <a:schemeClr val="tx1"/>
+                          </a:solidFill>
+                          <a:prstDash val="solid"/>
+                          <a:round/>
+                          <a:headEnd type="none" w="med" len="med"/>
+                          <a:tailEnd type="none" w="med" len="med"/>
+                        </a:lnB>
+                        <a:lnTlToBr w="12700" cmpd="sng">
+                          <a:noFill/>
+                          <a:prstDash val="solid"/>
+                        </a:lnTlToBr>
+                        <a:lnBlToTr w="12700" cmpd="sng">
+                          <a:noFill/>
+                          <a:prstDash val="solid"/>
+                        </a:lnBlToTr>
+                        <a:solidFill>
+                          <a:schemeClr val="bg1"/>
+                        </a:solidFill>
+                      </a:tcPr>
+                    </a:tc>
+                    <a:tc>
+                      <a:txBody>
+                        <a:bodyPr/>
+                        <a:lstStyle/>
+                        <a:p>
+                          <a:pPr algn="ctr" latinLnBrk="1"/>
+                          <a14:m>
+                            <m:oMathPara xmlns:m="http://schemas.openxmlformats.org/officeDocument/2006/math">
+                              <m:oMathParaPr>
+                                <m:jc m:val="centerGroup"/>
+                              </m:oMathParaPr>
+                              <m:oMath xmlns:m="http://schemas.openxmlformats.org/officeDocument/2006/math">
+                                <m:acc>
+                                  <m:accPr>
+                                    <m:chr m:val="̅"/>
+                                    <m:ctrlPr>
+                                      <a:rPr lang="en-US" altLang="ko-KR" b="0" i="1" smtClean="0">
+                                        <a:solidFill>
+                                          <a:sysClr val="windowText" lastClr="000000"/>
+                                        </a:solidFill>
+                                        <a:latin typeface="Cambria Math"/>
+                                      </a:rPr>
+                                    </m:ctrlPr>
+                                  </m:accPr>
+                                  <m:e>
+                                    <m:sSub>
+                                      <m:sSubPr>
+                                        <m:ctrlPr>
+                                          <a:rPr lang="en-US" altLang="ko-KR" b="0" i="1" smtClean="0">
+                                            <a:solidFill>
+                                              <a:sysClr val="windowText" lastClr="000000"/>
+                                            </a:solidFill>
+                                            <a:latin typeface="Cambria Math"/>
+                                          </a:rPr>
+                                        </m:ctrlPr>
+                                      </m:sSubPr>
+                                      <m:e>
+                                        <m:r>
+                                          <a:rPr lang="en-US" altLang="ko-KR" b="0" i="1" smtClean="0">
+                                            <a:solidFill>
+                                              <a:sysClr val="windowText" lastClr="000000"/>
+                                            </a:solidFill>
+                                            <a:latin typeface="Cambria Math"/>
+                                          </a:rPr>
+                                          <m:t>𝑋</m:t>
+                                        </m:r>
+                                      </m:e>
+                                      <m:sub>
+                                        <m:r>
+                                          <a:rPr lang="en-US" altLang="ko-KR" b="0" i="1" smtClean="0">
+                                            <a:solidFill>
+                                              <a:sysClr val="windowText" lastClr="000000"/>
+                                            </a:solidFill>
+                                            <a:latin typeface="Cambria Math"/>
+                                          </a:rPr>
+                                          <m:t>2</m:t>
+                                        </m:r>
+                                      </m:sub>
+                                    </m:sSub>
+                                  </m:e>
+                                </m:acc>
+                              </m:oMath>
+                            </m:oMathPara>
+                          </a14:m>
+                          <a:endParaRPr lang="ko-KR" altLang="en-US" dirty="0">
+                            <a:solidFill>
+                              <a:sysClr val="windowText" lastClr="000000"/>
+                            </a:solidFill>
+                          </a:endParaRPr>
+                        </a:p>
+                      </a:txBody>
+                      <a:tcPr anchor="ctr">
+                        <a:lnL w="12700" cap="flat" cmpd="sng" algn="ctr">
+                          <a:solidFill>
+                            <a:schemeClr val="tx1"/>
+                          </a:solidFill>
+                          <a:prstDash val="solid"/>
+                          <a:round/>
+                          <a:headEnd type="none" w="med" len="med"/>
+                          <a:tailEnd type="none" w="med" len="med"/>
+                        </a:lnL>
+                        <a:lnR w="12700" cap="flat" cmpd="sng" algn="ctr">
+                          <a:solidFill>
+                            <a:schemeClr val="tx1"/>
+                          </a:solidFill>
+                          <a:prstDash val="solid"/>
+                          <a:round/>
+                          <a:headEnd type="none" w="med" len="med"/>
+                          <a:tailEnd type="none" w="med" len="med"/>
+                        </a:lnR>
+                        <a:lnT w="12700" cap="flat" cmpd="sng" algn="ctr">
+                          <a:solidFill>
+                            <a:schemeClr val="tx1"/>
+                          </a:solidFill>
+                          <a:prstDash val="solid"/>
+                          <a:round/>
+                          <a:headEnd type="none" w="med" len="med"/>
+                          <a:tailEnd type="none" w="med" len="med"/>
+                        </a:lnT>
+                        <a:lnB w="12700" cap="flat" cmpd="sng" algn="ctr">
+                          <a:solidFill>
+                            <a:schemeClr val="tx1"/>
+                          </a:solidFill>
+                          <a:prstDash val="solid"/>
+                          <a:round/>
+                          <a:headEnd type="none" w="med" len="med"/>
+                          <a:tailEnd type="none" w="med" len="med"/>
+                        </a:lnB>
+                        <a:lnTlToBr w="12700" cmpd="sng">
+                          <a:noFill/>
+                          <a:prstDash val="solid"/>
+                        </a:lnTlToBr>
+                        <a:lnBlToTr w="12700" cmpd="sng">
+                          <a:noFill/>
+                          <a:prstDash val="solid"/>
+                        </a:lnBlToTr>
+                        <a:solidFill>
+                          <a:schemeClr val="bg1"/>
+                        </a:solidFill>
+                      </a:tcPr>
+                    </a:tc>
+                    <a:tc>
+                      <a:txBody>
+                        <a:bodyPr/>
+                        <a:lstStyle/>
+                        <a:p>
+                          <a:pPr algn="ctr" latinLnBrk="1"/>
+                          <a14:m>
+                            <m:oMathPara xmlns:m="http://schemas.openxmlformats.org/officeDocument/2006/math">
+                              <m:oMathParaPr>
+                                <m:jc m:val="centerGroup"/>
+                              </m:oMathParaPr>
+                              <m:oMath xmlns:m="http://schemas.openxmlformats.org/officeDocument/2006/math">
+                                <m:acc>
+                                  <m:accPr>
+                                    <m:chr m:val="̅"/>
+                                    <m:ctrlPr>
+                                      <a:rPr lang="en-US" altLang="ko-KR" b="0" i="1" smtClean="0">
+                                        <a:solidFill>
+                                          <a:sysClr val="windowText" lastClr="000000"/>
+                                        </a:solidFill>
+                                        <a:latin typeface="Cambria Math"/>
+                                      </a:rPr>
+                                    </m:ctrlPr>
+                                  </m:accPr>
+                                  <m:e>
+                                    <m:sSub>
+                                      <m:sSubPr>
+                                        <m:ctrlPr>
+                                          <a:rPr lang="en-US" altLang="ko-KR" b="0" i="1" smtClean="0">
+                                            <a:solidFill>
+                                              <a:sysClr val="windowText" lastClr="000000"/>
+                                            </a:solidFill>
+                                            <a:latin typeface="Cambria Math"/>
+                                          </a:rPr>
+                                        </m:ctrlPr>
+                                      </m:sSubPr>
+                                      <m:e>
+                                        <m:r>
+                                          <a:rPr lang="en-US" altLang="ko-KR" b="0" i="1" smtClean="0">
+                                            <a:solidFill>
+                                              <a:sysClr val="windowText" lastClr="000000"/>
+                                            </a:solidFill>
+                                            <a:latin typeface="Cambria Math"/>
+                                          </a:rPr>
+                                          <m:t>𝑋</m:t>
+                                        </m:r>
+                                      </m:e>
+                                      <m:sub>
+                                        <m:r>
+                                          <a:rPr lang="en-US" altLang="ko-KR" b="0" i="1" smtClean="0">
+                                            <a:solidFill>
+                                              <a:sysClr val="windowText" lastClr="000000"/>
+                                            </a:solidFill>
+                                            <a:latin typeface="Cambria Math"/>
+                                          </a:rPr>
+                                          <m:t>3</m:t>
+                                        </m:r>
+                                      </m:sub>
+                                    </m:sSub>
+                                  </m:e>
+                                </m:acc>
+                              </m:oMath>
+                            </m:oMathPara>
+                          </a14:m>
+                          <a:endParaRPr lang="ko-KR" altLang="en-US" dirty="0">
+                            <a:solidFill>
+                              <a:sysClr val="windowText" lastClr="000000"/>
+                            </a:solidFill>
+                          </a:endParaRPr>
+                        </a:p>
+                      </a:txBody>
+                      <a:tcPr anchor="ctr">
+                        <a:lnL w="12700" cap="flat" cmpd="sng" algn="ctr">
+                          <a:solidFill>
+                            <a:schemeClr val="tx1"/>
+                          </a:solidFill>
+                          <a:prstDash val="solid"/>
+                          <a:round/>
+                          <a:headEnd type="none" w="med" len="med"/>
+                          <a:tailEnd type="none" w="med" len="med"/>
+                        </a:lnL>
+                        <a:lnR w="12700" cap="flat" cmpd="sng" algn="ctr">
+                          <a:solidFill>
+                            <a:schemeClr val="tx1"/>
+                          </a:solidFill>
+                          <a:prstDash val="solid"/>
+                          <a:round/>
+                          <a:headEnd type="none" w="med" len="med"/>
+                          <a:tailEnd type="none" w="med" len="med"/>
+                        </a:lnR>
+                        <a:lnT w="12700" cap="flat" cmpd="sng" algn="ctr">
+                          <a:solidFill>
+                            <a:schemeClr val="tx1"/>
+                          </a:solidFill>
+                          <a:prstDash val="solid"/>
+                          <a:round/>
+                          <a:headEnd type="none" w="med" len="med"/>
+                          <a:tailEnd type="none" w="med" len="med"/>
+                        </a:lnT>
+                        <a:lnB w="12700" cap="flat" cmpd="sng" algn="ctr">
+                          <a:solidFill>
+                            <a:schemeClr val="tx1"/>
+                          </a:solidFill>
+                          <a:prstDash val="solid"/>
+                          <a:round/>
+                          <a:headEnd type="none" w="med" len="med"/>
+                          <a:tailEnd type="none" w="med" len="med"/>
+                        </a:lnB>
+                        <a:lnTlToBr w="12700" cmpd="sng">
+                          <a:noFill/>
+                          <a:prstDash val="solid"/>
+                        </a:lnTlToBr>
+                        <a:lnBlToTr w="12700" cmpd="sng">
+                          <a:noFill/>
+                          <a:prstDash val="solid"/>
+                        </a:lnBlToTr>
+                        <a:solidFill>
+                          <a:schemeClr val="bg1"/>
+                        </a:solidFill>
+                      </a:tcPr>
+                    </a:tc>
+                  </a:tr>
+                  <a:tr h="370840">
+                    <a:tc>
+                      <a:txBody>
+                        <a:bodyPr/>
+                        <a:lstStyle/>
+                        <a:p>
+                          <a:pPr algn="ctr" latinLnBrk="1"/>
+                          <a:r>
+                            <a:rPr lang="en-US" altLang="ko-KR" dirty="0" smtClean="0">
+                              <a:solidFill>
+                                <a:sysClr val="windowText" lastClr="000000"/>
+                              </a:solidFill>
+                            </a:rPr>
+                            <a:t>Treatment</a:t>
+                          </a:r>
+                        </a:p>
+                        <a:p>
+                          <a:pPr algn="ctr" latinLnBrk="1"/>
+                          <a:r>
+                            <a:rPr lang="en-US" altLang="ko-KR" dirty="0" smtClean="0">
+                              <a:solidFill>
+                                <a:sysClr val="windowText" lastClr="000000"/>
+                              </a:solidFill>
+                            </a:rPr>
+                            <a:t>Sums of squares</a:t>
+                          </a:r>
+                          <a:endParaRPr lang="ko-KR" altLang="en-US" dirty="0">
+                            <a:solidFill>
+                              <a:sysClr val="windowText" lastClr="000000"/>
+                            </a:solidFill>
+                          </a:endParaRPr>
+                        </a:p>
+                      </a:txBody>
+                      <a:tcPr anchor="ctr">
+                        <a:lnL w="12700" cap="flat" cmpd="sng" algn="ctr">
+                          <a:solidFill>
+                            <a:schemeClr val="tx1"/>
+                          </a:solidFill>
+                          <a:prstDash val="solid"/>
+                          <a:round/>
+                          <a:headEnd type="none" w="med" len="med"/>
+                          <a:tailEnd type="none" w="med" len="med"/>
+                        </a:lnL>
+                        <a:lnR w="12700" cap="flat" cmpd="sng" algn="ctr">
+                          <a:solidFill>
+                            <a:schemeClr val="tx1"/>
+                          </a:solidFill>
+                          <a:prstDash val="solid"/>
+                          <a:round/>
+                          <a:headEnd type="none" w="med" len="med"/>
+                          <a:tailEnd type="none" w="med" len="med"/>
+                        </a:lnR>
+                        <a:lnT w="12700" cap="flat" cmpd="sng" algn="ctr">
+                          <a:solidFill>
+                            <a:schemeClr val="tx1"/>
+                          </a:solidFill>
+                          <a:prstDash val="solid"/>
+                          <a:round/>
+                          <a:headEnd type="none" w="med" len="med"/>
+                          <a:tailEnd type="none" w="med" len="med"/>
+                        </a:lnT>
+                        <a:lnB w="12700" cap="flat" cmpd="sng" algn="ctr">
+                          <a:solidFill>
+                            <a:schemeClr val="tx1"/>
+                          </a:solidFill>
+                          <a:prstDash val="solid"/>
+                          <a:round/>
+                          <a:headEnd type="none" w="med" len="med"/>
+                          <a:tailEnd type="none" w="med" len="med"/>
+                        </a:lnB>
+                        <a:lnTlToBr w="12700" cmpd="sng">
+                          <a:noFill/>
+                          <a:prstDash val="solid"/>
+                        </a:lnTlToBr>
+                        <a:lnBlToTr w="12700" cmpd="sng">
+                          <a:noFill/>
+                          <a:prstDash val="solid"/>
+                        </a:lnBlToTr>
+                        <a:solidFill>
+                          <a:schemeClr val="bg2"/>
+                        </a:solidFill>
+                      </a:tcPr>
+                    </a:tc>
+                    <a:tc>
+                      <a:txBody>
+                        <a:bodyPr/>
+                        <a:lstStyle/>
+                        <a:p>
+                          <a:pPr marL="0" marR="0" indent="0" algn="ctr" defTabSz="914400" rtl="0" eaLnBrk="1" fontAlgn="auto" latinLnBrk="1" hangingPunct="1">
+                            <a:lnSpc>
+                              <a:spcPct val="100000"/>
+                            </a:lnSpc>
+                            <a:spcBef>
+                              <a:spcPts val="0"/>
+                            </a:spcBef>
+                            <a:spcAft>
+                              <a:spcPts val="0"/>
+                            </a:spcAft>
+                            <a:buClrTx/>
+                            <a:buSzTx/>
+                            <a:buFontTx/>
+                            <a:buNone/>
+                            <a:tabLst/>
+                            <a:defRPr/>
+                          </a:pPr>
+                          <a14:m>
+                            <m:oMathPara xmlns:m="http://schemas.openxmlformats.org/officeDocument/2006/math">
+                              <m:oMathParaPr>
+                                <m:jc m:val="centerGroup"/>
+                              </m:oMathParaPr>
+                              <m:oMath xmlns:m="http://schemas.openxmlformats.org/officeDocument/2006/math">
+                                <m:nary>
+                                  <m:naryPr>
+                                    <m:chr m:val="∑"/>
+                                    <m:supHide m:val="on"/>
+                                    <m:ctrlPr>
+                                      <a:rPr lang="ko-KR" altLang="en-US" i="1" smtClean="0">
+                                        <a:solidFill>
+                                          <a:sysClr val="windowText" lastClr="000000"/>
+                                        </a:solidFill>
+                                        <a:latin typeface="Cambria Math"/>
+                                      </a:rPr>
+                                    </m:ctrlPr>
+                                  </m:naryPr>
+                                  <m:sub>
+                                    <m:r>
+                                      <m:rPr>
+                                        <m:brk m:alnAt="7"/>
+                                      </m:rPr>
+                                      <a:rPr lang="en-US" altLang="ko-KR" b="0" i="1" smtClean="0">
+                                        <a:solidFill>
+                                          <a:sysClr val="windowText" lastClr="000000"/>
+                                        </a:solidFill>
+                                        <a:latin typeface="Cambria Math"/>
+                                      </a:rPr>
+                                      <m:t>𝑠</m:t>
+                                    </m:r>
+                                  </m:sub>
+                                  <m:sup/>
+                                  <m:e>
+                                    <m:sSup>
+                                      <m:sSupPr>
+                                        <m:ctrlPr>
+                                          <a:rPr lang="en-US" altLang="ko-KR" b="0" i="1" smtClean="0">
+                                            <a:solidFill>
+                                              <a:sysClr val="windowText" lastClr="000000"/>
+                                            </a:solidFill>
+                                            <a:latin typeface="Cambria Math"/>
+                                          </a:rPr>
+                                        </m:ctrlPr>
+                                      </m:sSupPr>
+                                      <m:e>
+                                        <m:d>
+                                          <m:dPr>
+                                            <m:ctrlPr>
+                                              <a:rPr lang="en-US" altLang="ko-KR" b="0" i="1" smtClean="0">
+                                                <a:solidFill>
+                                                  <a:sysClr val="windowText" lastClr="000000"/>
+                                                </a:solidFill>
+                                                <a:latin typeface="Cambria Math"/>
+                                              </a:rPr>
+                                            </m:ctrlPr>
+                                          </m:dPr>
+                                          <m:e>
+                                            <m:sSub>
+                                              <m:sSubPr>
+                                                <m:ctrlPr>
+                                                  <a:rPr lang="en-US" altLang="ko-KR" b="0" i="1" smtClean="0">
+                                                    <a:solidFill>
+                                                      <a:sysClr val="windowText" lastClr="000000"/>
+                                                    </a:solidFill>
+                                                    <a:latin typeface="Cambria Math"/>
+                                                  </a:rPr>
+                                                </m:ctrlPr>
+                                              </m:sSubPr>
+                                              <m:e>
+                                                <m:r>
+                                                  <a:rPr lang="en-US" altLang="ko-KR" b="0" i="1" smtClean="0">
+                                                    <a:solidFill>
+                                                      <a:sysClr val="windowText" lastClr="000000"/>
+                                                    </a:solidFill>
+                                                    <a:latin typeface="Cambria Math"/>
+                                                  </a:rPr>
+                                                  <m:t>𝑋</m:t>
+                                                </m:r>
+                                              </m:e>
+                                              <m:sub>
+                                                <m:r>
+                                                  <a:rPr lang="en-US" altLang="ko-KR" b="0" i="1" smtClean="0">
+                                                    <a:solidFill>
+                                                      <a:sysClr val="windowText" lastClr="000000"/>
+                                                    </a:solidFill>
+                                                    <a:latin typeface="Cambria Math"/>
+                                                  </a:rPr>
+                                                  <m:t>1</m:t>
+                                                </m:r>
+                                                <m:r>
+                                                  <a:rPr lang="en-US" altLang="ko-KR" b="0" i="1" smtClean="0">
+                                                    <a:solidFill>
+                                                      <a:sysClr val="windowText" lastClr="000000"/>
+                                                    </a:solidFill>
+                                                    <a:latin typeface="Cambria Math"/>
+                                                  </a:rPr>
+                                                  <m:t>𝑠</m:t>
+                                                </m:r>
+                                              </m:sub>
+                                            </m:sSub>
+                                            <m:r>
+                                              <a:rPr lang="en-US" altLang="ko-KR" b="0" i="1" smtClean="0">
+                                                <a:solidFill>
+                                                  <a:sysClr val="windowText" lastClr="000000"/>
+                                                </a:solidFill>
+                                                <a:latin typeface="Cambria Math"/>
+                                              </a:rPr>
+                                              <m:t>−</m:t>
+                                            </m:r>
+                                            <m:sSub>
+                                              <m:sSubPr>
+                                                <m:ctrlPr>
+                                                  <a:rPr lang="en-US" altLang="ko-KR" b="0" i="1" smtClean="0">
+                                                    <a:solidFill>
+                                                      <a:sysClr val="windowText" lastClr="000000"/>
+                                                    </a:solidFill>
+                                                    <a:latin typeface="Cambria Math"/>
+                                                  </a:rPr>
+                                                </m:ctrlPr>
+                                              </m:sSubPr>
+                                              <m:e>
+                                                <m:acc>
+                                                  <m:accPr>
+                                                    <m:chr m:val="̅"/>
+                                                    <m:ctrlPr>
+                                                      <a:rPr lang="en-US" altLang="ko-KR" b="0" i="1" smtClean="0">
+                                                        <a:solidFill>
+                                                          <a:sysClr val="windowText" lastClr="000000"/>
+                                                        </a:solidFill>
+                                                        <a:latin typeface="Cambria Math"/>
+                                                      </a:rPr>
+                                                    </m:ctrlPr>
+                                                  </m:accPr>
+                                                  <m:e>
+                                                    <m:r>
+                                                      <a:rPr lang="en-US" altLang="ko-KR" b="0" i="1" smtClean="0">
+                                                        <a:solidFill>
+                                                          <a:sysClr val="windowText" lastClr="000000"/>
+                                                        </a:solidFill>
+                                                        <a:latin typeface="Cambria Math"/>
+                                                      </a:rPr>
+                                                      <m:t>𝑋</m:t>
+                                                    </m:r>
+                                                  </m:e>
+                                                </m:acc>
+                                              </m:e>
+                                              <m:sub>
+                                                <m:r>
+                                                  <a:rPr lang="en-US" altLang="ko-KR" b="0" i="1" smtClean="0">
+                                                    <a:solidFill>
+                                                      <a:sysClr val="windowText" lastClr="000000"/>
+                                                    </a:solidFill>
+                                                    <a:latin typeface="Cambria Math"/>
+                                                  </a:rPr>
+                                                  <m:t>1</m:t>
+                                                </m:r>
+                                              </m:sub>
+                                            </m:sSub>
+                                          </m:e>
+                                        </m:d>
+                                      </m:e>
+                                      <m:sup>
+                                        <m:r>
+                                          <a:rPr lang="en-US" altLang="ko-KR" b="0" i="1" smtClean="0">
+                                            <a:solidFill>
+                                              <a:sysClr val="windowText" lastClr="000000"/>
+                                            </a:solidFill>
+                                            <a:latin typeface="Cambria Math"/>
+                                          </a:rPr>
+                                          <m:t>2</m:t>
+                                        </m:r>
+                                      </m:sup>
+                                    </m:sSup>
+                                  </m:e>
+                                </m:nary>
+                              </m:oMath>
+                            </m:oMathPara>
+                          </a14:m>
+                          <a:endParaRPr lang="ko-KR" altLang="en-US" dirty="0">
+                            <a:solidFill>
+                              <a:sysClr val="windowText" lastClr="000000"/>
+                            </a:solidFill>
+                          </a:endParaRPr>
+                        </a:p>
+                      </a:txBody>
+                      <a:tcPr anchor="ctr">
+                        <a:lnL w="12700" cap="flat" cmpd="sng" algn="ctr">
+                          <a:solidFill>
+                            <a:schemeClr val="tx1"/>
+                          </a:solidFill>
+                          <a:prstDash val="solid"/>
+                          <a:round/>
+                          <a:headEnd type="none" w="med" len="med"/>
+                          <a:tailEnd type="none" w="med" len="med"/>
+                        </a:lnL>
+                        <a:lnR w="12700" cap="flat" cmpd="sng" algn="ctr">
+                          <a:solidFill>
+                            <a:schemeClr val="tx1"/>
+                          </a:solidFill>
+                          <a:prstDash val="solid"/>
+                          <a:round/>
+                          <a:headEnd type="none" w="med" len="med"/>
+                          <a:tailEnd type="none" w="med" len="med"/>
+                        </a:lnR>
+                        <a:lnT w="12700" cap="flat" cmpd="sng" algn="ctr">
+                          <a:solidFill>
+                            <a:schemeClr val="tx1"/>
+                          </a:solidFill>
+                          <a:prstDash val="solid"/>
+                          <a:round/>
+                          <a:headEnd type="none" w="med" len="med"/>
+                          <a:tailEnd type="none" w="med" len="med"/>
+                        </a:lnT>
+                        <a:lnB w="12700" cap="flat" cmpd="sng" algn="ctr">
+                          <a:solidFill>
+                            <a:schemeClr val="tx1"/>
+                          </a:solidFill>
+                          <a:prstDash val="solid"/>
+                          <a:round/>
+                          <a:headEnd type="none" w="med" len="med"/>
+                          <a:tailEnd type="none" w="med" len="med"/>
+                        </a:lnB>
+                        <a:lnTlToBr w="12700" cmpd="sng">
+                          <a:noFill/>
+                          <a:prstDash val="solid"/>
+                        </a:lnTlToBr>
+                        <a:lnBlToTr w="12700" cmpd="sng">
+                          <a:noFill/>
+                          <a:prstDash val="solid"/>
+                        </a:lnBlToTr>
+                        <a:solidFill>
+                          <a:schemeClr val="bg1"/>
+                        </a:solidFill>
+                      </a:tcPr>
+                    </a:tc>
+                    <a:tc>
+                      <a:txBody>
+                        <a:bodyPr/>
+                        <a:lstStyle/>
+                        <a:p>
+                          <a:pPr algn="ctr" latinLnBrk="1"/>
+                          <a14:m>
+                            <m:oMathPara xmlns:m="http://schemas.openxmlformats.org/officeDocument/2006/math">
+                              <m:oMathParaPr>
+                                <m:jc m:val="centerGroup"/>
+                              </m:oMathParaPr>
+                              <m:oMath xmlns:m="http://schemas.openxmlformats.org/officeDocument/2006/math">
+                                <m:nary>
+                                  <m:naryPr>
+                                    <m:chr m:val="∑"/>
+                                    <m:supHide m:val="on"/>
+                                    <m:ctrlPr>
+                                      <a:rPr lang="ko-KR" altLang="en-US" i="1" smtClean="0">
+                                        <a:solidFill>
+                                          <a:sysClr val="windowText" lastClr="000000"/>
+                                        </a:solidFill>
+                                        <a:latin typeface="Cambria Math"/>
+                                      </a:rPr>
+                                    </m:ctrlPr>
+                                  </m:naryPr>
+                                  <m:sub>
+                                    <m:r>
+                                      <m:rPr>
+                                        <m:brk m:alnAt="7"/>
+                                      </m:rPr>
+                                      <a:rPr lang="en-US" altLang="ko-KR" b="0" i="1" smtClean="0">
+                                        <a:solidFill>
+                                          <a:sysClr val="windowText" lastClr="000000"/>
+                                        </a:solidFill>
+                                        <a:latin typeface="Cambria Math"/>
+                                      </a:rPr>
+                                      <m:t>𝑠</m:t>
+                                    </m:r>
+                                  </m:sub>
+                                  <m:sup/>
+                                  <m:e>
+                                    <m:sSup>
+                                      <m:sSupPr>
+                                        <m:ctrlPr>
+                                          <a:rPr lang="en-US" altLang="ko-KR" b="0" i="1" smtClean="0">
+                                            <a:solidFill>
+                                              <a:sysClr val="windowText" lastClr="000000"/>
+                                            </a:solidFill>
+                                            <a:latin typeface="Cambria Math"/>
+                                          </a:rPr>
+                                        </m:ctrlPr>
+                                      </m:sSupPr>
+                                      <m:e>
+                                        <m:d>
+                                          <m:dPr>
+                                            <m:ctrlPr>
+                                              <a:rPr lang="en-US" altLang="ko-KR" b="0" i="1" smtClean="0">
+                                                <a:solidFill>
+                                                  <a:sysClr val="windowText" lastClr="000000"/>
+                                                </a:solidFill>
+                                                <a:latin typeface="Cambria Math"/>
+                                              </a:rPr>
+                                            </m:ctrlPr>
+                                          </m:dPr>
+                                          <m:e>
+                                            <m:sSub>
+                                              <m:sSubPr>
+                                                <m:ctrlPr>
+                                                  <a:rPr lang="en-US" altLang="ko-KR" b="0" i="1" smtClean="0">
+                                                    <a:solidFill>
+                                                      <a:sysClr val="windowText" lastClr="000000"/>
+                                                    </a:solidFill>
+                                                    <a:latin typeface="Cambria Math"/>
+                                                  </a:rPr>
+                                                </m:ctrlPr>
+                                              </m:sSubPr>
+                                              <m:e>
+                                                <m:r>
+                                                  <a:rPr lang="en-US" altLang="ko-KR" b="0" i="1" smtClean="0">
+                                                    <a:solidFill>
+                                                      <a:sysClr val="windowText" lastClr="000000"/>
+                                                    </a:solidFill>
+                                                    <a:latin typeface="Cambria Math"/>
+                                                  </a:rPr>
+                                                  <m:t>𝑋</m:t>
+                                                </m:r>
+                                              </m:e>
+                                              <m:sub>
+                                                <m:r>
+                                                  <a:rPr lang="en-US" altLang="ko-KR" b="0" i="1" smtClean="0">
+                                                    <a:solidFill>
+                                                      <a:sysClr val="windowText" lastClr="000000"/>
+                                                    </a:solidFill>
+                                                    <a:latin typeface="Cambria Math"/>
+                                                  </a:rPr>
+                                                  <m:t>2</m:t>
+                                                </m:r>
+                                                <m:r>
+                                                  <a:rPr lang="en-US" altLang="ko-KR" b="0" i="1" smtClean="0">
+                                                    <a:solidFill>
+                                                      <a:sysClr val="windowText" lastClr="000000"/>
+                                                    </a:solidFill>
+                                                    <a:latin typeface="Cambria Math"/>
+                                                  </a:rPr>
+                                                  <m:t>𝑠</m:t>
+                                                </m:r>
+                                              </m:sub>
+                                            </m:sSub>
+                                            <m:r>
+                                              <a:rPr lang="en-US" altLang="ko-KR" b="0" i="1" smtClean="0">
+                                                <a:solidFill>
+                                                  <a:sysClr val="windowText" lastClr="000000"/>
+                                                </a:solidFill>
+                                                <a:latin typeface="Cambria Math"/>
+                                              </a:rPr>
+                                              <m:t>−</m:t>
+                                            </m:r>
+                                            <m:sSub>
+                                              <m:sSubPr>
+                                                <m:ctrlPr>
+                                                  <a:rPr lang="en-US" altLang="ko-KR" b="0" i="1" smtClean="0">
+                                                    <a:solidFill>
+                                                      <a:sysClr val="windowText" lastClr="000000"/>
+                                                    </a:solidFill>
+                                                    <a:latin typeface="Cambria Math"/>
+                                                  </a:rPr>
+                                                </m:ctrlPr>
+                                              </m:sSubPr>
+                                              <m:e>
+                                                <m:acc>
+                                                  <m:accPr>
+                                                    <m:chr m:val="̅"/>
+                                                    <m:ctrlPr>
+                                                      <a:rPr lang="en-US" altLang="ko-KR" b="0" i="1" smtClean="0">
+                                                        <a:solidFill>
+                                                          <a:sysClr val="windowText" lastClr="000000"/>
+                                                        </a:solidFill>
+                                                        <a:latin typeface="Cambria Math"/>
+                                                      </a:rPr>
+                                                    </m:ctrlPr>
+                                                  </m:accPr>
+                                                  <m:e>
+                                                    <m:r>
+                                                      <a:rPr lang="en-US" altLang="ko-KR" b="0" i="1" smtClean="0">
+                                                        <a:solidFill>
+                                                          <a:sysClr val="windowText" lastClr="000000"/>
+                                                        </a:solidFill>
+                                                        <a:latin typeface="Cambria Math"/>
+                                                      </a:rPr>
+                                                      <m:t>𝑋</m:t>
+                                                    </m:r>
+                                                  </m:e>
+                                                </m:acc>
+                                              </m:e>
+                                              <m:sub>
+                                                <m:r>
+                                                  <a:rPr lang="en-US" altLang="ko-KR" b="0" i="1" smtClean="0">
+                                                    <a:solidFill>
+                                                      <a:sysClr val="windowText" lastClr="000000"/>
+                                                    </a:solidFill>
+                                                    <a:latin typeface="Cambria Math"/>
+                                                  </a:rPr>
+                                                  <m:t>2</m:t>
+                                                </m:r>
+                                              </m:sub>
+                                            </m:sSub>
+                                          </m:e>
+                                        </m:d>
+                                      </m:e>
+                                      <m:sup>
+                                        <m:r>
+                                          <a:rPr lang="en-US" altLang="ko-KR" b="0" i="1" smtClean="0">
+                                            <a:solidFill>
+                                              <a:sysClr val="windowText" lastClr="000000"/>
+                                            </a:solidFill>
+                                            <a:latin typeface="Cambria Math"/>
+                                          </a:rPr>
+                                          <m:t>2</m:t>
+                                        </m:r>
+                                      </m:sup>
+                                    </m:sSup>
+                                  </m:e>
+                                </m:nary>
+                              </m:oMath>
+                            </m:oMathPara>
+                          </a14:m>
+                          <a:endParaRPr lang="ko-KR" altLang="en-US" dirty="0">
+                            <a:solidFill>
+                              <a:sysClr val="windowText" lastClr="000000"/>
+                            </a:solidFill>
+                          </a:endParaRPr>
+                        </a:p>
+                      </a:txBody>
+                      <a:tcPr anchor="ctr">
+                        <a:lnL w="12700" cap="flat" cmpd="sng" algn="ctr">
+                          <a:solidFill>
+                            <a:schemeClr val="tx1"/>
+                          </a:solidFill>
+                          <a:prstDash val="solid"/>
+                          <a:round/>
+                          <a:headEnd type="none" w="med" len="med"/>
+                          <a:tailEnd type="none" w="med" len="med"/>
+                        </a:lnL>
+                        <a:lnR w="12700" cap="flat" cmpd="sng" algn="ctr">
+                          <a:solidFill>
+                            <a:schemeClr val="tx1"/>
+                          </a:solidFill>
+                          <a:prstDash val="solid"/>
+                          <a:round/>
+                          <a:headEnd type="none" w="med" len="med"/>
+                          <a:tailEnd type="none" w="med" len="med"/>
+                        </a:lnR>
+                        <a:lnT w="12700" cap="flat" cmpd="sng" algn="ctr">
+                          <a:solidFill>
+                            <a:schemeClr val="tx1"/>
+                          </a:solidFill>
+                          <a:prstDash val="solid"/>
+                          <a:round/>
+                          <a:headEnd type="none" w="med" len="med"/>
+                          <a:tailEnd type="none" w="med" len="med"/>
+                        </a:lnT>
+                        <a:lnB w="12700" cap="flat" cmpd="sng" algn="ctr">
+                          <a:solidFill>
+                            <a:schemeClr val="tx1"/>
+                          </a:solidFill>
+                          <a:prstDash val="solid"/>
+                          <a:round/>
+                          <a:headEnd type="none" w="med" len="med"/>
+                          <a:tailEnd type="none" w="med" len="med"/>
+                        </a:lnB>
+                        <a:lnTlToBr w="12700" cmpd="sng">
+                          <a:noFill/>
+                          <a:prstDash val="solid"/>
+                        </a:lnTlToBr>
+                        <a:lnBlToTr w="12700" cmpd="sng">
+                          <a:noFill/>
+                          <a:prstDash val="solid"/>
+                        </a:lnBlToTr>
+                        <a:solidFill>
+                          <a:schemeClr val="bg1"/>
+                        </a:solidFill>
+                      </a:tcPr>
+                    </a:tc>
+                    <a:tc>
+                      <a:txBody>
+                        <a:bodyPr/>
+                        <a:lstStyle/>
+                        <a:p>
+                          <a:pPr marL="0" marR="0" indent="0" algn="ctr" defTabSz="914400" rtl="0" eaLnBrk="1" fontAlgn="auto" latinLnBrk="1" hangingPunct="1">
+                            <a:lnSpc>
+                              <a:spcPct val="100000"/>
+                            </a:lnSpc>
+                            <a:spcBef>
+                              <a:spcPts val="0"/>
+                            </a:spcBef>
+                            <a:spcAft>
+                              <a:spcPts val="0"/>
+                            </a:spcAft>
+                            <a:buClrTx/>
+                            <a:buSzTx/>
+                            <a:buFontTx/>
+                            <a:buNone/>
+                            <a:tabLst/>
+                            <a:defRPr/>
+                          </a:pPr>
+                          <a14:m>
+                            <m:oMathPara xmlns:m="http://schemas.openxmlformats.org/officeDocument/2006/math">
+                              <m:oMathParaPr>
+                                <m:jc m:val="centerGroup"/>
+                              </m:oMathParaPr>
+                              <m:oMath xmlns:m="http://schemas.openxmlformats.org/officeDocument/2006/math">
+                                <m:nary>
+                                  <m:naryPr>
+                                    <m:chr m:val="∑"/>
+                                    <m:supHide m:val="on"/>
+                                    <m:ctrlPr>
+                                      <a:rPr lang="ko-KR" altLang="en-US" i="1" smtClean="0">
+                                        <a:solidFill>
+                                          <a:sysClr val="windowText" lastClr="000000"/>
+                                        </a:solidFill>
+                                        <a:latin typeface="Cambria Math"/>
+                                      </a:rPr>
+                                    </m:ctrlPr>
+                                  </m:naryPr>
+                                  <m:sub>
+                                    <m:r>
+                                      <m:rPr>
+                                        <m:brk m:alnAt="7"/>
+                                      </m:rPr>
+                                      <a:rPr lang="en-US" altLang="ko-KR" b="0" i="1" smtClean="0">
+                                        <a:solidFill>
+                                          <a:sysClr val="windowText" lastClr="000000"/>
+                                        </a:solidFill>
+                                        <a:latin typeface="Cambria Math"/>
+                                      </a:rPr>
+                                      <m:t>𝑠</m:t>
+                                    </m:r>
+                                  </m:sub>
+                                  <m:sup/>
+                                  <m:e>
+                                    <m:sSup>
+                                      <m:sSupPr>
+                                        <m:ctrlPr>
+                                          <a:rPr lang="en-US" altLang="ko-KR" b="0" i="1" smtClean="0">
+                                            <a:solidFill>
+                                              <a:sysClr val="windowText" lastClr="000000"/>
+                                            </a:solidFill>
+                                            <a:latin typeface="Cambria Math"/>
+                                          </a:rPr>
+                                        </m:ctrlPr>
+                                      </m:sSupPr>
+                                      <m:e>
+                                        <m:d>
+                                          <m:dPr>
+                                            <m:ctrlPr>
+                                              <a:rPr lang="en-US" altLang="ko-KR" b="0" i="1" smtClean="0">
+                                                <a:solidFill>
+                                                  <a:sysClr val="windowText" lastClr="000000"/>
+                                                </a:solidFill>
+                                                <a:latin typeface="Cambria Math"/>
+                                              </a:rPr>
+                                            </m:ctrlPr>
+                                          </m:dPr>
+                                          <m:e>
+                                            <m:sSub>
+                                              <m:sSubPr>
+                                                <m:ctrlPr>
+                                                  <a:rPr lang="en-US" altLang="ko-KR" b="0" i="1" smtClean="0">
+                                                    <a:solidFill>
+                                                      <a:sysClr val="windowText" lastClr="000000"/>
+                                                    </a:solidFill>
+                                                    <a:latin typeface="Cambria Math"/>
+                                                  </a:rPr>
+                                                </m:ctrlPr>
+                                              </m:sSubPr>
+                                              <m:e>
+                                                <m:r>
+                                                  <a:rPr lang="en-US" altLang="ko-KR" b="0" i="1" smtClean="0">
+                                                    <a:solidFill>
+                                                      <a:sysClr val="windowText" lastClr="000000"/>
+                                                    </a:solidFill>
+                                                    <a:latin typeface="Cambria Math"/>
+                                                  </a:rPr>
+                                                  <m:t>𝑋</m:t>
+                                                </m:r>
+                                              </m:e>
+                                              <m:sub>
+                                                <m:r>
+                                                  <a:rPr lang="en-US" altLang="ko-KR" b="0" i="1" smtClean="0">
+                                                    <a:solidFill>
+                                                      <a:sysClr val="windowText" lastClr="000000"/>
+                                                    </a:solidFill>
+                                                    <a:latin typeface="Cambria Math"/>
+                                                  </a:rPr>
+                                                  <m:t>3</m:t>
+                                                </m:r>
+                                                <m:r>
+                                                  <a:rPr lang="en-US" altLang="ko-KR" b="0" i="1" smtClean="0">
+                                                    <a:solidFill>
+                                                      <a:sysClr val="windowText" lastClr="000000"/>
+                                                    </a:solidFill>
+                                                    <a:latin typeface="Cambria Math"/>
+                                                  </a:rPr>
+                                                  <m:t>𝑠</m:t>
+                                                </m:r>
+                                              </m:sub>
+                                            </m:sSub>
+                                            <m:r>
+                                              <a:rPr lang="en-US" altLang="ko-KR" b="0" i="1" smtClean="0">
+                                                <a:solidFill>
+                                                  <a:sysClr val="windowText" lastClr="000000"/>
+                                                </a:solidFill>
+                                                <a:latin typeface="Cambria Math"/>
+                                              </a:rPr>
+                                              <m:t>−</m:t>
+                                            </m:r>
+                                            <m:sSub>
+                                              <m:sSubPr>
+                                                <m:ctrlPr>
+                                                  <a:rPr lang="en-US" altLang="ko-KR" b="0" i="1" smtClean="0">
+                                                    <a:solidFill>
+                                                      <a:sysClr val="windowText" lastClr="000000"/>
+                                                    </a:solidFill>
+                                                    <a:latin typeface="Cambria Math"/>
+                                                  </a:rPr>
+                                                </m:ctrlPr>
+                                              </m:sSubPr>
+                                              <m:e>
+                                                <m:acc>
+                                                  <m:accPr>
+                                                    <m:chr m:val="̅"/>
+                                                    <m:ctrlPr>
+                                                      <a:rPr lang="en-US" altLang="ko-KR" b="0" i="1" smtClean="0">
+                                                        <a:solidFill>
+                                                          <a:sysClr val="windowText" lastClr="000000"/>
+                                                        </a:solidFill>
+                                                        <a:latin typeface="Cambria Math"/>
+                                                      </a:rPr>
+                                                    </m:ctrlPr>
+                                                  </m:accPr>
+                                                  <m:e>
+                                                    <m:r>
+                                                      <a:rPr lang="en-US" altLang="ko-KR" b="0" i="1" smtClean="0">
+                                                        <a:solidFill>
+                                                          <a:sysClr val="windowText" lastClr="000000"/>
+                                                        </a:solidFill>
+                                                        <a:latin typeface="Cambria Math"/>
+                                                      </a:rPr>
+                                                      <m:t>𝑋</m:t>
+                                                    </m:r>
+                                                  </m:e>
+                                                </m:acc>
+                                              </m:e>
+                                              <m:sub>
+                                                <m:r>
+                                                  <a:rPr lang="en-US" altLang="ko-KR" b="0" i="1" smtClean="0">
+                                                    <a:solidFill>
+                                                      <a:sysClr val="windowText" lastClr="000000"/>
+                                                    </a:solidFill>
+                                                    <a:latin typeface="Cambria Math"/>
+                                                  </a:rPr>
+                                                  <m:t>3</m:t>
+                                                </m:r>
+                                              </m:sub>
+                                            </m:sSub>
+                                          </m:e>
+                                        </m:d>
+                                      </m:e>
+                                      <m:sup>
+                                        <m:r>
+                                          <a:rPr lang="en-US" altLang="ko-KR" b="0" i="1" smtClean="0">
+                                            <a:solidFill>
+                                              <a:sysClr val="windowText" lastClr="000000"/>
+                                            </a:solidFill>
+                                            <a:latin typeface="Cambria Math"/>
+                                          </a:rPr>
+                                          <m:t>2</m:t>
+                                        </m:r>
+                                      </m:sup>
+                                    </m:sSup>
+                                  </m:e>
+                                </m:nary>
+                              </m:oMath>
+                            </m:oMathPara>
+                          </a14:m>
+                          <a:endParaRPr lang="ko-KR" altLang="en-US" dirty="0">
+                            <a:solidFill>
+                              <a:sysClr val="windowText" lastClr="000000"/>
+                            </a:solidFill>
+                          </a:endParaRPr>
+                        </a:p>
+                      </a:txBody>
+                      <a:tcPr anchor="ctr">
+                        <a:lnL w="12700" cap="flat" cmpd="sng" algn="ctr">
+                          <a:solidFill>
+                            <a:schemeClr val="tx1"/>
+                          </a:solidFill>
+                          <a:prstDash val="solid"/>
+                          <a:round/>
+                          <a:headEnd type="none" w="med" len="med"/>
+                          <a:tailEnd type="none" w="med" len="med"/>
+                        </a:lnL>
+                        <a:lnR w="12700" cap="flat" cmpd="sng" algn="ctr">
+                          <a:solidFill>
+                            <a:schemeClr val="tx1"/>
+                          </a:solidFill>
+                          <a:prstDash val="solid"/>
+                          <a:round/>
+                          <a:headEnd type="none" w="med" len="med"/>
+                          <a:tailEnd type="none" w="med" len="med"/>
+                        </a:lnR>
+                        <a:lnT w="12700" cap="flat" cmpd="sng" algn="ctr">
+                          <a:solidFill>
+                            <a:schemeClr val="tx1"/>
+                          </a:solidFill>
+                          <a:prstDash val="solid"/>
+                          <a:round/>
+                          <a:headEnd type="none" w="med" len="med"/>
+                          <a:tailEnd type="none" w="med" len="med"/>
+                        </a:lnT>
+                        <a:lnB w="12700" cap="flat" cmpd="sng" algn="ctr">
+                          <a:solidFill>
+                            <a:schemeClr val="tx1"/>
+                          </a:solidFill>
+                          <a:prstDash val="solid"/>
+                          <a:round/>
+                          <a:headEnd type="none" w="med" len="med"/>
+                          <a:tailEnd type="none" w="med" len="med"/>
+                        </a:lnB>
+                        <a:lnTlToBr w="12700" cmpd="sng">
+                          <a:noFill/>
+                          <a:prstDash val="solid"/>
+                        </a:lnTlToBr>
+                        <a:lnBlToTr w="12700" cmpd="sng">
+                          <a:noFill/>
+                          <a:prstDash val="solid"/>
+                        </a:lnBlToTr>
+                        <a:solidFill>
+                          <a:schemeClr val="bg1"/>
+                        </a:solidFill>
+                      </a:tcPr>
+                    </a:tc>
+                  </a:tr>
+                  <a:tr h="370840">
+                    <a:tc>
+                      <a:txBody>
+                        <a:bodyPr/>
+                        <a:lstStyle/>
+                        <a:p>
+                          <a:pPr algn="ctr" latinLnBrk="1"/>
+                          <a:r>
+                            <a:rPr lang="en-US" altLang="ko-KR" dirty="0" smtClean="0">
+                              <a:solidFill>
+                                <a:sysClr val="windowText" lastClr="000000"/>
+                              </a:solidFill>
+                            </a:rPr>
+                            <a:t>Grand Mean</a:t>
+                          </a:r>
+                          <a:endParaRPr lang="ko-KR" altLang="en-US" dirty="0">
+                            <a:solidFill>
+                              <a:sysClr val="windowText" lastClr="000000"/>
+                            </a:solidFill>
+                          </a:endParaRPr>
+                        </a:p>
+                      </a:txBody>
+                      <a:tcPr anchor="ctr">
+                        <a:lnL w="12700" cap="flat" cmpd="sng" algn="ctr">
+                          <a:solidFill>
+                            <a:schemeClr val="tx1"/>
+                          </a:solidFill>
+                          <a:prstDash val="solid"/>
+                          <a:round/>
+                          <a:headEnd type="none" w="med" len="med"/>
+                          <a:tailEnd type="none" w="med" len="med"/>
+                        </a:lnL>
+                        <a:lnR w="12700" cap="flat" cmpd="sng" algn="ctr">
+                          <a:solidFill>
+                            <a:schemeClr val="tx1"/>
+                          </a:solidFill>
+                          <a:prstDash val="solid"/>
+                          <a:round/>
+                          <a:headEnd type="none" w="med" len="med"/>
+                          <a:tailEnd type="none" w="med" len="med"/>
+                        </a:lnR>
+                        <a:lnT w="12700" cap="flat" cmpd="sng" algn="ctr">
+                          <a:solidFill>
+                            <a:schemeClr val="tx1"/>
+                          </a:solidFill>
+                          <a:prstDash val="solid"/>
+                          <a:round/>
+                          <a:headEnd type="none" w="med" len="med"/>
+                          <a:tailEnd type="none" w="med" len="med"/>
+                        </a:lnT>
+                        <a:lnB w="12700" cap="flat" cmpd="sng" algn="ctr">
+                          <a:solidFill>
+                            <a:schemeClr val="tx1"/>
+                          </a:solidFill>
+                          <a:prstDash val="solid"/>
+                          <a:round/>
+                          <a:headEnd type="none" w="med" len="med"/>
+                          <a:tailEnd type="none" w="med" len="med"/>
+                        </a:lnB>
+                        <a:lnTlToBr w="12700" cmpd="sng">
+                          <a:noFill/>
+                          <a:prstDash val="solid"/>
+                        </a:lnTlToBr>
+                        <a:lnBlToTr w="12700" cmpd="sng">
+                          <a:noFill/>
+                          <a:prstDash val="solid"/>
+                        </a:lnBlToTr>
+                        <a:solidFill>
+                          <a:schemeClr val="bg2"/>
+                        </a:solidFill>
+                      </a:tcPr>
+                    </a:tc>
+                    <a:tc gridSpan="3">
+                      <a:txBody>
+                        <a:bodyPr/>
+                        <a:lstStyle/>
+                        <a:p>
+                          <a:pPr algn="ctr" latinLnBrk="1"/>
+                          <a14:m>
+                            <m:oMathPara xmlns:m="http://schemas.openxmlformats.org/officeDocument/2006/math">
+                              <m:oMathParaPr>
+                                <m:jc m:val="centerGroup"/>
+                              </m:oMathParaPr>
+                              <m:oMath xmlns:m="http://schemas.openxmlformats.org/officeDocument/2006/math">
+                                <m:acc>
+                                  <m:accPr>
+                                    <m:chr m:val="̅"/>
+                                    <m:ctrlPr>
+                                      <a:rPr lang="en-US" altLang="ko-KR" b="0" i="1" smtClean="0">
+                                        <a:solidFill>
+                                          <a:sysClr val="windowText" lastClr="000000"/>
+                                        </a:solidFill>
+                                        <a:latin typeface="Cambria Math"/>
+                                      </a:rPr>
+                                    </m:ctrlPr>
+                                  </m:accPr>
+                                  <m:e>
+                                    <m:r>
+                                      <a:rPr lang="en-US" altLang="ko-KR" b="0" i="1" smtClean="0">
+                                        <a:solidFill>
+                                          <a:sysClr val="windowText" lastClr="000000"/>
+                                        </a:solidFill>
+                                        <a:latin typeface="Cambria Math"/>
+                                      </a:rPr>
+                                      <m:t>𝑋</m:t>
+                                    </m:r>
+                                  </m:e>
+                                </m:acc>
+                                <m:r>
+                                  <a:rPr lang="en-US" altLang="ko-KR" b="0" i="1" smtClean="0">
+                                    <a:solidFill>
+                                      <a:sysClr val="windowText" lastClr="000000"/>
+                                    </a:solidFill>
+                                    <a:latin typeface="Cambria Math"/>
+                                  </a:rPr>
+                                  <m:t>=</m:t>
+                                </m:r>
+                                <m:f>
+                                  <m:fPr>
+                                    <m:ctrlPr>
+                                      <a:rPr lang="en-US" altLang="ko-KR" b="0" i="1" smtClean="0">
+                                        <a:solidFill>
+                                          <a:sysClr val="windowText" lastClr="000000"/>
+                                        </a:solidFill>
+                                        <a:latin typeface="Cambria Math"/>
+                                      </a:rPr>
+                                    </m:ctrlPr>
+                                  </m:fPr>
+                                  <m:num>
                                     <m:r>
                                       <a:rPr lang="en-US" altLang="ko-KR" b="0" i="1" smtClean="0">
                                         <a:solidFill>
@@ -4044,6 +6461,3850 @@
                                         <a:latin typeface="Cambria Math"/>
                                       </a:rPr>
                                       <m:t>1</m:t>
+                                    </m:r>
+                                  </m:num>
+                                  <m:den>
+                                    <m:r>
+                                      <a:rPr lang="en-US" altLang="ko-KR" b="0" i="1" smtClean="0">
+                                        <a:solidFill>
+                                          <a:sysClr val="windowText" lastClr="000000"/>
+                                        </a:solidFill>
+                                        <a:latin typeface="Cambria Math"/>
+                                      </a:rPr>
+                                      <m:t>𝑛</m:t>
+                                    </m:r>
+                                  </m:den>
+                                </m:f>
+                                <m:nary>
+                                  <m:naryPr>
+                                    <m:chr m:val="∑"/>
+                                    <m:supHide m:val="on"/>
+                                    <m:ctrlPr>
+                                      <a:rPr lang="en-US" altLang="ko-KR" b="0" i="1" smtClean="0">
+                                        <a:solidFill>
+                                          <a:sysClr val="windowText" lastClr="000000"/>
+                                        </a:solidFill>
+                                        <a:latin typeface="Cambria Math"/>
+                                      </a:rPr>
+                                    </m:ctrlPr>
+                                  </m:naryPr>
+                                  <m:sub>
+                                    <m:r>
+                                      <m:rPr>
+                                        <m:brk m:alnAt="7"/>
+                                      </m:rPr>
+                                      <a:rPr lang="en-US" altLang="ko-KR" b="0" i="1" smtClean="0">
+                                        <a:solidFill>
+                                          <a:sysClr val="windowText" lastClr="000000"/>
+                                        </a:solidFill>
+                                        <a:latin typeface="Cambria Math"/>
+                                      </a:rPr>
+                                      <m:t>𝑡</m:t>
+                                    </m:r>
+                                  </m:sub>
+                                  <m:sup/>
+                                  <m:e>
+                                    <m:nary>
+                                      <m:naryPr>
+                                        <m:chr m:val="∑"/>
+                                        <m:supHide m:val="on"/>
+                                        <m:ctrlPr>
+                                          <a:rPr lang="en-US" altLang="ko-KR" b="0" i="1" smtClean="0">
+                                            <a:solidFill>
+                                              <a:sysClr val="windowText" lastClr="000000"/>
+                                            </a:solidFill>
+                                            <a:latin typeface="Cambria Math"/>
+                                          </a:rPr>
+                                        </m:ctrlPr>
+                                      </m:naryPr>
+                                      <m:sub>
+                                        <m:r>
+                                          <a:rPr lang="en-US" altLang="ko-KR" b="0" i="1" smtClean="0">
+                                            <a:solidFill>
+                                              <a:sysClr val="windowText" lastClr="000000"/>
+                                            </a:solidFill>
+                                            <a:latin typeface="Cambria Math"/>
+                                          </a:rPr>
+                                          <m:t>𝑠</m:t>
+                                        </m:r>
+                                      </m:sub>
+                                      <m:sup/>
+                                      <m:e>
+                                        <m:sSub>
+                                          <m:sSubPr>
+                                            <m:ctrlPr>
+                                              <a:rPr lang="en-US" altLang="ko-KR" b="0" i="1" smtClean="0">
+                                                <a:solidFill>
+                                                  <a:sysClr val="windowText" lastClr="000000"/>
+                                                </a:solidFill>
+                                                <a:latin typeface="Cambria Math"/>
+                                              </a:rPr>
+                                            </m:ctrlPr>
+                                          </m:sSubPr>
+                                          <m:e>
+                                            <m:r>
+                                              <a:rPr lang="en-US" altLang="ko-KR" b="0" i="1" smtClean="0">
+                                                <a:solidFill>
+                                                  <a:sysClr val="windowText" lastClr="000000"/>
+                                                </a:solidFill>
+                                                <a:latin typeface="Cambria Math"/>
+                                              </a:rPr>
+                                              <m:t>𝑋</m:t>
+                                            </m:r>
+                                          </m:e>
+                                          <m:sub>
+                                            <m:r>
+                                              <a:rPr lang="en-US" altLang="ko-KR" b="0" i="1" smtClean="0">
+                                                <a:solidFill>
+                                                  <a:sysClr val="windowText" lastClr="000000"/>
+                                                </a:solidFill>
+                                                <a:latin typeface="Cambria Math"/>
+                                              </a:rPr>
+                                              <m:t>𝑡𝑠</m:t>
+                                            </m:r>
+                                          </m:sub>
+                                        </m:sSub>
+                                      </m:e>
+                                    </m:nary>
+                                  </m:e>
+                                </m:nary>
+                              </m:oMath>
+                            </m:oMathPara>
+                          </a14:m>
+                          <a:endParaRPr lang="ko-KR" altLang="en-US" dirty="0">
+                            <a:solidFill>
+                              <a:sysClr val="windowText" lastClr="000000"/>
+                            </a:solidFill>
+                          </a:endParaRPr>
+                        </a:p>
+                      </a:txBody>
+                      <a:tcPr anchor="ctr">
+                        <a:lnL w="12700" cap="flat" cmpd="sng" algn="ctr">
+                          <a:solidFill>
+                            <a:schemeClr val="tx1"/>
+                          </a:solidFill>
+                          <a:prstDash val="solid"/>
+                          <a:round/>
+                          <a:headEnd type="none" w="med" len="med"/>
+                          <a:tailEnd type="none" w="med" len="med"/>
+                        </a:lnL>
+                        <a:lnR w="12700" cap="flat" cmpd="sng" algn="ctr">
+                          <a:solidFill>
+                            <a:schemeClr val="tx1"/>
+                          </a:solidFill>
+                          <a:prstDash val="solid"/>
+                          <a:round/>
+                          <a:headEnd type="none" w="med" len="med"/>
+                          <a:tailEnd type="none" w="med" len="med"/>
+                        </a:lnR>
+                        <a:lnT w="12700" cap="flat" cmpd="sng" algn="ctr">
+                          <a:solidFill>
+                            <a:schemeClr val="tx1"/>
+                          </a:solidFill>
+                          <a:prstDash val="solid"/>
+                          <a:round/>
+                          <a:headEnd type="none" w="med" len="med"/>
+                          <a:tailEnd type="none" w="med" len="med"/>
+                        </a:lnT>
+                        <a:lnB w="12700" cap="flat" cmpd="sng" algn="ctr">
+                          <a:solidFill>
+                            <a:schemeClr val="tx1"/>
+                          </a:solidFill>
+                          <a:prstDash val="solid"/>
+                          <a:round/>
+                          <a:headEnd type="none" w="med" len="med"/>
+                          <a:tailEnd type="none" w="med" len="med"/>
+                        </a:lnB>
+                        <a:lnTlToBr w="12700" cmpd="sng">
+                          <a:noFill/>
+                          <a:prstDash val="solid"/>
+                        </a:lnTlToBr>
+                        <a:lnBlToTr w="12700" cmpd="sng">
+                          <a:noFill/>
+                          <a:prstDash val="solid"/>
+                        </a:lnBlToTr>
+                        <a:solidFill>
+                          <a:schemeClr val="bg1"/>
+                        </a:solidFill>
+                      </a:tcPr>
+                    </a:tc>
+                    <a:tc hMerge="1">
+                      <a:txBody>
+                        <a:bodyPr/>
+                        <a:lstStyle/>
+                        <a:p>
+                          <a:pPr latinLnBrk="1"/>
+                          <a:endParaRPr lang="ko-KR" altLang="en-US" dirty="0"/>
+                        </a:p>
+                      </a:txBody>
+                      <a:tcPr/>
+                    </a:tc>
+                    <a:tc hMerge="1">
+                      <a:txBody>
+                        <a:bodyPr/>
+                        <a:lstStyle/>
+                        <a:p>
+                          <a:pPr latinLnBrk="1"/>
+                          <a:endParaRPr lang="ko-KR" altLang="en-US" dirty="0"/>
+                        </a:p>
+                      </a:txBody>
+                      <a:tcPr/>
+                    </a:tc>
+                  </a:tr>
+                  <a:tr h="370840">
+                    <a:tc>
+                      <a:txBody>
+                        <a:bodyPr/>
+                        <a:lstStyle/>
+                        <a:p>
+                          <a:pPr algn="ctr" latinLnBrk="1"/>
+                          <a:r>
+                            <a:rPr lang="en-US" altLang="ko-KR" dirty="0" smtClean="0">
+                              <a:solidFill>
+                                <a:sysClr val="windowText" lastClr="000000"/>
+                              </a:solidFill>
+                            </a:rPr>
+                            <a:t>Total Sum of Squares</a:t>
+                          </a:r>
+                          <a:endParaRPr lang="ko-KR" altLang="en-US" dirty="0">
+                            <a:solidFill>
+                              <a:sysClr val="windowText" lastClr="000000"/>
+                            </a:solidFill>
+                          </a:endParaRPr>
+                        </a:p>
+                      </a:txBody>
+                      <a:tcPr anchor="ctr">
+                        <a:lnL w="12700" cap="flat" cmpd="sng" algn="ctr">
+                          <a:solidFill>
+                            <a:schemeClr val="tx1"/>
+                          </a:solidFill>
+                          <a:prstDash val="solid"/>
+                          <a:round/>
+                          <a:headEnd type="none" w="med" len="med"/>
+                          <a:tailEnd type="none" w="med" len="med"/>
+                        </a:lnL>
+                        <a:lnR w="12700" cap="flat" cmpd="sng" algn="ctr">
+                          <a:solidFill>
+                            <a:schemeClr val="tx1"/>
+                          </a:solidFill>
+                          <a:prstDash val="solid"/>
+                          <a:round/>
+                          <a:headEnd type="none" w="med" len="med"/>
+                          <a:tailEnd type="none" w="med" len="med"/>
+                        </a:lnR>
+                        <a:lnT w="12700" cap="flat" cmpd="sng" algn="ctr">
+                          <a:solidFill>
+                            <a:schemeClr val="tx1"/>
+                          </a:solidFill>
+                          <a:prstDash val="solid"/>
+                          <a:round/>
+                          <a:headEnd type="none" w="med" len="med"/>
+                          <a:tailEnd type="none" w="med" len="med"/>
+                        </a:lnT>
+                        <a:lnB w="12700" cap="flat" cmpd="sng" algn="ctr">
+                          <a:solidFill>
+                            <a:schemeClr val="tx1"/>
+                          </a:solidFill>
+                          <a:prstDash val="solid"/>
+                          <a:round/>
+                          <a:headEnd type="none" w="med" len="med"/>
+                          <a:tailEnd type="none" w="med" len="med"/>
+                        </a:lnB>
+                        <a:lnTlToBr w="12700" cmpd="sng">
+                          <a:noFill/>
+                          <a:prstDash val="solid"/>
+                        </a:lnTlToBr>
+                        <a:lnBlToTr w="12700" cmpd="sng">
+                          <a:noFill/>
+                          <a:prstDash val="solid"/>
+                        </a:lnBlToTr>
+                        <a:solidFill>
+                          <a:schemeClr val="bg2"/>
+                        </a:solidFill>
+                      </a:tcPr>
+                    </a:tc>
+                    <a:tc gridSpan="3">
+                      <a:txBody>
+                        <a:bodyPr/>
+                        <a:lstStyle/>
+                        <a:p>
+                          <a:pPr algn="ctr" latinLnBrk="1"/>
+                          <a14:m>
+                            <m:oMathPara xmlns:m="http://schemas.openxmlformats.org/officeDocument/2006/math">
+                              <m:oMathParaPr>
+                                <m:jc m:val="centerGroup"/>
+                              </m:oMathParaPr>
+                              <m:oMath xmlns:m="http://schemas.openxmlformats.org/officeDocument/2006/math">
+                                <m:nary>
+                                  <m:naryPr>
+                                    <m:chr m:val="∑"/>
+                                    <m:supHide m:val="on"/>
+                                    <m:ctrlPr>
+                                      <a:rPr lang="en-US" altLang="ko-KR" b="0" i="1" smtClean="0">
+                                        <a:solidFill>
+                                          <a:sysClr val="windowText" lastClr="000000"/>
+                                        </a:solidFill>
+                                        <a:latin typeface="Cambria Math"/>
+                                      </a:rPr>
+                                    </m:ctrlPr>
+                                  </m:naryPr>
+                                  <m:sub>
+                                    <m:r>
+                                      <m:rPr>
+                                        <m:brk m:alnAt="7"/>
+                                      </m:rPr>
+                                      <a:rPr lang="en-US" altLang="ko-KR" b="0" i="1" smtClean="0">
+                                        <a:solidFill>
+                                          <a:sysClr val="windowText" lastClr="000000"/>
+                                        </a:solidFill>
+                                        <a:latin typeface="Cambria Math"/>
+                                      </a:rPr>
+                                      <m:t>𝑡</m:t>
+                                    </m:r>
+                                  </m:sub>
+                                  <m:sup/>
+                                  <m:e>
+                                    <m:nary>
+                                      <m:naryPr>
+                                        <m:chr m:val="∑"/>
+                                        <m:supHide m:val="on"/>
+                                        <m:ctrlPr>
+                                          <a:rPr lang="en-US" altLang="ko-KR" b="0" i="1" smtClean="0">
+                                            <a:solidFill>
+                                              <a:sysClr val="windowText" lastClr="000000"/>
+                                            </a:solidFill>
+                                            <a:latin typeface="Cambria Math"/>
+                                          </a:rPr>
+                                        </m:ctrlPr>
+                                      </m:naryPr>
+                                      <m:sub>
+                                        <m:r>
+                                          <a:rPr lang="en-US" altLang="ko-KR" b="0" i="1" smtClean="0">
+                                            <a:solidFill>
+                                              <a:sysClr val="windowText" lastClr="000000"/>
+                                            </a:solidFill>
+                                            <a:latin typeface="Cambria Math"/>
+                                          </a:rPr>
+                                          <m:t>𝑠</m:t>
+                                        </m:r>
+                                      </m:sub>
+                                      <m:sup/>
+                                      <m:e>
+                                        <m:sSup>
+                                          <m:sSupPr>
+                                            <m:ctrlPr>
+                                              <a:rPr lang="en-US" altLang="ko-KR" b="0" i="1" smtClean="0">
+                                                <a:solidFill>
+                                                  <a:sysClr val="windowText" lastClr="000000"/>
+                                                </a:solidFill>
+                                                <a:latin typeface="Cambria Math"/>
+                                              </a:rPr>
+                                            </m:ctrlPr>
+                                          </m:sSupPr>
+                                          <m:e>
+                                            <m:d>
+                                              <m:dPr>
+                                                <m:ctrlPr>
+                                                  <a:rPr lang="en-US" altLang="ko-KR" b="0" i="1" smtClean="0">
+                                                    <a:solidFill>
+                                                      <a:sysClr val="windowText" lastClr="000000"/>
+                                                    </a:solidFill>
+                                                    <a:latin typeface="Cambria Math"/>
+                                                  </a:rPr>
+                                                </m:ctrlPr>
+                                              </m:dPr>
+                                              <m:e>
+                                                <m:sSub>
+                                                  <m:sSubPr>
+                                                    <m:ctrlPr>
+                                                      <a:rPr lang="en-US" altLang="ko-KR" b="0" i="1" smtClean="0">
+                                                        <a:solidFill>
+                                                          <a:sysClr val="windowText" lastClr="000000"/>
+                                                        </a:solidFill>
+                                                        <a:latin typeface="Cambria Math"/>
+                                                      </a:rPr>
+                                                    </m:ctrlPr>
+                                                  </m:sSubPr>
+                                                  <m:e>
+                                                    <m:r>
+                                                      <a:rPr lang="en-US" altLang="ko-KR" b="0" i="1" smtClean="0">
+                                                        <a:solidFill>
+                                                          <a:sysClr val="windowText" lastClr="000000"/>
+                                                        </a:solidFill>
+                                                        <a:latin typeface="Cambria Math"/>
+                                                      </a:rPr>
+                                                      <m:t>𝑋</m:t>
+                                                    </m:r>
+                                                  </m:e>
+                                                  <m:sub>
+                                                    <m:r>
+                                                      <a:rPr lang="en-US" altLang="ko-KR" b="0" i="1" smtClean="0">
+                                                        <a:solidFill>
+                                                          <a:sysClr val="windowText" lastClr="000000"/>
+                                                        </a:solidFill>
+                                                        <a:latin typeface="Cambria Math"/>
+                                                      </a:rPr>
+                                                      <m:t>𝑡𝑠</m:t>
+                                                    </m:r>
+                                                  </m:sub>
+                                                </m:sSub>
+                                                <m:r>
+                                                  <a:rPr lang="en-US" altLang="ko-KR" b="0" i="1" smtClean="0">
+                                                    <a:solidFill>
+                                                      <a:sysClr val="windowText" lastClr="000000"/>
+                                                    </a:solidFill>
+                                                    <a:latin typeface="Cambria Math"/>
+                                                  </a:rPr>
+                                                  <m:t>−</m:t>
+                                                </m:r>
+                                                <m:acc>
+                                                  <m:accPr>
+                                                    <m:chr m:val="̅"/>
+                                                    <m:ctrlPr>
+                                                      <a:rPr lang="en-US" altLang="ko-KR" b="0" i="1" smtClean="0">
+                                                        <a:solidFill>
+                                                          <a:sysClr val="windowText" lastClr="000000"/>
+                                                        </a:solidFill>
+                                                        <a:latin typeface="Cambria Math"/>
+                                                      </a:rPr>
+                                                    </m:ctrlPr>
+                                                  </m:accPr>
+                                                  <m:e>
+                                                    <m:r>
+                                                      <a:rPr lang="en-US" altLang="ko-KR" b="0" i="1" smtClean="0">
+                                                        <a:solidFill>
+                                                          <a:sysClr val="windowText" lastClr="000000"/>
+                                                        </a:solidFill>
+                                                        <a:latin typeface="Cambria Math"/>
+                                                      </a:rPr>
+                                                      <m:t>𝑋</m:t>
+                                                    </m:r>
+                                                  </m:e>
+                                                </m:acc>
+                                              </m:e>
+                                            </m:d>
+                                          </m:e>
+                                          <m:sup>
+                                            <m:r>
+                                              <a:rPr lang="en-US" altLang="ko-KR" b="0" i="1" smtClean="0">
+                                                <a:solidFill>
+                                                  <a:sysClr val="windowText" lastClr="000000"/>
+                                                </a:solidFill>
+                                                <a:latin typeface="Cambria Math"/>
+                                              </a:rPr>
+                                              <m:t>2</m:t>
+                                            </m:r>
+                                          </m:sup>
+                                        </m:sSup>
+                                      </m:e>
+                                    </m:nary>
+                                  </m:e>
+                                </m:nary>
+                              </m:oMath>
+                            </m:oMathPara>
+                          </a14:m>
+                          <a:endParaRPr lang="ko-KR" altLang="en-US" dirty="0">
+                            <a:solidFill>
+                              <a:sysClr val="windowText" lastClr="000000"/>
+                            </a:solidFill>
+                          </a:endParaRPr>
+                        </a:p>
+                      </a:txBody>
+                      <a:tcPr anchor="ctr">
+                        <a:lnL w="12700" cap="flat" cmpd="sng" algn="ctr">
+                          <a:solidFill>
+                            <a:schemeClr val="tx1"/>
+                          </a:solidFill>
+                          <a:prstDash val="solid"/>
+                          <a:round/>
+                          <a:headEnd type="none" w="med" len="med"/>
+                          <a:tailEnd type="none" w="med" len="med"/>
+                        </a:lnL>
+                        <a:lnR w="12700" cap="flat" cmpd="sng" algn="ctr">
+                          <a:solidFill>
+                            <a:schemeClr val="tx1"/>
+                          </a:solidFill>
+                          <a:prstDash val="solid"/>
+                          <a:round/>
+                          <a:headEnd type="none" w="med" len="med"/>
+                          <a:tailEnd type="none" w="med" len="med"/>
+                        </a:lnR>
+                        <a:lnT w="12700" cap="flat" cmpd="sng" algn="ctr">
+                          <a:solidFill>
+                            <a:schemeClr val="tx1"/>
+                          </a:solidFill>
+                          <a:prstDash val="solid"/>
+                          <a:round/>
+                          <a:headEnd type="none" w="med" len="med"/>
+                          <a:tailEnd type="none" w="med" len="med"/>
+                        </a:lnT>
+                        <a:lnB w="12700" cap="flat" cmpd="sng" algn="ctr">
+                          <a:solidFill>
+                            <a:schemeClr val="tx1"/>
+                          </a:solidFill>
+                          <a:prstDash val="solid"/>
+                          <a:round/>
+                          <a:headEnd type="none" w="med" len="med"/>
+                          <a:tailEnd type="none" w="med" len="med"/>
+                        </a:lnB>
+                        <a:lnTlToBr w="12700" cmpd="sng">
+                          <a:noFill/>
+                          <a:prstDash val="solid"/>
+                        </a:lnTlToBr>
+                        <a:lnBlToTr w="12700" cmpd="sng">
+                          <a:noFill/>
+                          <a:prstDash val="solid"/>
+                        </a:lnBlToTr>
+                        <a:solidFill>
+                          <a:schemeClr val="bg1"/>
+                        </a:solidFill>
+                      </a:tcPr>
+                    </a:tc>
+                    <a:tc hMerge="1">
+                      <a:txBody>
+                        <a:bodyPr/>
+                        <a:lstStyle/>
+                        <a:p>
+                          <a:pPr latinLnBrk="1"/>
+                          <a:endParaRPr lang="ko-KR" altLang="en-US"/>
+                        </a:p>
+                      </a:txBody>
+                      <a:tcPr/>
+                    </a:tc>
+                    <a:tc hMerge="1">
+                      <a:txBody>
+                        <a:bodyPr/>
+                        <a:lstStyle/>
+                        <a:p>
+                          <a:pPr latinLnBrk="1"/>
+                          <a:endParaRPr lang="ko-KR" altLang="en-US"/>
+                        </a:p>
+                      </a:txBody>
+                      <a:tcPr/>
+                    </a:tc>
+                  </a:tr>
+                </a:tbl>
+              </a:graphicData>
+            </a:graphic>
+          </p:graphicFrame>
+        </mc:Choice>
+        <mc:Fallback>
+          <p:graphicFrame>
+            <p:nvGraphicFramePr>
+              <p:cNvPr id="4" name="표 3"/>
+              <p:cNvGraphicFramePr>
+                <a:graphicFrameLocks noGrp="1"/>
+              </p:cNvGraphicFramePr>
+              <p:nvPr>
+                <p:extLst>
+                  <p:ext uri="{D42A27DB-BD31-4B8C-83A1-F6EECF244321}">
+                    <p14:modId xmlns:p14="http://schemas.microsoft.com/office/powerpoint/2010/main" val="2034779301"/>
+                  </p:ext>
+                </p:extLst>
+              </p:nvPr>
+            </p:nvGraphicFramePr>
+            <p:xfrm>
+              <a:off x="755577" y="860774"/>
+              <a:ext cx="7632847" cy="5136453"/>
+            </p:xfrm>
+            <a:graphic>
+              <a:graphicData uri="http://schemas.openxmlformats.org/drawingml/2006/table">
+                <a:tbl>
+                  <a:tblPr firstRow="1" bandRow="1">
+                    <a:tableStyleId>{5C22544A-7EE6-4342-B048-85BDC9FD1C3A}</a:tableStyleId>
+                  </a:tblPr>
+                  <a:tblGrid>
+                    <a:gridCol w="2041096"/>
+                    <a:gridCol w="1863917"/>
+                    <a:gridCol w="1863917"/>
+                    <a:gridCol w="1863917"/>
+                  </a:tblGrid>
+                  <a:tr h="370840">
+                    <a:tc rowSpan="6">
+                      <a:txBody>
+                        <a:bodyPr/>
+                        <a:lstStyle/>
+                        <a:p>
+                          <a:pPr algn="ctr" latinLnBrk="1"/>
+                          <a:r>
+                            <a:rPr lang="en-US" altLang="ko-KR" dirty="0" smtClean="0">
+                              <a:solidFill>
+                                <a:sysClr val="windowText" lastClr="000000"/>
+                              </a:solidFill>
+                            </a:rPr>
+                            <a:t>Total sample size=</a:t>
+                          </a:r>
+                          <a:r>
+                            <a:rPr lang="en-US" altLang="ko-KR" baseline="0" dirty="0" smtClean="0">
+                              <a:solidFill>
+                                <a:sysClr val="windowText" lastClr="000000"/>
+                              </a:solidFill>
+                            </a:rPr>
+                            <a:t> n</a:t>
+                          </a:r>
+                          <a:endParaRPr lang="en-US" altLang="ko-KR" dirty="0" smtClean="0">
+                            <a:solidFill>
+                              <a:sysClr val="windowText" lastClr="000000"/>
+                            </a:solidFill>
+                          </a:endParaRPr>
+                        </a:p>
+                      </a:txBody>
+                      <a:tcPr anchor="ctr">
+                        <a:lnL w="12700" cap="flat" cmpd="sng" algn="ctr">
+                          <a:solidFill>
+                            <a:schemeClr val="tx1"/>
+                          </a:solidFill>
+                          <a:prstDash val="solid"/>
+                          <a:round/>
+                          <a:headEnd type="none" w="med" len="med"/>
+                          <a:tailEnd type="none" w="med" len="med"/>
+                        </a:lnL>
+                        <a:lnR w="12700" cap="flat" cmpd="sng" algn="ctr">
+                          <a:solidFill>
+                            <a:schemeClr val="tx1"/>
+                          </a:solidFill>
+                          <a:prstDash val="solid"/>
+                          <a:round/>
+                          <a:headEnd type="none" w="med" len="med"/>
+                          <a:tailEnd type="none" w="med" len="med"/>
+                        </a:lnR>
+                        <a:lnT w="12700" cap="flat" cmpd="sng" algn="ctr">
+                          <a:solidFill>
+                            <a:schemeClr val="tx1"/>
+                          </a:solidFill>
+                          <a:prstDash val="solid"/>
+                          <a:round/>
+                          <a:headEnd type="none" w="med" len="med"/>
+                          <a:tailEnd type="none" w="med" len="med"/>
+                        </a:lnT>
+                        <a:lnB w="12700" cap="flat" cmpd="sng" algn="ctr">
+                          <a:solidFill>
+                            <a:schemeClr val="tx1"/>
+                          </a:solidFill>
+                          <a:prstDash val="solid"/>
+                          <a:round/>
+                          <a:headEnd type="none" w="med" len="med"/>
+                          <a:tailEnd type="none" w="med" len="med"/>
+                        </a:lnB>
+                        <a:lnTlToBr w="12700" cmpd="sng">
+                          <a:noFill/>
+                          <a:prstDash val="solid"/>
+                        </a:lnTlToBr>
+                        <a:lnBlToTr w="12700" cmpd="sng">
+                          <a:noFill/>
+                          <a:prstDash val="solid"/>
+                        </a:lnBlToTr>
+                        <a:solidFill>
+                          <a:schemeClr val="bg2"/>
+                        </a:solidFill>
+                      </a:tcPr>
+                    </a:tc>
+                    <a:tc gridSpan="3">
+                      <a:txBody>
+                        <a:bodyPr/>
+                        <a:lstStyle/>
+                        <a:p>
+                          <a:pPr algn="ctr" latinLnBrk="1"/>
+                          <a:r>
+                            <a:rPr lang="en-US" altLang="ko-KR" dirty="0" smtClean="0">
+                              <a:solidFill>
+                                <a:sysClr val="windowText" lastClr="000000"/>
+                              </a:solidFill>
+                            </a:rPr>
+                            <a:t>Treatment,</a:t>
+                          </a:r>
+                          <a:r>
+                            <a:rPr lang="en-US" altLang="ko-KR" baseline="0" dirty="0" smtClean="0">
+                              <a:solidFill>
+                                <a:sysClr val="windowText" lastClr="000000"/>
+                              </a:solidFill>
+                            </a:rPr>
+                            <a:t> </a:t>
+                          </a:r>
+                          <a:r>
+                            <a:rPr lang="en-US" altLang="ko-KR" baseline="0" dirty="0" smtClean="0">
+                              <a:solidFill>
+                                <a:sysClr val="windowText" lastClr="000000"/>
+                              </a:solidFill>
+                            </a:rPr>
+                            <a:t>m=3</a:t>
+                          </a:r>
+                          <a:endParaRPr lang="ko-KR" altLang="en-US" dirty="0">
+                            <a:solidFill>
+                              <a:sysClr val="windowText" lastClr="000000"/>
+                            </a:solidFill>
+                          </a:endParaRPr>
+                        </a:p>
+                      </a:txBody>
+                      <a:tcPr anchor="ctr">
+                        <a:lnL w="12700" cap="flat" cmpd="sng" algn="ctr">
+                          <a:solidFill>
+                            <a:schemeClr val="tx1"/>
+                          </a:solidFill>
+                          <a:prstDash val="solid"/>
+                          <a:round/>
+                          <a:headEnd type="none" w="med" len="med"/>
+                          <a:tailEnd type="none" w="med" len="med"/>
+                        </a:lnL>
+                        <a:lnR w="12700" cap="flat" cmpd="sng" algn="ctr">
+                          <a:solidFill>
+                            <a:schemeClr val="tx1"/>
+                          </a:solidFill>
+                          <a:prstDash val="solid"/>
+                          <a:round/>
+                          <a:headEnd type="none" w="med" len="med"/>
+                          <a:tailEnd type="none" w="med" len="med"/>
+                        </a:lnR>
+                        <a:lnT w="12700" cap="flat" cmpd="sng" algn="ctr">
+                          <a:solidFill>
+                            <a:schemeClr val="tx1"/>
+                          </a:solidFill>
+                          <a:prstDash val="solid"/>
+                          <a:round/>
+                          <a:headEnd type="none" w="med" len="med"/>
+                          <a:tailEnd type="none" w="med" len="med"/>
+                        </a:lnT>
+                        <a:lnB w="12700" cap="flat" cmpd="sng" algn="ctr">
+                          <a:solidFill>
+                            <a:schemeClr val="tx1"/>
+                          </a:solidFill>
+                          <a:prstDash val="solid"/>
+                          <a:round/>
+                          <a:headEnd type="none" w="med" len="med"/>
+                          <a:tailEnd type="none" w="med" len="med"/>
+                        </a:lnB>
+                        <a:lnTlToBr w="12700" cmpd="sng">
+                          <a:noFill/>
+                          <a:prstDash val="solid"/>
+                        </a:lnTlToBr>
+                        <a:lnBlToTr w="12700" cmpd="sng">
+                          <a:noFill/>
+                          <a:prstDash val="solid"/>
+                        </a:lnBlToTr>
+                        <a:solidFill>
+                          <a:schemeClr val="bg2"/>
+                        </a:solidFill>
+                      </a:tcPr>
+                    </a:tc>
+                    <a:tc hMerge="1">
+                      <a:txBody>
+                        <a:bodyPr/>
+                        <a:lstStyle/>
+                        <a:p>
+                          <a:pPr latinLnBrk="1"/>
+                          <a:endParaRPr lang="ko-KR" altLang="en-US"/>
+                        </a:p>
+                      </a:txBody>
+                      <a:tcPr/>
+                    </a:tc>
+                    <a:tc hMerge="1">
+                      <a:txBody>
+                        <a:bodyPr/>
+                        <a:lstStyle/>
+                        <a:p>
+                          <a:pPr latinLnBrk="1"/>
+                          <a:endParaRPr lang="ko-KR" altLang="en-US" dirty="0"/>
+                        </a:p>
+                      </a:txBody>
+                      <a:tcPr/>
+                    </a:tc>
+                  </a:tr>
+                  <a:tr h="370840">
+                    <a:tc vMerge="1">
+                      <a:txBody>
+                        <a:bodyPr/>
+                        <a:lstStyle/>
+                        <a:p>
+                          <a:pPr latinLnBrk="1"/>
+                          <a:endParaRPr lang="ko-KR" altLang="en-US" dirty="0"/>
+                        </a:p>
+                      </a:txBody>
+                      <a:tcPr/>
+                    </a:tc>
+                    <a:tc>
+                      <a:txBody>
+                        <a:bodyPr/>
+                        <a:lstStyle/>
+                        <a:p>
+                          <a:pPr algn="ctr" latinLnBrk="1"/>
+                          <a:r>
+                            <a:rPr lang="en-US" altLang="ko-KR" dirty="0" smtClean="0">
+                              <a:solidFill>
+                                <a:sysClr val="windowText" lastClr="000000"/>
+                              </a:solidFill>
+                            </a:rPr>
+                            <a:t>1</a:t>
+                          </a:r>
+                          <a:endParaRPr lang="ko-KR" altLang="en-US" dirty="0">
+                            <a:solidFill>
+                              <a:sysClr val="windowText" lastClr="000000"/>
+                            </a:solidFill>
+                          </a:endParaRPr>
+                        </a:p>
+                      </a:txBody>
+                      <a:tcPr anchor="ctr">
+                        <a:lnL w="12700" cap="flat" cmpd="sng" algn="ctr">
+                          <a:solidFill>
+                            <a:schemeClr val="tx1"/>
+                          </a:solidFill>
+                          <a:prstDash val="solid"/>
+                          <a:round/>
+                          <a:headEnd type="none" w="med" len="med"/>
+                          <a:tailEnd type="none" w="med" len="med"/>
+                        </a:lnL>
+                        <a:lnR w="12700" cap="flat" cmpd="sng" algn="ctr">
+                          <a:solidFill>
+                            <a:schemeClr val="tx1"/>
+                          </a:solidFill>
+                          <a:prstDash val="solid"/>
+                          <a:round/>
+                          <a:headEnd type="none" w="med" len="med"/>
+                          <a:tailEnd type="none" w="med" len="med"/>
+                        </a:lnR>
+                        <a:lnT w="12700" cap="flat" cmpd="sng" algn="ctr">
+                          <a:solidFill>
+                            <a:schemeClr val="tx1"/>
+                          </a:solidFill>
+                          <a:prstDash val="solid"/>
+                          <a:round/>
+                          <a:headEnd type="none" w="med" len="med"/>
+                          <a:tailEnd type="none" w="med" len="med"/>
+                        </a:lnT>
+                        <a:lnB w="12700" cap="flat" cmpd="sng" algn="ctr">
+                          <a:solidFill>
+                            <a:schemeClr val="tx1"/>
+                          </a:solidFill>
+                          <a:prstDash val="solid"/>
+                          <a:round/>
+                          <a:headEnd type="none" w="med" len="med"/>
+                          <a:tailEnd type="none" w="med" len="med"/>
+                        </a:lnB>
+                        <a:lnTlToBr w="12700" cmpd="sng">
+                          <a:noFill/>
+                          <a:prstDash val="solid"/>
+                        </a:lnTlToBr>
+                        <a:lnBlToTr w="12700" cmpd="sng">
+                          <a:noFill/>
+                          <a:prstDash val="solid"/>
+                        </a:lnBlToTr>
+                        <a:solidFill>
+                          <a:schemeClr val="bg2"/>
+                        </a:solidFill>
+                      </a:tcPr>
+                    </a:tc>
+                    <a:tc>
+                      <a:txBody>
+                        <a:bodyPr/>
+                        <a:lstStyle/>
+                        <a:p>
+                          <a:pPr algn="ctr" latinLnBrk="1"/>
+                          <a:r>
+                            <a:rPr lang="en-US" altLang="ko-KR" dirty="0" smtClean="0">
+                              <a:solidFill>
+                                <a:sysClr val="windowText" lastClr="000000"/>
+                              </a:solidFill>
+                            </a:rPr>
+                            <a:t>2</a:t>
+                          </a:r>
+                          <a:endParaRPr lang="ko-KR" altLang="en-US" dirty="0">
+                            <a:solidFill>
+                              <a:sysClr val="windowText" lastClr="000000"/>
+                            </a:solidFill>
+                          </a:endParaRPr>
+                        </a:p>
+                      </a:txBody>
+                      <a:tcPr anchor="ctr">
+                        <a:lnL w="12700" cap="flat" cmpd="sng" algn="ctr">
+                          <a:solidFill>
+                            <a:schemeClr val="tx1"/>
+                          </a:solidFill>
+                          <a:prstDash val="solid"/>
+                          <a:round/>
+                          <a:headEnd type="none" w="med" len="med"/>
+                          <a:tailEnd type="none" w="med" len="med"/>
+                        </a:lnL>
+                        <a:lnR w="12700" cap="flat" cmpd="sng" algn="ctr">
+                          <a:solidFill>
+                            <a:schemeClr val="tx1"/>
+                          </a:solidFill>
+                          <a:prstDash val="solid"/>
+                          <a:round/>
+                          <a:headEnd type="none" w="med" len="med"/>
+                          <a:tailEnd type="none" w="med" len="med"/>
+                        </a:lnR>
+                        <a:lnT w="12700" cap="flat" cmpd="sng" algn="ctr">
+                          <a:solidFill>
+                            <a:schemeClr val="tx1"/>
+                          </a:solidFill>
+                          <a:prstDash val="solid"/>
+                          <a:round/>
+                          <a:headEnd type="none" w="med" len="med"/>
+                          <a:tailEnd type="none" w="med" len="med"/>
+                        </a:lnT>
+                        <a:lnB w="12700" cap="flat" cmpd="sng" algn="ctr">
+                          <a:solidFill>
+                            <a:schemeClr val="tx1"/>
+                          </a:solidFill>
+                          <a:prstDash val="solid"/>
+                          <a:round/>
+                          <a:headEnd type="none" w="med" len="med"/>
+                          <a:tailEnd type="none" w="med" len="med"/>
+                        </a:lnB>
+                        <a:lnTlToBr w="12700" cmpd="sng">
+                          <a:noFill/>
+                          <a:prstDash val="solid"/>
+                        </a:lnTlToBr>
+                        <a:lnBlToTr w="12700" cmpd="sng">
+                          <a:noFill/>
+                          <a:prstDash val="solid"/>
+                        </a:lnBlToTr>
+                        <a:solidFill>
+                          <a:schemeClr val="bg2"/>
+                        </a:solidFill>
+                      </a:tcPr>
+                    </a:tc>
+                    <a:tc>
+                      <a:txBody>
+                        <a:bodyPr/>
+                        <a:lstStyle/>
+                        <a:p>
+                          <a:pPr algn="ctr" latinLnBrk="1"/>
+                          <a:r>
+                            <a:rPr lang="en-US" altLang="ko-KR" dirty="0" smtClean="0">
+                              <a:solidFill>
+                                <a:sysClr val="windowText" lastClr="000000"/>
+                              </a:solidFill>
+                            </a:rPr>
+                            <a:t>3</a:t>
+                          </a:r>
+                          <a:endParaRPr lang="ko-KR" altLang="en-US" dirty="0">
+                            <a:solidFill>
+                              <a:sysClr val="windowText" lastClr="000000"/>
+                            </a:solidFill>
+                          </a:endParaRPr>
+                        </a:p>
+                      </a:txBody>
+                      <a:tcPr anchor="ctr">
+                        <a:lnL w="12700" cap="flat" cmpd="sng" algn="ctr">
+                          <a:solidFill>
+                            <a:schemeClr val="tx1"/>
+                          </a:solidFill>
+                          <a:prstDash val="solid"/>
+                          <a:round/>
+                          <a:headEnd type="none" w="med" len="med"/>
+                          <a:tailEnd type="none" w="med" len="med"/>
+                        </a:lnL>
+                        <a:lnR w="12700" cap="flat" cmpd="sng" algn="ctr">
+                          <a:solidFill>
+                            <a:schemeClr val="tx1"/>
+                          </a:solidFill>
+                          <a:prstDash val="solid"/>
+                          <a:round/>
+                          <a:headEnd type="none" w="med" len="med"/>
+                          <a:tailEnd type="none" w="med" len="med"/>
+                        </a:lnR>
+                        <a:lnT w="12700" cap="flat" cmpd="sng" algn="ctr">
+                          <a:solidFill>
+                            <a:schemeClr val="tx1"/>
+                          </a:solidFill>
+                          <a:prstDash val="solid"/>
+                          <a:round/>
+                          <a:headEnd type="none" w="med" len="med"/>
+                          <a:tailEnd type="none" w="med" len="med"/>
+                        </a:lnT>
+                        <a:lnB w="12700" cap="flat" cmpd="sng" algn="ctr">
+                          <a:solidFill>
+                            <a:schemeClr val="tx1"/>
+                          </a:solidFill>
+                          <a:prstDash val="solid"/>
+                          <a:round/>
+                          <a:headEnd type="none" w="med" len="med"/>
+                          <a:tailEnd type="none" w="med" len="med"/>
+                        </a:lnB>
+                        <a:lnTlToBr w="12700" cmpd="sng">
+                          <a:noFill/>
+                          <a:prstDash val="solid"/>
+                        </a:lnTlToBr>
+                        <a:lnBlToTr w="12700" cmpd="sng">
+                          <a:noFill/>
+                          <a:prstDash val="solid"/>
+                        </a:lnBlToTr>
+                        <a:solidFill>
+                          <a:schemeClr val="bg2"/>
+                        </a:solidFill>
+                      </a:tcPr>
+                    </a:tc>
+                  </a:tr>
+                  <a:tr h="370840">
+                    <a:tc vMerge="1">
+                      <a:txBody>
+                        <a:bodyPr/>
+                        <a:lstStyle/>
+                        <a:p>
+                          <a:pPr algn="ctr" latinLnBrk="1"/>
+                          <a:endParaRPr lang="ko-KR" altLang="en-US" dirty="0">
+                            <a:solidFill>
+                              <a:sysClr val="windowText" lastClr="000000"/>
+                            </a:solidFill>
+                          </a:endParaRPr>
+                        </a:p>
+                      </a:txBody>
+                      <a:tcPr anchor="ctr">
+                        <a:lnL w="12700" cap="flat" cmpd="sng" algn="ctr">
+                          <a:solidFill>
+                            <a:schemeClr val="tx1"/>
+                          </a:solidFill>
+                          <a:prstDash val="solid"/>
+                          <a:round/>
+                          <a:headEnd type="none" w="med" len="med"/>
+                          <a:tailEnd type="none" w="med" len="med"/>
+                        </a:lnL>
+                        <a:lnR w="12700" cap="flat" cmpd="sng" algn="ctr">
+                          <a:solidFill>
+                            <a:schemeClr val="tx1"/>
+                          </a:solidFill>
+                          <a:prstDash val="solid"/>
+                          <a:round/>
+                          <a:headEnd type="none" w="med" len="med"/>
+                          <a:tailEnd type="none" w="med" len="med"/>
+                        </a:lnR>
+                        <a:lnT w="12700" cap="flat" cmpd="sng" algn="ctr">
+                          <a:solidFill>
+                            <a:schemeClr val="tx1"/>
+                          </a:solidFill>
+                          <a:prstDash val="solid"/>
+                          <a:round/>
+                          <a:headEnd type="none" w="med" len="med"/>
+                          <a:tailEnd type="none" w="med" len="med"/>
+                        </a:lnT>
+                        <a:lnB w="12700" cap="flat" cmpd="sng" algn="ctr">
+                          <a:solidFill>
+                            <a:schemeClr val="tx1"/>
+                          </a:solidFill>
+                          <a:prstDash val="solid"/>
+                          <a:round/>
+                          <a:headEnd type="none" w="med" len="med"/>
+                          <a:tailEnd type="none" w="med" len="med"/>
+                        </a:lnB>
+                        <a:lnTlToBr w="12700" cmpd="sng">
+                          <a:noFill/>
+                          <a:prstDash val="solid"/>
+                        </a:lnTlToBr>
+                        <a:lnBlToTr w="12700" cmpd="sng">
+                          <a:noFill/>
+                          <a:prstDash val="solid"/>
+                        </a:lnBlToTr>
+                        <a:solidFill>
+                          <a:schemeClr val="bg2"/>
+                        </a:solidFill>
+                      </a:tcPr>
+                    </a:tc>
+                    <a:tc>
+                      <a:txBody>
+                        <a:bodyPr/>
+                        <a:lstStyle/>
+                        <a:p>
+                          <a:endParaRPr lang="ko-KR"/>
+                        </a:p>
+                      </a:txBody>
+                      <a:tcPr anchor="ctr">
+                        <a:lnL w="12700" cap="flat" cmpd="sng" algn="ctr">
+                          <a:solidFill>
+                            <a:schemeClr val="tx1"/>
+                          </a:solidFill>
+                          <a:prstDash val="solid"/>
+                          <a:round/>
+                          <a:headEnd type="none" w="med" len="med"/>
+                          <a:tailEnd type="none" w="med" len="med"/>
+                        </a:lnL>
+                        <a:lnR w="12700" cap="flat" cmpd="sng" algn="ctr">
+                          <a:solidFill>
+                            <a:schemeClr val="tx1"/>
+                          </a:solidFill>
+                          <a:prstDash val="solid"/>
+                          <a:round/>
+                          <a:headEnd type="none" w="med" len="med"/>
+                          <a:tailEnd type="none" w="med" len="med"/>
+                        </a:lnR>
+                        <a:lnT w="12700" cap="flat" cmpd="sng" algn="ctr">
+                          <a:solidFill>
+                            <a:schemeClr val="tx1"/>
+                          </a:solidFill>
+                          <a:prstDash val="solid"/>
+                          <a:round/>
+                          <a:headEnd type="none" w="med" len="med"/>
+                          <a:tailEnd type="none" w="med" len="med"/>
+                        </a:lnT>
+                        <a:lnB w="12700" cap="flat" cmpd="sng" algn="ctr">
+                          <a:solidFill>
+                            <a:schemeClr val="tx1"/>
+                          </a:solidFill>
+                          <a:prstDash val="solid"/>
+                          <a:round/>
+                          <a:headEnd type="none" w="med" len="med"/>
+                          <a:tailEnd type="none" w="med" len="med"/>
+                        </a:lnB>
+                        <a:lnTlToBr w="12700" cmpd="sng">
+                          <a:noFill/>
+                          <a:prstDash val="solid"/>
+                        </a:lnTlToBr>
+                        <a:lnBlToTr w="12700" cmpd="sng">
+                          <a:noFill/>
+                          <a:prstDash val="solid"/>
+                        </a:lnBlToTr>
+                        <a:blipFill rotWithShape="1">
+                          <a:blip r:embed="rId2"/>
+                          <a:stretch>
+                            <a:fillRect l="-109804" t="-206557" r="-200000" b="-1091803"/>
+                          </a:stretch>
+                        </a:blipFill>
+                      </a:tcPr>
+                    </a:tc>
+                    <a:tc>
+                      <a:txBody>
+                        <a:bodyPr/>
+                        <a:lstStyle/>
+                        <a:p>
+                          <a:endParaRPr lang="ko-KR"/>
+                        </a:p>
+                      </a:txBody>
+                      <a:tcPr anchor="ctr">
+                        <a:lnL w="12700" cap="flat" cmpd="sng" algn="ctr">
+                          <a:solidFill>
+                            <a:schemeClr val="tx1"/>
+                          </a:solidFill>
+                          <a:prstDash val="solid"/>
+                          <a:round/>
+                          <a:headEnd type="none" w="med" len="med"/>
+                          <a:tailEnd type="none" w="med" len="med"/>
+                        </a:lnL>
+                        <a:lnR w="12700" cap="flat" cmpd="sng" algn="ctr">
+                          <a:solidFill>
+                            <a:schemeClr val="tx1"/>
+                          </a:solidFill>
+                          <a:prstDash val="solid"/>
+                          <a:round/>
+                          <a:headEnd type="none" w="med" len="med"/>
+                          <a:tailEnd type="none" w="med" len="med"/>
+                        </a:lnR>
+                        <a:lnT w="12700" cap="flat" cmpd="sng" algn="ctr">
+                          <a:solidFill>
+                            <a:schemeClr val="tx1"/>
+                          </a:solidFill>
+                          <a:prstDash val="solid"/>
+                          <a:round/>
+                          <a:headEnd type="none" w="med" len="med"/>
+                          <a:tailEnd type="none" w="med" len="med"/>
+                        </a:lnT>
+                        <a:lnB w="12700" cap="flat" cmpd="sng" algn="ctr">
+                          <a:solidFill>
+                            <a:schemeClr val="tx1"/>
+                          </a:solidFill>
+                          <a:prstDash val="solid"/>
+                          <a:round/>
+                          <a:headEnd type="none" w="med" len="med"/>
+                          <a:tailEnd type="none" w="med" len="med"/>
+                        </a:lnB>
+                        <a:lnTlToBr w="12700" cmpd="sng">
+                          <a:noFill/>
+                          <a:prstDash val="solid"/>
+                        </a:lnTlToBr>
+                        <a:lnBlToTr w="12700" cmpd="sng">
+                          <a:noFill/>
+                          <a:prstDash val="solid"/>
+                        </a:lnBlToTr>
+                        <a:blipFill rotWithShape="1">
+                          <a:blip r:embed="rId2"/>
+                          <a:stretch>
+                            <a:fillRect l="-210492" t="-206557" r="-100656" b="-1091803"/>
+                          </a:stretch>
+                        </a:blipFill>
+                      </a:tcPr>
+                    </a:tc>
+                    <a:tc>
+                      <a:txBody>
+                        <a:bodyPr/>
+                        <a:lstStyle/>
+                        <a:p>
+                          <a:endParaRPr lang="ko-KR"/>
+                        </a:p>
+                      </a:txBody>
+                      <a:tcPr anchor="ctr">
+                        <a:lnL w="12700" cap="flat" cmpd="sng" algn="ctr">
+                          <a:solidFill>
+                            <a:schemeClr val="tx1"/>
+                          </a:solidFill>
+                          <a:prstDash val="solid"/>
+                          <a:round/>
+                          <a:headEnd type="none" w="med" len="med"/>
+                          <a:tailEnd type="none" w="med" len="med"/>
+                        </a:lnL>
+                        <a:lnR w="12700" cap="flat" cmpd="sng" algn="ctr">
+                          <a:solidFill>
+                            <a:schemeClr val="tx1"/>
+                          </a:solidFill>
+                          <a:prstDash val="solid"/>
+                          <a:round/>
+                          <a:headEnd type="none" w="med" len="med"/>
+                          <a:tailEnd type="none" w="med" len="med"/>
+                        </a:lnR>
+                        <a:lnT w="12700" cap="flat" cmpd="sng" algn="ctr">
+                          <a:solidFill>
+                            <a:schemeClr val="tx1"/>
+                          </a:solidFill>
+                          <a:prstDash val="solid"/>
+                          <a:round/>
+                          <a:headEnd type="none" w="med" len="med"/>
+                          <a:tailEnd type="none" w="med" len="med"/>
+                        </a:lnT>
+                        <a:lnB w="12700" cap="flat" cmpd="sng" algn="ctr">
+                          <a:solidFill>
+                            <a:schemeClr val="tx1"/>
+                          </a:solidFill>
+                          <a:prstDash val="solid"/>
+                          <a:round/>
+                          <a:headEnd type="none" w="med" len="med"/>
+                          <a:tailEnd type="none" w="med" len="med"/>
+                        </a:lnB>
+                        <a:lnTlToBr w="12700" cmpd="sng">
+                          <a:noFill/>
+                          <a:prstDash val="solid"/>
+                        </a:lnTlToBr>
+                        <a:lnBlToTr w="12700" cmpd="sng">
+                          <a:noFill/>
+                          <a:prstDash val="solid"/>
+                        </a:lnBlToTr>
+                        <a:blipFill rotWithShape="1">
+                          <a:blip r:embed="rId2"/>
+                          <a:stretch>
+                            <a:fillRect l="-309477" t="-206557" r="-327" b="-1091803"/>
+                          </a:stretch>
+                        </a:blipFill>
+                      </a:tcPr>
+                    </a:tc>
+                  </a:tr>
+                  <a:tr h="370840">
+                    <a:tc vMerge="1">
+                      <a:txBody>
+                        <a:bodyPr/>
+                        <a:lstStyle/>
+                        <a:p>
+                          <a:pPr algn="ctr" latinLnBrk="1"/>
+                          <a:endParaRPr lang="ko-KR" altLang="en-US" dirty="0">
+                            <a:solidFill>
+                              <a:sysClr val="windowText" lastClr="000000"/>
+                            </a:solidFill>
+                          </a:endParaRPr>
+                        </a:p>
+                      </a:txBody>
+                      <a:tcPr anchor="ctr">
+                        <a:lnL w="12700" cap="flat" cmpd="sng" algn="ctr">
+                          <a:solidFill>
+                            <a:schemeClr val="tx1"/>
+                          </a:solidFill>
+                          <a:prstDash val="solid"/>
+                          <a:round/>
+                          <a:headEnd type="none" w="med" len="med"/>
+                          <a:tailEnd type="none" w="med" len="med"/>
+                        </a:lnL>
+                        <a:lnR w="12700" cap="flat" cmpd="sng" algn="ctr">
+                          <a:solidFill>
+                            <a:schemeClr val="tx1"/>
+                          </a:solidFill>
+                          <a:prstDash val="solid"/>
+                          <a:round/>
+                          <a:headEnd type="none" w="med" len="med"/>
+                          <a:tailEnd type="none" w="med" len="med"/>
+                        </a:lnR>
+                        <a:lnT w="12700" cap="flat" cmpd="sng" algn="ctr">
+                          <a:solidFill>
+                            <a:schemeClr val="tx1"/>
+                          </a:solidFill>
+                          <a:prstDash val="solid"/>
+                          <a:round/>
+                          <a:headEnd type="none" w="med" len="med"/>
+                          <a:tailEnd type="none" w="med" len="med"/>
+                        </a:lnT>
+                        <a:lnB w="12700" cap="flat" cmpd="sng" algn="ctr">
+                          <a:solidFill>
+                            <a:schemeClr val="tx1"/>
+                          </a:solidFill>
+                          <a:prstDash val="solid"/>
+                          <a:round/>
+                          <a:headEnd type="none" w="med" len="med"/>
+                          <a:tailEnd type="none" w="med" len="med"/>
+                        </a:lnB>
+                        <a:lnTlToBr w="12700" cmpd="sng">
+                          <a:noFill/>
+                          <a:prstDash val="solid"/>
+                        </a:lnTlToBr>
+                        <a:lnBlToTr w="12700" cmpd="sng">
+                          <a:noFill/>
+                          <a:prstDash val="solid"/>
+                        </a:lnBlToTr>
+                        <a:solidFill>
+                          <a:schemeClr val="bg2"/>
+                        </a:solidFill>
+                      </a:tcPr>
+                    </a:tc>
+                    <a:tc>
+                      <a:txBody>
+                        <a:bodyPr/>
+                        <a:lstStyle/>
+                        <a:p>
+                          <a:endParaRPr lang="ko-KR"/>
+                        </a:p>
+                      </a:txBody>
+                      <a:tcPr anchor="ctr">
+                        <a:lnL w="12700" cap="flat" cmpd="sng" algn="ctr">
+                          <a:solidFill>
+                            <a:schemeClr val="tx1"/>
+                          </a:solidFill>
+                          <a:prstDash val="solid"/>
+                          <a:round/>
+                          <a:headEnd type="none" w="med" len="med"/>
+                          <a:tailEnd type="none" w="med" len="med"/>
+                        </a:lnL>
+                        <a:lnR w="12700" cap="flat" cmpd="sng" algn="ctr">
+                          <a:solidFill>
+                            <a:schemeClr val="tx1"/>
+                          </a:solidFill>
+                          <a:prstDash val="solid"/>
+                          <a:round/>
+                          <a:headEnd type="none" w="med" len="med"/>
+                          <a:tailEnd type="none" w="med" len="med"/>
+                        </a:lnR>
+                        <a:lnT w="12700" cap="flat" cmpd="sng" algn="ctr">
+                          <a:solidFill>
+                            <a:schemeClr val="tx1"/>
+                          </a:solidFill>
+                          <a:prstDash val="solid"/>
+                          <a:round/>
+                          <a:headEnd type="none" w="med" len="med"/>
+                          <a:tailEnd type="none" w="med" len="med"/>
+                        </a:lnT>
+                        <a:lnB w="12700" cap="flat" cmpd="sng" algn="ctr">
+                          <a:solidFill>
+                            <a:schemeClr val="tx1"/>
+                          </a:solidFill>
+                          <a:prstDash val="solid"/>
+                          <a:round/>
+                          <a:headEnd type="none" w="med" len="med"/>
+                          <a:tailEnd type="none" w="med" len="med"/>
+                        </a:lnB>
+                        <a:lnTlToBr w="12700" cmpd="sng">
+                          <a:noFill/>
+                          <a:prstDash val="solid"/>
+                        </a:lnTlToBr>
+                        <a:lnBlToTr w="12700" cmpd="sng">
+                          <a:noFill/>
+                          <a:prstDash val="solid"/>
+                        </a:lnBlToTr>
+                        <a:blipFill rotWithShape="1">
+                          <a:blip r:embed="rId2"/>
+                          <a:stretch>
+                            <a:fillRect l="-109804" t="-311667" r="-200000" b="-1010000"/>
+                          </a:stretch>
+                        </a:blipFill>
+                      </a:tcPr>
+                    </a:tc>
+                    <a:tc>
+                      <a:txBody>
+                        <a:bodyPr/>
+                        <a:lstStyle/>
+                        <a:p>
+                          <a:endParaRPr lang="ko-KR"/>
+                        </a:p>
+                      </a:txBody>
+                      <a:tcPr anchor="ctr">
+                        <a:lnL w="12700" cap="flat" cmpd="sng" algn="ctr">
+                          <a:solidFill>
+                            <a:schemeClr val="tx1"/>
+                          </a:solidFill>
+                          <a:prstDash val="solid"/>
+                          <a:round/>
+                          <a:headEnd type="none" w="med" len="med"/>
+                          <a:tailEnd type="none" w="med" len="med"/>
+                        </a:lnL>
+                        <a:lnR w="12700" cap="flat" cmpd="sng" algn="ctr">
+                          <a:solidFill>
+                            <a:schemeClr val="tx1"/>
+                          </a:solidFill>
+                          <a:prstDash val="solid"/>
+                          <a:round/>
+                          <a:headEnd type="none" w="med" len="med"/>
+                          <a:tailEnd type="none" w="med" len="med"/>
+                        </a:lnR>
+                        <a:lnT w="12700" cap="flat" cmpd="sng" algn="ctr">
+                          <a:solidFill>
+                            <a:schemeClr val="tx1"/>
+                          </a:solidFill>
+                          <a:prstDash val="solid"/>
+                          <a:round/>
+                          <a:headEnd type="none" w="med" len="med"/>
+                          <a:tailEnd type="none" w="med" len="med"/>
+                        </a:lnT>
+                        <a:lnB w="12700" cap="flat" cmpd="sng" algn="ctr">
+                          <a:solidFill>
+                            <a:schemeClr val="tx1"/>
+                          </a:solidFill>
+                          <a:prstDash val="solid"/>
+                          <a:round/>
+                          <a:headEnd type="none" w="med" len="med"/>
+                          <a:tailEnd type="none" w="med" len="med"/>
+                        </a:lnB>
+                        <a:lnTlToBr w="12700" cmpd="sng">
+                          <a:noFill/>
+                          <a:prstDash val="solid"/>
+                        </a:lnTlToBr>
+                        <a:lnBlToTr w="12700" cmpd="sng">
+                          <a:noFill/>
+                          <a:prstDash val="solid"/>
+                        </a:lnBlToTr>
+                        <a:blipFill rotWithShape="1">
+                          <a:blip r:embed="rId2"/>
+                          <a:stretch>
+                            <a:fillRect l="-210492" t="-311667" r="-100656" b="-1010000"/>
+                          </a:stretch>
+                        </a:blipFill>
+                      </a:tcPr>
+                    </a:tc>
+                    <a:tc>
+                      <a:txBody>
+                        <a:bodyPr/>
+                        <a:lstStyle/>
+                        <a:p>
+                          <a:endParaRPr lang="ko-KR"/>
+                        </a:p>
+                      </a:txBody>
+                      <a:tcPr anchor="ctr">
+                        <a:lnL w="12700" cap="flat" cmpd="sng" algn="ctr">
+                          <a:solidFill>
+                            <a:schemeClr val="tx1"/>
+                          </a:solidFill>
+                          <a:prstDash val="solid"/>
+                          <a:round/>
+                          <a:headEnd type="none" w="med" len="med"/>
+                          <a:tailEnd type="none" w="med" len="med"/>
+                        </a:lnL>
+                        <a:lnR w="12700" cap="flat" cmpd="sng" algn="ctr">
+                          <a:solidFill>
+                            <a:schemeClr val="tx1"/>
+                          </a:solidFill>
+                          <a:prstDash val="solid"/>
+                          <a:round/>
+                          <a:headEnd type="none" w="med" len="med"/>
+                          <a:tailEnd type="none" w="med" len="med"/>
+                        </a:lnR>
+                        <a:lnT w="12700" cap="flat" cmpd="sng" algn="ctr">
+                          <a:solidFill>
+                            <a:schemeClr val="tx1"/>
+                          </a:solidFill>
+                          <a:prstDash val="solid"/>
+                          <a:round/>
+                          <a:headEnd type="none" w="med" len="med"/>
+                          <a:tailEnd type="none" w="med" len="med"/>
+                        </a:lnT>
+                        <a:lnB w="12700" cap="flat" cmpd="sng" algn="ctr">
+                          <a:solidFill>
+                            <a:schemeClr val="tx1"/>
+                          </a:solidFill>
+                          <a:prstDash val="solid"/>
+                          <a:round/>
+                          <a:headEnd type="none" w="med" len="med"/>
+                          <a:tailEnd type="none" w="med" len="med"/>
+                        </a:lnB>
+                        <a:lnTlToBr w="12700" cmpd="sng">
+                          <a:noFill/>
+                          <a:prstDash val="solid"/>
+                        </a:lnTlToBr>
+                        <a:lnBlToTr w="12700" cmpd="sng">
+                          <a:noFill/>
+                          <a:prstDash val="solid"/>
+                        </a:lnBlToTr>
+                        <a:blipFill rotWithShape="1">
+                          <a:blip r:embed="rId2"/>
+                          <a:stretch>
+                            <a:fillRect l="-309477" t="-311667" r="-327" b="-1010000"/>
+                          </a:stretch>
+                        </a:blipFill>
+                      </a:tcPr>
+                    </a:tc>
+                  </a:tr>
+                  <a:tr h="370840">
+                    <a:tc vMerge="1">
+                      <a:txBody>
+                        <a:bodyPr/>
+                        <a:lstStyle/>
+                        <a:p>
+                          <a:pPr algn="ctr" latinLnBrk="1"/>
+                          <a:endParaRPr lang="ko-KR" altLang="en-US" dirty="0">
+                            <a:solidFill>
+                              <a:sysClr val="windowText" lastClr="000000"/>
+                            </a:solidFill>
+                          </a:endParaRPr>
+                        </a:p>
+                      </a:txBody>
+                      <a:tcPr anchor="ctr">
+                        <a:lnL w="12700" cap="flat" cmpd="sng" algn="ctr">
+                          <a:solidFill>
+                            <a:schemeClr val="tx1"/>
+                          </a:solidFill>
+                          <a:prstDash val="solid"/>
+                          <a:round/>
+                          <a:headEnd type="none" w="med" len="med"/>
+                          <a:tailEnd type="none" w="med" len="med"/>
+                        </a:lnL>
+                        <a:lnR w="12700" cap="flat" cmpd="sng" algn="ctr">
+                          <a:solidFill>
+                            <a:schemeClr val="tx1"/>
+                          </a:solidFill>
+                          <a:prstDash val="solid"/>
+                          <a:round/>
+                          <a:headEnd type="none" w="med" len="med"/>
+                          <a:tailEnd type="none" w="med" len="med"/>
+                        </a:lnR>
+                        <a:lnT w="12700" cap="flat" cmpd="sng" algn="ctr">
+                          <a:solidFill>
+                            <a:schemeClr val="tx1"/>
+                          </a:solidFill>
+                          <a:prstDash val="solid"/>
+                          <a:round/>
+                          <a:headEnd type="none" w="med" len="med"/>
+                          <a:tailEnd type="none" w="med" len="med"/>
+                        </a:lnT>
+                        <a:lnB w="12700" cap="flat" cmpd="sng" algn="ctr">
+                          <a:solidFill>
+                            <a:schemeClr val="tx1"/>
+                          </a:solidFill>
+                          <a:prstDash val="solid"/>
+                          <a:round/>
+                          <a:headEnd type="none" w="med" len="med"/>
+                          <a:tailEnd type="none" w="med" len="med"/>
+                        </a:lnB>
+                        <a:lnTlToBr w="12700" cmpd="sng">
+                          <a:noFill/>
+                          <a:prstDash val="solid"/>
+                        </a:lnTlToBr>
+                        <a:lnBlToTr w="12700" cmpd="sng">
+                          <a:noFill/>
+                          <a:prstDash val="solid"/>
+                        </a:lnBlToTr>
+                        <a:solidFill>
+                          <a:schemeClr val="bg2"/>
+                        </a:solidFill>
+                      </a:tcPr>
+                    </a:tc>
+                    <a:tc>
+                      <a:txBody>
+                        <a:bodyPr/>
+                        <a:lstStyle/>
+                        <a:p>
+                          <a:endParaRPr lang="ko-KR"/>
+                        </a:p>
+                      </a:txBody>
+                      <a:tcPr anchor="ctr">
+                        <a:lnL w="12700" cap="flat" cmpd="sng" algn="ctr">
+                          <a:solidFill>
+                            <a:schemeClr val="tx1"/>
+                          </a:solidFill>
+                          <a:prstDash val="solid"/>
+                          <a:round/>
+                          <a:headEnd type="none" w="med" len="med"/>
+                          <a:tailEnd type="none" w="med" len="med"/>
+                        </a:lnL>
+                        <a:lnR w="12700" cap="flat" cmpd="sng" algn="ctr">
+                          <a:solidFill>
+                            <a:schemeClr val="tx1"/>
+                          </a:solidFill>
+                          <a:prstDash val="solid"/>
+                          <a:round/>
+                          <a:headEnd type="none" w="med" len="med"/>
+                          <a:tailEnd type="none" w="med" len="med"/>
+                        </a:lnR>
+                        <a:lnT w="12700" cap="flat" cmpd="sng" algn="ctr">
+                          <a:solidFill>
+                            <a:schemeClr val="tx1"/>
+                          </a:solidFill>
+                          <a:prstDash val="solid"/>
+                          <a:round/>
+                          <a:headEnd type="none" w="med" len="med"/>
+                          <a:tailEnd type="none" w="med" len="med"/>
+                        </a:lnT>
+                        <a:lnB w="12700" cap="flat" cmpd="sng" algn="ctr">
+                          <a:solidFill>
+                            <a:schemeClr val="tx1"/>
+                          </a:solidFill>
+                          <a:prstDash val="solid"/>
+                          <a:round/>
+                          <a:headEnd type="none" w="med" len="med"/>
+                          <a:tailEnd type="none" w="med" len="med"/>
+                        </a:lnB>
+                        <a:lnTlToBr w="12700" cmpd="sng">
+                          <a:noFill/>
+                          <a:prstDash val="solid"/>
+                        </a:lnTlToBr>
+                        <a:lnBlToTr w="12700" cmpd="sng">
+                          <a:noFill/>
+                          <a:prstDash val="solid"/>
+                        </a:lnBlToTr>
+                        <a:blipFill rotWithShape="1">
+                          <a:blip r:embed="rId2"/>
+                          <a:stretch>
+                            <a:fillRect l="-109804" t="-404918" r="-200000" b="-893443"/>
+                          </a:stretch>
+                        </a:blipFill>
+                      </a:tcPr>
+                    </a:tc>
+                    <a:tc>
+                      <a:txBody>
+                        <a:bodyPr/>
+                        <a:lstStyle/>
+                        <a:p>
+                          <a:endParaRPr lang="ko-KR"/>
+                        </a:p>
+                      </a:txBody>
+                      <a:tcPr anchor="ctr">
+                        <a:lnL w="12700" cap="flat" cmpd="sng" algn="ctr">
+                          <a:solidFill>
+                            <a:schemeClr val="tx1"/>
+                          </a:solidFill>
+                          <a:prstDash val="solid"/>
+                          <a:round/>
+                          <a:headEnd type="none" w="med" len="med"/>
+                          <a:tailEnd type="none" w="med" len="med"/>
+                        </a:lnL>
+                        <a:lnR w="12700" cap="flat" cmpd="sng" algn="ctr">
+                          <a:solidFill>
+                            <a:schemeClr val="tx1"/>
+                          </a:solidFill>
+                          <a:prstDash val="solid"/>
+                          <a:round/>
+                          <a:headEnd type="none" w="med" len="med"/>
+                          <a:tailEnd type="none" w="med" len="med"/>
+                        </a:lnR>
+                        <a:lnT w="12700" cap="flat" cmpd="sng" algn="ctr">
+                          <a:solidFill>
+                            <a:schemeClr val="tx1"/>
+                          </a:solidFill>
+                          <a:prstDash val="solid"/>
+                          <a:round/>
+                          <a:headEnd type="none" w="med" len="med"/>
+                          <a:tailEnd type="none" w="med" len="med"/>
+                        </a:lnT>
+                        <a:lnB w="12700" cap="flat" cmpd="sng" algn="ctr">
+                          <a:solidFill>
+                            <a:schemeClr val="tx1"/>
+                          </a:solidFill>
+                          <a:prstDash val="solid"/>
+                          <a:round/>
+                          <a:headEnd type="none" w="med" len="med"/>
+                          <a:tailEnd type="none" w="med" len="med"/>
+                        </a:lnB>
+                        <a:lnTlToBr w="12700" cmpd="sng">
+                          <a:noFill/>
+                          <a:prstDash val="solid"/>
+                        </a:lnTlToBr>
+                        <a:lnBlToTr w="12700" cmpd="sng">
+                          <a:noFill/>
+                          <a:prstDash val="solid"/>
+                        </a:lnBlToTr>
+                        <a:blipFill rotWithShape="1">
+                          <a:blip r:embed="rId2"/>
+                          <a:stretch>
+                            <a:fillRect l="-210492" t="-404918" r="-100656" b="-893443"/>
+                          </a:stretch>
+                        </a:blipFill>
+                      </a:tcPr>
+                    </a:tc>
+                    <a:tc>
+                      <a:txBody>
+                        <a:bodyPr/>
+                        <a:lstStyle/>
+                        <a:p>
+                          <a:endParaRPr lang="ko-KR"/>
+                        </a:p>
+                      </a:txBody>
+                      <a:tcPr anchor="ctr">
+                        <a:lnL w="12700" cap="flat" cmpd="sng" algn="ctr">
+                          <a:solidFill>
+                            <a:schemeClr val="tx1"/>
+                          </a:solidFill>
+                          <a:prstDash val="solid"/>
+                          <a:round/>
+                          <a:headEnd type="none" w="med" len="med"/>
+                          <a:tailEnd type="none" w="med" len="med"/>
+                        </a:lnL>
+                        <a:lnR w="12700" cap="flat" cmpd="sng" algn="ctr">
+                          <a:solidFill>
+                            <a:schemeClr val="tx1"/>
+                          </a:solidFill>
+                          <a:prstDash val="solid"/>
+                          <a:round/>
+                          <a:headEnd type="none" w="med" len="med"/>
+                          <a:tailEnd type="none" w="med" len="med"/>
+                        </a:lnR>
+                        <a:lnT w="12700" cap="flat" cmpd="sng" algn="ctr">
+                          <a:solidFill>
+                            <a:schemeClr val="tx1"/>
+                          </a:solidFill>
+                          <a:prstDash val="solid"/>
+                          <a:round/>
+                          <a:headEnd type="none" w="med" len="med"/>
+                          <a:tailEnd type="none" w="med" len="med"/>
+                        </a:lnT>
+                        <a:lnB w="12700" cap="flat" cmpd="sng" algn="ctr">
+                          <a:solidFill>
+                            <a:schemeClr val="tx1"/>
+                          </a:solidFill>
+                          <a:prstDash val="solid"/>
+                          <a:round/>
+                          <a:headEnd type="none" w="med" len="med"/>
+                          <a:tailEnd type="none" w="med" len="med"/>
+                        </a:lnB>
+                        <a:lnTlToBr w="12700" cmpd="sng">
+                          <a:noFill/>
+                          <a:prstDash val="solid"/>
+                        </a:lnTlToBr>
+                        <a:lnBlToTr w="12700" cmpd="sng">
+                          <a:noFill/>
+                          <a:prstDash val="solid"/>
+                        </a:lnBlToTr>
+                        <a:blipFill rotWithShape="1">
+                          <a:blip r:embed="rId2"/>
+                          <a:stretch>
+                            <a:fillRect l="-309477" t="-404918" r="-327" b="-893443"/>
+                          </a:stretch>
+                        </a:blipFill>
+                      </a:tcPr>
+                    </a:tc>
+                  </a:tr>
+                  <a:tr h="370840">
+                    <a:tc vMerge="1">
+                      <a:txBody>
+                        <a:bodyPr/>
+                        <a:lstStyle/>
+                        <a:p>
+                          <a:pPr algn="ctr" latinLnBrk="1"/>
+                          <a:endParaRPr lang="ko-KR" altLang="en-US" dirty="0">
+                            <a:solidFill>
+                              <a:sysClr val="windowText" lastClr="000000"/>
+                            </a:solidFill>
+                          </a:endParaRPr>
+                        </a:p>
+                      </a:txBody>
+                      <a:tcPr anchor="ctr">
+                        <a:lnL w="12700" cap="flat" cmpd="sng" algn="ctr">
+                          <a:solidFill>
+                            <a:schemeClr val="tx1"/>
+                          </a:solidFill>
+                          <a:prstDash val="solid"/>
+                          <a:round/>
+                          <a:headEnd type="none" w="med" len="med"/>
+                          <a:tailEnd type="none" w="med" len="med"/>
+                        </a:lnL>
+                        <a:lnR w="12700" cap="flat" cmpd="sng" algn="ctr">
+                          <a:solidFill>
+                            <a:schemeClr val="tx1"/>
+                          </a:solidFill>
+                          <a:prstDash val="solid"/>
+                          <a:round/>
+                          <a:headEnd type="none" w="med" len="med"/>
+                          <a:tailEnd type="none" w="med" len="med"/>
+                        </a:lnR>
+                        <a:lnT w="12700" cap="flat" cmpd="sng" algn="ctr">
+                          <a:solidFill>
+                            <a:schemeClr val="tx1"/>
+                          </a:solidFill>
+                          <a:prstDash val="solid"/>
+                          <a:round/>
+                          <a:headEnd type="none" w="med" len="med"/>
+                          <a:tailEnd type="none" w="med" len="med"/>
+                        </a:lnT>
+                        <a:lnB w="12700" cap="flat" cmpd="sng" algn="ctr">
+                          <a:solidFill>
+                            <a:schemeClr val="tx1"/>
+                          </a:solidFill>
+                          <a:prstDash val="solid"/>
+                          <a:round/>
+                          <a:headEnd type="none" w="med" len="med"/>
+                          <a:tailEnd type="none" w="med" len="med"/>
+                        </a:lnB>
+                        <a:lnTlToBr w="12700" cmpd="sng">
+                          <a:noFill/>
+                          <a:prstDash val="solid"/>
+                        </a:lnTlToBr>
+                        <a:lnBlToTr w="12700" cmpd="sng">
+                          <a:noFill/>
+                          <a:prstDash val="solid"/>
+                        </a:lnBlToTr>
+                        <a:solidFill>
+                          <a:schemeClr val="bg2"/>
+                        </a:solidFill>
+                      </a:tcPr>
+                    </a:tc>
+                    <a:tc>
+                      <a:txBody>
+                        <a:bodyPr/>
+                        <a:lstStyle/>
+                        <a:p>
+                          <a:endParaRPr lang="ko-KR"/>
+                        </a:p>
+                      </a:txBody>
+                      <a:tcPr anchor="ctr">
+                        <a:lnL w="12700" cap="flat" cmpd="sng" algn="ctr">
+                          <a:solidFill>
+                            <a:schemeClr val="tx1"/>
+                          </a:solidFill>
+                          <a:prstDash val="solid"/>
+                          <a:round/>
+                          <a:headEnd type="none" w="med" len="med"/>
+                          <a:tailEnd type="none" w="med" len="med"/>
+                        </a:lnL>
+                        <a:lnR w="12700" cap="flat" cmpd="sng" algn="ctr">
+                          <a:solidFill>
+                            <a:schemeClr val="tx1"/>
+                          </a:solidFill>
+                          <a:prstDash val="solid"/>
+                          <a:round/>
+                          <a:headEnd type="none" w="med" len="med"/>
+                          <a:tailEnd type="none" w="med" len="med"/>
+                        </a:lnR>
+                        <a:lnT w="12700" cap="flat" cmpd="sng" algn="ctr">
+                          <a:solidFill>
+                            <a:schemeClr val="tx1"/>
+                          </a:solidFill>
+                          <a:prstDash val="solid"/>
+                          <a:round/>
+                          <a:headEnd type="none" w="med" len="med"/>
+                          <a:tailEnd type="none" w="med" len="med"/>
+                        </a:lnT>
+                        <a:lnB w="12700" cap="flat" cmpd="sng" algn="ctr">
+                          <a:solidFill>
+                            <a:schemeClr val="tx1"/>
+                          </a:solidFill>
+                          <a:prstDash val="solid"/>
+                          <a:round/>
+                          <a:headEnd type="none" w="med" len="med"/>
+                          <a:tailEnd type="none" w="med" len="med"/>
+                        </a:lnB>
+                        <a:lnTlToBr w="12700" cmpd="sng">
+                          <a:noFill/>
+                          <a:prstDash val="solid"/>
+                        </a:lnTlToBr>
+                        <a:lnBlToTr w="12700" cmpd="sng">
+                          <a:noFill/>
+                          <a:prstDash val="solid"/>
+                        </a:lnBlToTr>
+                        <a:blipFill rotWithShape="1">
+                          <a:blip r:embed="rId2"/>
+                          <a:stretch>
+                            <a:fillRect l="-109804" t="-504918" r="-200000" b="-793443"/>
+                          </a:stretch>
+                        </a:blipFill>
+                      </a:tcPr>
+                    </a:tc>
+                    <a:tc>
+                      <a:txBody>
+                        <a:bodyPr/>
+                        <a:lstStyle/>
+                        <a:p>
+                          <a:endParaRPr lang="ko-KR"/>
+                        </a:p>
+                      </a:txBody>
+                      <a:tcPr anchor="ctr">
+                        <a:lnL w="12700" cap="flat" cmpd="sng" algn="ctr">
+                          <a:solidFill>
+                            <a:schemeClr val="tx1"/>
+                          </a:solidFill>
+                          <a:prstDash val="solid"/>
+                          <a:round/>
+                          <a:headEnd type="none" w="med" len="med"/>
+                          <a:tailEnd type="none" w="med" len="med"/>
+                        </a:lnL>
+                        <a:lnR w="12700" cap="flat" cmpd="sng" algn="ctr">
+                          <a:solidFill>
+                            <a:schemeClr val="tx1"/>
+                          </a:solidFill>
+                          <a:prstDash val="solid"/>
+                          <a:round/>
+                          <a:headEnd type="none" w="med" len="med"/>
+                          <a:tailEnd type="none" w="med" len="med"/>
+                        </a:lnR>
+                        <a:lnT w="12700" cap="flat" cmpd="sng" algn="ctr">
+                          <a:solidFill>
+                            <a:schemeClr val="tx1"/>
+                          </a:solidFill>
+                          <a:prstDash val="solid"/>
+                          <a:round/>
+                          <a:headEnd type="none" w="med" len="med"/>
+                          <a:tailEnd type="none" w="med" len="med"/>
+                        </a:lnT>
+                        <a:lnB w="12700" cap="flat" cmpd="sng" algn="ctr">
+                          <a:solidFill>
+                            <a:schemeClr val="tx1"/>
+                          </a:solidFill>
+                          <a:prstDash val="solid"/>
+                          <a:round/>
+                          <a:headEnd type="none" w="med" len="med"/>
+                          <a:tailEnd type="none" w="med" len="med"/>
+                        </a:lnB>
+                        <a:lnTlToBr w="12700" cmpd="sng">
+                          <a:noFill/>
+                          <a:prstDash val="solid"/>
+                        </a:lnTlToBr>
+                        <a:lnBlToTr w="12700" cmpd="sng">
+                          <a:noFill/>
+                          <a:prstDash val="solid"/>
+                        </a:lnBlToTr>
+                        <a:blipFill rotWithShape="1">
+                          <a:blip r:embed="rId2"/>
+                          <a:stretch>
+                            <a:fillRect l="-210492" t="-504918" r="-100656" b="-793443"/>
+                          </a:stretch>
+                        </a:blipFill>
+                      </a:tcPr>
+                    </a:tc>
+                    <a:tc>
+                      <a:txBody>
+                        <a:bodyPr/>
+                        <a:lstStyle/>
+                        <a:p>
+                          <a:endParaRPr lang="ko-KR"/>
+                        </a:p>
+                      </a:txBody>
+                      <a:tcPr anchor="ctr">
+                        <a:lnL w="12700" cap="flat" cmpd="sng" algn="ctr">
+                          <a:solidFill>
+                            <a:schemeClr val="tx1"/>
+                          </a:solidFill>
+                          <a:prstDash val="solid"/>
+                          <a:round/>
+                          <a:headEnd type="none" w="med" len="med"/>
+                          <a:tailEnd type="none" w="med" len="med"/>
+                        </a:lnL>
+                        <a:lnR w="12700" cap="flat" cmpd="sng" algn="ctr">
+                          <a:solidFill>
+                            <a:schemeClr val="tx1"/>
+                          </a:solidFill>
+                          <a:prstDash val="solid"/>
+                          <a:round/>
+                          <a:headEnd type="none" w="med" len="med"/>
+                          <a:tailEnd type="none" w="med" len="med"/>
+                        </a:lnR>
+                        <a:lnT w="12700" cap="flat" cmpd="sng" algn="ctr">
+                          <a:solidFill>
+                            <a:schemeClr val="tx1"/>
+                          </a:solidFill>
+                          <a:prstDash val="solid"/>
+                          <a:round/>
+                          <a:headEnd type="none" w="med" len="med"/>
+                          <a:tailEnd type="none" w="med" len="med"/>
+                        </a:lnT>
+                        <a:lnB w="12700" cap="flat" cmpd="sng" algn="ctr">
+                          <a:solidFill>
+                            <a:schemeClr val="tx1"/>
+                          </a:solidFill>
+                          <a:prstDash val="solid"/>
+                          <a:round/>
+                          <a:headEnd type="none" w="med" len="med"/>
+                          <a:tailEnd type="none" w="med" len="med"/>
+                        </a:lnB>
+                        <a:lnTlToBr w="12700" cmpd="sng">
+                          <a:noFill/>
+                          <a:prstDash val="solid"/>
+                        </a:lnTlToBr>
+                        <a:lnBlToTr w="12700" cmpd="sng">
+                          <a:noFill/>
+                          <a:prstDash val="solid"/>
+                        </a:lnBlToTr>
+                        <a:blipFill rotWithShape="1">
+                          <a:blip r:embed="rId2"/>
+                          <a:stretch>
+                            <a:fillRect l="-309477" t="-504918" r="-327" b="-793443"/>
+                          </a:stretch>
+                        </a:blipFill>
+                      </a:tcPr>
+                    </a:tc>
+                  </a:tr>
+                  <a:tr h="640080">
+                    <a:tc>
+                      <a:txBody>
+                        <a:bodyPr/>
+                        <a:lstStyle/>
+                        <a:p>
+                          <a:pPr algn="ctr" latinLnBrk="1"/>
+                          <a:r>
+                            <a:rPr lang="en-US" altLang="ko-KR" dirty="0" smtClean="0">
+                              <a:solidFill>
+                                <a:sysClr val="windowText" lastClr="000000"/>
+                              </a:solidFill>
+                            </a:rPr>
+                            <a:t>Treatment</a:t>
+                          </a:r>
+                        </a:p>
+                        <a:p>
+                          <a:pPr algn="ctr" latinLnBrk="1"/>
+                          <a:r>
+                            <a:rPr lang="en-US" altLang="ko-KR" dirty="0" smtClean="0">
+                              <a:solidFill>
+                                <a:sysClr val="windowText" lastClr="000000"/>
+                              </a:solidFill>
+                            </a:rPr>
+                            <a:t>Means</a:t>
+                          </a:r>
+                          <a:endParaRPr lang="ko-KR" altLang="en-US" dirty="0">
+                            <a:solidFill>
+                              <a:sysClr val="windowText" lastClr="000000"/>
+                            </a:solidFill>
+                          </a:endParaRPr>
+                        </a:p>
+                      </a:txBody>
+                      <a:tcPr anchor="ctr">
+                        <a:lnL w="12700" cap="flat" cmpd="sng" algn="ctr">
+                          <a:solidFill>
+                            <a:schemeClr val="tx1"/>
+                          </a:solidFill>
+                          <a:prstDash val="solid"/>
+                          <a:round/>
+                          <a:headEnd type="none" w="med" len="med"/>
+                          <a:tailEnd type="none" w="med" len="med"/>
+                        </a:lnL>
+                        <a:lnR w="12700" cap="flat" cmpd="sng" algn="ctr">
+                          <a:solidFill>
+                            <a:schemeClr val="tx1"/>
+                          </a:solidFill>
+                          <a:prstDash val="solid"/>
+                          <a:round/>
+                          <a:headEnd type="none" w="med" len="med"/>
+                          <a:tailEnd type="none" w="med" len="med"/>
+                        </a:lnR>
+                        <a:lnT w="12700" cap="flat" cmpd="sng" algn="ctr">
+                          <a:solidFill>
+                            <a:schemeClr val="tx1"/>
+                          </a:solidFill>
+                          <a:prstDash val="solid"/>
+                          <a:round/>
+                          <a:headEnd type="none" w="med" len="med"/>
+                          <a:tailEnd type="none" w="med" len="med"/>
+                        </a:lnT>
+                        <a:lnB w="12700" cap="flat" cmpd="sng" algn="ctr">
+                          <a:solidFill>
+                            <a:schemeClr val="tx1"/>
+                          </a:solidFill>
+                          <a:prstDash val="solid"/>
+                          <a:round/>
+                          <a:headEnd type="none" w="med" len="med"/>
+                          <a:tailEnd type="none" w="med" len="med"/>
+                        </a:lnB>
+                        <a:lnTlToBr w="12700" cmpd="sng">
+                          <a:noFill/>
+                          <a:prstDash val="solid"/>
+                        </a:lnTlToBr>
+                        <a:lnBlToTr w="12700" cmpd="sng">
+                          <a:noFill/>
+                          <a:prstDash val="solid"/>
+                        </a:lnBlToTr>
+                        <a:solidFill>
+                          <a:schemeClr val="bg2"/>
+                        </a:solidFill>
+                      </a:tcPr>
+                    </a:tc>
+                    <a:tc>
+                      <a:txBody>
+                        <a:bodyPr/>
+                        <a:lstStyle/>
+                        <a:p>
+                          <a:endParaRPr lang="ko-KR"/>
+                        </a:p>
+                      </a:txBody>
+                      <a:tcPr anchor="ctr">
+                        <a:lnL w="12700" cap="flat" cmpd="sng" algn="ctr">
+                          <a:solidFill>
+                            <a:schemeClr val="tx1"/>
+                          </a:solidFill>
+                          <a:prstDash val="solid"/>
+                          <a:round/>
+                          <a:headEnd type="none" w="med" len="med"/>
+                          <a:tailEnd type="none" w="med" len="med"/>
+                        </a:lnL>
+                        <a:lnR w="12700" cap="flat" cmpd="sng" algn="ctr">
+                          <a:solidFill>
+                            <a:schemeClr val="tx1"/>
+                          </a:solidFill>
+                          <a:prstDash val="solid"/>
+                          <a:round/>
+                          <a:headEnd type="none" w="med" len="med"/>
+                          <a:tailEnd type="none" w="med" len="med"/>
+                        </a:lnR>
+                        <a:lnT w="12700" cap="flat" cmpd="sng" algn="ctr">
+                          <a:solidFill>
+                            <a:schemeClr val="tx1"/>
+                          </a:solidFill>
+                          <a:prstDash val="solid"/>
+                          <a:round/>
+                          <a:headEnd type="none" w="med" len="med"/>
+                          <a:tailEnd type="none" w="med" len="med"/>
+                        </a:lnT>
+                        <a:lnB w="12700" cap="flat" cmpd="sng" algn="ctr">
+                          <a:solidFill>
+                            <a:schemeClr val="tx1"/>
+                          </a:solidFill>
+                          <a:prstDash val="solid"/>
+                          <a:round/>
+                          <a:headEnd type="none" w="med" len="med"/>
+                          <a:tailEnd type="none" w="med" len="med"/>
+                        </a:lnB>
+                        <a:lnTlToBr w="12700" cmpd="sng">
+                          <a:noFill/>
+                          <a:prstDash val="solid"/>
+                        </a:lnTlToBr>
+                        <a:lnBlToTr w="12700" cmpd="sng">
+                          <a:noFill/>
+                          <a:prstDash val="solid"/>
+                        </a:lnBlToTr>
+                        <a:blipFill rotWithShape="1">
+                          <a:blip r:embed="rId2"/>
+                          <a:stretch>
+                            <a:fillRect l="-109804" t="-351429" r="-200000" b="-360952"/>
+                          </a:stretch>
+                        </a:blipFill>
+                      </a:tcPr>
+                    </a:tc>
+                    <a:tc>
+                      <a:txBody>
+                        <a:bodyPr/>
+                        <a:lstStyle/>
+                        <a:p>
+                          <a:endParaRPr lang="ko-KR"/>
+                        </a:p>
+                      </a:txBody>
+                      <a:tcPr anchor="ctr">
+                        <a:lnL w="12700" cap="flat" cmpd="sng" algn="ctr">
+                          <a:solidFill>
+                            <a:schemeClr val="tx1"/>
+                          </a:solidFill>
+                          <a:prstDash val="solid"/>
+                          <a:round/>
+                          <a:headEnd type="none" w="med" len="med"/>
+                          <a:tailEnd type="none" w="med" len="med"/>
+                        </a:lnL>
+                        <a:lnR w="12700" cap="flat" cmpd="sng" algn="ctr">
+                          <a:solidFill>
+                            <a:schemeClr val="tx1"/>
+                          </a:solidFill>
+                          <a:prstDash val="solid"/>
+                          <a:round/>
+                          <a:headEnd type="none" w="med" len="med"/>
+                          <a:tailEnd type="none" w="med" len="med"/>
+                        </a:lnR>
+                        <a:lnT w="12700" cap="flat" cmpd="sng" algn="ctr">
+                          <a:solidFill>
+                            <a:schemeClr val="tx1"/>
+                          </a:solidFill>
+                          <a:prstDash val="solid"/>
+                          <a:round/>
+                          <a:headEnd type="none" w="med" len="med"/>
+                          <a:tailEnd type="none" w="med" len="med"/>
+                        </a:lnT>
+                        <a:lnB w="12700" cap="flat" cmpd="sng" algn="ctr">
+                          <a:solidFill>
+                            <a:schemeClr val="tx1"/>
+                          </a:solidFill>
+                          <a:prstDash val="solid"/>
+                          <a:round/>
+                          <a:headEnd type="none" w="med" len="med"/>
+                          <a:tailEnd type="none" w="med" len="med"/>
+                        </a:lnB>
+                        <a:lnTlToBr w="12700" cmpd="sng">
+                          <a:noFill/>
+                          <a:prstDash val="solid"/>
+                        </a:lnTlToBr>
+                        <a:lnBlToTr w="12700" cmpd="sng">
+                          <a:noFill/>
+                          <a:prstDash val="solid"/>
+                        </a:lnBlToTr>
+                        <a:blipFill rotWithShape="1">
+                          <a:blip r:embed="rId2"/>
+                          <a:stretch>
+                            <a:fillRect l="-210492" t="-351429" r="-100656" b="-360952"/>
+                          </a:stretch>
+                        </a:blipFill>
+                      </a:tcPr>
+                    </a:tc>
+                    <a:tc>
+                      <a:txBody>
+                        <a:bodyPr/>
+                        <a:lstStyle/>
+                        <a:p>
+                          <a:endParaRPr lang="ko-KR"/>
+                        </a:p>
+                      </a:txBody>
+                      <a:tcPr anchor="ctr">
+                        <a:lnL w="12700" cap="flat" cmpd="sng" algn="ctr">
+                          <a:solidFill>
+                            <a:schemeClr val="tx1"/>
+                          </a:solidFill>
+                          <a:prstDash val="solid"/>
+                          <a:round/>
+                          <a:headEnd type="none" w="med" len="med"/>
+                          <a:tailEnd type="none" w="med" len="med"/>
+                        </a:lnL>
+                        <a:lnR w="12700" cap="flat" cmpd="sng" algn="ctr">
+                          <a:solidFill>
+                            <a:schemeClr val="tx1"/>
+                          </a:solidFill>
+                          <a:prstDash val="solid"/>
+                          <a:round/>
+                          <a:headEnd type="none" w="med" len="med"/>
+                          <a:tailEnd type="none" w="med" len="med"/>
+                        </a:lnR>
+                        <a:lnT w="12700" cap="flat" cmpd="sng" algn="ctr">
+                          <a:solidFill>
+                            <a:schemeClr val="tx1"/>
+                          </a:solidFill>
+                          <a:prstDash val="solid"/>
+                          <a:round/>
+                          <a:headEnd type="none" w="med" len="med"/>
+                          <a:tailEnd type="none" w="med" len="med"/>
+                        </a:lnT>
+                        <a:lnB w="12700" cap="flat" cmpd="sng" algn="ctr">
+                          <a:solidFill>
+                            <a:schemeClr val="tx1"/>
+                          </a:solidFill>
+                          <a:prstDash val="solid"/>
+                          <a:round/>
+                          <a:headEnd type="none" w="med" len="med"/>
+                          <a:tailEnd type="none" w="med" len="med"/>
+                        </a:lnB>
+                        <a:lnTlToBr w="12700" cmpd="sng">
+                          <a:noFill/>
+                          <a:prstDash val="solid"/>
+                        </a:lnTlToBr>
+                        <a:lnBlToTr w="12700" cmpd="sng">
+                          <a:noFill/>
+                          <a:prstDash val="solid"/>
+                        </a:lnBlToTr>
+                        <a:blipFill rotWithShape="1">
+                          <a:blip r:embed="rId2"/>
+                          <a:stretch>
+                            <a:fillRect l="-309477" t="-351429" r="-327" b="-360952"/>
+                          </a:stretch>
+                        </a:blipFill>
+                      </a:tcPr>
+                    </a:tc>
+                  </a:tr>
+                  <a:tr h="757111">
+                    <a:tc>
+                      <a:txBody>
+                        <a:bodyPr/>
+                        <a:lstStyle/>
+                        <a:p>
+                          <a:pPr algn="ctr" latinLnBrk="1"/>
+                          <a:r>
+                            <a:rPr lang="en-US" altLang="ko-KR" dirty="0" smtClean="0">
+                              <a:solidFill>
+                                <a:sysClr val="windowText" lastClr="000000"/>
+                              </a:solidFill>
+                            </a:rPr>
+                            <a:t>Treatment</a:t>
+                          </a:r>
+                        </a:p>
+                        <a:p>
+                          <a:pPr algn="ctr" latinLnBrk="1"/>
+                          <a:r>
+                            <a:rPr lang="en-US" altLang="ko-KR" dirty="0" smtClean="0">
+                              <a:solidFill>
+                                <a:sysClr val="windowText" lastClr="000000"/>
+                              </a:solidFill>
+                            </a:rPr>
+                            <a:t>Sums of squares</a:t>
+                          </a:r>
+                          <a:endParaRPr lang="ko-KR" altLang="en-US" dirty="0">
+                            <a:solidFill>
+                              <a:sysClr val="windowText" lastClr="000000"/>
+                            </a:solidFill>
+                          </a:endParaRPr>
+                        </a:p>
+                      </a:txBody>
+                      <a:tcPr anchor="ctr">
+                        <a:lnL w="12700" cap="flat" cmpd="sng" algn="ctr">
+                          <a:solidFill>
+                            <a:schemeClr val="tx1"/>
+                          </a:solidFill>
+                          <a:prstDash val="solid"/>
+                          <a:round/>
+                          <a:headEnd type="none" w="med" len="med"/>
+                          <a:tailEnd type="none" w="med" len="med"/>
+                        </a:lnL>
+                        <a:lnR w="12700" cap="flat" cmpd="sng" algn="ctr">
+                          <a:solidFill>
+                            <a:schemeClr val="tx1"/>
+                          </a:solidFill>
+                          <a:prstDash val="solid"/>
+                          <a:round/>
+                          <a:headEnd type="none" w="med" len="med"/>
+                          <a:tailEnd type="none" w="med" len="med"/>
+                        </a:lnR>
+                        <a:lnT w="12700" cap="flat" cmpd="sng" algn="ctr">
+                          <a:solidFill>
+                            <a:schemeClr val="tx1"/>
+                          </a:solidFill>
+                          <a:prstDash val="solid"/>
+                          <a:round/>
+                          <a:headEnd type="none" w="med" len="med"/>
+                          <a:tailEnd type="none" w="med" len="med"/>
+                        </a:lnT>
+                        <a:lnB w="12700" cap="flat" cmpd="sng" algn="ctr">
+                          <a:solidFill>
+                            <a:schemeClr val="tx1"/>
+                          </a:solidFill>
+                          <a:prstDash val="solid"/>
+                          <a:round/>
+                          <a:headEnd type="none" w="med" len="med"/>
+                          <a:tailEnd type="none" w="med" len="med"/>
+                        </a:lnB>
+                        <a:lnTlToBr w="12700" cmpd="sng">
+                          <a:noFill/>
+                          <a:prstDash val="solid"/>
+                        </a:lnTlToBr>
+                        <a:lnBlToTr w="12700" cmpd="sng">
+                          <a:noFill/>
+                          <a:prstDash val="solid"/>
+                        </a:lnBlToTr>
+                        <a:solidFill>
+                          <a:schemeClr val="bg2"/>
+                        </a:solidFill>
+                      </a:tcPr>
+                    </a:tc>
+                    <a:tc>
+                      <a:txBody>
+                        <a:bodyPr/>
+                        <a:lstStyle/>
+                        <a:p>
+                          <a:endParaRPr lang="ko-KR"/>
+                        </a:p>
+                      </a:txBody>
+                      <a:tcPr anchor="ctr">
+                        <a:lnL w="12700" cap="flat" cmpd="sng" algn="ctr">
+                          <a:solidFill>
+                            <a:schemeClr val="tx1"/>
+                          </a:solidFill>
+                          <a:prstDash val="solid"/>
+                          <a:round/>
+                          <a:headEnd type="none" w="med" len="med"/>
+                          <a:tailEnd type="none" w="med" len="med"/>
+                        </a:lnL>
+                        <a:lnR w="12700" cap="flat" cmpd="sng" algn="ctr">
+                          <a:solidFill>
+                            <a:schemeClr val="tx1"/>
+                          </a:solidFill>
+                          <a:prstDash val="solid"/>
+                          <a:round/>
+                          <a:headEnd type="none" w="med" len="med"/>
+                          <a:tailEnd type="none" w="med" len="med"/>
+                        </a:lnR>
+                        <a:lnT w="12700" cap="flat" cmpd="sng" algn="ctr">
+                          <a:solidFill>
+                            <a:schemeClr val="tx1"/>
+                          </a:solidFill>
+                          <a:prstDash val="solid"/>
+                          <a:round/>
+                          <a:headEnd type="none" w="med" len="med"/>
+                          <a:tailEnd type="none" w="med" len="med"/>
+                        </a:lnT>
+                        <a:lnB w="12700" cap="flat" cmpd="sng" algn="ctr">
+                          <a:solidFill>
+                            <a:schemeClr val="tx1"/>
+                          </a:solidFill>
+                          <a:prstDash val="solid"/>
+                          <a:round/>
+                          <a:headEnd type="none" w="med" len="med"/>
+                          <a:tailEnd type="none" w="med" len="med"/>
+                        </a:lnB>
+                        <a:lnTlToBr w="12700" cmpd="sng">
+                          <a:noFill/>
+                          <a:prstDash val="solid"/>
+                        </a:lnTlToBr>
+                        <a:lnBlToTr w="12700" cmpd="sng">
+                          <a:noFill/>
+                          <a:prstDash val="solid"/>
+                        </a:lnBlToTr>
+                        <a:blipFill rotWithShape="1">
+                          <a:blip r:embed="rId2"/>
+                          <a:stretch>
+                            <a:fillRect l="-109804" t="-382258" r="-200000" b="-205645"/>
+                          </a:stretch>
+                        </a:blipFill>
+                      </a:tcPr>
+                    </a:tc>
+                    <a:tc>
+                      <a:txBody>
+                        <a:bodyPr/>
+                        <a:lstStyle/>
+                        <a:p>
+                          <a:endParaRPr lang="ko-KR"/>
+                        </a:p>
+                      </a:txBody>
+                      <a:tcPr anchor="ctr">
+                        <a:lnL w="12700" cap="flat" cmpd="sng" algn="ctr">
+                          <a:solidFill>
+                            <a:schemeClr val="tx1"/>
+                          </a:solidFill>
+                          <a:prstDash val="solid"/>
+                          <a:round/>
+                          <a:headEnd type="none" w="med" len="med"/>
+                          <a:tailEnd type="none" w="med" len="med"/>
+                        </a:lnL>
+                        <a:lnR w="12700" cap="flat" cmpd="sng" algn="ctr">
+                          <a:solidFill>
+                            <a:schemeClr val="tx1"/>
+                          </a:solidFill>
+                          <a:prstDash val="solid"/>
+                          <a:round/>
+                          <a:headEnd type="none" w="med" len="med"/>
+                          <a:tailEnd type="none" w="med" len="med"/>
+                        </a:lnR>
+                        <a:lnT w="12700" cap="flat" cmpd="sng" algn="ctr">
+                          <a:solidFill>
+                            <a:schemeClr val="tx1"/>
+                          </a:solidFill>
+                          <a:prstDash val="solid"/>
+                          <a:round/>
+                          <a:headEnd type="none" w="med" len="med"/>
+                          <a:tailEnd type="none" w="med" len="med"/>
+                        </a:lnT>
+                        <a:lnB w="12700" cap="flat" cmpd="sng" algn="ctr">
+                          <a:solidFill>
+                            <a:schemeClr val="tx1"/>
+                          </a:solidFill>
+                          <a:prstDash val="solid"/>
+                          <a:round/>
+                          <a:headEnd type="none" w="med" len="med"/>
+                          <a:tailEnd type="none" w="med" len="med"/>
+                        </a:lnB>
+                        <a:lnTlToBr w="12700" cmpd="sng">
+                          <a:noFill/>
+                          <a:prstDash val="solid"/>
+                        </a:lnTlToBr>
+                        <a:lnBlToTr w="12700" cmpd="sng">
+                          <a:noFill/>
+                          <a:prstDash val="solid"/>
+                        </a:lnBlToTr>
+                        <a:blipFill rotWithShape="1">
+                          <a:blip r:embed="rId2"/>
+                          <a:stretch>
+                            <a:fillRect l="-210492" t="-382258" r="-100656" b="-205645"/>
+                          </a:stretch>
+                        </a:blipFill>
+                      </a:tcPr>
+                    </a:tc>
+                    <a:tc>
+                      <a:txBody>
+                        <a:bodyPr/>
+                        <a:lstStyle/>
+                        <a:p>
+                          <a:endParaRPr lang="ko-KR"/>
+                        </a:p>
+                      </a:txBody>
+                      <a:tcPr anchor="ctr">
+                        <a:lnL w="12700" cap="flat" cmpd="sng" algn="ctr">
+                          <a:solidFill>
+                            <a:schemeClr val="tx1"/>
+                          </a:solidFill>
+                          <a:prstDash val="solid"/>
+                          <a:round/>
+                          <a:headEnd type="none" w="med" len="med"/>
+                          <a:tailEnd type="none" w="med" len="med"/>
+                        </a:lnL>
+                        <a:lnR w="12700" cap="flat" cmpd="sng" algn="ctr">
+                          <a:solidFill>
+                            <a:schemeClr val="tx1"/>
+                          </a:solidFill>
+                          <a:prstDash val="solid"/>
+                          <a:round/>
+                          <a:headEnd type="none" w="med" len="med"/>
+                          <a:tailEnd type="none" w="med" len="med"/>
+                        </a:lnR>
+                        <a:lnT w="12700" cap="flat" cmpd="sng" algn="ctr">
+                          <a:solidFill>
+                            <a:schemeClr val="tx1"/>
+                          </a:solidFill>
+                          <a:prstDash val="solid"/>
+                          <a:round/>
+                          <a:headEnd type="none" w="med" len="med"/>
+                          <a:tailEnd type="none" w="med" len="med"/>
+                        </a:lnT>
+                        <a:lnB w="12700" cap="flat" cmpd="sng" algn="ctr">
+                          <a:solidFill>
+                            <a:schemeClr val="tx1"/>
+                          </a:solidFill>
+                          <a:prstDash val="solid"/>
+                          <a:round/>
+                          <a:headEnd type="none" w="med" len="med"/>
+                          <a:tailEnd type="none" w="med" len="med"/>
+                        </a:lnB>
+                        <a:lnTlToBr w="12700" cmpd="sng">
+                          <a:noFill/>
+                          <a:prstDash val="solid"/>
+                        </a:lnTlToBr>
+                        <a:lnBlToTr w="12700" cmpd="sng">
+                          <a:noFill/>
+                          <a:prstDash val="solid"/>
+                        </a:lnBlToTr>
+                        <a:blipFill rotWithShape="1">
+                          <a:blip r:embed="rId2"/>
+                          <a:stretch>
+                            <a:fillRect l="-309477" t="-382258" r="-327" b="-205645"/>
+                          </a:stretch>
+                        </a:blipFill>
+                      </a:tcPr>
+                    </a:tc>
+                  </a:tr>
+                  <a:tr h="757111">
+                    <a:tc>
+                      <a:txBody>
+                        <a:bodyPr/>
+                        <a:lstStyle/>
+                        <a:p>
+                          <a:pPr algn="ctr" latinLnBrk="1"/>
+                          <a:r>
+                            <a:rPr lang="en-US" altLang="ko-KR" dirty="0" smtClean="0">
+                              <a:solidFill>
+                                <a:sysClr val="windowText" lastClr="000000"/>
+                              </a:solidFill>
+                            </a:rPr>
+                            <a:t>Grand Mean</a:t>
+                          </a:r>
+                          <a:endParaRPr lang="ko-KR" altLang="en-US" dirty="0">
+                            <a:solidFill>
+                              <a:sysClr val="windowText" lastClr="000000"/>
+                            </a:solidFill>
+                          </a:endParaRPr>
+                        </a:p>
+                      </a:txBody>
+                      <a:tcPr anchor="ctr">
+                        <a:lnL w="12700" cap="flat" cmpd="sng" algn="ctr">
+                          <a:solidFill>
+                            <a:schemeClr val="tx1"/>
+                          </a:solidFill>
+                          <a:prstDash val="solid"/>
+                          <a:round/>
+                          <a:headEnd type="none" w="med" len="med"/>
+                          <a:tailEnd type="none" w="med" len="med"/>
+                        </a:lnL>
+                        <a:lnR w="12700" cap="flat" cmpd="sng" algn="ctr">
+                          <a:solidFill>
+                            <a:schemeClr val="tx1"/>
+                          </a:solidFill>
+                          <a:prstDash val="solid"/>
+                          <a:round/>
+                          <a:headEnd type="none" w="med" len="med"/>
+                          <a:tailEnd type="none" w="med" len="med"/>
+                        </a:lnR>
+                        <a:lnT w="12700" cap="flat" cmpd="sng" algn="ctr">
+                          <a:solidFill>
+                            <a:schemeClr val="tx1"/>
+                          </a:solidFill>
+                          <a:prstDash val="solid"/>
+                          <a:round/>
+                          <a:headEnd type="none" w="med" len="med"/>
+                          <a:tailEnd type="none" w="med" len="med"/>
+                        </a:lnT>
+                        <a:lnB w="12700" cap="flat" cmpd="sng" algn="ctr">
+                          <a:solidFill>
+                            <a:schemeClr val="tx1"/>
+                          </a:solidFill>
+                          <a:prstDash val="solid"/>
+                          <a:round/>
+                          <a:headEnd type="none" w="med" len="med"/>
+                          <a:tailEnd type="none" w="med" len="med"/>
+                        </a:lnB>
+                        <a:lnTlToBr w="12700" cmpd="sng">
+                          <a:noFill/>
+                          <a:prstDash val="solid"/>
+                        </a:lnTlToBr>
+                        <a:lnBlToTr w="12700" cmpd="sng">
+                          <a:noFill/>
+                          <a:prstDash val="solid"/>
+                        </a:lnBlToTr>
+                        <a:solidFill>
+                          <a:schemeClr val="bg2"/>
+                        </a:solidFill>
+                      </a:tcPr>
+                    </a:tc>
+                    <a:tc gridSpan="3">
+                      <a:txBody>
+                        <a:bodyPr/>
+                        <a:lstStyle/>
+                        <a:p>
+                          <a:endParaRPr lang="ko-KR"/>
+                        </a:p>
+                      </a:txBody>
+                      <a:tcPr anchor="ctr">
+                        <a:lnL w="12700" cap="flat" cmpd="sng" algn="ctr">
+                          <a:solidFill>
+                            <a:schemeClr val="tx1"/>
+                          </a:solidFill>
+                          <a:prstDash val="solid"/>
+                          <a:round/>
+                          <a:headEnd type="none" w="med" len="med"/>
+                          <a:tailEnd type="none" w="med" len="med"/>
+                        </a:lnL>
+                        <a:lnR w="12700" cap="flat" cmpd="sng" algn="ctr">
+                          <a:solidFill>
+                            <a:schemeClr val="tx1"/>
+                          </a:solidFill>
+                          <a:prstDash val="solid"/>
+                          <a:round/>
+                          <a:headEnd type="none" w="med" len="med"/>
+                          <a:tailEnd type="none" w="med" len="med"/>
+                        </a:lnR>
+                        <a:lnT w="12700" cap="flat" cmpd="sng" algn="ctr">
+                          <a:solidFill>
+                            <a:schemeClr val="tx1"/>
+                          </a:solidFill>
+                          <a:prstDash val="solid"/>
+                          <a:round/>
+                          <a:headEnd type="none" w="med" len="med"/>
+                          <a:tailEnd type="none" w="med" len="med"/>
+                        </a:lnT>
+                        <a:lnB w="12700" cap="flat" cmpd="sng" algn="ctr">
+                          <a:solidFill>
+                            <a:schemeClr val="tx1"/>
+                          </a:solidFill>
+                          <a:prstDash val="solid"/>
+                          <a:round/>
+                          <a:headEnd type="none" w="med" len="med"/>
+                          <a:tailEnd type="none" w="med" len="med"/>
+                        </a:lnB>
+                        <a:lnTlToBr w="12700" cmpd="sng">
+                          <a:noFill/>
+                          <a:prstDash val="solid"/>
+                        </a:lnTlToBr>
+                        <a:lnBlToTr w="12700" cmpd="sng">
+                          <a:noFill/>
+                          <a:prstDash val="solid"/>
+                        </a:lnBlToTr>
+                        <a:blipFill rotWithShape="1">
+                          <a:blip r:embed="rId2"/>
+                          <a:stretch>
+                            <a:fillRect l="-36641" t="-478400" r="-109" b="-104000"/>
+                          </a:stretch>
+                        </a:blipFill>
+                      </a:tcPr>
+                    </a:tc>
+                    <a:tc hMerge="1">
+                      <a:txBody>
+                        <a:bodyPr/>
+                        <a:lstStyle/>
+                        <a:p>
+                          <a:pPr latinLnBrk="1"/>
+                          <a:endParaRPr lang="ko-KR" altLang="en-US" dirty="0"/>
+                        </a:p>
+                      </a:txBody>
+                      <a:tcPr/>
+                    </a:tc>
+                    <a:tc hMerge="1">
+                      <a:txBody>
+                        <a:bodyPr/>
+                        <a:lstStyle/>
+                        <a:p>
+                          <a:pPr latinLnBrk="1"/>
+                          <a:endParaRPr lang="ko-KR" altLang="en-US" dirty="0"/>
+                        </a:p>
+                      </a:txBody>
+                      <a:tcPr/>
+                    </a:tc>
+                  </a:tr>
+                  <a:tr h="757111">
+                    <a:tc>
+                      <a:txBody>
+                        <a:bodyPr/>
+                        <a:lstStyle/>
+                        <a:p>
+                          <a:pPr algn="ctr" latinLnBrk="1"/>
+                          <a:r>
+                            <a:rPr lang="en-US" altLang="ko-KR" dirty="0" smtClean="0">
+                              <a:solidFill>
+                                <a:sysClr val="windowText" lastClr="000000"/>
+                              </a:solidFill>
+                            </a:rPr>
+                            <a:t>Total Sum of Squares</a:t>
+                          </a:r>
+                          <a:endParaRPr lang="ko-KR" altLang="en-US" dirty="0">
+                            <a:solidFill>
+                              <a:sysClr val="windowText" lastClr="000000"/>
+                            </a:solidFill>
+                          </a:endParaRPr>
+                        </a:p>
+                      </a:txBody>
+                      <a:tcPr anchor="ctr">
+                        <a:lnL w="12700" cap="flat" cmpd="sng" algn="ctr">
+                          <a:solidFill>
+                            <a:schemeClr val="tx1"/>
+                          </a:solidFill>
+                          <a:prstDash val="solid"/>
+                          <a:round/>
+                          <a:headEnd type="none" w="med" len="med"/>
+                          <a:tailEnd type="none" w="med" len="med"/>
+                        </a:lnL>
+                        <a:lnR w="12700" cap="flat" cmpd="sng" algn="ctr">
+                          <a:solidFill>
+                            <a:schemeClr val="tx1"/>
+                          </a:solidFill>
+                          <a:prstDash val="solid"/>
+                          <a:round/>
+                          <a:headEnd type="none" w="med" len="med"/>
+                          <a:tailEnd type="none" w="med" len="med"/>
+                        </a:lnR>
+                        <a:lnT w="12700" cap="flat" cmpd="sng" algn="ctr">
+                          <a:solidFill>
+                            <a:schemeClr val="tx1"/>
+                          </a:solidFill>
+                          <a:prstDash val="solid"/>
+                          <a:round/>
+                          <a:headEnd type="none" w="med" len="med"/>
+                          <a:tailEnd type="none" w="med" len="med"/>
+                        </a:lnT>
+                        <a:lnB w="12700" cap="flat" cmpd="sng" algn="ctr">
+                          <a:solidFill>
+                            <a:schemeClr val="tx1"/>
+                          </a:solidFill>
+                          <a:prstDash val="solid"/>
+                          <a:round/>
+                          <a:headEnd type="none" w="med" len="med"/>
+                          <a:tailEnd type="none" w="med" len="med"/>
+                        </a:lnB>
+                        <a:lnTlToBr w="12700" cmpd="sng">
+                          <a:noFill/>
+                          <a:prstDash val="solid"/>
+                        </a:lnTlToBr>
+                        <a:lnBlToTr w="12700" cmpd="sng">
+                          <a:noFill/>
+                          <a:prstDash val="solid"/>
+                        </a:lnBlToTr>
+                        <a:solidFill>
+                          <a:schemeClr val="bg2"/>
+                        </a:solidFill>
+                      </a:tcPr>
+                    </a:tc>
+                    <a:tc gridSpan="3">
+                      <a:txBody>
+                        <a:bodyPr/>
+                        <a:lstStyle/>
+                        <a:p>
+                          <a:endParaRPr lang="ko-KR"/>
+                        </a:p>
+                      </a:txBody>
+                      <a:tcPr anchor="ctr">
+                        <a:lnL w="12700" cap="flat" cmpd="sng" algn="ctr">
+                          <a:solidFill>
+                            <a:schemeClr val="tx1"/>
+                          </a:solidFill>
+                          <a:prstDash val="solid"/>
+                          <a:round/>
+                          <a:headEnd type="none" w="med" len="med"/>
+                          <a:tailEnd type="none" w="med" len="med"/>
+                        </a:lnL>
+                        <a:lnR w="12700" cap="flat" cmpd="sng" algn="ctr">
+                          <a:solidFill>
+                            <a:schemeClr val="tx1"/>
+                          </a:solidFill>
+                          <a:prstDash val="solid"/>
+                          <a:round/>
+                          <a:headEnd type="none" w="med" len="med"/>
+                          <a:tailEnd type="none" w="med" len="med"/>
+                        </a:lnR>
+                        <a:lnT w="12700" cap="flat" cmpd="sng" algn="ctr">
+                          <a:solidFill>
+                            <a:schemeClr val="tx1"/>
+                          </a:solidFill>
+                          <a:prstDash val="solid"/>
+                          <a:round/>
+                          <a:headEnd type="none" w="med" len="med"/>
+                          <a:tailEnd type="none" w="med" len="med"/>
+                        </a:lnT>
+                        <a:lnB w="12700" cap="flat" cmpd="sng" algn="ctr">
+                          <a:solidFill>
+                            <a:schemeClr val="tx1"/>
+                          </a:solidFill>
+                          <a:prstDash val="solid"/>
+                          <a:round/>
+                          <a:headEnd type="none" w="med" len="med"/>
+                          <a:tailEnd type="none" w="med" len="med"/>
+                        </a:lnB>
+                        <a:lnTlToBr w="12700" cmpd="sng">
+                          <a:noFill/>
+                          <a:prstDash val="solid"/>
+                        </a:lnTlToBr>
+                        <a:lnBlToTr w="12700" cmpd="sng">
+                          <a:noFill/>
+                          <a:prstDash val="solid"/>
+                        </a:lnBlToTr>
+                        <a:blipFill rotWithShape="1">
+                          <a:blip r:embed="rId2"/>
+                          <a:stretch>
+                            <a:fillRect l="-36641" t="-583065" r="-109" b="-4839"/>
+                          </a:stretch>
+                        </a:blipFill>
+                      </a:tcPr>
+                    </a:tc>
+                    <a:tc hMerge="1">
+                      <a:txBody>
+                        <a:bodyPr/>
+                        <a:lstStyle/>
+                        <a:p>
+                          <a:pPr latinLnBrk="1"/>
+                          <a:endParaRPr lang="ko-KR" altLang="en-US"/>
+                        </a:p>
+                      </a:txBody>
+                      <a:tcPr/>
+                    </a:tc>
+                    <a:tc hMerge="1">
+                      <a:txBody>
+                        <a:bodyPr/>
+                        <a:lstStyle/>
+                        <a:p>
+                          <a:pPr latinLnBrk="1"/>
+                          <a:endParaRPr lang="ko-KR" altLang="en-US"/>
+                        </a:p>
+                      </a:txBody>
+                      <a:tcPr/>
+                    </a:tc>
+                  </a:tr>
+                </a:tbl>
+              </a:graphicData>
+            </a:graphic>
+          </p:graphicFrame>
+        </mc:Fallback>
+      </mc:AlternateContent>
+    </p:spTree>
+    <p:extLst>
+      <p:ext uri="{BB962C8B-B14F-4D97-AF65-F5344CB8AC3E}">
+        <p14:creationId xmlns:p14="http://schemas.microsoft.com/office/powerpoint/2010/main" val="3628143386"/>
+      </p:ext>
+    </p:extLst>
+  </p:cSld>
+  <p:clrMapOvr>
+    <a:masterClrMapping/>
+  </p:clrMapOvr>
+</p:sld>
+</file>
+
+<file path=ppt/slides/slide2.xml><?xml version="1.0" encoding="utf-8"?>
+<p:sld xmlns:a="http://schemas.openxmlformats.org/drawingml/2006/main" xmlns:r="http://schemas.openxmlformats.org/officeDocument/2006/relationships" xmlns:p="http://schemas.openxmlformats.org/presentationml/2006/main">
+  <p:cSld>
+    <p:spTree>
+      <p:nvGrpSpPr>
+        <p:cNvPr id="1" name=""/>
+        <p:cNvGrpSpPr/>
+        <p:nvPr/>
+      </p:nvGrpSpPr>
+      <p:grpSpPr>
+        <a:xfrm>
+          <a:off x="0" y="0"/>
+          <a:ext cx="0" cy="0"/>
+          <a:chOff x="0" y="0"/>
+          <a:chExt cx="0" cy="0"/>
+        </a:xfrm>
+      </p:grpSpPr>
+      <mc:AlternateContent xmlns:mc="http://schemas.openxmlformats.org/markup-compatibility/2006">
+        <mc:Choice xmlns:a14="http://schemas.microsoft.com/office/drawing/2010/main" Requires="a14">
+          <p:graphicFrame>
+            <p:nvGraphicFramePr>
+              <p:cNvPr id="4" name="표 3"/>
+              <p:cNvGraphicFramePr>
+                <a:graphicFrameLocks noGrp="1"/>
+              </p:cNvGraphicFramePr>
+              <p:nvPr>
+                <p:extLst>
+                  <p:ext uri="{D42A27DB-BD31-4B8C-83A1-F6EECF244321}">
+                    <p14:modId xmlns:p14="http://schemas.microsoft.com/office/powerpoint/2010/main" val="469311953"/>
+                  </p:ext>
+                </p:extLst>
+              </p:nvPr>
+            </p:nvGraphicFramePr>
+            <p:xfrm>
+              <a:off x="539552" y="476672"/>
+              <a:ext cx="8208911" cy="5340035"/>
+            </p:xfrm>
+            <a:graphic>
+              <a:graphicData uri="http://schemas.openxmlformats.org/drawingml/2006/table">
+                <a:tbl>
+                  <a:tblPr firstRow="1" bandRow="1">
+                    <a:tableStyleId>{5C22544A-7EE6-4342-B048-85BDC9FD1C3A}</a:tableStyleId>
+                  </a:tblPr>
+                  <a:tblGrid>
+                    <a:gridCol w="1872208"/>
+                    <a:gridCol w="1200133"/>
+                    <a:gridCol w="1200133"/>
+                    <a:gridCol w="1200133"/>
+                    <a:gridCol w="792088"/>
+                    <a:gridCol w="1944216"/>
+                  </a:tblGrid>
+                  <a:tr h="370840">
+                    <a:tc rowSpan="2">
+                      <a:txBody>
+                        <a:bodyPr/>
+                        <a:lstStyle/>
+                        <a:p>
+                          <a:pPr algn="ctr" latinLnBrk="1"/>
+                          <a:r>
+                            <a:rPr lang="en-US" altLang="ko-KR" dirty="0" smtClean="0">
+                              <a:solidFill>
+                                <a:sysClr val="windowText" lastClr="000000"/>
+                              </a:solidFill>
+                            </a:rPr>
+                            <a:t>Experimental subjects,</a:t>
+                          </a:r>
+                        </a:p>
+                        <a:p>
+                          <a:pPr algn="ctr" latinLnBrk="1"/>
+                          <a:r>
+                            <a:rPr lang="en-US" altLang="ko-KR" dirty="0" smtClean="0">
+                              <a:solidFill>
+                                <a:sysClr val="windowText" lastClr="000000"/>
+                              </a:solidFill>
+                            </a:rPr>
+                            <a:t>n=4</a:t>
+                          </a:r>
+                          <a:endParaRPr lang="en-US" altLang="ko-KR" dirty="0" smtClean="0">
+                            <a:solidFill>
+                              <a:sysClr val="windowText" lastClr="000000"/>
+                            </a:solidFill>
+                          </a:endParaRPr>
+                        </a:p>
+                      </a:txBody>
+                      <a:tcPr anchor="ctr">
+                        <a:lnL w="12700" cap="flat" cmpd="sng" algn="ctr">
+                          <a:solidFill>
+                            <a:schemeClr val="tx1"/>
+                          </a:solidFill>
+                          <a:prstDash val="solid"/>
+                          <a:round/>
+                          <a:headEnd type="none" w="med" len="med"/>
+                          <a:tailEnd type="none" w="med" len="med"/>
+                        </a:lnL>
+                        <a:lnR w="12700" cap="flat" cmpd="sng" algn="ctr">
+                          <a:solidFill>
+                            <a:schemeClr val="tx1"/>
+                          </a:solidFill>
+                          <a:prstDash val="solid"/>
+                          <a:round/>
+                          <a:headEnd type="none" w="med" len="med"/>
+                          <a:tailEnd type="none" w="med" len="med"/>
+                        </a:lnR>
+                        <a:lnT w="12700" cap="flat" cmpd="sng" algn="ctr">
+                          <a:solidFill>
+                            <a:schemeClr val="tx1"/>
+                          </a:solidFill>
+                          <a:prstDash val="solid"/>
+                          <a:round/>
+                          <a:headEnd type="none" w="med" len="med"/>
+                          <a:tailEnd type="none" w="med" len="med"/>
+                        </a:lnT>
+                        <a:lnB w="12700" cap="flat" cmpd="sng" algn="ctr">
+                          <a:solidFill>
+                            <a:schemeClr val="tx1"/>
+                          </a:solidFill>
+                          <a:prstDash val="solid"/>
+                          <a:round/>
+                          <a:headEnd type="none" w="med" len="med"/>
+                          <a:tailEnd type="none" w="med" len="med"/>
+                        </a:lnB>
+                        <a:lnTlToBr w="12700" cmpd="sng">
+                          <a:noFill/>
+                          <a:prstDash val="solid"/>
+                        </a:lnTlToBr>
+                        <a:lnBlToTr w="12700" cmpd="sng">
+                          <a:noFill/>
+                          <a:prstDash val="solid"/>
+                        </a:lnBlToTr>
+                        <a:solidFill>
+                          <a:schemeClr val="bg2"/>
+                        </a:solidFill>
+                      </a:tcPr>
+                    </a:tc>
+                    <a:tc gridSpan="3">
+                      <a:txBody>
+                        <a:bodyPr/>
+                        <a:lstStyle/>
+                        <a:p>
+                          <a:pPr algn="ctr" latinLnBrk="1"/>
+                          <a:r>
+                            <a:rPr lang="en-US" altLang="ko-KR" dirty="0" smtClean="0">
+                              <a:solidFill>
+                                <a:sysClr val="windowText" lastClr="000000"/>
+                              </a:solidFill>
+                            </a:rPr>
+                            <a:t>Treatment,</a:t>
+                          </a:r>
+                          <a:r>
+                            <a:rPr lang="en-US" altLang="ko-KR" baseline="0" dirty="0" smtClean="0">
+                              <a:solidFill>
+                                <a:sysClr val="windowText" lastClr="000000"/>
+                              </a:solidFill>
+                            </a:rPr>
+                            <a:t> m=3</a:t>
+                          </a:r>
+                          <a:endParaRPr lang="ko-KR" altLang="en-US" dirty="0">
+                            <a:solidFill>
+                              <a:sysClr val="windowText" lastClr="000000"/>
+                            </a:solidFill>
+                          </a:endParaRPr>
+                        </a:p>
+                      </a:txBody>
+                      <a:tcPr anchor="ctr">
+                        <a:lnL w="12700" cap="flat" cmpd="sng" algn="ctr">
+                          <a:solidFill>
+                            <a:schemeClr val="tx1"/>
+                          </a:solidFill>
+                          <a:prstDash val="solid"/>
+                          <a:round/>
+                          <a:headEnd type="none" w="med" len="med"/>
+                          <a:tailEnd type="none" w="med" len="med"/>
+                        </a:lnL>
+                        <a:lnR w="12700" cap="flat" cmpd="sng" algn="ctr">
+                          <a:solidFill>
+                            <a:schemeClr val="tx1"/>
+                          </a:solidFill>
+                          <a:prstDash val="solid"/>
+                          <a:round/>
+                          <a:headEnd type="none" w="med" len="med"/>
+                          <a:tailEnd type="none" w="med" len="med"/>
+                        </a:lnR>
+                        <a:lnT w="12700" cap="flat" cmpd="sng" algn="ctr">
+                          <a:solidFill>
+                            <a:schemeClr val="tx1"/>
+                          </a:solidFill>
+                          <a:prstDash val="solid"/>
+                          <a:round/>
+                          <a:headEnd type="none" w="med" len="med"/>
+                          <a:tailEnd type="none" w="med" len="med"/>
+                        </a:lnT>
+                        <a:lnB w="12700" cap="flat" cmpd="sng" algn="ctr">
+                          <a:solidFill>
+                            <a:schemeClr val="tx1"/>
+                          </a:solidFill>
+                          <a:prstDash val="solid"/>
+                          <a:round/>
+                          <a:headEnd type="none" w="med" len="med"/>
+                          <a:tailEnd type="none" w="med" len="med"/>
+                        </a:lnB>
+                        <a:lnTlToBr w="12700" cmpd="sng">
+                          <a:noFill/>
+                          <a:prstDash val="solid"/>
+                        </a:lnTlToBr>
+                        <a:lnBlToTr w="12700" cmpd="sng">
+                          <a:noFill/>
+                          <a:prstDash val="solid"/>
+                        </a:lnBlToTr>
+                        <a:solidFill>
+                          <a:schemeClr val="bg2"/>
+                        </a:solidFill>
+                      </a:tcPr>
+                    </a:tc>
+                    <a:tc hMerge="1">
+                      <a:txBody>
+                        <a:bodyPr/>
+                        <a:lstStyle/>
+                        <a:p>
+                          <a:pPr latinLnBrk="1"/>
+                          <a:endParaRPr lang="ko-KR" altLang="en-US"/>
+                        </a:p>
+                      </a:txBody>
+                      <a:tcPr/>
+                    </a:tc>
+                    <a:tc hMerge="1">
+                      <a:txBody>
+                        <a:bodyPr/>
+                        <a:lstStyle/>
+                        <a:p>
+                          <a:pPr latinLnBrk="1"/>
+                          <a:endParaRPr lang="ko-KR" altLang="en-US" dirty="0"/>
+                        </a:p>
+                      </a:txBody>
+                      <a:tcPr/>
+                    </a:tc>
+                    <a:tc gridSpan="2">
+                      <a:txBody>
+                        <a:bodyPr/>
+                        <a:lstStyle/>
+                        <a:p>
+                          <a:pPr algn="ctr" latinLnBrk="1"/>
+                          <a:r>
+                            <a:rPr lang="en-US" altLang="ko-KR" dirty="0" smtClean="0">
+                              <a:solidFill>
+                                <a:sysClr val="windowText" lastClr="000000"/>
+                              </a:solidFill>
+                            </a:rPr>
+                            <a:t>Subject</a:t>
+                          </a:r>
+                          <a:endParaRPr lang="ko-KR" altLang="en-US" dirty="0">
+                            <a:solidFill>
+                              <a:sysClr val="windowText" lastClr="000000"/>
+                            </a:solidFill>
+                          </a:endParaRPr>
+                        </a:p>
+                      </a:txBody>
+                      <a:tcPr anchor="ctr">
+                        <a:lnL w="12700" cap="flat" cmpd="sng" algn="ctr">
+                          <a:solidFill>
+                            <a:schemeClr val="tx1"/>
+                          </a:solidFill>
+                          <a:prstDash val="solid"/>
+                          <a:round/>
+                          <a:headEnd type="none" w="med" len="med"/>
+                          <a:tailEnd type="none" w="med" len="med"/>
+                        </a:lnL>
+                        <a:lnR w="12700" cap="flat" cmpd="sng" algn="ctr">
+                          <a:solidFill>
+                            <a:schemeClr val="tx1"/>
+                          </a:solidFill>
+                          <a:prstDash val="solid"/>
+                          <a:round/>
+                          <a:headEnd type="none" w="med" len="med"/>
+                          <a:tailEnd type="none" w="med" len="med"/>
+                        </a:lnR>
+                        <a:lnT w="12700" cap="flat" cmpd="sng" algn="ctr">
+                          <a:solidFill>
+                            <a:schemeClr val="tx1"/>
+                          </a:solidFill>
+                          <a:prstDash val="solid"/>
+                          <a:round/>
+                          <a:headEnd type="none" w="med" len="med"/>
+                          <a:tailEnd type="none" w="med" len="med"/>
+                        </a:lnT>
+                        <a:lnB w="12700" cap="flat" cmpd="sng" algn="ctr">
+                          <a:solidFill>
+                            <a:schemeClr val="tx1"/>
+                          </a:solidFill>
+                          <a:prstDash val="solid"/>
+                          <a:round/>
+                          <a:headEnd type="none" w="med" len="med"/>
+                          <a:tailEnd type="none" w="med" len="med"/>
+                        </a:lnB>
+                        <a:lnTlToBr w="12700" cmpd="sng">
+                          <a:noFill/>
+                          <a:prstDash val="solid"/>
+                        </a:lnTlToBr>
+                        <a:lnBlToTr w="12700" cmpd="sng">
+                          <a:noFill/>
+                          <a:prstDash val="solid"/>
+                        </a:lnBlToTr>
+                        <a:solidFill>
+                          <a:schemeClr val="bg2"/>
+                        </a:solidFill>
+                      </a:tcPr>
+                    </a:tc>
+                    <a:tc hMerge="1">
+                      <a:txBody>
+                        <a:bodyPr/>
+                        <a:lstStyle/>
+                        <a:p>
+                          <a:pPr latinLnBrk="1"/>
+                          <a:endParaRPr lang="ko-KR" altLang="en-US" dirty="0"/>
+                        </a:p>
+                      </a:txBody>
+                      <a:tcPr/>
+                    </a:tc>
+                  </a:tr>
+                  <a:tr h="370840">
+                    <a:tc vMerge="1">
+                      <a:txBody>
+                        <a:bodyPr/>
+                        <a:lstStyle/>
+                        <a:p>
+                          <a:pPr latinLnBrk="1"/>
+                          <a:endParaRPr lang="ko-KR" altLang="en-US" dirty="0"/>
+                        </a:p>
+                      </a:txBody>
+                      <a:tcPr/>
+                    </a:tc>
+                    <a:tc>
+                      <a:txBody>
+                        <a:bodyPr/>
+                        <a:lstStyle/>
+                        <a:p>
+                          <a:pPr algn="ctr" latinLnBrk="1"/>
+                          <a:r>
+                            <a:rPr lang="en-US" altLang="ko-KR" dirty="0" smtClean="0">
+                              <a:solidFill>
+                                <a:sysClr val="windowText" lastClr="000000"/>
+                              </a:solidFill>
+                            </a:rPr>
+                            <a:t>1</a:t>
+                          </a:r>
+                          <a:endParaRPr lang="ko-KR" altLang="en-US" dirty="0">
+                            <a:solidFill>
+                              <a:sysClr val="windowText" lastClr="000000"/>
+                            </a:solidFill>
+                          </a:endParaRPr>
+                        </a:p>
+                      </a:txBody>
+                      <a:tcPr anchor="ctr">
+                        <a:lnL w="12700" cap="flat" cmpd="sng" algn="ctr">
+                          <a:solidFill>
+                            <a:schemeClr val="tx1"/>
+                          </a:solidFill>
+                          <a:prstDash val="solid"/>
+                          <a:round/>
+                          <a:headEnd type="none" w="med" len="med"/>
+                          <a:tailEnd type="none" w="med" len="med"/>
+                        </a:lnL>
+                        <a:lnR w="12700" cap="flat" cmpd="sng" algn="ctr">
+                          <a:solidFill>
+                            <a:schemeClr val="tx1"/>
+                          </a:solidFill>
+                          <a:prstDash val="solid"/>
+                          <a:round/>
+                          <a:headEnd type="none" w="med" len="med"/>
+                          <a:tailEnd type="none" w="med" len="med"/>
+                        </a:lnR>
+                        <a:lnT w="12700" cap="flat" cmpd="sng" algn="ctr">
+                          <a:solidFill>
+                            <a:schemeClr val="tx1"/>
+                          </a:solidFill>
+                          <a:prstDash val="solid"/>
+                          <a:round/>
+                          <a:headEnd type="none" w="med" len="med"/>
+                          <a:tailEnd type="none" w="med" len="med"/>
+                        </a:lnT>
+                        <a:lnB w="12700" cap="flat" cmpd="sng" algn="ctr">
+                          <a:solidFill>
+                            <a:schemeClr val="tx1"/>
+                          </a:solidFill>
+                          <a:prstDash val="solid"/>
+                          <a:round/>
+                          <a:headEnd type="none" w="med" len="med"/>
+                          <a:tailEnd type="none" w="med" len="med"/>
+                        </a:lnB>
+                        <a:lnTlToBr w="12700" cmpd="sng">
+                          <a:noFill/>
+                          <a:prstDash val="solid"/>
+                        </a:lnTlToBr>
+                        <a:lnBlToTr w="12700" cmpd="sng">
+                          <a:noFill/>
+                          <a:prstDash val="solid"/>
+                        </a:lnBlToTr>
+                        <a:solidFill>
+                          <a:schemeClr val="bg2"/>
+                        </a:solidFill>
+                      </a:tcPr>
+                    </a:tc>
+                    <a:tc>
+                      <a:txBody>
+                        <a:bodyPr/>
+                        <a:lstStyle/>
+                        <a:p>
+                          <a:pPr algn="ctr" latinLnBrk="1"/>
+                          <a:r>
+                            <a:rPr lang="en-US" altLang="ko-KR" dirty="0" smtClean="0">
+                              <a:solidFill>
+                                <a:sysClr val="windowText" lastClr="000000"/>
+                              </a:solidFill>
+                            </a:rPr>
+                            <a:t>2</a:t>
+                          </a:r>
+                          <a:endParaRPr lang="ko-KR" altLang="en-US" dirty="0">
+                            <a:solidFill>
+                              <a:sysClr val="windowText" lastClr="000000"/>
+                            </a:solidFill>
+                          </a:endParaRPr>
+                        </a:p>
+                      </a:txBody>
+                      <a:tcPr anchor="ctr">
+                        <a:lnL w="12700" cap="flat" cmpd="sng" algn="ctr">
+                          <a:solidFill>
+                            <a:schemeClr val="tx1"/>
+                          </a:solidFill>
+                          <a:prstDash val="solid"/>
+                          <a:round/>
+                          <a:headEnd type="none" w="med" len="med"/>
+                          <a:tailEnd type="none" w="med" len="med"/>
+                        </a:lnL>
+                        <a:lnR w="12700" cap="flat" cmpd="sng" algn="ctr">
+                          <a:solidFill>
+                            <a:schemeClr val="tx1"/>
+                          </a:solidFill>
+                          <a:prstDash val="solid"/>
+                          <a:round/>
+                          <a:headEnd type="none" w="med" len="med"/>
+                          <a:tailEnd type="none" w="med" len="med"/>
+                        </a:lnR>
+                        <a:lnT w="12700" cap="flat" cmpd="sng" algn="ctr">
+                          <a:solidFill>
+                            <a:schemeClr val="tx1"/>
+                          </a:solidFill>
+                          <a:prstDash val="solid"/>
+                          <a:round/>
+                          <a:headEnd type="none" w="med" len="med"/>
+                          <a:tailEnd type="none" w="med" len="med"/>
+                        </a:lnT>
+                        <a:lnB w="12700" cap="flat" cmpd="sng" algn="ctr">
+                          <a:solidFill>
+                            <a:schemeClr val="tx1"/>
+                          </a:solidFill>
+                          <a:prstDash val="solid"/>
+                          <a:round/>
+                          <a:headEnd type="none" w="med" len="med"/>
+                          <a:tailEnd type="none" w="med" len="med"/>
+                        </a:lnB>
+                        <a:lnTlToBr w="12700" cmpd="sng">
+                          <a:noFill/>
+                          <a:prstDash val="solid"/>
+                        </a:lnTlToBr>
+                        <a:lnBlToTr w="12700" cmpd="sng">
+                          <a:noFill/>
+                          <a:prstDash val="solid"/>
+                        </a:lnBlToTr>
+                        <a:solidFill>
+                          <a:schemeClr val="bg2"/>
+                        </a:solidFill>
+                      </a:tcPr>
+                    </a:tc>
+                    <a:tc>
+                      <a:txBody>
+                        <a:bodyPr/>
+                        <a:lstStyle/>
+                        <a:p>
+                          <a:pPr algn="ctr" latinLnBrk="1"/>
+                          <a:r>
+                            <a:rPr lang="en-US" altLang="ko-KR" dirty="0" smtClean="0">
+                              <a:solidFill>
+                                <a:sysClr val="windowText" lastClr="000000"/>
+                              </a:solidFill>
+                            </a:rPr>
+                            <a:t>3</a:t>
+                          </a:r>
+                          <a:endParaRPr lang="ko-KR" altLang="en-US" dirty="0">
+                            <a:solidFill>
+                              <a:sysClr val="windowText" lastClr="000000"/>
+                            </a:solidFill>
+                          </a:endParaRPr>
+                        </a:p>
+                      </a:txBody>
+                      <a:tcPr anchor="ctr">
+                        <a:lnL w="12700" cap="flat" cmpd="sng" algn="ctr">
+                          <a:solidFill>
+                            <a:schemeClr val="tx1"/>
+                          </a:solidFill>
+                          <a:prstDash val="solid"/>
+                          <a:round/>
+                          <a:headEnd type="none" w="med" len="med"/>
+                          <a:tailEnd type="none" w="med" len="med"/>
+                        </a:lnL>
+                        <a:lnR w="12700" cap="flat" cmpd="sng" algn="ctr">
+                          <a:solidFill>
+                            <a:schemeClr val="tx1"/>
+                          </a:solidFill>
+                          <a:prstDash val="solid"/>
+                          <a:round/>
+                          <a:headEnd type="none" w="med" len="med"/>
+                          <a:tailEnd type="none" w="med" len="med"/>
+                        </a:lnR>
+                        <a:lnT w="12700" cap="flat" cmpd="sng" algn="ctr">
+                          <a:solidFill>
+                            <a:schemeClr val="tx1"/>
+                          </a:solidFill>
+                          <a:prstDash val="solid"/>
+                          <a:round/>
+                          <a:headEnd type="none" w="med" len="med"/>
+                          <a:tailEnd type="none" w="med" len="med"/>
+                        </a:lnT>
+                        <a:lnB w="12700" cap="flat" cmpd="sng" algn="ctr">
+                          <a:solidFill>
+                            <a:schemeClr val="tx1"/>
+                          </a:solidFill>
+                          <a:prstDash val="solid"/>
+                          <a:round/>
+                          <a:headEnd type="none" w="med" len="med"/>
+                          <a:tailEnd type="none" w="med" len="med"/>
+                        </a:lnB>
+                        <a:lnTlToBr w="12700" cmpd="sng">
+                          <a:noFill/>
+                          <a:prstDash val="solid"/>
+                        </a:lnTlToBr>
+                        <a:lnBlToTr w="12700" cmpd="sng">
+                          <a:noFill/>
+                          <a:prstDash val="solid"/>
+                        </a:lnBlToTr>
+                        <a:solidFill>
+                          <a:schemeClr val="bg2"/>
+                        </a:solidFill>
+                      </a:tcPr>
+                    </a:tc>
+                    <a:tc>
+                      <a:txBody>
+                        <a:bodyPr/>
+                        <a:lstStyle/>
+                        <a:p>
+                          <a:pPr algn="ctr" latinLnBrk="1"/>
+                          <a:r>
+                            <a:rPr lang="en-US" altLang="ko-KR" dirty="0" smtClean="0">
+                              <a:solidFill>
+                                <a:sysClr val="windowText" lastClr="000000"/>
+                              </a:solidFill>
+                            </a:rPr>
+                            <a:t>Mean</a:t>
+                          </a:r>
+                          <a:endParaRPr lang="ko-KR" altLang="en-US" dirty="0">
+                            <a:solidFill>
+                              <a:sysClr val="windowText" lastClr="000000"/>
+                            </a:solidFill>
+                          </a:endParaRPr>
+                        </a:p>
+                      </a:txBody>
+                      <a:tcPr anchor="ctr">
+                        <a:lnL w="12700" cap="flat" cmpd="sng" algn="ctr">
+                          <a:solidFill>
+                            <a:schemeClr val="tx1"/>
+                          </a:solidFill>
+                          <a:prstDash val="solid"/>
+                          <a:round/>
+                          <a:headEnd type="none" w="med" len="med"/>
+                          <a:tailEnd type="none" w="med" len="med"/>
+                        </a:lnL>
+                        <a:lnR w="12700" cap="flat" cmpd="sng" algn="ctr">
+                          <a:solidFill>
+                            <a:schemeClr val="tx1"/>
+                          </a:solidFill>
+                          <a:prstDash val="solid"/>
+                          <a:round/>
+                          <a:headEnd type="none" w="med" len="med"/>
+                          <a:tailEnd type="none" w="med" len="med"/>
+                        </a:lnR>
+                        <a:lnT w="12700" cap="flat" cmpd="sng" algn="ctr">
+                          <a:solidFill>
+                            <a:schemeClr val="tx1"/>
+                          </a:solidFill>
+                          <a:prstDash val="solid"/>
+                          <a:round/>
+                          <a:headEnd type="none" w="med" len="med"/>
+                          <a:tailEnd type="none" w="med" len="med"/>
+                        </a:lnT>
+                        <a:lnB w="12700" cap="flat" cmpd="sng" algn="ctr">
+                          <a:solidFill>
+                            <a:schemeClr val="tx1"/>
+                          </a:solidFill>
+                          <a:prstDash val="solid"/>
+                          <a:round/>
+                          <a:headEnd type="none" w="med" len="med"/>
+                          <a:tailEnd type="none" w="med" len="med"/>
+                        </a:lnB>
+                        <a:lnTlToBr w="12700" cmpd="sng">
+                          <a:noFill/>
+                          <a:prstDash val="solid"/>
+                        </a:lnTlToBr>
+                        <a:lnBlToTr w="12700" cmpd="sng">
+                          <a:noFill/>
+                          <a:prstDash val="solid"/>
+                        </a:lnBlToTr>
+                        <a:solidFill>
+                          <a:schemeClr val="bg2"/>
+                        </a:solidFill>
+                      </a:tcPr>
+                    </a:tc>
+                    <a:tc>
+                      <a:txBody>
+                        <a:bodyPr/>
+                        <a:lstStyle/>
+                        <a:p>
+                          <a:pPr algn="ctr" latinLnBrk="1"/>
+                          <a:r>
+                            <a:rPr lang="en-US" altLang="ko-KR" dirty="0" smtClean="0">
+                              <a:solidFill>
+                                <a:sysClr val="windowText" lastClr="000000"/>
+                              </a:solidFill>
+                            </a:rPr>
+                            <a:t>Sum of Squared</a:t>
+                          </a:r>
+                          <a:endParaRPr lang="ko-KR" altLang="en-US" dirty="0">
+                            <a:solidFill>
+                              <a:sysClr val="windowText" lastClr="000000"/>
+                            </a:solidFill>
+                          </a:endParaRPr>
+                        </a:p>
+                      </a:txBody>
+                      <a:tcPr anchor="ctr">
+                        <a:lnL w="12700" cap="flat" cmpd="sng" algn="ctr">
+                          <a:solidFill>
+                            <a:schemeClr val="tx1"/>
+                          </a:solidFill>
+                          <a:prstDash val="solid"/>
+                          <a:round/>
+                          <a:headEnd type="none" w="med" len="med"/>
+                          <a:tailEnd type="none" w="med" len="med"/>
+                        </a:lnL>
+                        <a:lnR w="12700" cap="flat" cmpd="sng" algn="ctr">
+                          <a:solidFill>
+                            <a:schemeClr val="tx1"/>
+                          </a:solidFill>
+                          <a:prstDash val="solid"/>
+                          <a:round/>
+                          <a:headEnd type="none" w="med" len="med"/>
+                          <a:tailEnd type="none" w="med" len="med"/>
+                        </a:lnR>
+                        <a:lnT w="12700" cap="flat" cmpd="sng" algn="ctr">
+                          <a:solidFill>
+                            <a:schemeClr val="tx1"/>
+                          </a:solidFill>
+                          <a:prstDash val="solid"/>
+                          <a:round/>
+                          <a:headEnd type="none" w="med" len="med"/>
+                          <a:tailEnd type="none" w="med" len="med"/>
+                        </a:lnT>
+                        <a:lnB w="12700" cap="flat" cmpd="sng" algn="ctr">
+                          <a:solidFill>
+                            <a:schemeClr val="tx1"/>
+                          </a:solidFill>
+                          <a:prstDash val="solid"/>
+                          <a:round/>
+                          <a:headEnd type="none" w="med" len="med"/>
+                          <a:tailEnd type="none" w="med" len="med"/>
+                        </a:lnB>
+                        <a:lnTlToBr w="12700" cmpd="sng">
+                          <a:noFill/>
+                          <a:prstDash val="solid"/>
+                        </a:lnTlToBr>
+                        <a:lnBlToTr w="12700" cmpd="sng">
+                          <a:noFill/>
+                          <a:prstDash val="solid"/>
+                        </a:lnBlToTr>
+                        <a:solidFill>
+                          <a:schemeClr val="bg2"/>
+                        </a:solidFill>
+                      </a:tcPr>
+                    </a:tc>
+                  </a:tr>
+                  <a:tr h="370840">
+                    <a:tc>
+                      <a:txBody>
+                        <a:bodyPr/>
+                        <a:lstStyle/>
+                        <a:p>
+                          <a:pPr algn="ctr" latinLnBrk="1"/>
+                          <a:r>
+                            <a:rPr lang="en-US" altLang="ko-KR" dirty="0" smtClean="0">
+                              <a:solidFill>
+                                <a:sysClr val="windowText" lastClr="000000"/>
+                              </a:solidFill>
+                            </a:rPr>
+                            <a:t>1</a:t>
+                          </a:r>
+                          <a:endParaRPr lang="ko-KR" altLang="en-US" dirty="0">
+                            <a:solidFill>
+                              <a:sysClr val="windowText" lastClr="000000"/>
+                            </a:solidFill>
+                          </a:endParaRPr>
+                        </a:p>
+                      </a:txBody>
+                      <a:tcPr anchor="ctr">
+                        <a:lnL w="12700" cap="flat" cmpd="sng" algn="ctr">
+                          <a:solidFill>
+                            <a:schemeClr val="tx1"/>
+                          </a:solidFill>
+                          <a:prstDash val="solid"/>
+                          <a:round/>
+                          <a:headEnd type="none" w="med" len="med"/>
+                          <a:tailEnd type="none" w="med" len="med"/>
+                        </a:lnL>
+                        <a:lnR w="12700" cap="flat" cmpd="sng" algn="ctr">
+                          <a:solidFill>
+                            <a:schemeClr val="tx1"/>
+                          </a:solidFill>
+                          <a:prstDash val="solid"/>
+                          <a:round/>
+                          <a:headEnd type="none" w="med" len="med"/>
+                          <a:tailEnd type="none" w="med" len="med"/>
+                        </a:lnR>
+                        <a:lnT w="12700" cap="flat" cmpd="sng" algn="ctr">
+                          <a:solidFill>
+                            <a:schemeClr val="tx1"/>
+                          </a:solidFill>
+                          <a:prstDash val="solid"/>
+                          <a:round/>
+                          <a:headEnd type="none" w="med" len="med"/>
+                          <a:tailEnd type="none" w="med" len="med"/>
+                        </a:lnT>
+                        <a:lnB w="12700" cap="flat" cmpd="sng" algn="ctr">
+                          <a:solidFill>
+                            <a:schemeClr val="tx1"/>
+                          </a:solidFill>
+                          <a:prstDash val="solid"/>
+                          <a:round/>
+                          <a:headEnd type="none" w="med" len="med"/>
+                          <a:tailEnd type="none" w="med" len="med"/>
+                        </a:lnB>
+                        <a:lnTlToBr w="12700" cmpd="sng">
+                          <a:noFill/>
+                          <a:prstDash val="solid"/>
+                        </a:lnTlToBr>
+                        <a:lnBlToTr w="12700" cmpd="sng">
+                          <a:noFill/>
+                          <a:prstDash val="solid"/>
+                        </a:lnBlToTr>
+                        <a:solidFill>
+                          <a:schemeClr val="bg2"/>
+                        </a:solidFill>
+                      </a:tcPr>
+                    </a:tc>
+                    <a:tc>
+                      <a:txBody>
+                        <a:bodyPr/>
+                        <a:lstStyle/>
+                        <a:p>
+                          <a:pPr algn="ctr" latinLnBrk="1"/>
+                          <a14:m>
+                            <m:oMathPara xmlns:m="http://schemas.openxmlformats.org/officeDocument/2006/math">
+                              <m:oMathParaPr>
+                                <m:jc m:val="centerGroup"/>
+                              </m:oMathParaPr>
+                              <m:oMath xmlns:m="http://schemas.openxmlformats.org/officeDocument/2006/math">
+                                <m:sSub>
+                                  <m:sSubPr>
+                                    <m:ctrlPr>
+                                      <a:rPr lang="en-US" altLang="ko-KR" b="0" i="1" smtClean="0">
+                                        <a:solidFill>
+                                          <a:sysClr val="windowText" lastClr="000000"/>
+                                        </a:solidFill>
+                                        <a:latin typeface="Cambria Math"/>
+                                      </a:rPr>
+                                    </m:ctrlPr>
+                                  </m:sSubPr>
+                                  <m:e>
+                                    <m:r>
+                                      <a:rPr lang="en-US" altLang="ko-KR" b="0" i="1" smtClean="0">
+                                        <a:solidFill>
+                                          <a:sysClr val="windowText" lastClr="000000"/>
+                                        </a:solidFill>
+                                        <a:latin typeface="Cambria Math"/>
+                                      </a:rPr>
+                                      <m:t>𝑋</m:t>
+                                    </m:r>
+                                  </m:e>
+                                  <m:sub>
+                                    <m:r>
+                                      <a:rPr lang="en-US" altLang="ko-KR" b="0" i="1" smtClean="0">
+                                        <a:solidFill>
+                                          <a:sysClr val="windowText" lastClr="000000"/>
+                                        </a:solidFill>
+                                        <a:latin typeface="Cambria Math"/>
+                                      </a:rPr>
+                                      <m:t>11</m:t>
+                                    </m:r>
+                                  </m:sub>
+                                </m:sSub>
+                              </m:oMath>
+                            </m:oMathPara>
+                          </a14:m>
+                          <a:endParaRPr lang="ko-KR" altLang="en-US" dirty="0">
+                            <a:solidFill>
+                              <a:sysClr val="windowText" lastClr="000000"/>
+                            </a:solidFill>
+                          </a:endParaRPr>
+                        </a:p>
+                      </a:txBody>
+                      <a:tcPr anchor="ctr">
+                        <a:lnL w="12700" cap="flat" cmpd="sng" algn="ctr">
+                          <a:solidFill>
+                            <a:schemeClr val="tx1"/>
+                          </a:solidFill>
+                          <a:prstDash val="solid"/>
+                          <a:round/>
+                          <a:headEnd type="none" w="med" len="med"/>
+                          <a:tailEnd type="none" w="med" len="med"/>
+                        </a:lnL>
+                        <a:lnR w="12700" cap="flat" cmpd="sng" algn="ctr">
+                          <a:solidFill>
+                            <a:schemeClr val="tx1"/>
+                          </a:solidFill>
+                          <a:prstDash val="solid"/>
+                          <a:round/>
+                          <a:headEnd type="none" w="med" len="med"/>
+                          <a:tailEnd type="none" w="med" len="med"/>
+                        </a:lnR>
+                        <a:lnT w="12700" cap="flat" cmpd="sng" algn="ctr">
+                          <a:solidFill>
+                            <a:schemeClr val="tx1"/>
+                          </a:solidFill>
+                          <a:prstDash val="solid"/>
+                          <a:round/>
+                          <a:headEnd type="none" w="med" len="med"/>
+                          <a:tailEnd type="none" w="med" len="med"/>
+                        </a:lnT>
+                        <a:lnB w="12700" cap="flat" cmpd="sng" algn="ctr">
+                          <a:solidFill>
+                            <a:schemeClr val="tx1"/>
+                          </a:solidFill>
+                          <a:prstDash val="solid"/>
+                          <a:round/>
+                          <a:headEnd type="none" w="med" len="med"/>
+                          <a:tailEnd type="none" w="med" len="med"/>
+                        </a:lnB>
+                        <a:lnTlToBr w="12700" cmpd="sng">
+                          <a:noFill/>
+                          <a:prstDash val="solid"/>
+                        </a:lnTlToBr>
+                        <a:lnBlToTr w="12700" cmpd="sng">
+                          <a:noFill/>
+                          <a:prstDash val="solid"/>
+                        </a:lnBlToTr>
+                        <a:solidFill>
+                          <a:schemeClr val="bg1"/>
+                        </a:solidFill>
+                      </a:tcPr>
+                    </a:tc>
+                    <a:tc>
+                      <a:txBody>
+                        <a:bodyPr/>
+                        <a:lstStyle/>
+                        <a:p>
+                          <a:pPr algn="ctr" latinLnBrk="1"/>
+                          <a14:m>
+                            <m:oMathPara xmlns:m="http://schemas.openxmlformats.org/officeDocument/2006/math">
+                              <m:oMathParaPr>
+                                <m:jc m:val="centerGroup"/>
+                              </m:oMathParaPr>
+                              <m:oMath xmlns:m="http://schemas.openxmlformats.org/officeDocument/2006/math">
+                                <m:sSub>
+                                  <m:sSubPr>
+                                    <m:ctrlPr>
+                                      <a:rPr lang="en-US" altLang="ko-KR" b="0" i="1" smtClean="0">
+                                        <a:solidFill>
+                                          <a:sysClr val="windowText" lastClr="000000"/>
+                                        </a:solidFill>
+                                        <a:latin typeface="Cambria Math"/>
+                                      </a:rPr>
+                                    </m:ctrlPr>
+                                  </m:sSubPr>
+                                  <m:e>
+                                    <m:r>
+                                      <a:rPr lang="en-US" altLang="ko-KR" b="0" i="1" smtClean="0">
+                                        <a:solidFill>
+                                          <a:sysClr val="windowText" lastClr="000000"/>
+                                        </a:solidFill>
+                                        <a:latin typeface="Cambria Math"/>
+                                      </a:rPr>
+                                      <m:t>𝑋</m:t>
+                                    </m:r>
+                                  </m:e>
+                                  <m:sub>
+                                    <m:r>
+                                      <a:rPr lang="en-US" altLang="ko-KR" b="0" i="1" smtClean="0">
+                                        <a:solidFill>
+                                          <a:sysClr val="windowText" lastClr="000000"/>
+                                        </a:solidFill>
+                                        <a:latin typeface="Cambria Math"/>
+                                      </a:rPr>
+                                      <m:t>21</m:t>
+                                    </m:r>
+                                  </m:sub>
+                                </m:sSub>
+                              </m:oMath>
+                            </m:oMathPara>
+                          </a14:m>
+                          <a:endParaRPr lang="ko-KR" altLang="en-US" dirty="0">
+                            <a:solidFill>
+                              <a:sysClr val="windowText" lastClr="000000"/>
+                            </a:solidFill>
+                          </a:endParaRPr>
+                        </a:p>
+                      </a:txBody>
+                      <a:tcPr anchor="ctr">
+                        <a:lnL w="12700" cap="flat" cmpd="sng" algn="ctr">
+                          <a:solidFill>
+                            <a:schemeClr val="tx1"/>
+                          </a:solidFill>
+                          <a:prstDash val="solid"/>
+                          <a:round/>
+                          <a:headEnd type="none" w="med" len="med"/>
+                          <a:tailEnd type="none" w="med" len="med"/>
+                        </a:lnL>
+                        <a:lnR w="12700" cap="flat" cmpd="sng" algn="ctr">
+                          <a:solidFill>
+                            <a:schemeClr val="tx1"/>
+                          </a:solidFill>
+                          <a:prstDash val="solid"/>
+                          <a:round/>
+                          <a:headEnd type="none" w="med" len="med"/>
+                          <a:tailEnd type="none" w="med" len="med"/>
+                        </a:lnR>
+                        <a:lnT w="12700" cap="flat" cmpd="sng" algn="ctr">
+                          <a:solidFill>
+                            <a:schemeClr val="tx1"/>
+                          </a:solidFill>
+                          <a:prstDash val="solid"/>
+                          <a:round/>
+                          <a:headEnd type="none" w="med" len="med"/>
+                          <a:tailEnd type="none" w="med" len="med"/>
+                        </a:lnT>
+                        <a:lnB w="12700" cap="flat" cmpd="sng" algn="ctr">
+                          <a:solidFill>
+                            <a:schemeClr val="tx1"/>
+                          </a:solidFill>
+                          <a:prstDash val="solid"/>
+                          <a:round/>
+                          <a:headEnd type="none" w="med" len="med"/>
+                          <a:tailEnd type="none" w="med" len="med"/>
+                        </a:lnB>
+                        <a:lnTlToBr w="12700" cmpd="sng">
+                          <a:noFill/>
+                          <a:prstDash val="solid"/>
+                        </a:lnTlToBr>
+                        <a:lnBlToTr w="12700" cmpd="sng">
+                          <a:noFill/>
+                          <a:prstDash val="solid"/>
+                        </a:lnBlToTr>
+                        <a:solidFill>
+                          <a:schemeClr val="bg1"/>
+                        </a:solidFill>
+                      </a:tcPr>
+                    </a:tc>
+                    <a:tc>
+                      <a:txBody>
+                        <a:bodyPr/>
+                        <a:lstStyle/>
+                        <a:p>
+                          <a:pPr algn="ctr" latinLnBrk="1"/>
+                          <a14:m>
+                            <m:oMathPara xmlns:m="http://schemas.openxmlformats.org/officeDocument/2006/math">
+                              <m:oMathParaPr>
+                                <m:jc m:val="centerGroup"/>
+                              </m:oMathParaPr>
+                              <m:oMath xmlns:m="http://schemas.openxmlformats.org/officeDocument/2006/math">
+                                <m:sSub>
+                                  <m:sSubPr>
+                                    <m:ctrlPr>
+                                      <a:rPr lang="en-US" altLang="ko-KR" b="0" i="1" smtClean="0">
+                                        <a:solidFill>
+                                          <a:sysClr val="windowText" lastClr="000000"/>
+                                        </a:solidFill>
+                                        <a:latin typeface="Cambria Math"/>
+                                      </a:rPr>
+                                    </m:ctrlPr>
+                                  </m:sSubPr>
+                                  <m:e>
+                                    <m:r>
+                                      <a:rPr lang="en-US" altLang="ko-KR" b="0" i="1" smtClean="0">
+                                        <a:solidFill>
+                                          <a:sysClr val="windowText" lastClr="000000"/>
+                                        </a:solidFill>
+                                        <a:latin typeface="Cambria Math"/>
+                                      </a:rPr>
+                                      <m:t>𝑋</m:t>
+                                    </m:r>
+                                  </m:e>
+                                  <m:sub>
+                                    <m:r>
+                                      <a:rPr lang="en-US" altLang="ko-KR" b="0" i="1" smtClean="0">
+                                        <a:solidFill>
+                                          <a:sysClr val="windowText" lastClr="000000"/>
+                                        </a:solidFill>
+                                        <a:latin typeface="Cambria Math"/>
+                                      </a:rPr>
+                                      <m:t>31</m:t>
                                     </m:r>
                                   </m:sub>
                                 </m:sSub>
@@ -4388,16 +10649,7 @@
                                                         </a:solidFill>
                                                         <a:latin typeface="Cambria Math"/>
                                                       </a:rPr>
-                                                      <m:t>1</m:t>
-                                                    </m:r>
-                                                    <m:r>
-                                                      <a:rPr lang="en-US" altLang="ko-KR" b="0" i="1" smtClean="0">
-                                                        <a:solidFill>
-                                                          <a:sysClr val="windowText" lastClr="000000"/>
-                                                        </a:solidFill>
-                                                        <a:latin typeface="Cambria Math"/>
-                                                      </a:rPr>
-                                                      <m:t> </m:t>
+                                                      <m:t>1 </m:t>
                                                     </m:r>
                                                   </m:sub>
                                                 </m:sSub>
@@ -4595,16 +10847,7 @@
                                         </a:solidFill>
                                         <a:latin typeface="Cambria Math"/>
                                       </a:rPr>
-                                      <m:t>1</m:t>
-                                    </m:r>
-                                    <m:r>
-                                      <a:rPr lang="en-US" altLang="ko-KR" b="0" i="1" smtClean="0">
-                                        <a:solidFill>
-                                          <a:sysClr val="windowText" lastClr="000000"/>
-                                        </a:solidFill>
-                                        <a:latin typeface="Cambria Math"/>
-                                      </a:rPr>
-                                      <m:t>2</m:t>
+                                      <m:t>12</m:t>
                                     </m:r>
                                   </m:sub>
                                 </m:sSub>
@@ -5359,16 +11602,7 @@
                                         </a:solidFill>
                                         <a:latin typeface="Cambria Math"/>
                                       </a:rPr>
-                                      <m:t>1</m:t>
-                                    </m:r>
-                                    <m:r>
-                                      <a:rPr lang="en-US" altLang="ko-KR" b="0" i="1" smtClean="0">
-                                        <a:solidFill>
-                                          <a:sysClr val="windowText" lastClr="000000"/>
-                                        </a:solidFill>
-                                        <a:latin typeface="Cambria Math"/>
-                                      </a:rPr>
-                                      <m:t>3</m:t>
+                                      <m:t>13</m:t>
                                     </m:r>
                                   </m:sub>
                                 </m:sSub>
@@ -6123,16 +12357,7 @@
                                         </a:solidFill>
                                         <a:latin typeface="Cambria Math"/>
                                       </a:rPr>
-                                      <m:t>1</m:t>
-                                    </m:r>
-                                    <m:r>
-                                      <a:rPr lang="en-US" altLang="ko-KR" b="0" i="1" smtClean="0">
-                                        <a:solidFill>
-                                          <a:sysClr val="windowText" lastClr="000000"/>
-                                        </a:solidFill>
-                                        <a:latin typeface="Cambria Math"/>
-                                      </a:rPr>
-                                      <m:t>4</m:t>
+                                      <m:t>14</m:t>
                                     </m:r>
                                   </m:sub>
                                 </m:sSub>
@@ -7706,7 +13931,7 @@
               <p:nvPr>
                 <p:extLst>
                   <p:ext uri="{D42A27DB-BD31-4B8C-83A1-F6EECF244321}">
-                    <p14:modId xmlns:p14="http://schemas.microsoft.com/office/powerpoint/2010/main" val="1959417213"/>
+                    <p14:modId xmlns:p14="http://schemas.microsoft.com/office/powerpoint/2010/main" val="469311953"/>
                   </p:ext>
                 </p:extLst>
               </p:nvPr>
@@ -7753,8 +13978,13 @@
                                 <a:sysClr val="windowText" lastClr="000000"/>
                               </a:solidFill>
                             </a:rPr>
-                            <a:t>N=4</a:t>
+                            <a:t>n=4</a:t>
                           </a:r>
+                          <a:endParaRPr lang="en-US" altLang="ko-KR" dirty="0" smtClean="0">
+                            <a:solidFill>
+                              <a:sysClr val="windowText" lastClr="000000"/>
+                            </a:solidFill>
+                          </a:endParaRPr>
                         </a:p>
                       </a:txBody>
                       <a:tcPr anchor="ctr">
@@ -10431,7 +16661,7 @@
     </p:spTree>
     <p:extLst>
       <p:ext uri="{BB962C8B-B14F-4D97-AF65-F5344CB8AC3E}">
-        <p14:creationId xmlns:p14="http://schemas.microsoft.com/office/powerpoint/2010/main" val="3628143386"/>
+        <p14:creationId xmlns:p14="http://schemas.microsoft.com/office/powerpoint/2010/main" val="3564700276"/>
       </p:ext>
     </p:extLst>
   </p:cSld>

--- a/pics/2021-11-02-RM_ANOVA/pics.pptx
+++ b/pics/2021-11-02-RM_ANOVA/pics.pptx
@@ -6,7 +6,8 @@
   </p:sldMasterIdLst>
   <p:sldIdLst>
     <p:sldId id="256" r:id="rId2"/>
-    <p:sldId id="257" r:id="rId3"/>
+    <p:sldId id="258" r:id="rId3"/>
+    <p:sldId id="257" r:id="rId4"/>
   </p:sldIdLst>
   <p:sldSz cx="9144000" cy="6858000" type="screen4x3"/>
   <p:notesSz cx="6858000" cy="9144000"/>
@@ -289,7 +290,7 @@
           <a:p>
             <a:fld id="{FB30EDBD-1C2D-4C1E-B459-B60219FAB484}" type="datetimeFigureOut">
               <a:rPr lang="ko-KR" altLang="en-US" smtClean="0"/>
-              <a:t>2021-11-05</a:t>
+              <a:t>2021-11-09</a:t>
             </a:fld>
             <a:endParaRPr lang="ko-KR" altLang="en-US"/>
           </a:p>
@@ -454,7 +455,7 @@
           <a:p>
             <a:fld id="{FB30EDBD-1C2D-4C1E-B459-B60219FAB484}" type="datetimeFigureOut">
               <a:rPr lang="ko-KR" altLang="en-US" smtClean="0"/>
-              <a:t>2021-11-05</a:t>
+              <a:t>2021-11-09</a:t>
             </a:fld>
             <a:endParaRPr lang="ko-KR" altLang="en-US"/>
           </a:p>
@@ -629,7 +630,7 @@
           <a:p>
             <a:fld id="{FB30EDBD-1C2D-4C1E-B459-B60219FAB484}" type="datetimeFigureOut">
               <a:rPr lang="ko-KR" altLang="en-US" smtClean="0"/>
-              <a:t>2021-11-05</a:t>
+              <a:t>2021-11-09</a:t>
             </a:fld>
             <a:endParaRPr lang="ko-KR" altLang="en-US"/>
           </a:p>
@@ -794,7 +795,7 @@
           <a:p>
             <a:fld id="{FB30EDBD-1C2D-4C1E-B459-B60219FAB484}" type="datetimeFigureOut">
               <a:rPr lang="ko-KR" altLang="en-US" smtClean="0"/>
-              <a:t>2021-11-05</a:t>
+              <a:t>2021-11-09</a:t>
             </a:fld>
             <a:endParaRPr lang="ko-KR" altLang="en-US"/>
           </a:p>
@@ -1035,7 +1036,7 @@
           <a:p>
             <a:fld id="{FB30EDBD-1C2D-4C1E-B459-B60219FAB484}" type="datetimeFigureOut">
               <a:rPr lang="ko-KR" altLang="en-US" smtClean="0"/>
-              <a:t>2021-11-05</a:t>
+              <a:t>2021-11-09</a:t>
             </a:fld>
             <a:endParaRPr lang="ko-KR" altLang="en-US"/>
           </a:p>
@@ -1318,7 +1319,7 @@
           <a:p>
             <a:fld id="{FB30EDBD-1C2D-4C1E-B459-B60219FAB484}" type="datetimeFigureOut">
               <a:rPr lang="ko-KR" altLang="en-US" smtClean="0"/>
-              <a:t>2021-11-05</a:t>
+              <a:t>2021-11-09</a:t>
             </a:fld>
             <a:endParaRPr lang="ko-KR" altLang="en-US"/>
           </a:p>
@@ -1735,7 +1736,7 @@
           <a:p>
             <a:fld id="{FB30EDBD-1C2D-4C1E-B459-B60219FAB484}" type="datetimeFigureOut">
               <a:rPr lang="ko-KR" altLang="en-US" smtClean="0"/>
-              <a:t>2021-11-05</a:t>
+              <a:t>2021-11-09</a:t>
             </a:fld>
             <a:endParaRPr lang="ko-KR" altLang="en-US"/>
           </a:p>
@@ -1848,7 +1849,7 @@
           <a:p>
             <a:fld id="{FB30EDBD-1C2D-4C1E-B459-B60219FAB484}" type="datetimeFigureOut">
               <a:rPr lang="ko-KR" altLang="en-US" smtClean="0"/>
-              <a:t>2021-11-05</a:t>
+              <a:t>2021-11-09</a:t>
             </a:fld>
             <a:endParaRPr lang="ko-KR" altLang="en-US"/>
           </a:p>
@@ -1938,7 +1939,7 @@
           <a:p>
             <a:fld id="{FB30EDBD-1C2D-4C1E-B459-B60219FAB484}" type="datetimeFigureOut">
               <a:rPr lang="ko-KR" altLang="en-US" smtClean="0"/>
-              <a:t>2021-11-05</a:t>
+              <a:t>2021-11-09</a:t>
             </a:fld>
             <a:endParaRPr lang="ko-KR" altLang="en-US"/>
           </a:p>
@@ -2210,7 +2211,7 @@
           <a:p>
             <a:fld id="{FB30EDBD-1C2D-4C1E-B459-B60219FAB484}" type="datetimeFigureOut">
               <a:rPr lang="ko-KR" altLang="en-US" smtClean="0"/>
-              <a:t>2021-11-05</a:t>
+              <a:t>2021-11-09</a:t>
             </a:fld>
             <a:endParaRPr lang="ko-KR" altLang="en-US"/>
           </a:p>
@@ -2458,7 +2459,7 @@
           <a:p>
             <a:fld id="{FB30EDBD-1C2D-4C1E-B459-B60219FAB484}" type="datetimeFigureOut">
               <a:rPr lang="ko-KR" altLang="en-US" smtClean="0"/>
-              <a:t>2021-11-05</a:t>
+              <a:t>2021-11-09</a:t>
             </a:fld>
             <a:endParaRPr lang="ko-KR" altLang="en-US"/>
           </a:p>
@@ -2666,7 +2667,7 @@
           <a:p>
             <a:fld id="{FB30EDBD-1C2D-4C1E-B459-B60219FAB484}" type="datetimeFigureOut">
               <a:rPr lang="ko-KR" altLang="en-US" smtClean="0"/>
-              <a:t>2021-11-05</a:t>
+              <a:t>2021-11-09</a:t>
             </a:fld>
             <a:endParaRPr lang="ko-KR" altLang="en-US"/>
           </a:p>
@@ -3047,7 +3048,2857 @@
               <p:nvPr>
                 <p:extLst>
                   <p:ext uri="{D42A27DB-BD31-4B8C-83A1-F6EECF244321}">
-                    <p14:modId xmlns:p14="http://schemas.microsoft.com/office/powerpoint/2010/main" val="2034779301"/>
+                    <p14:modId xmlns:p14="http://schemas.microsoft.com/office/powerpoint/2010/main" val="591089058"/>
+                  </p:ext>
+                </p:extLst>
+              </p:nvPr>
+            </p:nvGraphicFramePr>
+            <p:xfrm>
+              <a:off x="2121656" y="860774"/>
+              <a:ext cx="4900689" cy="2225040"/>
+            </p:xfrm>
+            <a:graphic>
+              <a:graphicData uri="http://schemas.openxmlformats.org/drawingml/2006/table">
+                <a:tbl>
+                  <a:tblPr firstRow="1" bandRow="1">
+                    <a:tableStyleId>{5C22544A-7EE6-4342-B048-85BDC9FD1C3A}</a:tableStyleId>
+                  </a:tblPr>
+                  <a:tblGrid>
+                    <a:gridCol w="1733905"/>
+                    <a:gridCol w="1583392"/>
+                    <a:gridCol w="1583392"/>
+                  </a:tblGrid>
+                  <a:tr h="370840">
+                    <a:tc rowSpan="6">
+                      <a:txBody>
+                        <a:bodyPr/>
+                        <a:lstStyle/>
+                        <a:p>
+                          <a:pPr algn="ctr" latinLnBrk="1"/>
+                          <a:r>
+                            <a:rPr lang="ko-KR" altLang="en-US" dirty="0" smtClean="0">
+                              <a:solidFill>
+                                <a:sysClr val="windowText" lastClr="000000"/>
+                              </a:solidFill>
+                            </a:rPr>
+                            <a:t>피험자 수</a:t>
+                          </a:r>
+                          <a:r>
+                            <a:rPr lang="en-US" altLang="ko-KR" dirty="0" smtClean="0">
+                              <a:solidFill>
+                                <a:sysClr val="windowText" lastClr="000000"/>
+                              </a:solidFill>
+                            </a:rPr>
+                            <a:t>:</a:t>
+                          </a:r>
+                          <a:r>
+                            <a:rPr lang="en-US" altLang="ko-KR" baseline="0" dirty="0" smtClean="0">
+                              <a:solidFill>
+                                <a:sysClr val="windowText" lastClr="000000"/>
+                              </a:solidFill>
+                            </a:rPr>
+                            <a:t> </a:t>
+                          </a:r>
+                          <a:r>
+                            <a:rPr lang="en-US" altLang="ko-KR" baseline="0" dirty="0" smtClean="0">
+                              <a:solidFill>
+                                <a:sysClr val="windowText" lastClr="000000"/>
+                              </a:solidFill>
+                            </a:rPr>
+                            <a:t>n</a:t>
+                          </a:r>
+                          <a:endParaRPr lang="en-US" altLang="ko-KR" dirty="0" smtClean="0">
+                            <a:solidFill>
+                              <a:sysClr val="windowText" lastClr="000000"/>
+                            </a:solidFill>
+                          </a:endParaRPr>
+                        </a:p>
+                      </a:txBody>
+                      <a:tcPr anchor="ctr">
+                        <a:lnL w="12700" cap="flat" cmpd="sng" algn="ctr">
+                          <a:solidFill>
+                            <a:schemeClr val="tx1"/>
+                          </a:solidFill>
+                          <a:prstDash val="solid"/>
+                          <a:round/>
+                          <a:headEnd type="none" w="med" len="med"/>
+                          <a:tailEnd type="none" w="med" len="med"/>
+                        </a:lnL>
+                        <a:lnR w="12700" cap="flat" cmpd="sng" algn="ctr">
+                          <a:solidFill>
+                            <a:schemeClr val="tx1"/>
+                          </a:solidFill>
+                          <a:prstDash val="solid"/>
+                          <a:round/>
+                          <a:headEnd type="none" w="med" len="med"/>
+                          <a:tailEnd type="none" w="med" len="med"/>
+                        </a:lnR>
+                        <a:lnT w="12700" cap="flat" cmpd="sng" algn="ctr">
+                          <a:solidFill>
+                            <a:schemeClr val="tx1"/>
+                          </a:solidFill>
+                          <a:prstDash val="solid"/>
+                          <a:round/>
+                          <a:headEnd type="none" w="med" len="med"/>
+                          <a:tailEnd type="none" w="med" len="med"/>
+                        </a:lnT>
+                        <a:lnB w="12700" cap="flat" cmpd="sng" algn="ctr">
+                          <a:solidFill>
+                            <a:schemeClr val="tx1"/>
+                          </a:solidFill>
+                          <a:prstDash val="solid"/>
+                          <a:round/>
+                          <a:headEnd type="none" w="med" len="med"/>
+                          <a:tailEnd type="none" w="med" len="med"/>
+                        </a:lnB>
+                        <a:lnTlToBr w="12700" cmpd="sng">
+                          <a:noFill/>
+                          <a:prstDash val="solid"/>
+                        </a:lnTlToBr>
+                        <a:lnBlToTr w="12700" cmpd="sng">
+                          <a:noFill/>
+                          <a:prstDash val="solid"/>
+                        </a:lnBlToTr>
+                        <a:solidFill>
+                          <a:schemeClr val="bg2"/>
+                        </a:solidFill>
+                      </a:tcPr>
+                    </a:tc>
+                    <a:tc>
+                      <a:txBody>
+                        <a:bodyPr/>
+                        <a:lstStyle/>
+                        <a:p>
+                          <a:pPr algn="ctr" latinLnBrk="1"/>
+                          <a:r>
+                            <a:rPr lang="en-US" altLang="ko-KR" dirty="0" smtClean="0">
+                              <a:solidFill>
+                                <a:sysClr val="windowText" lastClr="000000"/>
+                              </a:solidFill>
+                            </a:rPr>
+                            <a:t>Before</a:t>
+                          </a:r>
+                          <a:endParaRPr lang="ko-KR" altLang="en-US" dirty="0">
+                            <a:solidFill>
+                              <a:sysClr val="windowText" lastClr="000000"/>
+                            </a:solidFill>
+                          </a:endParaRPr>
+                        </a:p>
+                      </a:txBody>
+                      <a:tcPr anchor="ctr">
+                        <a:lnL w="12700" cap="flat" cmpd="sng" algn="ctr">
+                          <a:solidFill>
+                            <a:schemeClr val="tx1"/>
+                          </a:solidFill>
+                          <a:prstDash val="solid"/>
+                          <a:round/>
+                          <a:headEnd type="none" w="med" len="med"/>
+                          <a:tailEnd type="none" w="med" len="med"/>
+                        </a:lnL>
+                        <a:lnR w="12700" cap="flat" cmpd="sng" algn="ctr">
+                          <a:solidFill>
+                            <a:schemeClr val="tx1"/>
+                          </a:solidFill>
+                          <a:prstDash val="solid"/>
+                          <a:round/>
+                          <a:headEnd type="none" w="med" len="med"/>
+                          <a:tailEnd type="none" w="med" len="med"/>
+                        </a:lnR>
+                        <a:lnT w="12700" cap="flat" cmpd="sng" algn="ctr">
+                          <a:solidFill>
+                            <a:schemeClr val="tx1"/>
+                          </a:solidFill>
+                          <a:prstDash val="solid"/>
+                          <a:round/>
+                          <a:headEnd type="none" w="med" len="med"/>
+                          <a:tailEnd type="none" w="med" len="med"/>
+                        </a:lnT>
+                        <a:lnB w="12700" cap="flat" cmpd="sng" algn="ctr">
+                          <a:solidFill>
+                            <a:schemeClr val="tx1"/>
+                          </a:solidFill>
+                          <a:prstDash val="solid"/>
+                          <a:round/>
+                          <a:headEnd type="none" w="med" len="med"/>
+                          <a:tailEnd type="none" w="med" len="med"/>
+                        </a:lnB>
+                        <a:lnTlToBr w="12700" cmpd="sng">
+                          <a:noFill/>
+                          <a:prstDash val="solid"/>
+                        </a:lnTlToBr>
+                        <a:lnBlToTr w="12700" cmpd="sng">
+                          <a:noFill/>
+                          <a:prstDash val="solid"/>
+                        </a:lnBlToTr>
+                        <a:solidFill>
+                          <a:schemeClr val="bg2"/>
+                        </a:solidFill>
+                      </a:tcPr>
+                    </a:tc>
+                    <a:tc>
+                      <a:txBody>
+                        <a:bodyPr/>
+                        <a:lstStyle/>
+                        <a:p>
+                          <a:pPr algn="ctr" latinLnBrk="1"/>
+                          <a:r>
+                            <a:rPr lang="en-US" altLang="ko-KR" dirty="0" smtClean="0">
+                              <a:solidFill>
+                                <a:sysClr val="windowText" lastClr="000000"/>
+                              </a:solidFill>
+                            </a:rPr>
+                            <a:t>After</a:t>
+                          </a:r>
+                          <a:endParaRPr lang="ko-KR" altLang="en-US" dirty="0">
+                            <a:solidFill>
+                              <a:sysClr val="windowText" lastClr="000000"/>
+                            </a:solidFill>
+                          </a:endParaRPr>
+                        </a:p>
+                      </a:txBody>
+                      <a:tcPr anchor="ctr">
+                        <a:lnL w="12700" cap="flat" cmpd="sng" algn="ctr">
+                          <a:solidFill>
+                            <a:schemeClr val="tx1"/>
+                          </a:solidFill>
+                          <a:prstDash val="solid"/>
+                          <a:round/>
+                          <a:headEnd type="none" w="med" len="med"/>
+                          <a:tailEnd type="none" w="med" len="med"/>
+                        </a:lnL>
+                        <a:lnR w="12700" cap="flat" cmpd="sng" algn="ctr">
+                          <a:solidFill>
+                            <a:schemeClr val="tx1"/>
+                          </a:solidFill>
+                          <a:prstDash val="solid"/>
+                          <a:round/>
+                          <a:headEnd type="none" w="med" len="med"/>
+                          <a:tailEnd type="none" w="med" len="med"/>
+                        </a:lnR>
+                        <a:lnT w="12700" cap="flat" cmpd="sng" algn="ctr">
+                          <a:solidFill>
+                            <a:schemeClr val="tx1"/>
+                          </a:solidFill>
+                          <a:prstDash val="solid"/>
+                          <a:round/>
+                          <a:headEnd type="none" w="med" len="med"/>
+                          <a:tailEnd type="none" w="med" len="med"/>
+                        </a:lnT>
+                        <a:lnB w="12700" cap="flat" cmpd="sng" algn="ctr">
+                          <a:solidFill>
+                            <a:schemeClr val="tx1"/>
+                          </a:solidFill>
+                          <a:prstDash val="solid"/>
+                          <a:round/>
+                          <a:headEnd type="none" w="med" len="med"/>
+                          <a:tailEnd type="none" w="med" len="med"/>
+                        </a:lnB>
+                        <a:lnTlToBr w="12700" cmpd="sng">
+                          <a:noFill/>
+                          <a:prstDash val="solid"/>
+                        </a:lnTlToBr>
+                        <a:lnBlToTr w="12700" cmpd="sng">
+                          <a:noFill/>
+                          <a:prstDash val="solid"/>
+                        </a:lnBlToTr>
+                        <a:solidFill>
+                          <a:schemeClr val="bg2"/>
+                        </a:solidFill>
+                      </a:tcPr>
+                    </a:tc>
+                  </a:tr>
+                  <a:tr h="370840">
+                    <a:tc vMerge="1">
+                      <a:txBody>
+                        <a:bodyPr/>
+                        <a:lstStyle/>
+                        <a:p>
+                          <a:pPr algn="ctr" latinLnBrk="1"/>
+                          <a:endParaRPr lang="ko-KR" altLang="en-US" dirty="0">
+                            <a:solidFill>
+                              <a:sysClr val="windowText" lastClr="000000"/>
+                            </a:solidFill>
+                          </a:endParaRPr>
+                        </a:p>
+                      </a:txBody>
+                      <a:tcPr anchor="ctr">
+                        <a:lnL w="12700" cap="flat" cmpd="sng" algn="ctr">
+                          <a:solidFill>
+                            <a:schemeClr val="tx1"/>
+                          </a:solidFill>
+                          <a:prstDash val="solid"/>
+                          <a:round/>
+                          <a:headEnd type="none" w="med" len="med"/>
+                          <a:tailEnd type="none" w="med" len="med"/>
+                        </a:lnL>
+                        <a:lnR w="12700" cap="flat" cmpd="sng" algn="ctr">
+                          <a:solidFill>
+                            <a:schemeClr val="tx1"/>
+                          </a:solidFill>
+                          <a:prstDash val="solid"/>
+                          <a:round/>
+                          <a:headEnd type="none" w="med" len="med"/>
+                          <a:tailEnd type="none" w="med" len="med"/>
+                        </a:lnR>
+                        <a:lnT w="12700" cap="flat" cmpd="sng" algn="ctr">
+                          <a:solidFill>
+                            <a:schemeClr val="tx1"/>
+                          </a:solidFill>
+                          <a:prstDash val="solid"/>
+                          <a:round/>
+                          <a:headEnd type="none" w="med" len="med"/>
+                          <a:tailEnd type="none" w="med" len="med"/>
+                        </a:lnT>
+                        <a:lnB w="12700" cap="flat" cmpd="sng" algn="ctr">
+                          <a:solidFill>
+                            <a:schemeClr val="tx1"/>
+                          </a:solidFill>
+                          <a:prstDash val="solid"/>
+                          <a:round/>
+                          <a:headEnd type="none" w="med" len="med"/>
+                          <a:tailEnd type="none" w="med" len="med"/>
+                        </a:lnB>
+                        <a:lnTlToBr w="12700" cmpd="sng">
+                          <a:noFill/>
+                          <a:prstDash val="solid"/>
+                        </a:lnTlToBr>
+                        <a:lnBlToTr w="12700" cmpd="sng">
+                          <a:noFill/>
+                          <a:prstDash val="solid"/>
+                        </a:lnBlToTr>
+                        <a:solidFill>
+                          <a:schemeClr val="bg2"/>
+                        </a:solidFill>
+                      </a:tcPr>
+                    </a:tc>
+                    <a:tc>
+                      <a:txBody>
+                        <a:bodyPr/>
+                        <a:lstStyle/>
+                        <a:p>
+                          <a:pPr algn="ctr" latinLnBrk="1"/>
+                          <a14:m>
+                            <m:oMathPara xmlns:m="http://schemas.openxmlformats.org/officeDocument/2006/math">
+                              <m:oMathParaPr>
+                                <m:jc m:val="centerGroup"/>
+                              </m:oMathParaPr>
+                              <m:oMath xmlns:m="http://schemas.openxmlformats.org/officeDocument/2006/math">
+                                <m:sSub>
+                                  <m:sSubPr>
+                                    <m:ctrlPr>
+                                      <a:rPr lang="en-US" altLang="ko-KR" b="0" i="1" smtClean="0">
+                                        <a:solidFill>
+                                          <a:sysClr val="windowText" lastClr="000000"/>
+                                        </a:solidFill>
+                                        <a:latin typeface="Cambria Math"/>
+                                      </a:rPr>
+                                    </m:ctrlPr>
+                                  </m:sSubPr>
+                                  <m:e>
+                                    <m:r>
+                                      <a:rPr lang="en-US" altLang="ko-KR" b="0" i="1" smtClean="0">
+                                        <a:solidFill>
+                                          <a:sysClr val="windowText" lastClr="000000"/>
+                                        </a:solidFill>
+                                        <a:latin typeface="Cambria Math"/>
+                                      </a:rPr>
+                                      <m:t>𝑋</m:t>
+                                    </m:r>
+                                  </m:e>
+                                  <m:sub>
+                                    <m:r>
+                                      <a:rPr lang="en-US" altLang="ko-KR" b="0" i="1" smtClean="0">
+                                        <a:solidFill>
+                                          <a:sysClr val="windowText" lastClr="000000"/>
+                                        </a:solidFill>
+                                        <a:latin typeface="Cambria Math"/>
+                                      </a:rPr>
+                                      <m:t>11</m:t>
+                                    </m:r>
+                                  </m:sub>
+                                </m:sSub>
+                              </m:oMath>
+                            </m:oMathPara>
+                          </a14:m>
+                          <a:endParaRPr lang="ko-KR" altLang="en-US" dirty="0">
+                            <a:solidFill>
+                              <a:sysClr val="windowText" lastClr="000000"/>
+                            </a:solidFill>
+                          </a:endParaRPr>
+                        </a:p>
+                      </a:txBody>
+                      <a:tcPr anchor="ctr">
+                        <a:lnL w="12700" cap="flat" cmpd="sng" algn="ctr">
+                          <a:solidFill>
+                            <a:schemeClr val="tx1"/>
+                          </a:solidFill>
+                          <a:prstDash val="solid"/>
+                          <a:round/>
+                          <a:headEnd type="none" w="med" len="med"/>
+                          <a:tailEnd type="none" w="med" len="med"/>
+                        </a:lnL>
+                        <a:lnR w="12700" cap="flat" cmpd="sng" algn="ctr">
+                          <a:solidFill>
+                            <a:schemeClr val="tx1"/>
+                          </a:solidFill>
+                          <a:prstDash val="solid"/>
+                          <a:round/>
+                          <a:headEnd type="none" w="med" len="med"/>
+                          <a:tailEnd type="none" w="med" len="med"/>
+                        </a:lnR>
+                        <a:lnT w="12700" cap="flat" cmpd="sng" algn="ctr">
+                          <a:solidFill>
+                            <a:schemeClr val="tx1"/>
+                          </a:solidFill>
+                          <a:prstDash val="solid"/>
+                          <a:round/>
+                          <a:headEnd type="none" w="med" len="med"/>
+                          <a:tailEnd type="none" w="med" len="med"/>
+                        </a:lnT>
+                        <a:lnB w="12700" cap="flat" cmpd="sng" algn="ctr">
+                          <a:solidFill>
+                            <a:schemeClr val="tx1"/>
+                          </a:solidFill>
+                          <a:prstDash val="solid"/>
+                          <a:round/>
+                          <a:headEnd type="none" w="med" len="med"/>
+                          <a:tailEnd type="none" w="med" len="med"/>
+                        </a:lnB>
+                        <a:lnTlToBr w="12700" cmpd="sng">
+                          <a:noFill/>
+                          <a:prstDash val="solid"/>
+                        </a:lnTlToBr>
+                        <a:lnBlToTr w="12700" cmpd="sng">
+                          <a:noFill/>
+                          <a:prstDash val="solid"/>
+                        </a:lnBlToTr>
+                        <a:solidFill>
+                          <a:schemeClr val="bg1"/>
+                        </a:solidFill>
+                      </a:tcPr>
+                    </a:tc>
+                    <a:tc>
+                      <a:txBody>
+                        <a:bodyPr/>
+                        <a:lstStyle/>
+                        <a:p>
+                          <a:pPr algn="ctr" latinLnBrk="1"/>
+                          <a14:m>
+                            <m:oMathPara xmlns:m="http://schemas.openxmlformats.org/officeDocument/2006/math">
+                              <m:oMathParaPr>
+                                <m:jc m:val="centerGroup"/>
+                              </m:oMathParaPr>
+                              <m:oMath xmlns:m="http://schemas.openxmlformats.org/officeDocument/2006/math">
+                                <m:sSub>
+                                  <m:sSubPr>
+                                    <m:ctrlPr>
+                                      <a:rPr lang="en-US" altLang="ko-KR" b="0" i="1" smtClean="0">
+                                        <a:solidFill>
+                                          <a:sysClr val="windowText" lastClr="000000"/>
+                                        </a:solidFill>
+                                        <a:latin typeface="Cambria Math"/>
+                                      </a:rPr>
+                                    </m:ctrlPr>
+                                  </m:sSubPr>
+                                  <m:e>
+                                    <m:r>
+                                      <a:rPr lang="en-US" altLang="ko-KR" b="0" i="1" smtClean="0">
+                                        <a:solidFill>
+                                          <a:sysClr val="windowText" lastClr="000000"/>
+                                        </a:solidFill>
+                                        <a:latin typeface="Cambria Math"/>
+                                      </a:rPr>
+                                      <m:t>𝑋</m:t>
+                                    </m:r>
+                                  </m:e>
+                                  <m:sub>
+                                    <m:r>
+                                      <a:rPr lang="en-US" altLang="ko-KR" b="0" i="1" smtClean="0">
+                                        <a:solidFill>
+                                          <a:sysClr val="windowText" lastClr="000000"/>
+                                        </a:solidFill>
+                                        <a:latin typeface="Cambria Math"/>
+                                      </a:rPr>
+                                      <m:t>21</m:t>
+                                    </m:r>
+                                  </m:sub>
+                                </m:sSub>
+                              </m:oMath>
+                            </m:oMathPara>
+                          </a14:m>
+                          <a:endParaRPr lang="ko-KR" altLang="en-US" dirty="0">
+                            <a:solidFill>
+                              <a:sysClr val="windowText" lastClr="000000"/>
+                            </a:solidFill>
+                          </a:endParaRPr>
+                        </a:p>
+                      </a:txBody>
+                      <a:tcPr anchor="ctr">
+                        <a:lnL w="12700" cap="flat" cmpd="sng" algn="ctr">
+                          <a:solidFill>
+                            <a:schemeClr val="tx1"/>
+                          </a:solidFill>
+                          <a:prstDash val="solid"/>
+                          <a:round/>
+                          <a:headEnd type="none" w="med" len="med"/>
+                          <a:tailEnd type="none" w="med" len="med"/>
+                        </a:lnL>
+                        <a:lnR w="12700" cap="flat" cmpd="sng" algn="ctr">
+                          <a:solidFill>
+                            <a:schemeClr val="tx1"/>
+                          </a:solidFill>
+                          <a:prstDash val="solid"/>
+                          <a:round/>
+                          <a:headEnd type="none" w="med" len="med"/>
+                          <a:tailEnd type="none" w="med" len="med"/>
+                        </a:lnR>
+                        <a:lnT w="12700" cap="flat" cmpd="sng" algn="ctr">
+                          <a:solidFill>
+                            <a:schemeClr val="tx1"/>
+                          </a:solidFill>
+                          <a:prstDash val="solid"/>
+                          <a:round/>
+                          <a:headEnd type="none" w="med" len="med"/>
+                          <a:tailEnd type="none" w="med" len="med"/>
+                        </a:lnT>
+                        <a:lnB w="12700" cap="flat" cmpd="sng" algn="ctr">
+                          <a:solidFill>
+                            <a:schemeClr val="tx1"/>
+                          </a:solidFill>
+                          <a:prstDash val="solid"/>
+                          <a:round/>
+                          <a:headEnd type="none" w="med" len="med"/>
+                          <a:tailEnd type="none" w="med" len="med"/>
+                        </a:lnB>
+                        <a:lnTlToBr w="12700" cmpd="sng">
+                          <a:noFill/>
+                          <a:prstDash val="solid"/>
+                        </a:lnTlToBr>
+                        <a:lnBlToTr w="12700" cmpd="sng">
+                          <a:noFill/>
+                          <a:prstDash val="solid"/>
+                        </a:lnBlToTr>
+                        <a:solidFill>
+                          <a:schemeClr val="bg1"/>
+                        </a:solidFill>
+                      </a:tcPr>
+                    </a:tc>
+                  </a:tr>
+                  <a:tr h="370840">
+                    <a:tc vMerge="1">
+                      <a:txBody>
+                        <a:bodyPr/>
+                        <a:lstStyle/>
+                        <a:p>
+                          <a:pPr algn="ctr" latinLnBrk="1"/>
+                          <a:endParaRPr lang="ko-KR" altLang="en-US" dirty="0">
+                            <a:solidFill>
+                              <a:sysClr val="windowText" lastClr="000000"/>
+                            </a:solidFill>
+                          </a:endParaRPr>
+                        </a:p>
+                      </a:txBody>
+                      <a:tcPr anchor="ctr">
+                        <a:lnL w="12700" cap="flat" cmpd="sng" algn="ctr">
+                          <a:solidFill>
+                            <a:schemeClr val="tx1"/>
+                          </a:solidFill>
+                          <a:prstDash val="solid"/>
+                          <a:round/>
+                          <a:headEnd type="none" w="med" len="med"/>
+                          <a:tailEnd type="none" w="med" len="med"/>
+                        </a:lnL>
+                        <a:lnR w="12700" cap="flat" cmpd="sng" algn="ctr">
+                          <a:solidFill>
+                            <a:schemeClr val="tx1"/>
+                          </a:solidFill>
+                          <a:prstDash val="solid"/>
+                          <a:round/>
+                          <a:headEnd type="none" w="med" len="med"/>
+                          <a:tailEnd type="none" w="med" len="med"/>
+                        </a:lnR>
+                        <a:lnT w="12700" cap="flat" cmpd="sng" algn="ctr">
+                          <a:solidFill>
+                            <a:schemeClr val="tx1"/>
+                          </a:solidFill>
+                          <a:prstDash val="solid"/>
+                          <a:round/>
+                          <a:headEnd type="none" w="med" len="med"/>
+                          <a:tailEnd type="none" w="med" len="med"/>
+                        </a:lnT>
+                        <a:lnB w="12700" cap="flat" cmpd="sng" algn="ctr">
+                          <a:solidFill>
+                            <a:schemeClr val="tx1"/>
+                          </a:solidFill>
+                          <a:prstDash val="solid"/>
+                          <a:round/>
+                          <a:headEnd type="none" w="med" len="med"/>
+                          <a:tailEnd type="none" w="med" len="med"/>
+                        </a:lnB>
+                        <a:lnTlToBr w="12700" cmpd="sng">
+                          <a:noFill/>
+                          <a:prstDash val="solid"/>
+                        </a:lnTlToBr>
+                        <a:lnBlToTr w="12700" cmpd="sng">
+                          <a:noFill/>
+                          <a:prstDash val="solid"/>
+                        </a:lnBlToTr>
+                        <a:solidFill>
+                          <a:schemeClr val="bg2"/>
+                        </a:solidFill>
+                      </a:tcPr>
+                    </a:tc>
+                    <a:tc>
+                      <a:txBody>
+                        <a:bodyPr/>
+                        <a:lstStyle/>
+                        <a:p>
+                          <a:pPr algn="ctr" latinLnBrk="1"/>
+                          <a14:m>
+                            <m:oMathPara xmlns:m="http://schemas.openxmlformats.org/officeDocument/2006/math">
+                              <m:oMathParaPr>
+                                <m:jc m:val="centerGroup"/>
+                              </m:oMathParaPr>
+                              <m:oMath xmlns:m="http://schemas.openxmlformats.org/officeDocument/2006/math">
+                                <m:sSub>
+                                  <m:sSubPr>
+                                    <m:ctrlPr>
+                                      <a:rPr lang="en-US" altLang="ko-KR" b="0" i="1" smtClean="0">
+                                        <a:solidFill>
+                                          <a:sysClr val="windowText" lastClr="000000"/>
+                                        </a:solidFill>
+                                        <a:latin typeface="Cambria Math"/>
+                                      </a:rPr>
+                                    </m:ctrlPr>
+                                  </m:sSubPr>
+                                  <m:e>
+                                    <m:r>
+                                      <a:rPr lang="en-US" altLang="ko-KR" b="0" i="1" smtClean="0">
+                                        <a:solidFill>
+                                          <a:sysClr val="windowText" lastClr="000000"/>
+                                        </a:solidFill>
+                                        <a:latin typeface="Cambria Math"/>
+                                      </a:rPr>
+                                      <m:t>𝑋</m:t>
+                                    </m:r>
+                                  </m:e>
+                                  <m:sub>
+                                    <m:r>
+                                      <a:rPr lang="en-US" altLang="ko-KR" b="0" i="1" smtClean="0">
+                                        <a:solidFill>
+                                          <a:sysClr val="windowText" lastClr="000000"/>
+                                        </a:solidFill>
+                                        <a:latin typeface="Cambria Math"/>
+                                      </a:rPr>
+                                      <m:t>12</m:t>
+                                    </m:r>
+                                  </m:sub>
+                                </m:sSub>
+                              </m:oMath>
+                            </m:oMathPara>
+                          </a14:m>
+                          <a:endParaRPr lang="ko-KR" altLang="en-US" dirty="0">
+                            <a:solidFill>
+                              <a:sysClr val="windowText" lastClr="000000"/>
+                            </a:solidFill>
+                          </a:endParaRPr>
+                        </a:p>
+                      </a:txBody>
+                      <a:tcPr anchor="ctr">
+                        <a:lnL w="12700" cap="flat" cmpd="sng" algn="ctr">
+                          <a:solidFill>
+                            <a:schemeClr val="tx1"/>
+                          </a:solidFill>
+                          <a:prstDash val="solid"/>
+                          <a:round/>
+                          <a:headEnd type="none" w="med" len="med"/>
+                          <a:tailEnd type="none" w="med" len="med"/>
+                        </a:lnL>
+                        <a:lnR w="12700" cap="flat" cmpd="sng" algn="ctr">
+                          <a:solidFill>
+                            <a:schemeClr val="tx1"/>
+                          </a:solidFill>
+                          <a:prstDash val="solid"/>
+                          <a:round/>
+                          <a:headEnd type="none" w="med" len="med"/>
+                          <a:tailEnd type="none" w="med" len="med"/>
+                        </a:lnR>
+                        <a:lnT w="12700" cap="flat" cmpd="sng" algn="ctr">
+                          <a:solidFill>
+                            <a:schemeClr val="tx1"/>
+                          </a:solidFill>
+                          <a:prstDash val="solid"/>
+                          <a:round/>
+                          <a:headEnd type="none" w="med" len="med"/>
+                          <a:tailEnd type="none" w="med" len="med"/>
+                        </a:lnT>
+                        <a:lnB w="12700" cap="flat" cmpd="sng" algn="ctr">
+                          <a:solidFill>
+                            <a:schemeClr val="tx1"/>
+                          </a:solidFill>
+                          <a:prstDash val="solid"/>
+                          <a:round/>
+                          <a:headEnd type="none" w="med" len="med"/>
+                          <a:tailEnd type="none" w="med" len="med"/>
+                        </a:lnB>
+                        <a:lnTlToBr w="12700" cmpd="sng">
+                          <a:noFill/>
+                          <a:prstDash val="solid"/>
+                        </a:lnTlToBr>
+                        <a:lnBlToTr w="12700" cmpd="sng">
+                          <a:noFill/>
+                          <a:prstDash val="solid"/>
+                        </a:lnBlToTr>
+                        <a:solidFill>
+                          <a:schemeClr val="bg1"/>
+                        </a:solidFill>
+                      </a:tcPr>
+                    </a:tc>
+                    <a:tc>
+                      <a:txBody>
+                        <a:bodyPr/>
+                        <a:lstStyle/>
+                        <a:p>
+                          <a:pPr algn="ctr" latinLnBrk="1"/>
+                          <a14:m>
+                            <m:oMathPara xmlns:m="http://schemas.openxmlformats.org/officeDocument/2006/math">
+                              <m:oMathParaPr>
+                                <m:jc m:val="centerGroup"/>
+                              </m:oMathParaPr>
+                              <m:oMath xmlns:m="http://schemas.openxmlformats.org/officeDocument/2006/math">
+                                <m:sSub>
+                                  <m:sSubPr>
+                                    <m:ctrlPr>
+                                      <a:rPr lang="en-US" altLang="ko-KR" b="0" i="1" smtClean="0">
+                                        <a:solidFill>
+                                          <a:sysClr val="windowText" lastClr="000000"/>
+                                        </a:solidFill>
+                                        <a:latin typeface="Cambria Math"/>
+                                      </a:rPr>
+                                    </m:ctrlPr>
+                                  </m:sSubPr>
+                                  <m:e>
+                                    <m:r>
+                                      <a:rPr lang="en-US" altLang="ko-KR" b="0" i="1" smtClean="0">
+                                        <a:solidFill>
+                                          <a:sysClr val="windowText" lastClr="000000"/>
+                                        </a:solidFill>
+                                        <a:latin typeface="Cambria Math"/>
+                                      </a:rPr>
+                                      <m:t>𝑋</m:t>
+                                    </m:r>
+                                  </m:e>
+                                  <m:sub>
+                                    <m:r>
+                                      <a:rPr lang="en-US" altLang="ko-KR" b="0" i="1" smtClean="0">
+                                        <a:solidFill>
+                                          <a:sysClr val="windowText" lastClr="000000"/>
+                                        </a:solidFill>
+                                        <a:latin typeface="Cambria Math"/>
+                                      </a:rPr>
+                                      <m:t>22</m:t>
+                                    </m:r>
+                                  </m:sub>
+                                </m:sSub>
+                              </m:oMath>
+                            </m:oMathPara>
+                          </a14:m>
+                          <a:endParaRPr lang="ko-KR" altLang="en-US" dirty="0">
+                            <a:solidFill>
+                              <a:sysClr val="windowText" lastClr="000000"/>
+                            </a:solidFill>
+                          </a:endParaRPr>
+                        </a:p>
+                      </a:txBody>
+                      <a:tcPr anchor="ctr">
+                        <a:lnL w="12700" cap="flat" cmpd="sng" algn="ctr">
+                          <a:solidFill>
+                            <a:schemeClr val="tx1"/>
+                          </a:solidFill>
+                          <a:prstDash val="solid"/>
+                          <a:round/>
+                          <a:headEnd type="none" w="med" len="med"/>
+                          <a:tailEnd type="none" w="med" len="med"/>
+                        </a:lnL>
+                        <a:lnR w="12700" cap="flat" cmpd="sng" algn="ctr">
+                          <a:solidFill>
+                            <a:schemeClr val="tx1"/>
+                          </a:solidFill>
+                          <a:prstDash val="solid"/>
+                          <a:round/>
+                          <a:headEnd type="none" w="med" len="med"/>
+                          <a:tailEnd type="none" w="med" len="med"/>
+                        </a:lnR>
+                        <a:lnT w="12700" cap="flat" cmpd="sng" algn="ctr">
+                          <a:solidFill>
+                            <a:schemeClr val="tx1"/>
+                          </a:solidFill>
+                          <a:prstDash val="solid"/>
+                          <a:round/>
+                          <a:headEnd type="none" w="med" len="med"/>
+                          <a:tailEnd type="none" w="med" len="med"/>
+                        </a:lnT>
+                        <a:lnB w="12700" cap="flat" cmpd="sng" algn="ctr">
+                          <a:solidFill>
+                            <a:schemeClr val="tx1"/>
+                          </a:solidFill>
+                          <a:prstDash val="solid"/>
+                          <a:round/>
+                          <a:headEnd type="none" w="med" len="med"/>
+                          <a:tailEnd type="none" w="med" len="med"/>
+                        </a:lnB>
+                        <a:lnTlToBr w="12700" cmpd="sng">
+                          <a:noFill/>
+                          <a:prstDash val="solid"/>
+                        </a:lnTlToBr>
+                        <a:lnBlToTr w="12700" cmpd="sng">
+                          <a:noFill/>
+                          <a:prstDash val="solid"/>
+                        </a:lnBlToTr>
+                        <a:solidFill>
+                          <a:schemeClr val="bg1"/>
+                        </a:solidFill>
+                      </a:tcPr>
+                    </a:tc>
+                  </a:tr>
+                  <a:tr h="370840">
+                    <a:tc vMerge="1">
+                      <a:txBody>
+                        <a:bodyPr/>
+                        <a:lstStyle/>
+                        <a:p>
+                          <a:pPr algn="ctr" latinLnBrk="1"/>
+                          <a:endParaRPr lang="ko-KR" altLang="en-US" dirty="0">
+                            <a:solidFill>
+                              <a:sysClr val="windowText" lastClr="000000"/>
+                            </a:solidFill>
+                          </a:endParaRPr>
+                        </a:p>
+                      </a:txBody>
+                      <a:tcPr anchor="ctr">
+                        <a:lnL w="12700" cap="flat" cmpd="sng" algn="ctr">
+                          <a:solidFill>
+                            <a:schemeClr val="tx1"/>
+                          </a:solidFill>
+                          <a:prstDash val="solid"/>
+                          <a:round/>
+                          <a:headEnd type="none" w="med" len="med"/>
+                          <a:tailEnd type="none" w="med" len="med"/>
+                        </a:lnL>
+                        <a:lnR w="12700" cap="flat" cmpd="sng" algn="ctr">
+                          <a:solidFill>
+                            <a:schemeClr val="tx1"/>
+                          </a:solidFill>
+                          <a:prstDash val="solid"/>
+                          <a:round/>
+                          <a:headEnd type="none" w="med" len="med"/>
+                          <a:tailEnd type="none" w="med" len="med"/>
+                        </a:lnR>
+                        <a:lnT w="12700" cap="flat" cmpd="sng" algn="ctr">
+                          <a:solidFill>
+                            <a:schemeClr val="tx1"/>
+                          </a:solidFill>
+                          <a:prstDash val="solid"/>
+                          <a:round/>
+                          <a:headEnd type="none" w="med" len="med"/>
+                          <a:tailEnd type="none" w="med" len="med"/>
+                        </a:lnT>
+                        <a:lnB w="12700" cap="flat" cmpd="sng" algn="ctr">
+                          <a:solidFill>
+                            <a:schemeClr val="tx1"/>
+                          </a:solidFill>
+                          <a:prstDash val="solid"/>
+                          <a:round/>
+                          <a:headEnd type="none" w="med" len="med"/>
+                          <a:tailEnd type="none" w="med" len="med"/>
+                        </a:lnB>
+                        <a:lnTlToBr w="12700" cmpd="sng">
+                          <a:noFill/>
+                          <a:prstDash val="solid"/>
+                        </a:lnTlToBr>
+                        <a:lnBlToTr w="12700" cmpd="sng">
+                          <a:noFill/>
+                          <a:prstDash val="solid"/>
+                        </a:lnBlToTr>
+                        <a:solidFill>
+                          <a:schemeClr val="bg2"/>
+                        </a:solidFill>
+                      </a:tcPr>
+                    </a:tc>
+                    <a:tc>
+                      <a:txBody>
+                        <a:bodyPr/>
+                        <a:lstStyle/>
+                        <a:p>
+                          <a:pPr algn="ctr" latinLnBrk="1"/>
+                          <a14:m>
+                            <m:oMathPara xmlns:m="http://schemas.openxmlformats.org/officeDocument/2006/math">
+                              <m:oMathParaPr>
+                                <m:jc m:val="centerGroup"/>
+                              </m:oMathParaPr>
+                              <m:oMath xmlns:m="http://schemas.openxmlformats.org/officeDocument/2006/math">
+                                <m:sSub>
+                                  <m:sSubPr>
+                                    <m:ctrlPr>
+                                      <a:rPr lang="en-US" altLang="ko-KR" b="0" i="1" smtClean="0">
+                                        <a:solidFill>
+                                          <a:sysClr val="windowText" lastClr="000000"/>
+                                        </a:solidFill>
+                                        <a:latin typeface="Cambria Math"/>
+                                      </a:rPr>
+                                    </m:ctrlPr>
+                                  </m:sSubPr>
+                                  <m:e>
+                                    <m:r>
+                                      <a:rPr lang="en-US" altLang="ko-KR" b="0" i="1" smtClean="0">
+                                        <a:solidFill>
+                                          <a:sysClr val="windowText" lastClr="000000"/>
+                                        </a:solidFill>
+                                        <a:latin typeface="Cambria Math"/>
+                                      </a:rPr>
+                                      <m:t>𝑋</m:t>
+                                    </m:r>
+                                  </m:e>
+                                  <m:sub>
+                                    <m:r>
+                                      <a:rPr lang="en-US" altLang="ko-KR" b="0" i="1" smtClean="0">
+                                        <a:solidFill>
+                                          <a:sysClr val="windowText" lastClr="000000"/>
+                                        </a:solidFill>
+                                        <a:latin typeface="Cambria Math"/>
+                                      </a:rPr>
+                                      <m:t>13</m:t>
+                                    </m:r>
+                                  </m:sub>
+                                </m:sSub>
+                              </m:oMath>
+                            </m:oMathPara>
+                          </a14:m>
+                          <a:endParaRPr lang="ko-KR" altLang="en-US" dirty="0">
+                            <a:solidFill>
+                              <a:sysClr val="windowText" lastClr="000000"/>
+                            </a:solidFill>
+                          </a:endParaRPr>
+                        </a:p>
+                      </a:txBody>
+                      <a:tcPr anchor="ctr">
+                        <a:lnL w="12700" cap="flat" cmpd="sng" algn="ctr">
+                          <a:solidFill>
+                            <a:schemeClr val="tx1"/>
+                          </a:solidFill>
+                          <a:prstDash val="solid"/>
+                          <a:round/>
+                          <a:headEnd type="none" w="med" len="med"/>
+                          <a:tailEnd type="none" w="med" len="med"/>
+                        </a:lnL>
+                        <a:lnR w="12700" cap="flat" cmpd="sng" algn="ctr">
+                          <a:solidFill>
+                            <a:schemeClr val="tx1"/>
+                          </a:solidFill>
+                          <a:prstDash val="solid"/>
+                          <a:round/>
+                          <a:headEnd type="none" w="med" len="med"/>
+                          <a:tailEnd type="none" w="med" len="med"/>
+                        </a:lnR>
+                        <a:lnT w="12700" cap="flat" cmpd="sng" algn="ctr">
+                          <a:solidFill>
+                            <a:schemeClr val="tx1"/>
+                          </a:solidFill>
+                          <a:prstDash val="solid"/>
+                          <a:round/>
+                          <a:headEnd type="none" w="med" len="med"/>
+                          <a:tailEnd type="none" w="med" len="med"/>
+                        </a:lnT>
+                        <a:lnB w="12700" cap="flat" cmpd="sng" algn="ctr">
+                          <a:solidFill>
+                            <a:schemeClr val="tx1"/>
+                          </a:solidFill>
+                          <a:prstDash val="solid"/>
+                          <a:round/>
+                          <a:headEnd type="none" w="med" len="med"/>
+                          <a:tailEnd type="none" w="med" len="med"/>
+                        </a:lnB>
+                        <a:lnTlToBr w="12700" cmpd="sng">
+                          <a:noFill/>
+                          <a:prstDash val="solid"/>
+                        </a:lnTlToBr>
+                        <a:lnBlToTr w="12700" cmpd="sng">
+                          <a:noFill/>
+                          <a:prstDash val="solid"/>
+                        </a:lnBlToTr>
+                        <a:solidFill>
+                          <a:schemeClr val="bg1"/>
+                        </a:solidFill>
+                      </a:tcPr>
+                    </a:tc>
+                    <a:tc>
+                      <a:txBody>
+                        <a:bodyPr/>
+                        <a:lstStyle/>
+                        <a:p>
+                          <a:pPr algn="ctr" latinLnBrk="1"/>
+                          <a14:m>
+                            <m:oMathPara xmlns:m="http://schemas.openxmlformats.org/officeDocument/2006/math">
+                              <m:oMathParaPr>
+                                <m:jc m:val="centerGroup"/>
+                              </m:oMathParaPr>
+                              <m:oMath xmlns:m="http://schemas.openxmlformats.org/officeDocument/2006/math">
+                                <m:sSub>
+                                  <m:sSubPr>
+                                    <m:ctrlPr>
+                                      <a:rPr lang="en-US" altLang="ko-KR" b="0" i="1" smtClean="0">
+                                        <a:solidFill>
+                                          <a:sysClr val="windowText" lastClr="000000"/>
+                                        </a:solidFill>
+                                        <a:latin typeface="Cambria Math"/>
+                                      </a:rPr>
+                                    </m:ctrlPr>
+                                  </m:sSubPr>
+                                  <m:e>
+                                    <m:r>
+                                      <a:rPr lang="en-US" altLang="ko-KR" b="0" i="1" smtClean="0">
+                                        <a:solidFill>
+                                          <a:sysClr val="windowText" lastClr="000000"/>
+                                        </a:solidFill>
+                                        <a:latin typeface="Cambria Math"/>
+                                      </a:rPr>
+                                      <m:t>𝑋</m:t>
+                                    </m:r>
+                                  </m:e>
+                                  <m:sub>
+                                    <m:r>
+                                      <a:rPr lang="en-US" altLang="ko-KR" b="0" i="1" smtClean="0">
+                                        <a:solidFill>
+                                          <a:sysClr val="windowText" lastClr="000000"/>
+                                        </a:solidFill>
+                                        <a:latin typeface="Cambria Math"/>
+                                      </a:rPr>
+                                      <m:t>23</m:t>
+                                    </m:r>
+                                  </m:sub>
+                                </m:sSub>
+                              </m:oMath>
+                            </m:oMathPara>
+                          </a14:m>
+                          <a:endParaRPr lang="ko-KR" altLang="en-US" dirty="0">
+                            <a:solidFill>
+                              <a:sysClr val="windowText" lastClr="000000"/>
+                            </a:solidFill>
+                          </a:endParaRPr>
+                        </a:p>
+                      </a:txBody>
+                      <a:tcPr anchor="ctr">
+                        <a:lnL w="12700" cap="flat" cmpd="sng" algn="ctr">
+                          <a:solidFill>
+                            <a:schemeClr val="tx1"/>
+                          </a:solidFill>
+                          <a:prstDash val="solid"/>
+                          <a:round/>
+                          <a:headEnd type="none" w="med" len="med"/>
+                          <a:tailEnd type="none" w="med" len="med"/>
+                        </a:lnL>
+                        <a:lnR w="12700" cap="flat" cmpd="sng" algn="ctr">
+                          <a:solidFill>
+                            <a:schemeClr val="tx1"/>
+                          </a:solidFill>
+                          <a:prstDash val="solid"/>
+                          <a:round/>
+                          <a:headEnd type="none" w="med" len="med"/>
+                          <a:tailEnd type="none" w="med" len="med"/>
+                        </a:lnR>
+                        <a:lnT w="12700" cap="flat" cmpd="sng" algn="ctr">
+                          <a:solidFill>
+                            <a:schemeClr val="tx1"/>
+                          </a:solidFill>
+                          <a:prstDash val="solid"/>
+                          <a:round/>
+                          <a:headEnd type="none" w="med" len="med"/>
+                          <a:tailEnd type="none" w="med" len="med"/>
+                        </a:lnT>
+                        <a:lnB w="12700" cap="flat" cmpd="sng" algn="ctr">
+                          <a:solidFill>
+                            <a:schemeClr val="tx1"/>
+                          </a:solidFill>
+                          <a:prstDash val="solid"/>
+                          <a:round/>
+                          <a:headEnd type="none" w="med" len="med"/>
+                          <a:tailEnd type="none" w="med" len="med"/>
+                        </a:lnB>
+                        <a:lnTlToBr w="12700" cmpd="sng">
+                          <a:noFill/>
+                          <a:prstDash val="solid"/>
+                        </a:lnTlToBr>
+                        <a:lnBlToTr w="12700" cmpd="sng">
+                          <a:noFill/>
+                          <a:prstDash val="solid"/>
+                        </a:lnBlToTr>
+                        <a:solidFill>
+                          <a:schemeClr val="bg1"/>
+                        </a:solidFill>
+                      </a:tcPr>
+                    </a:tc>
+                  </a:tr>
+                  <a:tr h="370840">
+                    <a:tc vMerge="1">
+                      <a:txBody>
+                        <a:bodyPr/>
+                        <a:lstStyle/>
+                        <a:p>
+                          <a:pPr algn="ctr" latinLnBrk="1"/>
+                          <a:endParaRPr lang="ko-KR" altLang="en-US" dirty="0">
+                            <a:solidFill>
+                              <a:sysClr val="windowText" lastClr="000000"/>
+                            </a:solidFill>
+                          </a:endParaRPr>
+                        </a:p>
+                      </a:txBody>
+                      <a:tcPr anchor="ctr">
+                        <a:lnL w="12700" cap="flat" cmpd="sng" algn="ctr">
+                          <a:solidFill>
+                            <a:schemeClr val="tx1"/>
+                          </a:solidFill>
+                          <a:prstDash val="solid"/>
+                          <a:round/>
+                          <a:headEnd type="none" w="med" len="med"/>
+                          <a:tailEnd type="none" w="med" len="med"/>
+                        </a:lnL>
+                        <a:lnR w="12700" cap="flat" cmpd="sng" algn="ctr">
+                          <a:solidFill>
+                            <a:schemeClr val="tx1"/>
+                          </a:solidFill>
+                          <a:prstDash val="solid"/>
+                          <a:round/>
+                          <a:headEnd type="none" w="med" len="med"/>
+                          <a:tailEnd type="none" w="med" len="med"/>
+                        </a:lnR>
+                        <a:lnT w="12700" cap="flat" cmpd="sng" algn="ctr">
+                          <a:solidFill>
+                            <a:schemeClr val="tx1"/>
+                          </a:solidFill>
+                          <a:prstDash val="solid"/>
+                          <a:round/>
+                          <a:headEnd type="none" w="med" len="med"/>
+                          <a:tailEnd type="none" w="med" len="med"/>
+                        </a:lnT>
+                        <a:lnB w="12700" cap="flat" cmpd="sng" algn="ctr">
+                          <a:solidFill>
+                            <a:schemeClr val="tx1"/>
+                          </a:solidFill>
+                          <a:prstDash val="solid"/>
+                          <a:round/>
+                          <a:headEnd type="none" w="med" len="med"/>
+                          <a:tailEnd type="none" w="med" len="med"/>
+                        </a:lnB>
+                        <a:lnTlToBr w="12700" cmpd="sng">
+                          <a:noFill/>
+                          <a:prstDash val="solid"/>
+                        </a:lnTlToBr>
+                        <a:lnBlToTr w="12700" cmpd="sng">
+                          <a:noFill/>
+                          <a:prstDash val="solid"/>
+                        </a:lnBlToTr>
+                        <a:solidFill>
+                          <a:schemeClr val="bg2"/>
+                        </a:solidFill>
+                      </a:tcPr>
+                    </a:tc>
+                    <a:tc>
+                      <a:txBody>
+                        <a:bodyPr/>
+                        <a:lstStyle/>
+                        <a:p>
+                          <a:pPr algn="ctr" latinLnBrk="1"/>
+                          <a14:m>
+                            <m:oMathPara xmlns:m="http://schemas.openxmlformats.org/officeDocument/2006/math">
+                              <m:oMathParaPr>
+                                <m:jc m:val="centerGroup"/>
+                              </m:oMathParaPr>
+                              <m:oMath xmlns:m="http://schemas.openxmlformats.org/officeDocument/2006/math">
+                                <m:sSub>
+                                  <m:sSubPr>
+                                    <m:ctrlPr>
+                                      <a:rPr lang="en-US" altLang="ko-KR" b="0" i="1" smtClean="0">
+                                        <a:solidFill>
+                                          <a:sysClr val="windowText" lastClr="000000"/>
+                                        </a:solidFill>
+                                        <a:latin typeface="Cambria Math"/>
+                                      </a:rPr>
+                                    </m:ctrlPr>
+                                  </m:sSubPr>
+                                  <m:e>
+                                    <m:r>
+                                      <a:rPr lang="en-US" altLang="ko-KR" b="0" i="1" smtClean="0">
+                                        <a:solidFill>
+                                          <a:sysClr val="windowText" lastClr="000000"/>
+                                        </a:solidFill>
+                                        <a:latin typeface="Cambria Math"/>
+                                      </a:rPr>
+                                      <m:t>𝑋</m:t>
+                                    </m:r>
+                                  </m:e>
+                                  <m:sub>
+                                    <m:r>
+                                      <a:rPr lang="en-US" altLang="ko-KR" b="0" i="1" smtClean="0">
+                                        <a:solidFill>
+                                          <a:sysClr val="windowText" lastClr="000000"/>
+                                        </a:solidFill>
+                                        <a:latin typeface="Cambria Math"/>
+                                      </a:rPr>
+                                      <m:t>14</m:t>
+                                    </m:r>
+                                  </m:sub>
+                                </m:sSub>
+                              </m:oMath>
+                            </m:oMathPara>
+                          </a14:m>
+                          <a:endParaRPr lang="ko-KR" altLang="en-US" dirty="0">
+                            <a:solidFill>
+                              <a:sysClr val="windowText" lastClr="000000"/>
+                            </a:solidFill>
+                          </a:endParaRPr>
+                        </a:p>
+                      </a:txBody>
+                      <a:tcPr anchor="ctr">
+                        <a:lnL w="12700" cap="flat" cmpd="sng" algn="ctr">
+                          <a:solidFill>
+                            <a:schemeClr val="tx1"/>
+                          </a:solidFill>
+                          <a:prstDash val="solid"/>
+                          <a:round/>
+                          <a:headEnd type="none" w="med" len="med"/>
+                          <a:tailEnd type="none" w="med" len="med"/>
+                        </a:lnL>
+                        <a:lnR w="12700" cap="flat" cmpd="sng" algn="ctr">
+                          <a:solidFill>
+                            <a:schemeClr val="tx1"/>
+                          </a:solidFill>
+                          <a:prstDash val="solid"/>
+                          <a:round/>
+                          <a:headEnd type="none" w="med" len="med"/>
+                          <a:tailEnd type="none" w="med" len="med"/>
+                        </a:lnR>
+                        <a:lnT w="12700" cap="flat" cmpd="sng" algn="ctr">
+                          <a:solidFill>
+                            <a:schemeClr val="tx1"/>
+                          </a:solidFill>
+                          <a:prstDash val="solid"/>
+                          <a:round/>
+                          <a:headEnd type="none" w="med" len="med"/>
+                          <a:tailEnd type="none" w="med" len="med"/>
+                        </a:lnT>
+                        <a:lnB w="12700" cap="flat" cmpd="sng" algn="ctr">
+                          <a:solidFill>
+                            <a:schemeClr val="tx1"/>
+                          </a:solidFill>
+                          <a:prstDash val="solid"/>
+                          <a:round/>
+                          <a:headEnd type="none" w="med" len="med"/>
+                          <a:tailEnd type="none" w="med" len="med"/>
+                        </a:lnB>
+                        <a:lnTlToBr w="12700" cmpd="sng">
+                          <a:noFill/>
+                          <a:prstDash val="solid"/>
+                        </a:lnTlToBr>
+                        <a:lnBlToTr w="12700" cmpd="sng">
+                          <a:noFill/>
+                          <a:prstDash val="solid"/>
+                        </a:lnBlToTr>
+                        <a:solidFill>
+                          <a:schemeClr val="bg1"/>
+                        </a:solidFill>
+                      </a:tcPr>
+                    </a:tc>
+                    <a:tc>
+                      <a:txBody>
+                        <a:bodyPr/>
+                        <a:lstStyle/>
+                        <a:p>
+                          <a:pPr algn="ctr" latinLnBrk="1"/>
+                          <a14:m>
+                            <m:oMathPara xmlns:m="http://schemas.openxmlformats.org/officeDocument/2006/math">
+                              <m:oMathParaPr>
+                                <m:jc m:val="centerGroup"/>
+                              </m:oMathParaPr>
+                              <m:oMath xmlns:m="http://schemas.openxmlformats.org/officeDocument/2006/math">
+                                <m:sSub>
+                                  <m:sSubPr>
+                                    <m:ctrlPr>
+                                      <a:rPr lang="en-US" altLang="ko-KR" b="0" i="1" smtClean="0">
+                                        <a:solidFill>
+                                          <a:sysClr val="windowText" lastClr="000000"/>
+                                        </a:solidFill>
+                                        <a:latin typeface="Cambria Math"/>
+                                      </a:rPr>
+                                    </m:ctrlPr>
+                                  </m:sSubPr>
+                                  <m:e>
+                                    <m:r>
+                                      <a:rPr lang="en-US" altLang="ko-KR" b="0" i="1" smtClean="0">
+                                        <a:solidFill>
+                                          <a:sysClr val="windowText" lastClr="000000"/>
+                                        </a:solidFill>
+                                        <a:latin typeface="Cambria Math"/>
+                                      </a:rPr>
+                                      <m:t>𝑋</m:t>
+                                    </m:r>
+                                  </m:e>
+                                  <m:sub>
+                                    <m:r>
+                                      <a:rPr lang="en-US" altLang="ko-KR" b="0" i="1" smtClean="0">
+                                        <a:solidFill>
+                                          <a:sysClr val="windowText" lastClr="000000"/>
+                                        </a:solidFill>
+                                        <a:latin typeface="Cambria Math"/>
+                                      </a:rPr>
+                                      <m:t>24</m:t>
+                                    </m:r>
+                                  </m:sub>
+                                </m:sSub>
+                              </m:oMath>
+                            </m:oMathPara>
+                          </a14:m>
+                          <a:endParaRPr lang="ko-KR" altLang="en-US" dirty="0">
+                            <a:solidFill>
+                              <a:sysClr val="windowText" lastClr="000000"/>
+                            </a:solidFill>
+                          </a:endParaRPr>
+                        </a:p>
+                      </a:txBody>
+                      <a:tcPr anchor="ctr">
+                        <a:lnL w="12700" cap="flat" cmpd="sng" algn="ctr">
+                          <a:solidFill>
+                            <a:schemeClr val="tx1"/>
+                          </a:solidFill>
+                          <a:prstDash val="solid"/>
+                          <a:round/>
+                          <a:headEnd type="none" w="med" len="med"/>
+                          <a:tailEnd type="none" w="med" len="med"/>
+                        </a:lnL>
+                        <a:lnR w="12700" cap="flat" cmpd="sng" algn="ctr">
+                          <a:solidFill>
+                            <a:schemeClr val="tx1"/>
+                          </a:solidFill>
+                          <a:prstDash val="solid"/>
+                          <a:round/>
+                          <a:headEnd type="none" w="med" len="med"/>
+                          <a:tailEnd type="none" w="med" len="med"/>
+                        </a:lnR>
+                        <a:lnT w="12700" cap="flat" cmpd="sng" algn="ctr">
+                          <a:solidFill>
+                            <a:schemeClr val="tx1"/>
+                          </a:solidFill>
+                          <a:prstDash val="solid"/>
+                          <a:round/>
+                          <a:headEnd type="none" w="med" len="med"/>
+                          <a:tailEnd type="none" w="med" len="med"/>
+                        </a:lnT>
+                        <a:lnB w="12700" cap="flat" cmpd="sng" algn="ctr">
+                          <a:solidFill>
+                            <a:schemeClr val="tx1"/>
+                          </a:solidFill>
+                          <a:prstDash val="solid"/>
+                          <a:round/>
+                          <a:headEnd type="none" w="med" len="med"/>
+                          <a:tailEnd type="none" w="med" len="med"/>
+                        </a:lnB>
+                        <a:lnTlToBr w="12700" cmpd="sng">
+                          <a:noFill/>
+                          <a:prstDash val="solid"/>
+                        </a:lnTlToBr>
+                        <a:lnBlToTr w="12700" cmpd="sng">
+                          <a:noFill/>
+                          <a:prstDash val="solid"/>
+                        </a:lnBlToTr>
+                        <a:solidFill>
+                          <a:schemeClr val="bg1"/>
+                        </a:solidFill>
+                      </a:tcPr>
+                    </a:tc>
+                  </a:tr>
+                  <a:tr h="370840">
+                    <a:tc vMerge="1">
+                      <a:txBody>
+                        <a:bodyPr/>
+                        <a:lstStyle/>
+                        <a:p>
+                          <a:pPr algn="ctr" latinLnBrk="1"/>
+                          <a:endParaRPr lang="en-US" altLang="ko-KR" dirty="0" smtClean="0">
+                            <a:solidFill>
+                              <a:sysClr val="windowText" lastClr="000000"/>
+                            </a:solidFill>
+                          </a:endParaRPr>
+                        </a:p>
+                      </a:txBody>
+                      <a:tcPr anchor="ctr">
+                        <a:lnL w="12700" cap="flat" cmpd="sng" algn="ctr">
+                          <a:solidFill>
+                            <a:schemeClr val="tx1"/>
+                          </a:solidFill>
+                          <a:prstDash val="solid"/>
+                          <a:round/>
+                          <a:headEnd type="none" w="med" len="med"/>
+                          <a:tailEnd type="none" w="med" len="med"/>
+                        </a:lnL>
+                        <a:lnR w="12700" cap="flat" cmpd="sng" algn="ctr">
+                          <a:solidFill>
+                            <a:schemeClr val="tx1"/>
+                          </a:solidFill>
+                          <a:prstDash val="solid"/>
+                          <a:round/>
+                          <a:headEnd type="none" w="med" len="med"/>
+                          <a:tailEnd type="none" w="med" len="med"/>
+                        </a:lnR>
+                        <a:lnT w="12700" cap="flat" cmpd="sng" algn="ctr">
+                          <a:solidFill>
+                            <a:schemeClr val="tx1"/>
+                          </a:solidFill>
+                          <a:prstDash val="solid"/>
+                          <a:round/>
+                          <a:headEnd type="none" w="med" len="med"/>
+                          <a:tailEnd type="none" w="med" len="med"/>
+                        </a:lnT>
+                        <a:lnB w="12700" cap="flat" cmpd="sng" algn="ctr">
+                          <a:solidFill>
+                            <a:schemeClr val="tx1"/>
+                          </a:solidFill>
+                          <a:prstDash val="solid"/>
+                          <a:round/>
+                          <a:headEnd type="none" w="med" len="med"/>
+                          <a:tailEnd type="none" w="med" len="med"/>
+                        </a:lnB>
+                        <a:lnTlToBr w="12700" cmpd="sng">
+                          <a:noFill/>
+                          <a:prstDash val="solid"/>
+                        </a:lnTlToBr>
+                        <a:lnBlToTr w="12700" cmpd="sng">
+                          <a:noFill/>
+                          <a:prstDash val="solid"/>
+                        </a:lnBlToTr>
+                        <a:solidFill>
+                          <a:schemeClr val="bg2"/>
+                        </a:solidFill>
+                      </a:tcPr>
+                    </a:tc>
+                    <a:tc>
+                      <a:txBody>
+                        <a:bodyPr/>
+                        <a:lstStyle/>
+                        <a:p>
+                          <a:pPr algn="ctr" latinLnBrk="1"/>
+                          <a14:m>
+                            <m:oMathPara xmlns:m="http://schemas.openxmlformats.org/officeDocument/2006/math">
+                              <m:oMathParaPr>
+                                <m:jc m:val="centerGroup"/>
+                              </m:oMathParaPr>
+                              <m:oMath xmlns:m="http://schemas.openxmlformats.org/officeDocument/2006/math">
+                                <m:r>
+                                  <a:rPr lang="en-US" altLang="ko-KR" b="0" i="1" smtClean="0">
+                                    <a:solidFill>
+                                      <a:sysClr val="windowText" lastClr="000000"/>
+                                    </a:solidFill>
+                                    <a:latin typeface="Cambria Math"/>
+                                  </a:rPr>
+                                  <m:t>⋮</m:t>
+                                </m:r>
+                              </m:oMath>
+                            </m:oMathPara>
+                          </a14:m>
+                          <a:endParaRPr lang="ko-KR" altLang="en-US" dirty="0">
+                            <a:solidFill>
+                              <a:sysClr val="windowText" lastClr="000000"/>
+                            </a:solidFill>
+                          </a:endParaRPr>
+                        </a:p>
+                      </a:txBody>
+                      <a:tcPr anchor="ctr">
+                        <a:lnL w="12700" cap="flat" cmpd="sng" algn="ctr">
+                          <a:solidFill>
+                            <a:schemeClr val="tx1"/>
+                          </a:solidFill>
+                          <a:prstDash val="solid"/>
+                          <a:round/>
+                          <a:headEnd type="none" w="med" len="med"/>
+                          <a:tailEnd type="none" w="med" len="med"/>
+                        </a:lnL>
+                        <a:lnR w="12700" cap="flat" cmpd="sng" algn="ctr">
+                          <a:solidFill>
+                            <a:schemeClr val="tx1"/>
+                          </a:solidFill>
+                          <a:prstDash val="solid"/>
+                          <a:round/>
+                          <a:headEnd type="none" w="med" len="med"/>
+                          <a:tailEnd type="none" w="med" len="med"/>
+                        </a:lnR>
+                        <a:lnT w="12700" cap="flat" cmpd="sng" algn="ctr">
+                          <a:solidFill>
+                            <a:schemeClr val="tx1"/>
+                          </a:solidFill>
+                          <a:prstDash val="solid"/>
+                          <a:round/>
+                          <a:headEnd type="none" w="med" len="med"/>
+                          <a:tailEnd type="none" w="med" len="med"/>
+                        </a:lnT>
+                        <a:lnB w="12700" cap="flat" cmpd="sng" algn="ctr">
+                          <a:solidFill>
+                            <a:schemeClr val="tx1"/>
+                          </a:solidFill>
+                          <a:prstDash val="solid"/>
+                          <a:round/>
+                          <a:headEnd type="none" w="med" len="med"/>
+                          <a:tailEnd type="none" w="med" len="med"/>
+                        </a:lnB>
+                        <a:lnTlToBr w="12700" cmpd="sng">
+                          <a:noFill/>
+                          <a:prstDash val="solid"/>
+                        </a:lnTlToBr>
+                        <a:lnBlToTr w="12700" cmpd="sng">
+                          <a:noFill/>
+                          <a:prstDash val="solid"/>
+                        </a:lnBlToTr>
+                        <a:solidFill>
+                          <a:schemeClr val="bg1"/>
+                        </a:solidFill>
+                      </a:tcPr>
+                    </a:tc>
+                    <a:tc>
+                      <a:txBody>
+                        <a:bodyPr/>
+                        <a:lstStyle/>
+                        <a:p>
+                          <a:pPr algn="ctr" latinLnBrk="1"/>
+                          <a14:m>
+                            <m:oMathPara xmlns:m="http://schemas.openxmlformats.org/officeDocument/2006/math">
+                              <m:oMathParaPr>
+                                <m:jc m:val="centerGroup"/>
+                              </m:oMathParaPr>
+                              <m:oMath xmlns:m="http://schemas.openxmlformats.org/officeDocument/2006/math">
+                                <m:r>
+                                  <a:rPr lang="en-US" altLang="ko-KR" b="0" i="1" smtClean="0">
+                                    <a:solidFill>
+                                      <a:sysClr val="windowText" lastClr="000000"/>
+                                    </a:solidFill>
+                                    <a:latin typeface="Cambria Math"/>
+                                  </a:rPr>
+                                  <m:t>⋮</m:t>
+                                </m:r>
+                              </m:oMath>
+                            </m:oMathPara>
+                          </a14:m>
+                          <a:endParaRPr lang="ko-KR" altLang="en-US" dirty="0">
+                            <a:solidFill>
+                              <a:sysClr val="windowText" lastClr="000000"/>
+                            </a:solidFill>
+                          </a:endParaRPr>
+                        </a:p>
+                      </a:txBody>
+                      <a:tcPr anchor="ctr">
+                        <a:lnL w="12700" cap="flat" cmpd="sng" algn="ctr">
+                          <a:solidFill>
+                            <a:schemeClr val="tx1"/>
+                          </a:solidFill>
+                          <a:prstDash val="solid"/>
+                          <a:round/>
+                          <a:headEnd type="none" w="med" len="med"/>
+                          <a:tailEnd type="none" w="med" len="med"/>
+                        </a:lnL>
+                        <a:lnR w="12700" cap="flat" cmpd="sng" algn="ctr">
+                          <a:solidFill>
+                            <a:schemeClr val="tx1"/>
+                          </a:solidFill>
+                          <a:prstDash val="solid"/>
+                          <a:round/>
+                          <a:headEnd type="none" w="med" len="med"/>
+                          <a:tailEnd type="none" w="med" len="med"/>
+                        </a:lnR>
+                        <a:lnT w="12700" cap="flat" cmpd="sng" algn="ctr">
+                          <a:solidFill>
+                            <a:schemeClr val="tx1"/>
+                          </a:solidFill>
+                          <a:prstDash val="solid"/>
+                          <a:round/>
+                          <a:headEnd type="none" w="med" len="med"/>
+                          <a:tailEnd type="none" w="med" len="med"/>
+                        </a:lnT>
+                        <a:lnB w="12700" cap="flat" cmpd="sng" algn="ctr">
+                          <a:solidFill>
+                            <a:schemeClr val="tx1"/>
+                          </a:solidFill>
+                          <a:prstDash val="solid"/>
+                          <a:round/>
+                          <a:headEnd type="none" w="med" len="med"/>
+                          <a:tailEnd type="none" w="med" len="med"/>
+                        </a:lnB>
+                        <a:lnTlToBr w="12700" cmpd="sng">
+                          <a:noFill/>
+                          <a:prstDash val="solid"/>
+                        </a:lnTlToBr>
+                        <a:lnBlToTr w="12700" cmpd="sng">
+                          <a:noFill/>
+                          <a:prstDash val="solid"/>
+                        </a:lnBlToTr>
+                        <a:solidFill>
+                          <a:schemeClr val="bg1"/>
+                        </a:solidFill>
+                      </a:tcPr>
+                    </a:tc>
+                  </a:tr>
+                </a:tbl>
+              </a:graphicData>
+            </a:graphic>
+          </p:graphicFrame>
+        </mc:Choice>
+        <mc:Fallback>
+          <p:graphicFrame>
+            <p:nvGraphicFramePr>
+              <p:cNvPr id="4" name="표 3"/>
+              <p:cNvGraphicFramePr>
+                <a:graphicFrameLocks noGrp="1"/>
+              </p:cNvGraphicFramePr>
+              <p:nvPr>
+                <p:extLst>
+                  <p:ext uri="{D42A27DB-BD31-4B8C-83A1-F6EECF244321}">
+                    <p14:modId xmlns:p14="http://schemas.microsoft.com/office/powerpoint/2010/main" val="591089058"/>
+                  </p:ext>
+                </p:extLst>
+              </p:nvPr>
+            </p:nvGraphicFramePr>
+            <p:xfrm>
+              <a:off x="2121656" y="860774"/>
+              <a:ext cx="4900689" cy="2225040"/>
+            </p:xfrm>
+            <a:graphic>
+              <a:graphicData uri="http://schemas.openxmlformats.org/drawingml/2006/table">
+                <a:tbl>
+                  <a:tblPr firstRow="1" bandRow="1">
+                    <a:tableStyleId>{5C22544A-7EE6-4342-B048-85BDC9FD1C3A}</a:tableStyleId>
+                  </a:tblPr>
+                  <a:tblGrid>
+                    <a:gridCol w="1733905"/>
+                    <a:gridCol w="1583392"/>
+                    <a:gridCol w="1583392"/>
+                  </a:tblGrid>
+                  <a:tr h="370840">
+                    <a:tc rowSpan="6">
+                      <a:txBody>
+                        <a:bodyPr/>
+                        <a:lstStyle/>
+                        <a:p>
+                          <a:pPr algn="ctr" latinLnBrk="1"/>
+                          <a:r>
+                            <a:rPr lang="ko-KR" altLang="en-US" dirty="0" smtClean="0">
+                              <a:solidFill>
+                                <a:sysClr val="windowText" lastClr="000000"/>
+                              </a:solidFill>
+                            </a:rPr>
+                            <a:t>피험자 수</a:t>
+                          </a:r>
+                          <a:r>
+                            <a:rPr lang="en-US" altLang="ko-KR" dirty="0" smtClean="0">
+                              <a:solidFill>
+                                <a:sysClr val="windowText" lastClr="000000"/>
+                              </a:solidFill>
+                            </a:rPr>
+                            <a:t>:</a:t>
+                          </a:r>
+                          <a:r>
+                            <a:rPr lang="en-US" altLang="ko-KR" baseline="0" dirty="0" smtClean="0">
+                              <a:solidFill>
+                                <a:sysClr val="windowText" lastClr="000000"/>
+                              </a:solidFill>
+                            </a:rPr>
+                            <a:t> </a:t>
+                          </a:r>
+                          <a:r>
+                            <a:rPr lang="en-US" altLang="ko-KR" baseline="0" dirty="0" smtClean="0">
+                              <a:solidFill>
+                                <a:sysClr val="windowText" lastClr="000000"/>
+                              </a:solidFill>
+                            </a:rPr>
+                            <a:t>n</a:t>
+                          </a:r>
+                          <a:endParaRPr lang="en-US" altLang="ko-KR" dirty="0" smtClean="0">
+                            <a:solidFill>
+                              <a:sysClr val="windowText" lastClr="000000"/>
+                            </a:solidFill>
+                          </a:endParaRPr>
+                        </a:p>
+                      </a:txBody>
+                      <a:tcPr anchor="ctr">
+                        <a:lnL w="12700" cap="flat" cmpd="sng" algn="ctr">
+                          <a:solidFill>
+                            <a:schemeClr val="tx1"/>
+                          </a:solidFill>
+                          <a:prstDash val="solid"/>
+                          <a:round/>
+                          <a:headEnd type="none" w="med" len="med"/>
+                          <a:tailEnd type="none" w="med" len="med"/>
+                        </a:lnL>
+                        <a:lnR w="12700" cap="flat" cmpd="sng" algn="ctr">
+                          <a:solidFill>
+                            <a:schemeClr val="tx1"/>
+                          </a:solidFill>
+                          <a:prstDash val="solid"/>
+                          <a:round/>
+                          <a:headEnd type="none" w="med" len="med"/>
+                          <a:tailEnd type="none" w="med" len="med"/>
+                        </a:lnR>
+                        <a:lnT w="12700" cap="flat" cmpd="sng" algn="ctr">
+                          <a:solidFill>
+                            <a:schemeClr val="tx1"/>
+                          </a:solidFill>
+                          <a:prstDash val="solid"/>
+                          <a:round/>
+                          <a:headEnd type="none" w="med" len="med"/>
+                          <a:tailEnd type="none" w="med" len="med"/>
+                        </a:lnT>
+                        <a:lnB w="12700" cap="flat" cmpd="sng" algn="ctr">
+                          <a:solidFill>
+                            <a:schemeClr val="tx1"/>
+                          </a:solidFill>
+                          <a:prstDash val="solid"/>
+                          <a:round/>
+                          <a:headEnd type="none" w="med" len="med"/>
+                          <a:tailEnd type="none" w="med" len="med"/>
+                        </a:lnB>
+                        <a:lnTlToBr w="12700" cmpd="sng">
+                          <a:noFill/>
+                          <a:prstDash val="solid"/>
+                        </a:lnTlToBr>
+                        <a:lnBlToTr w="12700" cmpd="sng">
+                          <a:noFill/>
+                          <a:prstDash val="solid"/>
+                        </a:lnBlToTr>
+                        <a:solidFill>
+                          <a:schemeClr val="bg2"/>
+                        </a:solidFill>
+                      </a:tcPr>
+                    </a:tc>
+                    <a:tc>
+                      <a:txBody>
+                        <a:bodyPr/>
+                        <a:lstStyle/>
+                        <a:p>
+                          <a:pPr algn="ctr" latinLnBrk="1"/>
+                          <a:r>
+                            <a:rPr lang="en-US" altLang="ko-KR" dirty="0" smtClean="0">
+                              <a:solidFill>
+                                <a:sysClr val="windowText" lastClr="000000"/>
+                              </a:solidFill>
+                            </a:rPr>
+                            <a:t>Before</a:t>
+                          </a:r>
+                          <a:endParaRPr lang="ko-KR" altLang="en-US" dirty="0">
+                            <a:solidFill>
+                              <a:sysClr val="windowText" lastClr="000000"/>
+                            </a:solidFill>
+                          </a:endParaRPr>
+                        </a:p>
+                      </a:txBody>
+                      <a:tcPr anchor="ctr">
+                        <a:lnL w="12700" cap="flat" cmpd="sng" algn="ctr">
+                          <a:solidFill>
+                            <a:schemeClr val="tx1"/>
+                          </a:solidFill>
+                          <a:prstDash val="solid"/>
+                          <a:round/>
+                          <a:headEnd type="none" w="med" len="med"/>
+                          <a:tailEnd type="none" w="med" len="med"/>
+                        </a:lnL>
+                        <a:lnR w="12700" cap="flat" cmpd="sng" algn="ctr">
+                          <a:solidFill>
+                            <a:schemeClr val="tx1"/>
+                          </a:solidFill>
+                          <a:prstDash val="solid"/>
+                          <a:round/>
+                          <a:headEnd type="none" w="med" len="med"/>
+                          <a:tailEnd type="none" w="med" len="med"/>
+                        </a:lnR>
+                        <a:lnT w="12700" cap="flat" cmpd="sng" algn="ctr">
+                          <a:solidFill>
+                            <a:schemeClr val="tx1"/>
+                          </a:solidFill>
+                          <a:prstDash val="solid"/>
+                          <a:round/>
+                          <a:headEnd type="none" w="med" len="med"/>
+                          <a:tailEnd type="none" w="med" len="med"/>
+                        </a:lnT>
+                        <a:lnB w="12700" cap="flat" cmpd="sng" algn="ctr">
+                          <a:solidFill>
+                            <a:schemeClr val="tx1"/>
+                          </a:solidFill>
+                          <a:prstDash val="solid"/>
+                          <a:round/>
+                          <a:headEnd type="none" w="med" len="med"/>
+                          <a:tailEnd type="none" w="med" len="med"/>
+                        </a:lnB>
+                        <a:lnTlToBr w="12700" cmpd="sng">
+                          <a:noFill/>
+                          <a:prstDash val="solid"/>
+                        </a:lnTlToBr>
+                        <a:lnBlToTr w="12700" cmpd="sng">
+                          <a:noFill/>
+                          <a:prstDash val="solid"/>
+                        </a:lnBlToTr>
+                        <a:solidFill>
+                          <a:schemeClr val="bg2"/>
+                        </a:solidFill>
+                      </a:tcPr>
+                    </a:tc>
+                    <a:tc>
+                      <a:txBody>
+                        <a:bodyPr/>
+                        <a:lstStyle/>
+                        <a:p>
+                          <a:pPr algn="ctr" latinLnBrk="1"/>
+                          <a:r>
+                            <a:rPr lang="en-US" altLang="ko-KR" dirty="0" smtClean="0">
+                              <a:solidFill>
+                                <a:sysClr val="windowText" lastClr="000000"/>
+                              </a:solidFill>
+                            </a:rPr>
+                            <a:t>After</a:t>
+                          </a:r>
+                          <a:endParaRPr lang="ko-KR" altLang="en-US" dirty="0">
+                            <a:solidFill>
+                              <a:sysClr val="windowText" lastClr="000000"/>
+                            </a:solidFill>
+                          </a:endParaRPr>
+                        </a:p>
+                      </a:txBody>
+                      <a:tcPr anchor="ctr">
+                        <a:lnL w="12700" cap="flat" cmpd="sng" algn="ctr">
+                          <a:solidFill>
+                            <a:schemeClr val="tx1"/>
+                          </a:solidFill>
+                          <a:prstDash val="solid"/>
+                          <a:round/>
+                          <a:headEnd type="none" w="med" len="med"/>
+                          <a:tailEnd type="none" w="med" len="med"/>
+                        </a:lnL>
+                        <a:lnR w="12700" cap="flat" cmpd="sng" algn="ctr">
+                          <a:solidFill>
+                            <a:schemeClr val="tx1"/>
+                          </a:solidFill>
+                          <a:prstDash val="solid"/>
+                          <a:round/>
+                          <a:headEnd type="none" w="med" len="med"/>
+                          <a:tailEnd type="none" w="med" len="med"/>
+                        </a:lnR>
+                        <a:lnT w="12700" cap="flat" cmpd="sng" algn="ctr">
+                          <a:solidFill>
+                            <a:schemeClr val="tx1"/>
+                          </a:solidFill>
+                          <a:prstDash val="solid"/>
+                          <a:round/>
+                          <a:headEnd type="none" w="med" len="med"/>
+                          <a:tailEnd type="none" w="med" len="med"/>
+                        </a:lnT>
+                        <a:lnB w="12700" cap="flat" cmpd="sng" algn="ctr">
+                          <a:solidFill>
+                            <a:schemeClr val="tx1"/>
+                          </a:solidFill>
+                          <a:prstDash val="solid"/>
+                          <a:round/>
+                          <a:headEnd type="none" w="med" len="med"/>
+                          <a:tailEnd type="none" w="med" len="med"/>
+                        </a:lnB>
+                        <a:lnTlToBr w="12700" cmpd="sng">
+                          <a:noFill/>
+                          <a:prstDash val="solid"/>
+                        </a:lnTlToBr>
+                        <a:lnBlToTr w="12700" cmpd="sng">
+                          <a:noFill/>
+                          <a:prstDash val="solid"/>
+                        </a:lnBlToTr>
+                        <a:solidFill>
+                          <a:schemeClr val="bg2"/>
+                        </a:solidFill>
+                      </a:tcPr>
+                    </a:tc>
+                  </a:tr>
+                  <a:tr h="370840">
+                    <a:tc vMerge="1">
+                      <a:txBody>
+                        <a:bodyPr/>
+                        <a:lstStyle/>
+                        <a:p>
+                          <a:pPr algn="ctr" latinLnBrk="1"/>
+                          <a:endParaRPr lang="ko-KR" altLang="en-US" dirty="0">
+                            <a:solidFill>
+                              <a:sysClr val="windowText" lastClr="000000"/>
+                            </a:solidFill>
+                          </a:endParaRPr>
+                        </a:p>
+                      </a:txBody>
+                      <a:tcPr anchor="ctr">
+                        <a:lnL w="12700" cap="flat" cmpd="sng" algn="ctr">
+                          <a:solidFill>
+                            <a:schemeClr val="tx1"/>
+                          </a:solidFill>
+                          <a:prstDash val="solid"/>
+                          <a:round/>
+                          <a:headEnd type="none" w="med" len="med"/>
+                          <a:tailEnd type="none" w="med" len="med"/>
+                        </a:lnL>
+                        <a:lnR w="12700" cap="flat" cmpd="sng" algn="ctr">
+                          <a:solidFill>
+                            <a:schemeClr val="tx1"/>
+                          </a:solidFill>
+                          <a:prstDash val="solid"/>
+                          <a:round/>
+                          <a:headEnd type="none" w="med" len="med"/>
+                          <a:tailEnd type="none" w="med" len="med"/>
+                        </a:lnR>
+                        <a:lnT w="12700" cap="flat" cmpd="sng" algn="ctr">
+                          <a:solidFill>
+                            <a:schemeClr val="tx1"/>
+                          </a:solidFill>
+                          <a:prstDash val="solid"/>
+                          <a:round/>
+                          <a:headEnd type="none" w="med" len="med"/>
+                          <a:tailEnd type="none" w="med" len="med"/>
+                        </a:lnT>
+                        <a:lnB w="12700" cap="flat" cmpd="sng" algn="ctr">
+                          <a:solidFill>
+                            <a:schemeClr val="tx1"/>
+                          </a:solidFill>
+                          <a:prstDash val="solid"/>
+                          <a:round/>
+                          <a:headEnd type="none" w="med" len="med"/>
+                          <a:tailEnd type="none" w="med" len="med"/>
+                        </a:lnB>
+                        <a:lnTlToBr w="12700" cmpd="sng">
+                          <a:noFill/>
+                          <a:prstDash val="solid"/>
+                        </a:lnTlToBr>
+                        <a:lnBlToTr w="12700" cmpd="sng">
+                          <a:noFill/>
+                          <a:prstDash val="solid"/>
+                        </a:lnBlToTr>
+                        <a:solidFill>
+                          <a:schemeClr val="bg2"/>
+                        </a:solidFill>
+                      </a:tcPr>
+                    </a:tc>
+                    <a:tc>
+                      <a:txBody>
+                        <a:bodyPr/>
+                        <a:lstStyle/>
+                        <a:p>
+                          <a:endParaRPr lang="ko-KR"/>
+                        </a:p>
+                      </a:txBody>
+                      <a:tcPr anchor="ctr">
+                        <a:lnL w="12700" cap="flat" cmpd="sng" algn="ctr">
+                          <a:solidFill>
+                            <a:schemeClr val="tx1"/>
+                          </a:solidFill>
+                          <a:prstDash val="solid"/>
+                          <a:round/>
+                          <a:headEnd type="none" w="med" len="med"/>
+                          <a:tailEnd type="none" w="med" len="med"/>
+                        </a:lnL>
+                        <a:lnR w="12700" cap="flat" cmpd="sng" algn="ctr">
+                          <a:solidFill>
+                            <a:schemeClr val="tx1"/>
+                          </a:solidFill>
+                          <a:prstDash val="solid"/>
+                          <a:round/>
+                          <a:headEnd type="none" w="med" len="med"/>
+                          <a:tailEnd type="none" w="med" len="med"/>
+                        </a:lnR>
+                        <a:lnT w="12700" cap="flat" cmpd="sng" algn="ctr">
+                          <a:solidFill>
+                            <a:schemeClr val="tx1"/>
+                          </a:solidFill>
+                          <a:prstDash val="solid"/>
+                          <a:round/>
+                          <a:headEnd type="none" w="med" len="med"/>
+                          <a:tailEnd type="none" w="med" len="med"/>
+                        </a:lnT>
+                        <a:lnB w="12700" cap="flat" cmpd="sng" algn="ctr">
+                          <a:solidFill>
+                            <a:schemeClr val="tx1"/>
+                          </a:solidFill>
+                          <a:prstDash val="solid"/>
+                          <a:round/>
+                          <a:headEnd type="none" w="med" len="med"/>
+                          <a:tailEnd type="none" w="med" len="med"/>
+                        </a:lnB>
+                        <a:lnTlToBr w="12700" cmpd="sng">
+                          <a:noFill/>
+                          <a:prstDash val="solid"/>
+                        </a:lnTlToBr>
+                        <a:lnBlToTr w="12700" cmpd="sng">
+                          <a:noFill/>
+                          <a:prstDash val="solid"/>
+                        </a:lnBlToTr>
+                        <a:blipFill rotWithShape="1">
+                          <a:blip r:embed="rId2"/>
+                          <a:stretch>
+                            <a:fillRect l="-109231" t="-106557" r="-100000" b="-400000"/>
+                          </a:stretch>
+                        </a:blipFill>
+                      </a:tcPr>
+                    </a:tc>
+                    <a:tc>
+                      <a:txBody>
+                        <a:bodyPr/>
+                        <a:lstStyle/>
+                        <a:p>
+                          <a:endParaRPr lang="ko-KR"/>
+                        </a:p>
+                      </a:txBody>
+                      <a:tcPr anchor="ctr">
+                        <a:lnL w="12700" cap="flat" cmpd="sng" algn="ctr">
+                          <a:solidFill>
+                            <a:schemeClr val="tx1"/>
+                          </a:solidFill>
+                          <a:prstDash val="solid"/>
+                          <a:round/>
+                          <a:headEnd type="none" w="med" len="med"/>
+                          <a:tailEnd type="none" w="med" len="med"/>
+                        </a:lnL>
+                        <a:lnR w="12700" cap="flat" cmpd="sng" algn="ctr">
+                          <a:solidFill>
+                            <a:schemeClr val="tx1"/>
+                          </a:solidFill>
+                          <a:prstDash val="solid"/>
+                          <a:round/>
+                          <a:headEnd type="none" w="med" len="med"/>
+                          <a:tailEnd type="none" w="med" len="med"/>
+                        </a:lnR>
+                        <a:lnT w="12700" cap="flat" cmpd="sng" algn="ctr">
+                          <a:solidFill>
+                            <a:schemeClr val="tx1"/>
+                          </a:solidFill>
+                          <a:prstDash val="solid"/>
+                          <a:round/>
+                          <a:headEnd type="none" w="med" len="med"/>
+                          <a:tailEnd type="none" w="med" len="med"/>
+                        </a:lnT>
+                        <a:lnB w="12700" cap="flat" cmpd="sng" algn="ctr">
+                          <a:solidFill>
+                            <a:schemeClr val="tx1"/>
+                          </a:solidFill>
+                          <a:prstDash val="solid"/>
+                          <a:round/>
+                          <a:headEnd type="none" w="med" len="med"/>
+                          <a:tailEnd type="none" w="med" len="med"/>
+                        </a:lnB>
+                        <a:lnTlToBr w="12700" cmpd="sng">
+                          <a:noFill/>
+                          <a:prstDash val="solid"/>
+                        </a:lnTlToBr>
+                        <a:lnBlToTr w="12700" cmpd="sng">
+                          <a:noFill/>
+                          <a:prstDash val="solid"/>
+                        </a:lnBlToTr>
+                        <a:blipFill rotWithShape="1">
+                          <a:blip r:embed="rId2"/>
+                          <a:stretch>
+                            <a:fillRect l="-209231" t="-106557" b="-400000"/>
+                          </a:stretch>
+                        </a:blipFill>
+                      </a:tcPr>
+                    </a:tc>
+                  </a:tr>
+                  <a:tr h="370840">
+                    <a:tc vMerge="1">
+                      <a:txBody>
+                        <a:bodyPr/>
+                        <a:lstStyle/>
+                        <a:p>
+                          <a:pPr algn="ctr" latinLnBrk="1"/>
+                          <a:endParaRPr lang="ko-KR" altLang="en-US" dirty="0">
+                            <a:solidFill>
+                              <a:sysClr val="windowText" lastClr="000000"/>
+                            </a:solidFill>
+                          </a:endParaRPr>
+                        </a:p>
+                      </a:txBody>
+                      <a:tcPr anchor="ctr">
+                        <a:lnL w="12700" cap="flat" cmpd="sng" algn="ctr">
+                          <a:solidFill>
+                            <a:schemeClr val="tx1"/>
+                          </a:solidFill>
+                          <a:prstDash val="solid"/>
+                          <a:round/>
+                          <a:headEnd type="none" w="med" len="med"/>
+                          <a:tailEnd type="none" w="med" len="med"/>
+                        </a:lnL>
+                        <a:lnR w="12700" cap="flat" cmpd="sng" algn="ctr">
+                          <a:solidFill>
+                            <a:schemeClr val="tx1"/>
+                          </a:solidFill>
+                          <a:prstDash val="solid"/>
+                          <a:round/>
+                          <a:headEnd type="none" w="med" len="med"/>
+                          <a:tailEnd type="none" w="med" len="med"/>
+                        </a:lnR>
+                        <a:lnT w="12700" cap="flat" cmpd="sng" algn="ctr">
+                          <a:solidFill>
+                            <a:schemeClr val="tx1"/>
+                          </a:solidFill>
+                          <a:prstDash val="solid"/>
+                          <a:round/>
+                          <a:headEnd type="none" w="med" len="med"/>
+                          <a:tailEnd type="none" w="med" len="med"/>
+                        </a:lnT>
+                        <a:lnB w="12700" cap="flat" cmpd="sng" algn="ctr">
+                          <a:solidFill>
+                            <a:schemeClr val="tx1"/>
+                          </a:solidFill>
+                          <a:prstDash val="solid"/>
+                          <a:round/>
+                          <a:headEnd type="none" w="med" len="med"/>
+                          <a:tailEnd type="none" w="med" len="med"/>
+                        </a:lnB>
+                        <a:lnTlToBr w="12700" cmpd="sng">
+                          <a:noFill/>
+                          <a:prstDash val="solid"/>
+                        </a:lnTlToBr>
+                        <a:lnBlToTr w="12700" cmpd="sng">
+                          <a:noFill/>
+                          <a:prstDash val="solid"/>
+                        </a:lnBlToTr>
+                        <a:solidFill>
+                          <a:schemeClr val="bg2"/>
+                        </a:solidFill>
+                      </a:tcPr>
+                    </a:tc>
+                    <a:tc>
+                      <a:txBody>
+                        <a:bodyPr/>
+                        <a:lstStyle/>
+                        <a:p>
+                          <a:endParaRPr lang="ko-KR"/>
+                        </a:p>
+                      </a:txBody>
+                      <a:tcPr anchor="ctr">
+                        <a:lnL w="12700" cap="flat" cmpd="sng" algn="ctr">
+                          <a:solidFill>
+                            <a:schemeClr val="tx1"/>
+                          </a:solidFill>
+                          <a:prstDash val="solid"/>
+                          <a:round/>
+                          <a:headEnd type="none" w="med" len="med"/>
+                          <a:tailEnd type="none" w="med" len="med"/>
+                        </a:lnL>
+                        <a:lnR w="12700" cap="flat" cmpd="sng" algn="ctr">
+                          <a:solidFill>
+                            <a:schemeClr val="tx1"/>
+                          </a:solidFill>
+                          <a:prstDash val="solid"/>
+                          <a:round/>
+                          <a:headEnd type="none" w="med" len="med"/>
+                          <a:tailEnd type="none" w="med" len="med"/>
+                        </a:lnR>
+                        <a:lnT w="12700" cap="flat" cmpd="sng" algn="ctr">
+                          <a:solidFill>
+                            <a:schemeClr val="tx1"/>
+                          </a:solidFill>
+                          <a:prstDash val="solid"/>
+                          <a:round/>
+                          <a:headEnd type="none" w="med" len="med"/>
+                          <a:tailEnd type="none" w="med" len="med"/>
+                        </a:lnT>
+                        <a:lnB w="12700" cap="flat" cmpd="sng" algn="ctr">
+                          <a:solidFill>
+                            <a:schemeClr val="tx1"/>
+                          </a:solidFill>
+                          <a:prstDash val="solid"/>
+                          <a:round/>
+                          <a:headEnd type="none" w="med" len="med"/>
+                          <a:tailEnd type="none" w="med" len="med"/>
+                        </a:lnB>
+                        <a:lnTlToBr w="12700" cmpd="sng">
+                          <a:noFill/>
+                          <a:prstDash val="solid"/>
+                        </a:lnTlToBr>
+                        <a:lnBlToTr w="12700" cmpd="sng">
+                          <a:noFill/>
+                          <a:prstDash val="solid"/>
+                        </a:lnBlToTr>
+                        <a:blipFill rotWithShape="1">
+                          <a:blip r:embed="rId2"/>
+                          <a:stretch>
+                            <a:fillRect l="-109231" t="-206557" r="-100000" b="-300000"/>
+                          </a:stretch>
+                        </a:blipFill>
+                      </a:tcPr>
+                    </a:tc>
+                    <a:tc>
+                      <a:txBody>
+                        <a:bodyPr/>
+                        <a:lstStyle/>
+                        <a:p>
+                          <a:endParaRPr lang="ko-KR"/>
+                        </a:p>
+                      </a:txBody>
+                      <a:tcPr anchor="ctr">
+                        <a:lnL w="12700" cap="flat" cmpd="sng" algn="ctr">
+                          <a:solidFill>
+                            <a:schemeClr val="tx1"/>
+                          </a:solidFill>
+                          <a:prstDash val="solid"/>
+                          <a:round/>
+                          <a:headEnd type="none" w="med" len="med"/>
+                          <a:tailEnd type="none" w="med" len="med"/>
+                        </a:lnL>
+                        <a:lnR w="12700" cap="flat" cmpd="sng" algn="ctr">
+                          <a:solidFill>
+                            <a:schemeClr val="tx1"/>
+                          </a:solidFill>
+                          <a:prstDash val="solid"/>
+                          <a:round/>
+                          <a:headEnd type="none" w="med" len="med"/>
+                          <a:tailEnd type="none" w="med" len="med"/>
+                        </a:lnR>
+                        <a:lnT w="12700" cap="flat" cmpd="sng" algn="ctr">
+                          <a:solidFill>
+                            <a:schemeClr val="tx1"/>
+                          </a:solidFill>
+                          <a:prstDash val="solid"/>
+                          <a:round/>
+                          <a:headEnd type="none" w="med" len="med"/>
+                          <a:tailEnd type="none" w="med" len="med"/>
+                        </a:lnT>
+                        <a:lnB w="12700" cap="flat" cmpd="sng" algn="ctr">
+                          <a:solidFill>
+                            <a:schemeClr val="tx1"/>
+                          </a:solidFill>
+                          <a:prstDash val="solid"/>
+                          <a:round/>
+                          <a:headEnd type="none" w="med" len="med"/>
+                          <a:tailEnd type="none" w="med" len="med"/>
+                        </a:lnB>
+                        <a:lnTlToBr w="12700" cmpd="sng">
+                          <a:noFill/>
+                          <a:prstDash val="solid"/>
+                        </a:lnTlToBr>
+                        <a:lnBlToTr w="12700" cmpd="sng">
+                          <a:noFill/>
+                          <a:prstDash val="solid"/>
+                        </a:lnBlToTr>
+                        <a:blipFill rotWithShape="1">
+                          <a:blip r:embed="rId2"/>
+                          <a:stretch>
+                            <a:fillRect l="-209231" t="-206557" b="-300000"/>
+                          </a:stretch>
+                        </a:blipFill>
+                      </a:tcPr>
+                    </a:tc>
+                  </a:tr>
+                  <a:tr h="370840">
+                    <a:tc vMerge="1">
+                      <a:txBody>
+                        <a:bodyPr/>
+                        <a:lstStyle/>
+                        <a:p>
+                          <a:pPr algn="ctr" latinLnBrk="1"/>
+                          <a:endParaRPr lang="ko-KR" altLang="en-US" dirty="0">
+                            <a:solidFill>
+                              <a:sysClr val="windowText" lastClr="000000"/>
+                            </a:solidFill>
+                          </a:endParaRPr>
+                        </a:p>
+                      </a:txBody>
+                      <a:tcPr anchor="ctr">
+                        <a:lnL w="12700" cap="flat" cmpd="sng" algn="ctr">
+                          <a:solidFill>
+                            <a:schemeClr val="tx1"/>
+                          </a:solidFill>
+                          <a:prstDash val="solid"/>
+                          <a:round/>
+                          <a:headEnd type="none" w="med" len="med"/>
+                          <a:tailEnd type="none" w="med" len="med"/>
+                        </a:lnL>
+                        <a:lnR w="12700" cap="flat" cmpd="sng" algn="ctr">
+                          <a:solidFill>
+                            <a:schemeClr val="tx1"/>
+                          </a:solidFill>
+                          <a:prstDash val="solid"/>
+                          <a:round/>
+                          <a:headEnd type="none" w="med" len="med"/>
+                          <a:tailEnd type="none" w="med" len="med"/>
+                        </a:lnR>
+                        <a:lnT w="12700" cap="flat" cmpd="sng" algn="ctr">
+                          <a:solidFill>
+                            <a:schemeClr val="tx1"/>
+                          </a:solidFill>
+                          <a:prstDash val="solid"/>
+                          <a:round/>
+                          <a:headEnd type="none" w="med" len="med"/>
+                          <a:tailEnd type="none" w="med" len="med"/>
+                        </a:lnT>
+                        <a:lnB w="12700" cap="flat" cmpd="sng" algn="ctr">
+                          <a:solidFill>
+                            <a:schemeClr val="tx1"/>
+                          </a:solidFill>
+                          <a:prstDash val="solid"/>
+                          <a:round/>
+                          <a:headEnd type="none" w="med" len="med"/>
+                          <a:tailEnd type="none" w="med" len="med"/>
+                        </a:lnB>
+                        <a:lnTlToBr w="12700" cmpd="sng">
+                          <a:noFill/>
+                          <a:prstDash val="solid"/>
+                        </a:lnTlToBr>
+                        <a:lnBlToTr w="12700" cmpd="sng">
+                          <a:noFill/>
+                          <a:prstDash val="solid"/>
+                        </a:lnBlToTr>
+                        <a:solidFill>
+                          <a:schemeClr val="bg2"/>
+                        </a:solidFill>
+                      </a:tcPr>
+                    </a:tc>
+                    <a:tc>
+                      <a:txBody>
+                        <a:bodyPr/>
+                        <a:lstStyle/>
+                        <a:p>
+                          <a:endParaRPr lang="ko-KR"/>
+                        </a:p>
+                      </a:txBody>
+                      <a:tcPr anchor="ctr">
+                        <a:lnL w="12700" cap="flat" cmpd="sng" algn="ctr">
+                          <a:solidFill>
+                            <a:schemeClr val="tx1"/>
+                          </a:solidFill>
+                          <a:prstDash val="solid"/>
+                          <a:round/>
+                          <a:headEnd type="none" w="med" len="med"/>
+                          <a:tailEnd type="none" w="med" len="med"/>
+                        </a:lnL>
+                        <a:lnR w="12700" cap="flat" cmpd="sng" algn="ctr">
+                          <a:solidFill>
+                            <a:schemeClr val="tx1"/>
+                          </a:solidFill>
+                          <a:prstDash val="solid"/>
+                          <a:round/>
+                          <a:headEnd type="none" w="med" len="med"/>
+                          <a:tailEnd type="none" w="med" len="med"/>
+                        </a:lnR>
+                        <a:lnT w="12700" cap="flat" cmpd="sng" algn="ctr">
+                          <a:solidFill>
+                            <a:schemeClr val="tx1"/>
+                          </a:solidFill>
+                          <a:prstDash val="solid"/>
+                          <a:round/>
+                          <a:headEnd type="none" w="med" len="med"/>
+                          <a:tailEnd type="none" w="med" len="med"/>
+                        </a:lnT>
+                        <a:lnB w="12700" cap="flat" cmpd="sng" algn="ctr">
+                          <a:solidFill>
+                            <a:schemeClr val="tx1"/>
+                          </a:solidFill>
+                          <a:prstDash val="solid"/>
+                          <a:round/>
+                          <a:headEnd type="none" w="med" len="med"/>
+                          <a:tailEnd type="none" w="med" len="med"/>
+                        </a:lnB>
+                        <a:lnTlToBr w="12700" cmpd="sng">
+                          <a:noFill/>
+                          <a:prstDash val="solid"/>
+                        </a:lnTlToBr>
+                        <a:lnBlToTr w="12700" cmpd="sng">
+                          <a:noFill/>
+                          <a:prstDash val="solid"/>
+                        </a:lnBlToTr>
+                        <a:blipFill rotWithShape="1">
+                          <a:blip r:embed="rId2"/>
+                          <a:stretch>
+                            <a:fillRect l="-109231" t="-311667" r="-100000" b="-205000"/>
+                          </a:stretch>
+                        </a:blipFill>
+                      </a:tcPr>
+                    </a:tc>
+                    <a:tc>
+                      <a:txBody>
+                        <a:bodyPr/>
+                        <a:lstStyle/>
+                        <a:p>
+                          <a:endParaRPr lang="ko-KR"/>
+                        </a:p>
+                      </a:txBody>
+                      <a:tcPr anchor="ctr">
+                        <a:lnL w="12700" cap="flat" cmpd="sng" algn="ctr">
+                          <a:solidFill>
+                            <a:schemeClr val="tx1"/>
+                          </a:solidFill>
+                          <a:prstDash val="solid"/>
+                          <a:round/>
+                          <a:headEnd type="none" w="med" len="med"/>
+                          <a:tailEnd type="none" w="med" len="med"/>
+                        </a:lnL>
+                        <a:lnR w="12700" cap="flat" cmpd="sng" algn="ctr">
+                          <a:solidFill>
+                            <a:schemeClr val="tx1"/>
+                          </a:solidFill>
+                          <a:prstDash val="solid"/>
+                          <a:round/>
+                          <a:headEnd type="none" w="med" len="med"/>
+                          <a:tailEnd type="none" w="med" len="med"/>
+                        </a:lnR>
+                        <a:lnT w="12700" cap="flat" cmpd="sng" algn="ctr">
+                          <a:solidFill>
+                            <a:schemeClr val="tx1"/>
+                          </a:solidFill>
+                          <a:prstDash val="solid"/>
+                          <a:round/>
+                          <a:headEnd type="none" w="med" len="med"/>
+                          <a:tailEnd type="none" w="med" len="med"/>
+                        </a:lnT>
+                        <a:lnB w="12700" cap="flat" cmpd="sng" algn="ctr">
+                          <a:solidFill>
+                            <a:schemeClr val="tx1"/>
+                          </a:solidFill>
+                          <a:prstDash val="solid"/>
+                          <a:round/>
+                          <a:headEnd type="none" w="med" len="med"/>
+                          <a:tailEnd type="none" w="med" len="med"/>
+                        </a:lnB>
+                        <a:lnTlToBr w="12700" cmpd="sng">
+                          <a:noFill/>
+                          <a:prstDash val="solid"/>
+                        </a:lnTlToBr>
+                        <a:lnBlToTr w="12700" cmpd="sng">
+                          <a:noFill/>
+                          <a:prstDash val="solid"/>
+                        </a:lnBlToTr>
+                        <a:blipFill rotWithShape="1">
+                          <a:blip r:embed="rId2"/>
+                          <a:stretch>
+                            <a:fillRect l="-209231" t="-311667" b="-205000"/>
+                          </a:stretch>
+                        </a:blipFill>
+                      </a:tcPr>
+                    </a:tc>
+                  </a:tr>
+                  <a:tr h="370840">
+                    <a:tc vMerge="1">
+                      <a:txBody>
+                        <a:bodyPr/>
+                        <a:lstStyle/>
+                        <a:p>
+                          <a:pPr algn="ctr" latinLnBrk="1"/>
+                          <a:endParaRPr lang="ko-KR" altLang="en-US" dirty="0">
+                            <a:solidFill>
+                              <a:sysClr val="windowText" lastClr="000000"/>
+                            </a:solidFill>
+                          </a:endParaRPr>
+                        </a:p>
+                      </a:txBody>
+                      <a:tcPr anchor="ctr">
+                        <a:lnL w="12700" cap="flat" cmpd="sng" algn="ctr">
+                          <a:solidFill>
+                            <a:schemeClr val="tx1"/>
+                          </a:solidFill>
+                          <a:prstDash val="solid"/>
+                          <a:round/>
+                          <a:headEnd type="none" w="med" len="med"/>
+                          <a:tailEnd type="none" w="med" len="med"/>
+                        </a:lnL>
+                        <a:lnR w="12700" cap="flat" cmpd="sng" algn="ctr">
+                          <a:solidFill>
+                            <a:schemeClr val="tx1"/>
+                          </a:solidFill>
+                          <a:prstDash val="solid"/>
+                          <a:round/>
+                          <a:headEnd type="none" w="med" len="med"/>
+                          <a:tailEnd type="none" w="med" len="med"/>
+                        </a:lnR>
+                        <a:lnT w="12700" cap="flat" cmpd="sng" algn="ctr">
+                          <a:solidFill>
+                            <a:schemeClr val="tx1"/>
+                          </a:solidFill>
+                          <a:prstDash val="solid"/>
+                          <a:round/>
+                          <a:headEnd type="none" w="med" len="med"/>
+                          <a:tailEnd type="none" w="med" len="med"/>
+                        </a:lnT>
+                        <a:lnB w="12700" cap="flat" cmpd="sng" algn="ctr">
+                          <a:solidFill>
+                            <a:schemeClr val="tx1"/>
+                          </a:solidFill>
+                          <a:prstDash val="solid"/>
+                          <a:round/>
+                          <a:headEnd type="none" w="med" len="med"/>
+                          <a:tailEnd type="none" w="med" len="med"/>
+                        </a:lnB>
+                        <a:lnTlToBr w="12700" cmpd="sng">
+                          <a:noFill/>
+                          <a:prstDash val="solid"/>
+                        </a:lnTlToBr>
+                        <a:lnBlToTr w="12700" cmpd="sng">
+                          <a:noFill/>
+                          <a:prstDash val="solid"/>
+                        </a:lnBlToTr>
+                        <a:solidFill>
+                          <a:schemeClr val="bg2"/>
+                        </a:solidFill>
+                      </a:tcPr>
+                    </a:tc>
+                    <a:tc>
+                      <a:txBody>
+                        <a:bodyPr/>
+                        <a:lstStyle/>
+                        <a:p>
+                          <a:endParaRPr lang="ko-KR"/>
+                        </a:p>
+                      </a:txBody>
+                      <a:tcPr anchor="ctr">
+                        <a:lnL w="12700" cap="flat" cmpd="sng" algn="ctr">
+                          <a:solidFill>
+                            <a:schemeClr val="tx1"/>
+                          </a:solidFill>
+                          <a:prstDash val="solid"/>
+                          <a:round/>
+                          <a:headEnd type="none" w="med" len="med"/>
+                          <a:tailEnd type="none" w="med" len="med"/>
+                        </a:lnL>
+                        <a:lnR w="12700" cap="flat" cmpd="sng" algn="ctr">
+                          <a:solidFill>
+                            <a:schemeClr val="tx1"/>
+                          </a:solidFill>
+                          <a:prstDash val="solid"/>
+                          <a:round/>
+                          <a:headEnd type="none" w="med" len="med"/>
+                          <a:tailEnd type="none" w="med" len="med"/>
+                        </a:lnR>
+                        <a:lnT w="12700" cap="flat" cmpd="sng" algn="ctr">
+                          <a:solidFill>
+                            <a:schemeClr val="tx1"/>
+                          </a:solidFill>
+                          <a:prstDash val="solid"/>
+                          <a:round/>
+                          <a:headEnd type="none" w="med" len="med"/>
+                          <a:tailEnd type="none" w="med" len="med"/>
+                        </a:lnT>
+                        <a:lnB w="12700" cap="flat" cmpd="sng" algn="ctr">
+                          <a:solidFill>
+                            <a:schemeClr val="tx1"/>
+                          </a:solidFill>
+                          <a:prstDash val="solid"/>
+                          <a:round/>
+                          <a:headEnd type="none" w="med" len="med"/>
+                          <a:tailEnd type="none" w="med" len="med"/>
+                        </a:lnB>
+                        <a:lnTlToBr w="12700" cmpd="sng">
+                          <a:noFill/>
+                          <a:prstDash val="solid"/>
+                        </a:lnTlToBr>
+                        <a:lnBlToTr w="12700" cmpd="sng">
+                          <a:noFill/>
+                          <a:prstDash val="solid"/>
+                        </a:lnBlToTr>
+                        <a:blipFill rotWithShape="1">
+                          <a:blip r:embed="rId2"/>
+                          <a:stretch>
+                            <a:fillRect l="-109231" t="-404918" r="-100000" b="-101639"/>
+                          </a:stretch>
+                        </a:blipFill>
+                      </a:tcPr>
+                    </a:tc>
+                    <a:tc>
+                      <a:txBody>
+                        <a:bodyPr/>
+                        <a:lstStyle/>
+                        <a:p>
+                          <a:endParaRPr lang="ko-KR"/>
+                        </a:p>
+                      </a:txBody>
+                      <a:tcPr anchor="ctr">
+                        <a:lnL w="12700" cap="flat" cmpd="sng" algn="ctr">
+                          <a:solidFill>
+                            <a:schemeClr val="tx1"/>
+                          </a:solidFill>
+                          <a:prstDash val="solid"/>
+                          <a:round/>
+                          <a:headEnd type="none" w="med" len="med"/>
+                          <a:tailEnd type="none" w="med" len="med"/>
+                        </a:lnL>
+                        <a:lnR w="12700" cap="flat" cmpd="sng" algn="ctr">
+                          <a:solidFill>
+                            <a:schemeClr val="tx1"/>
+                          </a:solidFill>
+                          <a:prstDash val="solid"/>
+                          <a:round/>
+                          <a:headEnd type="none" w="med" len="med"/>
+                          <a:tailEnd type="none" w="med" len="med"/>
+                        </a:lnR>
+                        <a:lnT w="12700" cap="flat" cmpd="sng" algn="ctr">
+                          <a:solidFill>
+                            <a:schemeClr val="tx1"/>
+                          </a:solidFill>
+                          <a:prstDash val="solid"/>
+                          <a:round/>
+                          <a:headEnd type="none" w="med" len="med"/>
+                          <a:tailEnd type="none" w="med" len="med"/>
+                        </a:lnT>
+                        <a:lnB w="12700" cap="flat" cmpd="sng" algn="ctr">
+                          <a:solidFill>
+                            <a:schemeClr val="tx1"/>
+                          </a:solidFill>
+                          <a:prstDash val="solid"/>
+                          <a:round/>
+                          <a:headEnd type="none" w="med" len="med"/>
+                          <a:tailEnd type="none" w="med" len="med"/>
+                        </a:lnB>
+                        <a:lnTlToBr w="12700" cmpd="sng">
+                          <a:noFill/>
+                          <a:prstDash val="solid"/>
+                        </a:lnTlToBr>
+                        <a:lnBlToTr w="12700" cmpd="sng">
+                          <a:noFill/>
+                          <a:prstDash val="solid"/>
+                        </a:lnBlToTr>
+                        <a:blipFill rotWithShape="1">
+                          <a:blip r:embed="rId2"/>
+                          <a:stretch>
+                            <a:fillRect l="-209231" t="-404918" b="-101639"/>
+                          </a:stretch>
+                        </a:blipFill>
+                      </a:tcPr>
+                    </a:tc>
+                  </a:tr>
+                  <a:tr h="370840">
+                    <a:tc vMerge="1">
+                      <a:txBody>
+                        <a:bodyPr/>
+                        <a:lstStyle/>
+                        <a:p>
+                          <a:pPr algn="ctr" latinLnBrk="1"/>
+                          <a:endParaRPr lang="en-US" altLang="ko-KR" dirty="0" smtClean="0">
+                            <a:solidFill>
+                              <a:sysClr val="windowText" lastClr="000000"/>
+                            </a:solidFill>
+                          </a:endParaRPr>
+                        </a:p>
+                      </a:txBody>
+                      <a:tcPr anchor="ctr">
+                        <a:lnL w="12700" cap="flat" cmpd="sng" algn="ctr">
+                          <a:solidFill>
+                            <a:schemeClr val="tx1"/>
+                          </a:solidFill>
+                          <a:prstDash val="solid"/>
+                          <a:round/>
+                          <a:headEnd type="none" w="med" len="med"/>
+                          <a:tailEnd type="none" w="med" len="med"/>
+                        </a:lnL>
+                        <a:lnR w="12700" cap="flat" cmpd="sng" algn="ctr">
+                          <a:solidFill>
+                            <a:schemeClr val="tx1"/>
+                          </a:solidFill>
+                          <a:prstDash val="solid"/>
+                          <a:round/>
+                          <a:headEnd type="none" w="med" len="med"/>
+                          <a:tailEnd type="none" w="med" len="med"/>
+                        </a:lnR>
+                        <a:lnT w="12700" cap="flat" cmpd="sng" algn="ctr">
+                          <a:solidFill>
+                            <a:schemeClr val="tx1"/>
+                          </a:solidFill>
+                          <a:prstDash val="solid"/>
+                          <a:round/>
+                          <a:headEnd type="none" w="med" len="med"/>
+                          <a:tailEnd type="none" w="med" len="med"/>
+                        </a:lnT>
+                        <a:lnB w="12700" cap="flat" cmpd="sng" algn="ctr">
+                          <a:solidFill>
+                            <a:schemeClr val="tx1"/>
+                          </a:solidFill>
+                          <a:prstDash val="solid"/>
+                          <a:round/>
+                          <a:headEnd type="none" w="med" len="med"/>
+                          <a:tailEnd type="none" w="med" len="med"/>
+                        </a:lnB>
+                        <a:lnTlToBr w="12700" cmpd="sng">
+                          <a:noFill/>
+                          <a:prstDash val="solid"/>
+                        </a:lnTlToBr>
+                        <a:lnBlToTr w="12700" cmpd="sng">
+                          <a:noFill/>
+                          <a:prstDash val="solid"/>
+                        </a:lnBlToTr>
+                        <a:solidFill>
+                          <a:schemeClr val="bg2"/>
+                        </a:solidFill>
+                      </a:tcPr>
+                    </a:tc>
+                    <a:tc>
+                      <a:txBody>
+                        <a:bodyPr/>
+                        <a:lstStyle/>
+                        <a:p>
+                          <a:endParaRPr lang="ko-KR"/>
+                        </a:p>
+                      </a:txBody>
+                      <a:tcPr anchor="ctr">
+                        <a:lnL w="12700" cap="flat" cmpd="sng" algn="ctr">
+                          <a:solidFill>
+                            <a:schemeClr val="tx1"/>
+                          </a:solidFill>
+                          <a:prstDash val="solid"/>
+                          <a:round/>
+                          <a:headEnd type="none" w="med" len="med"/>
+                          <a:tailEnd type="none" w="med" len="med"/>
+                        </a:lnL>
+                        <a:lnR w="12700" cap="flat" cmpd="sng" algn="ctr">
+                          <a:solidFill>
+                            <a:schemeClr val="tx1"/>
+                          </a:solidFill>
+                          <a:prstDash val="solid"/>
+                          <a:round/>
+                          <a:headEnd type="none" w="med" len="med"/>
+                          <a:tailEnd type="none" w="med" len="med"/>
+                        </a:lnR>
+                        <a:lnT w="12700" cap="flat" cmpd="sng" algn="ctr">
+                          <a:solidFill>
+                            <a:schemeClr val="tx1"/>
+                          </a:solidFill>
+                          <a:prstDash val="solid"/>
+                          <a:round/>
+                          <a:headEnd type="none" w="med" len="med"/>
+                          <a:tailEnd type="none" w="med" len="med"/>
+                        </a:lnT>
+                        <a:lnB w="12700" cap="flat" cmpd="sng" algn="ctr">
+                          <a:solidFill>
+                            <a:schemeClr val="tx1"/>
+                          </a:solidFill>
+                          <a:prstDash val="solid"/>
+                          <a:round/>
+                          <a:headEnd type="none" w="med" len="med"/>
+                          <a:tailEnd type="none" w="med" len="med"/>
+                        </a:lnB>
+                        <a:lnTlToBr w="12700" cmpd="sng">
+                          <a:noFill/>
+                          <a:prstDash val="solid"/>
+                        </a:lnTlToBr>
+                        <a:lnBlToTr w="12700" cmpd="sng">
+                          <a:noFill/>
+                          <a:prstDash val="solid"/>
+                        </a:lnBlToTr>
+                        <a:blipFill rotWithShape="1">
+                          <a:blip r:embed="rId2"/>
+                          <a:stretch>
+                            <a:fillRect l="-109231" t="-504918" r="-100000" b="-1639"/>
+                          </a:stretch>
+                        </a:blipFill>
+                      </a:tcPr>
+                    </a:tc>
+                    <a:tc>
+                      <a:txBody>
+                        <a:bodyPr/>
+                        <a:lstStyle/>
+                        <a:p>
+                          <a:endParaRPr lang="ko-KR"/>
+                        </a:p>
+                      </a:txBody>
+                      <a:tcPr anchor="ctr">
+                        <a:lnL w="12700" cap="flat" cmpd="sng" algn="ctr">
+                          <a:solidFill>
+                            <a:schemeClr val="tx1"/>
+                          </a:solidFill>
+                          <a:prstDash val="solid"/>
+                          <a:round/>
+                          <a:headEnd type="none" w="med" len="med"/>
+                          <a:tailEnd type="none" w="med" len="med"/>
+                        </a:lnL>
+                        <a:lnR w="12700" cap="flat" cmpd="sng" algn="ctr">
+                          <a:solidFill>
+                            <a:schemeClr val="tx1"/>
+                          </a:solidFill>
+                          <a:prstDash val="solid"/>
+                          <a:round/>
+                          <a:headEnd type="none" w="med" len="med"/>
+                          <a:tailEnd type="none" w="med" len="med"/>
+                        </a:lnR>
+                        <a:lnT w="12700" cap="flat" cmpd="sng" algn="ctr">
+                          <a:solidFill>
+                            <a:schemeClr val="tx1"/>
+                          </a:solidFill>
+                          <a:prstDash val="solid"/>
+                          <a:round/>
+                          <a:headEnd type="none" w="med" len="med"/>
+                          <a:tailEnd type="none" w="med" len="med"/>
+                        </a:lnT>
+                        <a:lnB w="12700" cap="flat" cmpd="sng" algn="ctr">
+                          <a:solidFill>
+                            <a:schemeClr val="tx1"/>
+                          </a:solidFill>
+                          <a:prstDash val="solid"/>
+                          <a:round/>
+                          <a:headEnd type="none" w="med" len="med"/>
+                          <a:tailEnd type="none" w="med" len="med"/>
+                        </a:lnB>
+                        <a:lnTlToBr w="12700" cmpd="sng">
+                          <a:noFill/>
+                          <a:prstDash val="solid"/>
+                        </a:lnTlToBr>
+                        <a:lnBlToTr w="12700" cmpd="sng">
+                          <a:noFill/>
+                          <a:prstDash val="solid"/>
+                        </a:lnBlToTr>
+                        <a:blipFill rotWithShape="1">
+                          <a:blip r:embed="rId2"/>
+                          <a:stretch>
+                            <a:fillRect l="-209231" t="-504918" b="-1639"/>
+                          </a:stretch>
+                        </a:blipFill>
+                      </a:tcPr>
+                    </a:tc>
+                  </a:tr>
+                </a:tbl>
+              </a:graphicData>
+            </a:graphic>
+          </p:graphicFrame>
+        </mc:Fallback>
+      </mc:AlternateContent>
+    </p:spTree>
+    <p:extLst>
+      <p:ext uri="{BB962C8B-B14F-4D97-AF65-F5344CB8AC3E}">
+        <p14:creationId xmlns:p14="http://schemas.microsoft.com/office/powerpoint/2010/main" val="3628143386"/>
+      </p:ext>
+    </p:extLst>
+  </p:cSld>
+  <p:clrMapOvr>
+    <a:masterClrMapping/>
+  </p:clrMapOvr>
+</p:sld>
+</file>
+
+<file path=ppt/slides/slide2.xml><?xml version="1.0" encoding="utf-8"?>
+<p:sld xmlns:a="http://schemas.openxmlformats.org/drawingml/2006/main" xmlns:r="http://schemas.openxmlformats.org/officeDocument/2006/relationships" xmlns:p="http://schemas.openxmlformats.org/presentationml/2006/main">
+  <p:cSld>
+    <p:spTree>
+      <p:nvGrpSpPr>
+        <p:cNvPr id="1" name=""/>
+        <p:cNvGrpSpPr/>
+        <p:nvPr/>
+      </p:nvGrpSpPr>
+      <p:grpSpPr>
+        <a:xfrm>
+          <a:off x="0" y="0"/>
+          <a:ext cx="0" cy="0"/>
+          <a:chOff x="0" y="0"/>
+          <a:chExt cx="0" cy="0"/>
+        </a:xfrm>
+      </p:grpSpPr>
+      <mc:AlternateContent xmlns:mc="http://schemas.openxmlformats.org/markup-compatibility/2006" xmlns:a14="http://schemas.microsoft.com/office/drawing/2010/main">
+        <mc:Choice Requires="a14">
+          <p:graphicFrame>
+            <p:nvGraphicFramePr>
+              <p:cNvPr id="4" name="표 3"/>
+              <p:cNvGraphicFramePr>
+                <a:graphicFrameLocks noGrp="1"/>
+              </p:cNvGraphicFramePr>
+              <p:nvPr>
+                <p:extLst>
+                  <p:ext uri="{D42A27DB-BD31-4B8C-83A1-F6EECF244321}">
+                    <p14:modId xmlns:p14="http://schemas.microsoft.com/office/powerpoint/2010/main" val="3297558562"/>
                   </p:ext>
                 </p:extLst>
               </p:nvPr>
@@ -3168,15 +6019,7 @@
                                 <a:sysClr val="windowText" lastClr="000000"/>
                               </a:solidFill>
                             </a:rPr>
-                            <a:t> </a:t>
-                          </a:r>
-                          <a:r>
-                            <a:rPr lang="en-US" altLang="ko-KR" baseline="0" dirty="0" smtClean="0">
-                              <a:solidFill>
-                                <a:sysClr val="windowText" lastClr="000000"/>
-                              </a:solidFill>
-                            </a:rPr>
-                            <a:t>m=3</a:t>
+                            <a:t> m=3</a:t>
                           </a:r>
                           <a:endParaRPr lang="ko-KR" altLang="en-US" dirty="0">
                             <a:solidFill>
@@ -6988,7 +9831,7 @@
             </a:graphic>
           </p:graphicFrame>
         </mc:Choice>
-        <mc:Fallback>
+        <mc:Fallback xmlns="">
           <p:graphicFrame>
             <p:nvGraphicFramePr>
               <p:cNvPr id="4" name="표 3"/>
@@ -9282,7 +12125,7 @@
     </p:spTree>
     <p:extLst>
       <p:ext uri="{BB962C8B-B14F-4D97-AF65-F5344CB8AC3E}">
-        <p14:creationId xmlns:p14="http://schemas.microsoft.com/office/powerpoint/2010/main" val="3628143386"/>
+        <p14:creationId xmlns:p14="http://schemas.microsoft.com/office/powerpoint/2010/main" val="3255376672"/>
       </p:ext>
     </p:extLst>
   </p:cSld>
@@ -9292,7 +12135,7 @@
 </p:sld>
 </file>
 
-<file path=ppt/slides/slide2.xml><?xml version="1.0" encoding="utf-8"?>
+<file path=ppt/slides/slide3.xml><?xml version="1.0" encoding="utf-8"?>
 <p:sld xmlns:a="http://schemas.openxmlformats.org/drawingml/2006/main" xmlns:r="http://schemas.openxmlformats.org/officeDocument/2006/relationships" xmlns:p="http://schemas.openxmlformats.org/presentationml/2006/main">
   <p:cSld>
     <p:spTree>
@@ -9309,8 +12152,8 @@
           <a:chExt cx="0" cy="0"/>
         </a:xfrm>
       </p:grpSpPr>
-      <mc:AlternateContent xmlns:mc="http://schemas.openxmlformats.org/markup-compatibility/2006">
-        <mc:Choice xmlns:a14="http://schemas.microsoft.com/office/drawing/2010/main" Requires="a14">
+      <mc:AlternateContent xmlns:mc="http://schemas.openxmlformats.org/markup-compatibility/2006" xmlns:a14="http://schemas.microsoft.com/office/drawing/2010/main">
+        <mc:Choice Requires="a14">
           <p:graphicFrame>
             <p:nvGraphicFramePr>
               <p:cNvPr id="4" name="표 3"/>
@@ -9369,11 +12212,6 @@
                             </a:rPr>
                             <a:t>n=4</a:t>
                           </a:r>
-                          <a:endParaRPr lang="en-US" altLang="ko-KR" dirty="0" smtClean="0">
-                            <a:solidFill>
-                              <a:sysClr val="windowText" lastClr="000000"/>
-                            </a:solidFill>
-                          </a:endParaRPr>
                         </a:p>
                       </a:txBody>
                       <a:tcPr anchor="ctr">
@@ -13921,7 +16759,7 @@
             </a:graphic>
           </p:graphicFrame>
         </mc:Choice>
-        <mc:Fallback>
+        <mc:Fallback xmlns="">
           <p:graphicFrame>
             <p:nvGraphicFramePr>
               <p:cNvPr id="4" name="표 3"/>

--- a/pics/2021-11-02-RM_ANOVA/pics.pptx
+++ b/pics/2021-11-02-RM_ANOVA/pics.pptx
@@ -6,8 +6,9 @@
   </p:sldMasterIdLst>
   <p:sldIdLst>
     <p:sldId id="256" r:id="rId2"/>
-    <p:sldId id="258" r:id="rId3"/>
-    <p:sldId id="257" r:id="rId4"/>
+    <p:sldId id="259" r:id="rId3"/>
+    <p:sldId id="258" r:id="rId4"/>
+    <p:sldId id="257" r:id="rId5"/>
   </p:sldIdLst>
   <p:sldSz cx="9144000" cy="6858000" type="screen4x3"/>
   <p:notesSz cx="6858000" cy="9144000"/>
@@ -3037,8 +3038,8 @@
           <a:chExt cx="0" cy="0"/>
         </a:xfrm>
       </p:grpSpPr>
-      <mc:AlternateContent xmlns:mc="http://schemas.openxmlformats.org/markup-compatibility/2006">
-        <mc:Choice xmlns:a14="http://schemas.microsoft.com/office/drawing/2010/main" Requires="a14">
+      <mc:AlternateContent xmlns:mc="http://schemas.openxmlformats.org/markup-compatibility/2006" xmlns:a14="http://schemas.microsoft.com/office/drawing/2010/main">
+        <mc:Choice Requires="a14">
           <p:graphicFrame>
             <p:nvGraphicFramePr>
               <p:cNvPr id="4" name="표 3"/>
@@ -3097,15 +3098,7 @@
                                 <a:sysClr val="windowText" lastClr="000000"/>
                               </a:solidFill>
                             </a:rPr>
-                            <a:t> </a:t>
-                          </a:r>
-                          <a:r>
-                            <a:rPr lang="en-US" altLang="ko-KR" baseline="0" dirty="0" smtClean="0">
-                              <a:solidFill>
-                                <a:sysClr val="windowText" lastClr="000000"/>
-                              </a:solidFill>
-                            </a:rPr>
-                            <a:t>n</a:t>
+                            <a:t> n</a:t>
                           </a:r>
                           <a:endParaRPr lang="en-US" altLang="ko-KR" dirty="0" smtClean="0">
                             <a:solidFill>
@@ -4647,7 +4640,7 @@
             </a:graphic>
           </p:graphicFrame>
         </mc:Choice>
-        <mc:Fallback>
+        <mc:Fallback xmlns="">
           <p:graphicFrame>
             <p:nvGraphicFramePr>
               <p:cNvPr id="4" name="표 3"/>
@@ -5871,6 +5864,7425 @@
 </file>
 
 <file path=ppt/slides/slide2.xml><?xml version="1.0" encoding="utf-8"?>
+<p:sld xmlns:a="http://schemas.openxmlformats.org/drawingml/2006/main" xmlns:r="http://schemas.openxmlformats.org/officeDocument/2006/relationships" xmlns:p="http://schemas.openxmlformats.org/presentationml/2006/main">
+  <p:cSld>
+    <p:spTree>
+      <p:nvGrpSpPr>
+        <p:cNvPr id="1" name=""/>
+        <p:cNvGrpSpPr/>
+        <p:nvPr/>
+      </p:nvGrpSpPr>
+      <p:grpSpPr>
+        <a:xfrm>
+          <a:off x="0" y="0"/>
+          <a:ext cx="0" cy="0"/>
+          <a:chOff x="0" y="0"/>
+          <a:chExt cx="0" cy="0"/>
+        </a:xfrm>
+      </p:grpSpPr>
+      <mc:AlternateContent xmlns:mc="http://schemas.openxmlformats.org/markup-compatibility/2006">
+        <mc:Choice xmlns:a14="http://schemas.microsoft.com/office/drawing/2010/main" Requires="a14">
+          <p:graphicFrame>
+            <p:nvGraphicFramePr>
+              <p:cNvPr id="4" name="표 3"/>
+              <p:cNvGraphicFramePr>
+                <a:graphicFrameLocks noGrp="1"/>
+              </p:cNvGraphicFramePr>
+              <p:nvPr>
+                <p:extLst>
+                  <p:ext uri="{D42A27DB-BD31-4B8C-83A1-F6EECF244321}">
+                    <p14:modId xmlns:p14="http://schemas.microsoft.com/office/powerpoint/2010/main" val="4155608371"/>
+                  </p:ext>
+                </p:extLst>
+              </p:nvPr>
+            </p:nvGraphicFramePr>
+            <p:xfrm>
+              <a:off x="251521" y="860774"/>
+              <a:ext cx="8712966" cy="4553839"/>
+            </p:xfrm>
+            <a:graphic>
+              <a:graphicData uri="http://schemas.openxmlformats.org/drawingml/2006/table">
+                <a:tbl>
+                  <a:tblPr firstRow="1" bandRow="1">
+                    <a:tableStyleId>{5C22544A-7EE6-4342-B048-85BDC9FD1C3A}</a:tableStyleId>
+                  </a:tblPr>
+                  <a:tblGrid>
+                    <a:gridCol w="1008111"/>
+                    <a:gridCol w="2568285"/>
+                    <a:gridCol w="2568285"/>
+                    <a:gridCol w="2568285"/>
+                  </a:tblGrid>
+                  <a:tr h="370840">
+                    <a:tc rowSpan="6">
+                      <a:txBody>
+                        <a:bodyPr/>
+                        <a:lstStyle/>
+                        <a:p>
+                          <a:pPr algn="ctr" latinLnBrk="1"/>
+                          <a:r>
+                            <a:rPr lang="ko-KR" altLang="en-US" sz="1600" dirty="0" smtClean="0">
+                              <a:solidFill>
+                                <a:sysClr val="windowText" lastClr="000000"/>
+                              </a:solidFill>
+                            </a:rPr>
+                            <a:t>피험자</a:t>
+                          </a:r>
+                          <a:endParaRPr lang="en-US" altLang="ko-KR" sz="1600" dirty="0" smtClean="0">
+                            <a:solidFill>
+                              <a:sysClr val="windowText" lastClr="000000"/>
+                            </a:solidFill>
+                          </a:endParaRPr>
+                        </a:p>
+                        <a:p>
+                          <a:pPr algn="ctr" latinLnBrk="1"/>
+                          <a:r>
+                            <a:rPr lang="en-US" altLang="ko-KR" sz="1600" baseline="0" dirty="0" smtClean="0">
+                              <a:solidFill>
+                                <a:sysClr val="windowText" lastClr="000000"/>
+                              </a:solidFill>
+                            </a:rPr>
+                            <a:t>(n</a:t>
+                          </a:r>
+                          <a:r>
+                            <a:rPr lang="ko-KR" altLang="en-US" sz="1600" baseline="0" dirty="0" smtClean="0">
+                              <a:solidFill>
+                                <a:sysClr val="windowText" lastClr="000000"/>
+                              </a:solidFill>
+                            </a:rPr>
+                            <a:t>명</a:t>
+                          </a:r>
+                          <a:r>
+                            <a:rPr lang="en-US" altLang="ko-KR" sz="1600" baseline="0" dirty="0" smtClean="0">
+                              <a:solidFill>
+                                <a:sysClr val="windowText" lastClr="000000"/>
+                              </a:solidFill>
+                            </a:rPr>
+                            <a:t>)</a:t>
+                          </a:r>
+                          <a:endParaRPr lang="en-US" altLang="ko-KR" sz="1600" dirty="0" smtClean="0">
+                            <a:solidFill>
+                              <a:sysClr val="windowText" lastClr="000000"/>
+                            </a:solidFill>
+                          </a:endParaRPr>
+                        </a:p>
+                      </a:txBody>
+                      <a:tcPr anchor="ctr">
+                        <a:lnL w="12700" cap="flat" cmpd="sng" algn="ctr">
+                          <a:solidFill>
+                            <a:schemeClr val="tx1"/>
+                          </a:solidFill>
+                          <a:prstDash val="solid"/>
+                          <a:round/>
+                          <a:headEnd type="none" w="med" len="med"/>
+                          <a:tailEnd type="none" w="med" len="med"/>
+                        </a:lnL>
+                        <a:lnR w="12700" cap="flat" cmpd="sng" algn="ctr">
+                          <a:solidFill>
+                            <a:schemeClr val="tx1"/>
+                          </a:solidFill>
+                          <a:prstDash val="solid"/>
+                          <a:round/>
+                          <a:headEnd type="none" w="med" len="med"/>
+                          <a:tailEnd type="none" w="med" len="med"/>
+                        </a:lnR>
+                        <a:lnT w="12700" cap="flat" cmpd="sng" algn="ctr">
+                          <a:solidFill>
+                            <a:schemeClr val="tx1"/>
+                          </a:solidFill>
+                          <a:prstDash val="solid"/>
+                          <a:round/>
+                          <a:headEnd type="none" w="med" len="med"/>
+                          <a:tailEnd type="none" w="med" len="med"/>
+                        </a:lnT>
+                        <a:lnB w="12700" cap="flat" cmpd="sng" algn="ctr">
+                          <a:solidFill>
+                            <a:schemeClr val="tx1"/>
+                          </a:solidFill>
+                          <a:prstDash val="solid"/>
+                          <a:round/>
+                          <a:headEnd type="none" w="med" len="med"/>
+                          <a:tailEnd type="none" w="med" len="med"/>
+                        </a:lnB>
+                        <a:lnTlToBr w="12700" cmpd="sng">
+                          <a:noFill/>
+                          <a:prstDash val="solid"/>
+                        </a:lnTlToBr>
+                        <a:lnBlToTr w="12700" cmpd="sng">
+                          <a:noFill/>
+                          <a:prstDash val="solid"/>
+                        </a:lnBlToTr>
+                        <a:solidFill>
+                          <a:schemeClr val="bg2"/>
+                        </a:solidFill>
+                      </a:tcPr>
+                    </a:tc>
+                    <a:tc>
+                      <a:txBody>
+                        <a:bodyPr/>
+                        <a:lstStyle/>
+                        <a:p>
+                          <a:pPr algn="ctr" latinLnBrk="1"/>
+                          <a:r>
+                            <a:rPr lang="en-US" altLang="ko-KR" sz="1600" dirty="0" smtClean="0">
+                              <a:solidFill>
+                                <a:sysClr val="windowText" lastClr="000000"/>
+                              </a:solidFill>
+                            </a:rPr>
+                            <a:t>Before</a:t>
+                          </a:r>
+                          <a:endParaRPr lang="ko-KR" altLang="en-US" sz="1600" dirty="0">
+                            <a:solidFill>
+                              <a:sysClr val="windowText" lastClr="000000"/>
+                            </a:solidFill>
+                          </a:endParaRPr>
+                        </a:p>
+                      </a:txBody>
+                      <a:tcPr anchor="ctr">
+                        <a:lnL w="12700" cap="flat" cmpd="sng" algn="ctr">
+                          <a:solidFill>
+                            <a:schemeClr val="tx1"/>
+                          </a:solidFill>
+                          <a:prstDash val="solid"/>
+                          <a:round/>
+                          <a:headEnd type="none" w="med" len="med"/>
+                          <a:tailEnd type="none" w="med" len="med"/>
+                        </a:lnL>
+                        <a:lnR w="12700" cap="flat" cmpd="sng" algn="ctr">
+                          <a:solidFill>
+                            <a:schemeClr val="tx1"/>
+                          </a:solidFill>
+                          <a:prstDash val="solid"/>
+                          <a:round/>
+                          <a:headEnd type="none" w="med" len="med"/>
+                          <a:tailEnd type="none" w="med" len="med"/>
+                        </a:lnR>
+                        <a:lnT w="12700" cap="flat" cmpd="sng" algn="ctr">
+                          <a:solidFill>
+                            <a:schemeClr val="tx1"/>
+                          </a:solidFill>
+                          <a:prstDash val="solid"/>
+                          <a:round/>
+                          <a:headEnd type="none" w="med" len="med"/>
+                          <a:tailEnd type="none" w="med" len="med"/>
+                        </a:lnT>
+                        <a:lnB w="12700" cap="flat" cmpd="sng" algn="ctr">
+                          <a:solidFill>
+                            <a:schemeClr val="tx1"/>
+                          </a:solidFill>
+                          <a:prstDash val="solid"/>
+                          <a:round/>
+                          <a:headEnd type="none" w="med" len="med"/>
+                          <a:tailEnd type="none" w="med" len="med"/>
+                        </a:lnB>
+                        <a:lnTlToBr w="12700" cmpd="sng">
+                          <a:noFill/>
+                          <a:prstDash val="solid"/>
+                        </a:lnTlToBr>
+                        <a:lnBlToTr w="12700" cmpd="sng">
+                          <a:noFill/>
+                          <a:prstDash val="solid"/>
+                        </a:lnBlToTr>
+                        <a:solidFill>
+                          <a:schemeClr val="bg2"/>
+                        </a:solidFill>
+                      </a:tcPr>
+                    </a:tc>
+                    <a:tc>
+                      <a:txBody>
+                        <a:bodyPr/>
+                        <a:lstStyle/>
+                        <a:p>
+                          <a:pPr algn="ctr" latinLnBrk="1"/>
+                          <a:r>
+                            <a:rPr lang="en-US" altLang="ko-KR" sz="1600" dirty="0" smtClean="0">
+                              <a:solidFill>
+                                <a:sysClr val="windowText" lastClr="000000"/>
+                              </a:solidFill>
+                            </a:rPr>
+                            <a:t>After</a:t>
+                          </a:r>
+                          <a:endParaRPr lang="ko-KR" altLang="en-US" sz="1600" dirty="0">
+                            <a:solidFill>
+                              <a:sysClr val="windowText" lastClr="000000"/>
+                            </a:solidFill>
+                          </a:endParaRPr>
+                        </a:p>
+                      </a:txBody>
+                      <a:tcPr anchor="ctr">
+                        <a:lnL w="12700" cap="flat" cmpd="sng" algn="ctr">
+                          <a:solidFill>
+                            <a:schemeClr val="tx1"/>
+                          </a:solidFill>
+                          <a:prstDash val="solid"/>
+                          <a:round/>
+                          <a:headEnd type="none" w="med" len="med"/>
+                          <a:tailEnd type="none" w="med" len="med"/>
+                        </a:lnL>
+                        <a:lnR w="12700" cap="flat" cmpd="sng" algn="ctr">
+                          <a:solidFill>
+                            <a:schemeClr val="tx1"/>
+                          </a:solidFill>
+                          <a:prstDash val="solid"/>
+                          <a:round/>
+                          <a:headEnd type="none" w="med" len="med"/>
+                          <a:tailEnd type="none" w="med" len="med"/>
+                        </a:lnR>
+                        <a:lnT w="12700" cap="flat" cmpd="sng" algn="ctr">
+                          <a:solidFill>
+                            <a:schemeClr val="tx1"/>
+                          </a:solidFill>
+                          <a:prstDash val="solid"/>
+                          <a:round/>
+                          <a:headEnd type="none" w="med" len="med"/>
+                          <a:tailEnd type="none" w="med" len="med"/>
+                        </a:lnT>
+                        <a:lnB w="12700" cap="flat" cmpd="sng" algn="ctr">
+                          <a:solidFill>
+                            <a:schemeClr val="tx1"/>
+                          </a:solidFill>
+                          <a:prstDash val="solid"/>
+                          <a:round/>
+                          <a:headEnd type="none" w="med" len="med"/>
+                          <a:tailEnd type="none" w="med" len="med"/>
+                        </a:lnB>
+                        <a:lnTlToBr w="12700" cmpd="sng">
+                          <a:noFill/>
+                          <a:prstDash val="solid"/>
+                        </a:lnTlToBr>
+                        <a:lnBlToTr w="12700" cmpd="sng">
+                          <a:noFill/>
+                          <a:prstDash val="solid"/>
+                        </a:lnBlToTr>
+                        <a:solidFill>
+                          <a:schemeClr val="bg2"/>
+                        </a:solidFill>
+                      </a:tcPr>
+                    </a:tc>
+                    <a:tc>
+                      <a:txBody>
+                        <a:bodyPr/>
+                        <a:lstStyle/>
+                        <a:p>
+                          <a:pPr algn="ctr" latinLnBrk="1"/>
+                          <a:r>
+                            <a:rPr lang="en-US" altLang="ko-KR" sz="1600" dirty="0" smtClean="0">
+                              <a:solidFill>
+                                <a:sysClr val="windowText" lastClr="000000"/>
+                              </a:solidFill>
+                            </a:rPr>
+                            <a:t>d = After-Before</a:t>
+                          </a:r>
+                          <a:endParaRPr lang="ko-KR" altLang="en-US" sz="1600" dirty="0">
+                            <a:solidFill>
+                              <a:sysClr val="windowText" lastClr="000000"/>
+                            </a:solidFill>
+                          </a:endParaRPr>
+                        </a:p>
+                      </a:txBody>
+                      <a:tcPr anchor="ctr">
+                        <a:lnL w="12700" cap="flat" cmpd="sng" algn="ctr">
+                          <a:solidFill>
+                            <a:schemeClr val="tx1"/>
+                          </a:solidFill>
+                          <a:prstDash val="solid"/>
+                          <a:round/>
+                          <a:headEnd type="none" w="med" len="med"/>
+                          <a:tailEnd type="none" w="med" len="med"/>
+                        </a:lnL>
+                        <a:lnR w="12700" cap="flat" cmpd="sng" algn="ctr">
+                          <a:solidFill>
+                            <a:schemeClr val="tx1"/>
+                          </a:solidFill>
+                          <a:prstDash val="solid"/>
+                          <a:round/>
+                          <a:headEnd type="none" w="med" len="med"/>
+                          <a:tailEnd type="none" w="med" len="med"/>
+                        </a:lnR>
+                        <a:lnT w="12700" cap="flat" cmpd="sng" algn="ctr">
+                          <a:solidFill>
+                            <a:schemeClr val="tx1"/>
+                          </a:solidFill>
+                          <a:prstDash val="solid"/>
+                          <a:round/>
+                          <a:headEnd type="none" w="med" len="med"/>
+                          <a:tailEnd type="none" w="med" len="med"/>
+                        </a:lnT>
+                        <a:lnB w="12700" cap="flat" cmpd="sng" algn="ctr">
+                          <a:solidFill>
+                            <a:schemeClr val="tx1"/>
+                          </a:solidFill>
+                          <a:prstDash val="solid"/>
+                          <a:round/>
+                          <a:headEnd type="none" w="med" len="med"/>
+                          <a:tailEnd type="none" w="med" len="med"/>
+                        </a:lnB>
+                        <a:lnTlToBr w="12700" cmpd="sng">
+                          <a:noFill/>
+                          <a:prstDash val="solid"/>
+                        </a:lnTlToBr>
+                        <a:lnBlToTr w="12700" cmpd="sng">
+                          <a:noFill/>
+                          <a:prstDash val="solid"/>
+                        </a:lnBlToTr>
+                        <a:solidFill>
+                          <a:schemeClr val="bg2"/>
+                        </a:solidFill>
+                      </a:tcPr>
+                    </a:tc>
+                  </a:tr>
+                  <a:tr h="370840">
+                    <a:tc vMerge="1">
+                      <a:txBody>
+                        <a:bodyPr/>
+                        <a:lstStyle/>
+                        <a:p>
+                          <a:pPr algn="ctr" latinLnBrk="1"/>
+                          <a:endParaRPr lang="ko-KR" altLang="en-US" dirty="0">
+                            <a:solidFill>
+                              <a:sysClr val="windowText" lastClr="000000"/>
+                            </a:solidFill>
+                          </a:endParaRPr>
+                        </a:p>
+                      </a:txBody>
+                      <a:tcPr anchor="ctr">
+                        <a:lnL w="12700" cap="flat" cmpd="sng" algn="ctr">
+                          <a:solidFill>
+                            <a:schemeClr val="tx1"/>
+                          </a:solidFill>
+                          <a:prstDash val="solid"/>
+                          <a:round/>
+                          <a:headEnd type="none" w="med" len="med"/>
+                          <a:tailEnd type="none" w="med" len="med"/>
+                        </a:lnL>
+                        <a:lnR w="12700" cap="flat" cmpd="sng" algn="ctr">
+                          <a:solidFill>
+                            <a:schemeClr val="tx1"/>
+                          </a:solidFill>
+                          <a:prstDash val="solid"/>
+                          <a:round/>
+                          <a:headEnd type="none" w="med" len="med"/>
+                          <a:tailEnd type="none" w="med" len="med"/>
+                        </a:lnR>
+                        <a:lnT w="12700" cap="flat" cmpd="sng" algn="ctr">
+                          <a:solidFill>
+                            <a:schemeClr val="tx1"/>
+                          </a:solidFill>
+                          <a:prstDash val="solid"/>
+                          <a:round/>
+                          <a:headEnd type="none" w="med" len="med"/>
+                          <a:tailEnd type="none" w="med" len="med"/>
+                        </a:lnT>
+                        <a:lnB w="12700" cap="flat" cmpd="sng" algn="ctr">
+                          <a:solidFill>
+                            <a:schemeClr val="tx1"/>
+                          </a:solidFill>
+                          <a:prstDash val="solid"/>
+                          <a:round/>
+                          <a:headEnd type="none" w="med" len="med"/>
+                          <a:tailEnd type="none" w="med" len="med"/>
+                        </a:lnB>
+                        <a:lnTlToBr w="12700" cmpd="sng">
+                          <a:noFill/>
+                          <a:prstDash val="solid"/>
+                        </a:lnTlToBr>
+                        <a:lnBlToTr w="12700" cmpd="sng">
+                          <a:noFill/>
+                          <a:prstDash val="solid"/>
+                        </a:lnBlToTr>
+                        <a:solidFill>
+                          <a:schemeClr val="bg2"/>
+                        </a:solidFill>
+                      </a:tcPr>
+                    </a:tc>
+                    <a:tc>
+                      <a:txBody>
+                        <a:bodyPr/>
+                        <a:lstStyle/>
+                        <a:p>
+                          <a:pPr algn="ctr" latinLnBrk="1"/>
+                          <a14:m>
+                            <m:oMathPara xmlns:m="http://schemas.openxmlformats.org/officeDocument/2006/math">
+                              <m:oMathParaPr>
+                                <m:jc m:val="centerGroup"/>
+                              </m:oMathParaPr>
+                              <m:oMath xmlns:m="http://schemas.openxmlformats.org/officeDocument/2006/math">
+                                <m:sSub>
+                                  <m:sSubPr>
+                                    <m:ctrlPr>
+                                      <a:rPr lang="en-US" altLang="ko-KR" sz="1600" b="0" i="1" smtClean="0">
+                                        <a:solidFill>
+                                          <a:sysClr val="windowText" lastClr="000000"/>
+                                        </a:solidFill>
+                                        <a:latin typeface="Cambria Math"/>
+                                      </a:rPr>
+                                    </m:ctrlPr>
+                                  </m:sSubPr>
+                                  <m:e>
+                                    <m:r>
+                                      <a:rPr lang="en-US" altLang="ko-KR" sz="1600" b="0" i="1" smtClean="0">
+                                        <a:solidFill>
+                                          <a:sysClr val="windowText" lastClr="000000"/>
+                                        </a:solidFill>
+                                        <a:latin typeface="Cambria Math"/>
+                                      </a:rPr>
+                                      <m:t>𝑋</m:t>
+                                    </m:r>
+                                  </m:e>
+                                  <m:sub>
+                                    <m:r>
+                                      <a:rPr lang="en-US" altLang="ko-KR" sz="1600" b="0" i="1" smtClean="0">
+                                        <a:solidFill>
+                                          <a:sysClr val="windowText" lastClr="000000"/>
+                                        </a:solidFill>
+                                        <a:latin typeface="Cambria Math"/>
+                                      </a:rPr>
+                                      <m:t>11</m:t>
+                                    </m:r>
+                                  </m:sub>
+                                </m:sSub>
+                              </m:oMath>
+                            </m:oMathPara>
+                          </a14:m>
+                          <a:endParaRPr lang="ko-KR" altLang="en-US" sz="1600" dirty="0">
+                            <a:solidFill>
+                              <a:sysClr val="windowText" lastClr="000000"/>
+                            </a:solidFill>
+                          </a:endParaRPr>
+                        </a:p>
+                      </a:txBody>
+                      <a:tcPr anchor="ctr">
+                        <a:lnL w="12700" cap="flat" cmpd="sng" algn="ctr">
+                          <a:solidFill>
+                            <a:schemeClr val="tx1"/>
+                          </a:solidFill>
+                          <a:prstDash val="solid"/>
+                          <a:round/>
+                          <a:headEnd type="none" w="med" len="med"/>
+                          <a:tailEnd type="none" w="med" len="med"/>
+                        </a:lnL>
+                        <a:lnR w="12700" cap="flat" cmpd="sng" algn="ctr">
+                          <a:solidFill>
+                            <a:schemeClr val="tx1"/>
+                          </a:solidFill>
+                          <a:prstDash val="solid"/>
+                          <a:round/>
+                          <a:headEnd type="none" w="med" len="med"/>
+                          <a:tailEnd type="none" w="med" len="med"/>
+                        </a:lnR>
+                        <a:lnT w="12700" cap="flat" cmpd="sng" algn="ctr">
+                          <a:solidFill>
+                            <a:schemeClr val="tx1"/>
+                          </a:solidFill>
+                          <a:prstDash val="solid"/>
+                          <a:round/>
+                          <a:headEnd type="none" w="med" len="med"/>
+                          <a:tailEnd type="none" w="med" len="med"/>
+                        </a:lnT>
+                        <a:lnB w="12700" cap="flat" cmpd="sng" algn="ctr">
+                          <a:solidFill>
+                            <a:schemeClr val="tx1"/>
+                          </a:solidFill>
+                          <a:prstDash val="solid"/>
+                          <a:round/>
+                          <a:headEnd type="none" w="med" len="med"/>
+                          <a:tailEnd type="none" w="med" len="med"/>
+                        </a:lnB>
+                        <a:lnTlToBr w="12700" cmpd="sng">
+                          <a:noFill/>
+                          <a:prstDash val="solid"/>
+                        </a:lnTlToBr>
+                        <a:lnBlToTr w="12700" cmpd="sng">
+                          <a:noFill/>
+                          <a:prstDash val="solid"/>
+                        </a:lnBlToTr>
+                        <a:solidFill>
+                          <a:schemeClr val="bg1"/>
+                        </a:solidFill>
+                      </a:tcPr>
+                    </a:tc>
+                    <a:tc>
+                      <a:txBody>
+                        <a:bodyPr/>
+                        <a:lstStyle/>
+                        <a:p>
+                          <a:pPr algn="ctr" latinLnBrk="1"/>
+                          <a14:m>
+                            <m:oMathPara xmlns:m="http://schemas.openxmlformats.org/officeDocument/2006/math">
+                              <m:oMathParaPr>
+                                <m:jc m:val="centerGroup"/>
+                              </m:oMathParaPr>
+                              <m:oMath xmlns:m="http://schemas.openxmlformats.org/officeDocument/2006/math">
+                                <m:sSub>
+                                  <m:sSubPr>
+                                    <m:ctrlPr>
+                                      <a:rPr lang="en-US" altLang="ko-KR" sz="1600" b="0" i="1" smtClean="0">
+                                        <a:solidFill>
+                                          <a:sysClr val="windowText" lastClr="000000"/>
+                                        </a:solidFill>
+                                        <a:latin typeface="Cambria Math"/>
+                                      </a:rPr>
+                                    </m:ctrlPr>
+                                  </m:sSubPr>
+                                  <m:e>
+                                    <m:r>
+                                      <a:rPr lang="en-US" altLang="ko-KR" sz="1600" b="0" i="1" smtClean="0">
+                                        <a:solidFill>
+                                          <a:sysClr val="windowText" lastClr="000000"/>
+                                        </a:solidFill>
+                                        <a:latin typeface="Cambria Math"/>
+                                      </a:rPr>
+                                      <m:t>𝑋</m:t>
+                                    </m:r>
+                                  </m:e>
+                                  <m:sub>
+                                    <m:r>
+                                      <a:rPr lang="en-US" altLang="ko-KR" sz="1600" b="0" i="1" smtClean="0">
+                                        <a:solidFill>
+                                          <a:sysClr val="windowText" lastClr="000000"/>
+                                        </a:solidFill>
+                                        <a:latin typeface="Cambria Math"/>
+                                      </a:rPr>
+                                      <m:t>21</m:t>
+                                    </m:r>
+                                  </m:sub>
+                                </m:sSub>
+                              </m:oMath>
+                            </m:oMathPara>
+                          </a14:m>
+                          <a:endParaRPr lang="ko-KR" altLang="en-US" sz="1600" dirty="0">
+                            <a:solidFill>
+                              <a:sysClr val="windowText" lastClr="000000"/>
+                            </a:solidFill>
+                          </a:endParaRPr>
+                        </a:p>
+                      </a:txBody>
+                      <a:tcPr anchor="ctr">
+                        <a:lnL w="12700" cap="flat" cmpd="sng" algn="ctr">
+                          <a:solidFill>
+                            <a:schemeClr val="tx1"/>
+                          </a:solidFill>
+                          <a:prstDash val="solid"/>
+                          <a:round/>
+                          <a:headEnd type="none" w="med" len="med"/>
+                          <a:tailEnd type="none" w="med" len="med"/>
+                        </a:lnL>
+                        <a:lnR w="12700" cap="flat" cmpd="sng" algn="ctr">
+                          <a:solidFill>
+                            <a:schemeClr val="tx1"/>
+                          </a:solidFill>
+                          <a:prstDash val="solid"/>
+                          <a:round/>
+                          <a:headEnd type="none" w="med" len="med"/>
+                          <a:tailEnd type="none" w="med" len="med"/>
+                        </a:lnR>
+                        <a:lnT w="12700" cap="flat" cmpd="sng" algn="ctr">
+                          <a:solidFill>
+                            <a:schemeClr val="tx1"/>
+                          </a:solidFill>
+                          <a:prstDash val="solid"/>
+                          <a:round/>
+                          <a:headEnd type="none" w="med" len="med"/>
+                          <a:tailEnd type="none" w="med" len="med"/>
+                        </a:lnT>
+                        <a:lnB w="12700" cap="flat" cmpd="sng" algn="ctr">
+                          <a:solidFill>
+                            <a:schemeClr val="tx1"/>
+                          </a:solidFill>
+                          <a:prstDash val="solid"/>
+                          <a:round/>
+                          <a:headEnd type="none" w="med" len="med"/>
+                          <a:tailEnd type="none" w="med" len="med"/>
+                        </a:lnB>
+                        <a:lnTlToBr w="12700" cmpd="sng">
+                          <a:noFill/>
+                          <a:prstDash val="solid"/>
+                        </a:lnTlToBr>
+                        <a:lnBlToTr w="12700" cmpd="sng">
+                          <a:noFill/>
+                          <a:prstDash val="solid"/>
+                        </a:lnBlToTr>
+                        <a:solidFill>
+                          <a:schemeClr val="bg1"/>
+                        </a:solidFill>
+                      </a:tcPr>
+                    </a:tc>
+                    <a:tc>
+                      <a:txBody>
+                        <a:bodyPr/>
+                        <a:lstStyle/>
+                        <a:p>
+                          <a:pPr algn="ctr" latinLnBrk="1"/>
+                          <a14:m>
+                            <m:oMathPara xmlns:m="http://schemas.openxmlformats.org/officeDocument/2006/math">
+                              <m:oMathParaPr>
+                                <m:jc m:val="centerGroup"/>
+                              </m:oMathParaPr>
+                              <m:oMath xmlns:m="http://schemas.openxmlformats.org/officeDocument/2006/math">
+                                <m:sSub>
+                                  <m:sSubPr>
+                                    <m:ctrlPr>
+                                      <a:rPr lang="en-US" altLang="ko-KR" sz="1600" b="0" i="1" smtClean="0">
+                                        <a:solidFill>
+                                          <a:sysClr val="windowText" lastClr="000000"/>
+                                        </a:solidFill>
+                                        <a:latin typeface="Cambria Math"/>
+                                      </a:rPr>
+                                    </m:ctrlPr>
+                                  </m:sSubPr>
+                                  <m:e>
+                                    <m:r>
+                                      <a:rPr lang="en-US" altLang="ko-KR" sz="1600" b="0" i="1" smtClean="0">
+                                        <a:solidFill>
+                                          <a:sysClr val="windowText" lastClr="000000"/>
+                                        </a:solidFill>
+                                        <a:latin typeface="Cambria Math"/>
+                                      </a:rPr>
+                                      <m:t>𝑑</m:t>
+                                    </m:r>
+                                  </m:e>
+                                  <m:sub>
+                                    <m:r>
+                                      <a:rPr lang="en-US" altLang="ko-KR" sz="1600" b="0" i="1" smtClean="0">
+                                        <a:solidFill>
+                                          <a:sysClr val="windowText" lastClr="000000"/>
+                                        </a:solidFill>
+                                        <a:latin typeface="Cambria Math"/>
+                                      </a:rPr>
+                                      <m:t>1</m:t>
+                                    </m:r>
+                                  </m:sub>
+                                </m:sSub>
+                                <m:r>
+                                  <a:rPr lang="en-US" altLang="ko-KR" sz="1600" b="0" i="1" smtClean="0">
+                                    <a:solidFill>
+                                      <a:sysClr val="windowText" lastClr="000000"/>
+                                    </a:solidFill>
+                                    <a:latin typeface="Cambria Math"/>
+                                  </a:rPr>
+                                  <m:t>=</m:t>
+                                </m:r>
+                                <m:sSub>
+                                  <m:sSubPr>
+                                    <m:ctrlPr>
+                                      <a:rPr lang="en-US" altLang="ko-KR" sz="1600" b="0" i="1" smtClean="0">
+                                        <a:solidFill>
+                                          <a:sysClr val="windowText" lastClr="000000"/>
+                                        </a:solidFill>
+                                        <a:latin typeface="Cambria Math"/>
+                                      </a:rPr>
+                                    </m:ctrlPr>
+                                  </m:sSubPr>
+                                  <m:e>
+                                    <m:r>
+                                      <a:rPr lang="en-US" altLang="ko-KR" sz="1600" b="0" i="1" smtClean="0">
+                                        <a:solidFill>
+                                          <a:sysClr val="windowText" lastClr="000000"/>
+                                        </a:solidFill>
+                                        <a:latin typeface="Cambria Math"/>
+                                      </a:rPr>
+                                      <m:t>𝑋</m:t>
+                                    </m:r>
+                                  </m:e>
+                                  <m:sub>
+                                    <m:r>
+                                      <a:rPr lang="en-US" altLang="ko-KR" sz="1600" b="0" i="1" smtClean="0">
+                                        <a:solidFill>
+                                          <a:sysClr val="windowText" lastClr="000000"/>
+                                        </a:solidFill>
+                                        <a:latin typeface="Cambria Math"/>
+                                      </a:rPr>
+                                      <m:t>21</m:t>
+                                    </m:r>
+                                  </m:sub>
+                                </m:sSub>
+                                <m:r>
+                                  <a:rPr lang="en-US" altLang="ko-KR" sz="1600" b="0" i="1" smtClean="0">
+                                    <a:solidFill>
+                                      <a:sysClr val="windowText" lastClr="000000"/>
+                                    </a:solidFill>
+                                    <a:latin typeface="Cambria Math"/>
+                                  </a:rPr>
+                                  <m:t>−</m:t>
+                                </m:r>
+                                <m:sSub>
+                                  <m:sSubPr>
+                                    <m:ctrlPr>
+                                      <a:rPr lang="en-US" altLang="ko-KR" sz="1600" b="0" i="1" smtClean="0">
+                                        <a:solidFill>
+                                          <a:sysClr val="windowText" lastClr="000000"/>
+                                        </a:solidFill>
+                                        <a:latin typeface="Cambria Math"/>
+                                      </a:rPr>
+                                    </m:ctrlPr>
+                                  </m:sSubPr>
+                                  <m:e>
+                                    <m:r>
+                                      <a:rPr lang="en-US" altLang="ko-KR" sz="1600" b="0" i="1" smtClean="0">
+                                        <a:solidFill>
+                                          <a:sysClr val="windowText" lastClr="000000"/>
+                                        </a:solidFill>
+                                        <a:latin typeface="Cambria Math"/>
+                                      </a:rPr>
+                                      <m:t>𝑋</m:t>
+                                    </m:r>
+                                  </m:e>
+                                  <m:sub>
+                                    <m:r>
+                                      <a:rPr lang="en-US" altLang="ko-KR" sz="1600" b="0" i="1" smtClean="0">
+                                        <a:solidFill>
+                                          <a:sysClr val="windowText" lastClr="000000"/>
+                                        </a:solidFill>
+                                        <a:latin typeface="Cambria Math"/>
+                                      </a:rPr>
+                                      <m:t>11</m:t>
+                                    </m:r>
+                                  </m:sub>
+                                </m:sSub>
+                              </m:oMath>
+                            </m:oMathPara>
+                          </a14:m>
+                          <a:endParaRPr lang="ko-KR" altLang="en-US" sz="1600" dirty="0">
+                            <a:solidFill>
+                              <a:sysClr val="windowText" lastClr="000000"/>
+                            </a:solidFill>
+                          </a:endParaRPr>
+                        </a:p>
+                      </a:txBody>
+                      <a:tcPr anchor="ctr">
+                        <a:lnL w="12700" cap="flat" cmpd="sng" algn="ctr">
+                          <a:solidFill>
+                            <a:schemeClr val="tx1"/>
+                          </a:solidFill>
+                          <a:prstDash val="solid"/>
+                          <a:round/>
+                          <a:headEnd type="none" w="med" len="med"/>
+                          <a:tailEnd type="none" w="med" len="med"/>
+                        </a:lnL>
+                        <a:lnR w="12700" cap="flat" cmpd="sng" algn="ctr">
+                          <a:solidFill>
+                            <a:schemeClr val="tx1"/>
+                          </a:solidFill>
+                          <a:prstDash val="solid"/>
+                          <a:round/>
+                          <a:headEnd type="none" w="med" len="med"/>
+                          <a:tailEnd type="none" w="med" len="med"/>
+                        </a:lnR>
+                        <a:lnT w="12700" cap="flat" cmpd="sng" algn="ctr">
+                          <a:solidFill>
+                            <a:schemeClr val="tx1"/>
+                          </a:solidFill>
+                          <a:prstDash val="solid"/>
+                          <a:round/>
+                          <a:headEnd type="none" w="med" len="med"/>
+                          <a:tailEnd type="none" w="med" len="med"/>
+                        </a:lnT>
+                        <a:lnB w="12700" cap="flat" cmpd="sng" algn="ctr">
+                          <a:solidFill>
+                            <a:schemeClr val="tx1"/>
+                          </a:solidFill>
+                          <a:prstDash val="solid"/>
+                          <a:round/>
+                          <a:headEnd type="none" w="med" len="med"/>
+                          <a:tailEnd type="none" w="med" len="med"/>
+                        </a:lnB>
+                        <a:lnTlToBr w="12700" cmpd="sng">
+                          <a:noFill/>
+                          <a:prstDash val="solid"/>
+                        </a:lnTlToBr>
+                        <a:lnBlToTr w="12700" cmpd="sng">
+                          <a:noFill/>
+                          <a:prstDash val="solid"/>
+                        </a:lnBlToTr>
+                        <a:solidFill>
+                          <a:schemeClr val="bg1"/>
+                        </a:solidFill>
+                      </a:tcPr>
+                    </a:tc>
+                  </a:tr>
+                  <a:tr h="370840">
+                    <a:tc vMerge="1">
+                      <a:txBody>
+                        <a:bodyPr/>
+                        <a:lstStyle/>
+                        <a:p>
+                          <a:pPr algn="ctr" latinLnBrk="1"/>
+                          <a:endParaRPr lang="ko-KR" altLang="en-US" dirty="0">
+                            <a:solidFill>
+                              <a:sysClr val="windowText" lastClr="000000"/>
+                            </a:solidFill>
+                          </a:endParaRPr>
+                        </a:p>
+                      </a:txBody>
+                      <a:tcPr anchor="ctr">
+                        <a:lnL w="12700" cap="flat" cmpd="sng" algn="ctr">
+                          <a:solidFill>
+                            <a:schemeClr val="tx1"/>
+                          </a:solidFill>
+                          <a:prstDash val="solid"/>
+                          <a:round/>
+                          <a:headEnd type="none" w="med" len="med"/>
+                          <a:tailEnd type="none" w="med" len="med"/>
+                        </a:lnL>
+                        <a:lnR w="12700" cap="flat" cmpd="sng" algn="ctr">
+                          <a:solidFill>
+                            <a:schemeClr val="tx1"/>
+                          </a:solidFill>
+                          <a:prstDash val="solid"/>
+                          <a:round/>
+                          <a:headEnd type="none" w="med" len="med"/>
+                          <a:tailEnd type="none" w="med" len="med"/>
+                        </a:lnR>
+                        <a:lnT w="12700" cap="flat" cmpd="sng" algn="ctr">
+                          <a:solidFill>
+                            <a:schemeClr val="tx1"/>
+                          </a:solidFill>
+                          <a:prstDash val="solid"/>
+                          <a:round/>
+                          <a:headEnd type="none" w="med" len="med"/>
+                          <a:tailEnd type="none" w="med" len="med"/>
+                        </a:lnT>
+                        <a:lnB w="12700" cap="flat" cmpd="sng" algn="ctr">
+                          <a:solidFill>
+                            <a:schemeClr val="tx1"/>
+                          </a:solidFill>
+                          <a:prstDash val="solid"/>
+                          <a:round/>
+                          <a:headEnd type="none" w="med" len="med"/>
+                          <a:tailEnd type="none" w="med" len="med"/>
+                        </a:lnB>
+                        <a:lnTlToBr w="12700" cmpd="sng">
+                          <a:noFill/>
+                          <a:prstDash val="solid"/>
+                        </a:lnTlToBr>
+                        <a:lnBlToTr w="12700" cmpd="sng">
+                          <a:noFill/>
+                          <a:prstDash val="solid"/>
+                        </a:lnBlToTr>
+                        <a:solidFill>
+                          <a:schemeClr val="bg2"/>
+                        </a:solidFill>
+                      </a:tcPr>
+                    </a:tc>
+                    <a:tc>
+                      <a:txBody>
+                        <a:bodyPr/>
+                        <a:lstStyle/>
+                        <a:p>
+                          <a:pPr algn="ctr" latinLnBrk="1"/>
+                          <a14:m>
+                            <m:oMathPara xmlns:m="http://schemas.openxmlformats.org/officeDocument/2006/math">
+                              <m:oMathParaPr>
+                                <m:jc m:val="centerGroup"/>
+                              </m:oMathParaPr>
+                              <m:oMath xmlns:m="http://schemas.openxmlformats.org/officeDocument/2006/math">
+                                <m:sSub>
+                                  <m:sSubPr>
+                                    <m:ctrlPr>
+                                      <a:rPr lang="en-US" altLang="ko-KR" sz="1600" b="0" i="1" smtClean="0">
+                                        <a:solidFill>
+                                          <a:sysClr val="windowText" lastClr="000000"/>
+                                        </a:solidFill>
+                                        <a:latin typeface="Cambria Math"/>
+                                      </a:rPr>
+                                    </m:ctrlPr>
+                                  </m:sSubPr>
+                                  <m:e>
+                                    <m:r>
+                                      <a:rPr lang="en-US" altLang="ko-KR" sz="1600" b="0" i="1" smtClean="0">
+                                        <a:solidFill>
+                                          <a:sysClr val="windowText" lastClr="000000"/>
+                                        </a:solidFill>
+                                        <a:latin typeface="Cambria Math"/>
+                                      </a:rPr>
+                                      <m:t>𝑋</m:t>
+                                    </m:r>
+                                  </m:e>
+                                  <m:sub>
+                                    <m:r>
+                                      <a:rPr lang="en-US" altLang="ko-KR" sz="1600" b="0" i="1" smtClean="0">
+                                        <a:solidFill>
+                                          <a:sysClr val="windowText" lastClr="000000"/>
+                                        </a:solidFill>
+                                        <a:latin typeface="Cambria Math"/>
+                                      </a:rPr>
+                                      <m:t>12</m:t>
+                                    </m:r>
+                                  </m:sub>
+                                </m:sSub>
+                              </m:oMath>
+                            </m:oMathPara>
+                          </a14:m>
+                          <a:endParaRPr lang="ko-KR" altLang="en-US" sz="1600" dirty="0">
+                            <a:solidFill>
+                              <a:sysClr val="windowText" lastClr="000000"/>
+                            </a:solidFill>
+                          </a:endParaRPr>
+                        </a:p>
+                      </a:txBody>
+                      <a:tcPr anchor="ctr">
+                        <a:lnL w="12700" cap="flat" cmpd="sng" algn="ctr">
+                          <a:solidFill>
+                            <a:schemeClr val="tx1"/>
+                          </a:solidFill>
+                          <a:prstDash val="solid"/>
+                          <a:round/>
+                          <a:headEnd type="none" w="med" len="med"/>
+                          <a:tailEnd type="none" w="med" len="med"/>
+                        </a:lnL>
+                        <a:lnR w="12700" cap="flat" cmpd="sng" algn="ctr">
+                          <a:solidFill>
+                            <a:schemeClr val="tx1"/>
+                          </a:solidFill>
+                          <a:prstDash val="solid"/>
+                          <a:round/>
+                          <a:headEnd type="none" w="med" len="med"/>
+                          <a:tailEnd type="none" w="med" len="med"/>
+                        </a:lnR>
+                        <a:lnT w="12700" cap="flat" cmpd="sng" algn="ctr">
+                          <a:solidFill>
+                            <a:schemeClr val="tx1"/>
+                          </a:solidFill>
+                          <a:prstDash val="solid"/>
+                          <a:round/>
+                          <a:headEnd type="none" w="med" len="med"/>
+                          <a:tailEnd type="none" w="med" len="med"/>
+                        </a:lnT>
+                        <a:lnB w="12700" cap="flat" cmpd="sng" algn="ctr">
+                          <a:solidFill>
+                            <a:schemeClr val="tx1"/>
+                          </a:solidFill>
+                          <a:prstDash val="solid"/>
+                          <a:round/>
+                          <a:headEnd type="none" w="med" len="med"/>
+                          <a:tailEnd type="none" w="med" len="med"/>
+                        </a:lnB>
+                        <a:lnTlToBr w="12700" cmpd="sng">
+                          <a:noFill/>
+                          <a:prstDash val="solid"/>
+                        </a:lnTlToBr>
+                        <a:lnBlToTr w="12700" cmpd="sng">
+                          <a:noFill/>
+                          <a:prstDash val="solid"/>
+                        </a:lnBlToTr>
+                        <a:solidFill>
+                          <a:schemeClr val="bg1"/>
+                        </a:solidFill>
+                      </a:tcPr>
+                    </a:tc>
+                    <a:tc>
+                      <a:txBody>
+                        <a:bodyPr/>
+                        <a:lstStyle/>
+                        <a:p>
+                          <a:pPr algn="ctr" latinLnBrk="1"/>
+                          <a14:m>
+                            <m:oMathPara xmlns:m="http://schemas.openxmlformats.org/officeDocument/2006/math">
+                              <m:oMathParaPr>
+                                <m:jc m:val="centerGroup"/>
+                              </m:oMathParaPr>
+                              <m:oMath xmlns:m="http://schemas.openxmlformats.org/officeDocument/2006/math">
+                                <m:sSub>
+                                  <m:sSubPr>
+                                    <m:ctrlPr>
+                                      <a:rPr lang="en-US" altLang="ko-KR" sz="1600" b="0" i="1" smtClean="0">
+                                        <a:solidFill>
+                                          <a:sysClr val="windowText" lastClr="000000"/>
+                                        </a:solidFill>
+                                        <a:latin typeface="Cambria Math"/>
+                                      </a:rPr>
+                                    </m:ctrlPr>
+                                  </m:sSubPr>
+                                  <m:e>
+                                    <m:r>
+                                      <a:rPr lang="en-US" altLang="ko-KR" sz="1600" b="0" i="1" smtClean="0">
+                                        <a:solidFill>
+                                          <a:sysClr val="windowText" lastClr="000000"/>
+                                        </a:solidFill>
+                                        <a:latin typeface="Cambria Math"/>
+                                      </a:rPr>
+                                      <m:t>𝑋</m:t>
+                                    </m:r>
+                                  </m:e>
+                                  <m:sub>
+                                    <m:r>
+                                      <a:rPr lang="en-US" altLang="ko-KR" sz="1600" b="0" i="1" smtClean="0">
+                                        <a:solidFill>
+                                          <a:sysClr val="windowText" lastClr="000000"/>
+                                        </a:solidFill>
+                                        <a:latin typeface="Cambria Math"/>
+                                      </a:rPr>
+                                      <m:t>22</m:t>
+                                    </m:r>
+                                  </m:sub>
+                                </m:sSub>
+                              </m:oMath>
+                            </m:oMathPara>
+                          </a14:m>
+                          <a:endParaRPr lang="ko-KR" altLang="en-US" sz="1600" dirty="0">
+                            <a:solidFill>
+                              <a:sysClr val="windowText" lastClr="000000"/>
+                            </a:solidFill>
+                          </a:endParaRPr>
+                        </a:p>
+                      </a:txBody>
+                      <a:tcPr anchor="ctr">
+                        <a:lnL w="12700" cap="flat" cmpd="sng" algn="ctr">
+                          <a:solidFill>
+                            <a:schemeClr val="tx1"/>
+                          </a:solidFill>
+                          <a:prstDash val="solid"/>
+                          <a:round/>
+                          <a:headEnd type="none" w="med" len="med"/>
+                          <a:tailEnd type="none" w="med" len="med"/>
+                        </a:lnL>
+                        <a:lnR w="12700" cap="flat" cmpd="sng" algn="ctr">
+                          <a:solidFill>
+                            <a:schemeClr val="tx1"/>
+                          </a:solidFill>
+                          <a:prstDash val="solid"/>
+                          <a:round/>
+                          <a:headEnd type="none" w="med" len="med"/>
+                          <a:tailEnd type="none" w="med" len="med"/>
+                        </a:lnR>
+                        <a:lnT w="12700" cap="flat" cmpd="sng" algn="ctr">
+                          <a:solidFill>
+                            <a:schemeClr val="tx1"/>
+                          </a:solidFill>
+                          <a:prstDash val="solid"/>
+                          <a:round/>
+                          <a:headEnd type="none" w="med" len="med"/>
+                          <a:tailEnd type="none" w="med" len="med"/>
+                        </a:lnT>
+                        <a:lnB w="12700" cap="flat" cmpd="sng" algn="ctr">
+                          <a:solidFill>
+                            <a:schemeClr val="tx1"/>
+                          </a:solidFill>
+                          <a:prstDash val="solid"/>
+                          <a:round/>
+                          <a:headEnd type="none" w="med" len="med"/>
+                          <a:tailEnd type="none" w="med" len="med"/>
+                        </a:lnB>
+                        <a:lnTlToBr w="12700" cmpd="sng">
+                          <a:noFill/>
+                          <a:prstDash val="solid"/>
+                        </a:lnTlToBr>
+                        <a:lnBlToTr w="12700" cmpd="sng">
+                          <a:noFill/>
+                          <a:prstDash val="solid"/>
+                        </a:lnBlToTr>
+                        <a:solidFill>
+                          <a:schemeClr val="bg1"/>
+                        </a:solidFill>
+                      </a:tcPr>
+                    </a:tc>
+                    <a:tc>
+                      <a:txBody>
+                        <a:bodyPr/>
+                        <a:lstStyle/>
+                        <a:p>
+                          <a:pPr marL="0" marR="0" indent="0" algn="ctr" defTabSz="914400" rtl="0" eaLnBrk="1" fontAlgn="auto" latinLnBrk="1" hangingPunct="1">
+                            <a:lnSpc>
+                              <a:spcPct val="100000"/>
+                            </a:lnSpc>
+                            <a:spcBef>
+                              <a:spcPts val="0"/>
+                            </a:spcBef>
+                            <a:spcAft>
+                              <a:spcPts val="0"/>
+                            </a:spcAft>
+                            <a:buClrTx/>
+                            <a:buSzTx/>
+                            <a:buFontTx/>
+                            <a:buNone/>
+                            <a:tabLst/>
+                            <a:defRPr/>
+                          </a:pPr>
+                          <a14:m>
+                            <m:oMathPara xmlns:m="http://schemas.openxmlformats.org/officeDocument/2006/math">
+                              <m:oMathParaPr>
+                                <m:jc m:val="centerGroup"/>
+                              </m:oMathParaPr>
+                              <m:oMath xmlns:m="http://schemas.openxmlformats.org/officeDocument/2006/math">
+                                <m:sSub>
+                                  <m:sSubPr>
+                                    <m:ctrlPr>
+                                      <a:rPr lang="en-US" altLang="ko-KR" sz="1600" b="0" i="1" smtClean="0">
+                                        <a:solidFill>
+                                          <a:sysClr val="windowText" lastClr="000000"/>
+                                        </a:solidFill>
+                                        <a:latin typeface="Cambria Math"/>
+                                      </a:rPr>
+                                    </m:ctrlPr>
+                                  </m:sSubPr>
+                                  <m:e>
+                                    <m:r>
+                                      <a:rPr lang="en-US" altLang="ko-KR" sz="1600" b="0" i="1" smtClean="0">
+                                        <a:solidFill>
+                                          <a:sysClr val="windowText" lastClr="000000"/>
+                                        </a:solidFill>
+                                        <a:latin typeface="Cambria Math"/>
+                                      </a:rPr>
+                                      <m:t>𝑑</m:t>
+                                    </m:r>
+                                  </m:e>
+                                  <m:sub>
+                                    <m:r>
+                                      <a:rPr lang="en-US" altLang="ko-KR" sz="1600" b="0" i="1" smtClean="0">
+                                        <a:solidFill>
+                                          <a:sysClr val="windowText" lastClr="000000"/>
+                                        </a:solidFill>
+                                        <a:latin typeface="Cambria Math"/>
+                                      </a:rPr>
+                                      <m:t>2</m:t>
+                                    </m:r>
+                                  </m:sub>
+                                </m:sSub>
+                                <m:r>
+                                  <a:rPr lang="en-US" altLang="ko-KR" sz="1600" b="0" i="1" smtClean="0">
+                                    <a:solidFill>
+                                      <a:sysClr val="windowText" lastClr="000000"/>
+                                    </a:solidFill>
+                                    <a:latin typeface="Cambria Math"/>
+                                  </a:rPr>
+                                  <m:t>=</m:t>
+                                </m:r>
+                                <m:sSub>
+                                  <m:sSubPr>
+                                    <m:ctrlPr>
+                                      <a:rPr lang="en-US" altLang="ko-KR" sz="1600" b="0" i="1" smtClean="0">
+                                        <a:solidFill>
+                                          <a:sysClr val="windowText" lastClr="000000"/>
+                                        </a:solidFill>
+                                        <a:latin typeface="Cambria Math"/>
+                                      </a:rPr>
+                                    </m:ctrlPr>
+                                  </m:sSubPr>
+                                  <m:e>
+                                    <m:r>
+                                      <a:rPr lang="en-US" altLang="ko-KR" sz="1600" b="0" i="1" smtClean="0">
+                                        <a:solidFill>
+                                          <a:sysClr val="windowText" lastClr="000000"/>
+                                        </a:solidFill>
+                                        <a:latin typeface="Cambria Math"/>
+                                      </a:rPr>
+                                      <m:t>𝑋</m:t>
+                                    </m:r>
+                                  </m:e>
+                                  <m:sub>
+                                    <m:r>
+                                      <a:rPr lang="en-US" altLang="ko-KR" sz="1600" b="0" i="1" smtClean="0">
+                                        <a:solidFill>
+                                          <a:sysClr val="windowText" lastClr="000000"/>
+                                        </a:solidFill>
+                                        <a:latin typeface="Cambria Math"/>
+                                      </a:rPr>
+                                      <m:t>2</m:t>
+                                    </m:r>
+                                    <m:r>
+                                      <a:rPr lang="en-US" altLang="ko-KR" sz="1600" b="0" i="1" smtClean="0">
+                                        <a:solidFill>
+                                          <a:sysClr val="windowText" lastClr="000000"/>
+                                        </a:solidFill>
+                                        <a:latin typeface="Cambria Math"/>
+                                      </a:rPr>
+                                      <m:t>2</m:t>
+                                    </m:r>
+                                  </m:sub>
+                                </m:sSub>
+                                <m:r>
+                                  <a:rPr lang="en-US" altLang="ko-KR" sz="1600" b="0" i="1" smtClean="0">
+                                    <a:solidFill>
+                                      <a:sysClr val="windowText" lastClr="000000"/>
+                                    </a:solidFill>
+                                    <a:latin typeface="Cambria Math"/>
+                                  </a:rPr>
+                                  <m:t>−</m:t>
+                                </m:r>
+                                <m:sSub>
+                                  <m:sSubPr>
+                                    <m:ctrlPr>
+                                      <a:rPr lang="en-US" altLang="ko-KR" sz="1600" b="0" i="1" smtClean="0">
+                                        <a:solidFill>
+                                          <a:sysClr val="windowText" lastClr="000000"/>
+                                        </a:solidFill>
+                                        <a:latin typeface="Cambria Math"/>
+                                      </a:rPr>
+                                    </m:ctrlPr>
+                                  </m:sSubPr>
+                                  <m:e>
+                                    <m:r>
+                                      <a:rPr lang="en-US" altLang="ko-KR" sz="1600" b="0" i="1" smtClean="0">
+                                        <a:solidFill>
+                                          <a:sysClr val="windowText" lastClr="000000"/>
+                                        </a:solidFill>
+                                        <a:latin typeface="Cambria Math"/>
+                                      </a:rPr>
+                                      <m:t>𝑋</m:t>
+                                    </m:r>
+                                  </m:e>
+                                  <m:sub>
+                                    <m:r>
+                                      <a:rPr lang="en-US" altLang="ko-KR" sz="1600" b="0" i="1" smtClean="0">
+                                        <a:solidFill>
+                                          <a:sysClr val="windowText" lastClr="000000"/>
+                                        </a:solidFill>
+                                        <a:latin typeface="Cambria Math"/>
+                                      </a:rPr>
+                                      <m:t>1</m:t>
+                                    </m:r>
+                                    <m:r>
+                                      <a:rPr lang="en-US" altLang="ko-KR" sz="1600" b="0" i="1" smtClean="0">
+                                        <a:solidFill>
+                                          <a:sysClr val="windowText" lastClr="000000"/>
+                                        </a:solidFill>
+                                        <a:latin typeface="Cambria Math"/>
+                                      </a:rPr>
+                                      <m:t>2</m:t>
+                                    </m:r>
+                                  </m:sub>
+                                </m:sSub>
+                              </m:oMath>
+                            </m:oMathPara>
+                          </a14:m>
+                          <a:endParaRPr lang="ko-KR" altLang="en-US" sz="1600" dirty="0">
+                            <a:solidFill>
+                              <a:sysClr val="windowText" lastClr="000000"/>
+                            </a:solidFill>
+                          </a:endParaRPr>
+                        </a:p>
+                      </a:txBody>
+                      <a:tcPr anchor="ctr">
+                        <a:lnL w="12700" cap="flat" cmpd="sng" algn="ctr">
+                          <a:solidFill>
+                            <a:schemeClr val="tx1"/>
+                          </a:solidFill>
+                          <a:prstDash val="solid"/>
+                          <a:round/>
+                          <a:headEnd type="none" w="med" len="med"/>
+                          <a:tailEnd type="none" w="med" len="med"/>
+                        </a:lnL>
+                        <a:lnR w="12700" cap="flat" cmpd="sng" algn="ctr">
+                          <a:solidFill>
+                            <a:schemeClr val="tx1"/>
+                          </a:solidFill>
+                          <a:prstDash val="solid"/>
+                          <a:round/>
+                          <a:headEnd type="none" w="med" len="med"/>
+                          <a:tailEnd type="none" w="med" len="med"/>
+                        </a:lnR>
+                        <a:lnT w="12700" cap="flat" cmpd="sng" algn="ctr">
+                          <a:solidFill>
+                            <a:schemeClr val="tx1"/>
+                          </a:solidFill>
+                          <a:prstDash val="solid"/>
+                          <a:round/>
+                          <a:headEnd type="none" w="med" len="med"/>
+                          <a:tailEnd type="none" w="med" len="med"/>
+                        </a:lnT>
+                        <a:lnB w="12700" cap="flat" cmpd="sng" algn="ctr">
+                          <a:solidFill>
+                            <a:schemeClr val="tx1"/>
+                          </a:solidFill>
+                          <a:prstDash val="solid"/>
+                          <a:round/>
+                          <a:headEnd type="none" w="med" len="med"/>
+                          <a:tailEnd type="none" w="med" len="med"/>
+                        </a:lnB>
+                        <a:lnTlToBr w="12700" cmpd="sng">
+                          <a:noFill/>
+                          <a:prstDash val="solid"/>
+                        </a:lnTlToBr>
+                        <a:lnBlToTr w="12700" cmpd="sng">
+                          <a:noFill/>
+                          <a:prstDash val="solid"/>
+                        </a:lnBlToTr>
+                        <a:solidFill>
+                          <a:schemeClr val="bg1"/>
+                        </a:solidFill>
+                      </a:tcPr>
+                    </a:tc>
+                  </a:tr>
+                  <a:tr h="370840">
+                    <a:tc vMerge="1">
+                      <a:txBody>
+                        <a:bodyPr/>
+                        <a:lstStyle/>
+                        <a:p>
+                          <a:pPr algn="ctr" latinLnBrk="1"/>
+                          <a:endParaRPr lang="ko-KR" altLang="en-US" dirty="0">
+                            <a:solidFill>
+                              <a:sysClr val="windowText" lastClr="000000"/>
+                            </a:solidFill>
+                          </a:endParaRPr>
+                        </a:p>
+                      </a:txBody>
+                      <a:tcPr anchor="ctr">
+                        <a:lnL w="12700" cap="flat" cmpd="sng" algn="ctr">
+                          <a:solidFill>
+                            <a:schemeClr val="tx1"/>
+                          </a:solidFill>
+                          <a:prstDash val="solid"/>
+                          <a:round/>
+                          <a:headEnd type="none" w="med" len="med"/>
+                          <a:tailEnd type="none" w="med" len="med"/>
+                        </a:lnL>
+                        <a:lnR w="12700" cap="flat" cmpd="sng" algn="ctr">
+                          <a:solidFill>
+                            <a:schemeClr val="tx1"/>
+                          </a:solidFill>
+                          <a:prstDash val="solid"/>
+                          <a:round/>
+                          <a:headEnd type="none" w="med" len="med"/>
+                          <a:tailEnd type="none" w="med" len="med"/>
+                        </a:lnR>
+                        <a:lnT w="12700" cap="flat" cmpd="sng" algn="ctr">
+                          <a:solidFill>
+                            <a:schemeClr val="tx1"/>
+                          </a:solidFill>
+                          <a:prstDash val="solid"/>
+                          <a:round/>
+                          <a:headEnd type="none" w="med" len="med"/>
+                          <a:tailEnd type="none" w="med" len="med"/>
+                        </a:lnT>
+                        <a:lnB w="12700" cap="flat" cmpd="sng" algn="ctr">
+                          <a:solidFill>
+                            <a:schemeClr val="tx1"/>
+                          </a:solidFill>
+                          <a:prstDash val="solid"/>
+                          <a:round/>
+                          <a:headEnd type="none" w="med" len="med"/>
+                          <a:tailEnd type="none" w="med" len="med"/>
+                        </a:lnB>
+                        <a:lnTlToBr w="12700" cmpd="sng">
+                          <a:noFill/>
+                          <a:prstDash val="solid"/>
+                        </a:lnTlToBr>
+                        <a:lnBlToTr w="12700" cmpd="sng">
+                          <a:noFill/>
+                          <a:prstDash val="solid"/>
+                        </a:lnBlToTr>
+                        <a:solidFill>
+                          <a:schemeClr val="bg2"/>
+                        </a:solidFill>
+                      </a:tcPr>
+                    </a:tc>
+                    <a:tc>
+                      <a:txBody>
+                        <a:bodyPr/>
+                        <a:lstStyle/>
+                        <a:p>
+                          <a:pPr algn="ctr" latinLnBrk="1"/>
+                          <a14:m>
+                            <m:oMathPara xmlns:m="http://schemas.openxmlformats.org/officeDocument/2006/math">
+                              <m:oMathParaPr>
+                                <m:jc m:val="centerGroup"/>
+                              </m:oMathParaPr>
+                              <m:oMath xmlns:m="http://schemas.openxmlformats.org/officeDocument/2006/math">
+                                <m:sSub>
+                                  <m:sSubPr>
+                                    <m:ctrlPr>
+                                      <a:rPr lang="en-US" altLang="ko-KR" sz="1600" b="0" i="1" smtClean="0">
+                                        <a:solidFill>
+                                          <a:sysClr val="windowText" lastClr="000000"/>
+                                        </a:solidFill>
+                                        <a:latin typeface="Cambria Math"/>
+                                      </a:rPr>
+                                    </m:ctrlPr>
+                                  </m:sSubPr>
+                                  <m:e>
+                                    <m:r>
+                                      <a:rPr lang="en-US" altLang="ko-KR" sz="1600" b="0" i="1" smtClean="0">
+                                        <a:solidFill>
+                                          <a:sysClr val="windowText" lastClr="000000"/>
+                                        </a:solidFill>
+                                        <a:latin typeface="Cambria Math"/>
+                                      </a:rPr>
+                                      <m:t>𝑋</m:t>
+                                    </m:r>
+                                  </m:e>
+                                  <m:sub>
+                                    <m:r>
+                                      <a:rPr lang="en-US" altLang="ko-KR" sz="1600" b="0" i="1" smtClean="0">
+                                        <a:solidFill>
+                                          <a:sysClr val="windowText" lastClr="000000"/>
+                                        </a:solidFill>
+                                        <a:latin typeface="Cambria Math"/>
+                                      </a:rPr>
+                                      <m:t>13</m:t>
+                                    </m:r>
+                                  </m:sub>
+                                </m:sSub>
+                              </m:oMath>
+                            </m:oMathPara>
+                          </a14:m>
+                          <a:endParaRPr lang="ko-KR" altLang="en-US" sz="1600" dirty="0">
+                            <a:solidFill>
+                              <a:sysClr val="windowText" lastClr="000000"/>
+                            </a:solidFill>
+                          </a:endParaRPr>
+                        </a:p>
+                      </a:txBody>
+                      <a:tcPr anchor="ctr">
+                        <a:lnL w="12700" cap="flat" cmpd="sng" algn="ctr">
+                          <a:solidFill>
+                            <a:schemeClr val="tx1"/>
+                          </a:solidFill>
+                          <a:prstDash val="solid"/>
+                          <a:round/>
+                          <a:headEnd type="none" w="med" len="med"/>
+                          <a:tailEnd type="none" w="med" len="med"/>
+                        </a:lnL>
+                        <a:lnR w="12700" cap="flat" cmpd="sng" algn="ctr">
+                          <a:solidFill>
+                            <a:schemeClr val="tx1"/>
+                          </a:solidFill>
+                          <a:prstDash val="solid"/>
+                          <a:round/>
+                          <a:headEnd type="none" w="med" len="med"/>
+                          <a:tailEnd type="none" w="med" len="med"/>
+                        </a:lnR>
+                        <a:lnT w="12700" cap="flat" cmpd="sng" algn="ctr">
+                          <a:solidFill>
+                            <a:schemeClr val="tx1"/>
+                          </a:solidFill>
+                          <a:prstDash val="solid"/>
+                          <a:round/>
+                          <a:headEnd type="none" w="med" len="med"/>
+                          <a:tailEnd type="none" w="med" len="med"/>
+                        </a:lnT>
+                        <a:lnB w="12700" cap="flat" cmpd="sng" algn="ctr">
+                          <a:solidFill>
+                            <a:schemeClr val="tx1"/>
+                          </a:solidFill>
+                          <a:prstDash val="solid"/>
+                          <a:round/>
+                          <a:headEnd type="none" w="med" len="med"/>
+                          <a:tailEnd type="none" w="med" len="med"/>
+                        </a:lnB>
+                        <a:lnTlToBr w="12700" cmpd="sng">
+                          <a:noFill/>
+                          <a:prstDash val="solid"/>
+                        </a:lnTlToBr>
+                        <a:lnBlToTr w="12700" cmpd="sng">
+                          <a:noFill/>
+                          <a:prstDash val="solid"/>
+                        </a:lnBlToTr>
+                        <a:solidFill>
+                          <a:schemeClr val="bg1"/>
+                        </a:solidFill>
+                      </a:tcPr>
+                    </a:tc>
+                    <a:tc>
+                      <a:txBody>
+                        <a:bodyPr/>
+                        <a:lstStyle/>
+                        <a:p>
+                          <a:pPr algn="ctr" latinLnBrk="1"/>
+                          <a14:m>
+                            <m:oMathPara xmlns:m="http://schemas.openxmlformats.org/officeDocument/2006/math">
+                              <m:oMathParaPr>
+                                <m:jc m:val="centerGroup"/>
+                              </m:oMathParaPr>
+                              <m:oMath xmlns:m="http://schemas.openxmlformats.org/officeDocument/2006/math">
+                                <m:sSub>
+                                  <m:sSubPr>
+                                    <m:ctrlPr>
+                                      <a:rPr lang="en-US" altLang="ko-KR" sz="1600" b="0" i="1" smtClean="0">
+                                        <a:solidFill>
+                                          <a:sysClr val="windowText" lastClr="000000"/>
+                                        </a:solidFill>
+                                        <a:latin typeface="Cambria Math"/>
+                                      </a:rPr>
+                                    </m:ctrlPr>
+                                  </m:sSubPr>
+                                  <m:e>
+                                    <m:r>
+                                      <a:rPr lang="en-US" altLang="ko-KR" sz="1600" b="0" i="1" smtClean="0">
+                                        <a:solidFill>
+                                          <a:sysClr val="windowText" lastClr="000000"/>
+                                        </a:solidFill>
+                                        <a:latin typeface="Cambria Math"/>
+                                      </a:rPr>
+                                      <m:t>𝑋</m:t>
+                                    </m:r>
+                                  </m:e>
+                                  <m:sub>
+                                    <m:r>
+                                      <a:rPr lang="en-US" altLang="ko-KR" sz="1600" b="0" i="1" smtClean="0">
+                                        <a:solidFill>
+                                          <a:sysClr val="windowText" lastClr="000000"/>
+                                        </a:solidFill>
+                                        <a:latin typeface="Cambria Math"/>
+                                      </a:rPr>
+                                      <m:t>23</m:t>
+                                    </m:r>
+                                  </m:sub>
+                                </m:sSub>
+                              </m:oMath>
+                            </m:oMathPara>
+                          </a14:m>
+                          <a:endParaRPr lang="ko-KR" altLang="en-US" sz="1600" dirty="0">
+                            <a:solidFill>
+                              <a:sysClr val="windowText" lastClr="000000"/>
+                            </a:solidFill>
+                          </a:endParaRPr>
+                        </a:p>
+                      </a:txBody>
+                      <a:tcPr anchor="ctr">
+                        <a:lnL w="12700" cap="flat" cmpd="sng" algn="ctr">
+                          <a:solidFill>
+                            <a:schemeClr val="tx1"/>
+                          </a:solidFill>
+                          <a:prstDash val="solid"/>
+                          <a:round/>
+                          <a:headEnd type="none" w="med" len="med"/>
+                          <a:tailEnd type="none" w="med" len="med"/>
+                        </a:lnL>
+                        <a:lnR w="12700" cap="flat" cmpd="sng" algn="ctr">
+                          <a:solidFill>
+                            <a:schemeClr val="tx1"/>
+                          </a:solidFill>
+                          <a:prstDash val="solid"/>
+                          <a:round/>
+                          <a:headEnd type="none" w="med" len="med"/>
+                          <a:tailEnd type="none" w="med" len="med"/>
+                        </a:lnR>
+                        <a:lnT w="12700" cap="flat" cmpd="sng" algn="ctr">
+                          <a:solidFill>
+                            <a:schemeClr val="tx1"/>
+                          </a:solidFill>
+                          <a:prstDash val="solid"/>
+                          <a:round/>
+                          <a:headEnd type="none" w="med" len="med"/>
+                          <a:tailEnd type="none" w="med" len="med"/>
+                        </a:lnT>
+                        <a:lnB w="12700" cap="flat" cmpd="sng" algn="ctr">
+                          <a:solidFill>
+                            <a:schemeClr val="tx1"/>
+                          </a:solidFill>
+                          <a:prstDash val="solid"/>
+                          <a:round/>
+                          <a:headEnd type="none" w="med" len="med"/>
+                          <a:tailEnd type="none" w="med" len="med"/>
+                        </a:lnB>
+                        <a:lnTlToBr w="12700" cmpd="sng">
+                          <a:noFill/>
+                          <a:prstDash val="solid"/>
+                        </a:lnTlToBr>
+                        <a:lnBlToTr w="12700" cmpd="sng">
+                          <a:noFill/>
+                          <a:prstDash val="solid"/>
+                        </a:lnBlToTr>
+                        <a:solidFill>
+                          <a:schemeClr val="bg1"/>
+                        </a:solidFill>
+                      </a:tcPr>
+                    </a:tc>
+                    <a:tc>
+                      <a:txBody>
+                        <a:bodyPr/>
+                        <a:lstStyle/>
+                        <a:p>
+                          <a:pPr marL="0" marR="0" indent="0" algn="ctr" defTabSz="914400" rtl="0" eaLnBrk="1" fontAlgn="auto" latinLnBrk="1" hangingPunct="1">
+                            <a:lnSpc>
+                              <a:spcPct val="100000"/>
+                            </a:lnSpc>
+                            <a:spcBef>
+                              <a:spcPts val="0"/>
+                            </a:spcBef>
+                            <a:spcAft>
+                              <a:spcPts val="0"/>
+                            </a:spcAft>
+                            <a:buClrTx/>
+                            <a:buSzTx/>
+                            <a:buFontTx/>
+                            <a:buNone/>
+                            <a:tabLst/>
+                            <a:defRPr/>
+                          </a:pPr>
+                          <a14:m>
+                            <m:oMathPara xmlns:m="http://schemas.openxmlformats.org/officeDocument/2006/math">
+                              <m:oMathParaPr>
+                                <m:jc m:val="centerGroup"/>
+                              </m:oMathParaPr>
+                              <m:oMath xmlns:m="http://schemas.openxmlformats.org/officeDocument/2006/math">
+                                <m:sSub>
+                                  <m:sSubPr>
+                                    <m:ctrlPr>
+                                      <a:rPr lang="en-US" altLang="ko-KR" sz="1600" b="0" i="1" smtClean="0">
+                                        <a:solidFill>
+                                          <a:sysClr val="windowText" lastClr="000000"/>
+                                        </a:solidFill>
+                                        <a:latin typeface="Cambria Math"/>
+                                      </a:rPr>
+                                    </m:ctrlPr>
+                                  </m:sSubPr>
+                                  <m:e>
+                                    <m:r>
+                                      <a:rPr lang="en-US" altLang="ko-KR" sz="1600" b="0" i="1" smtClean="0">
+                                        <a:solidFill>
+                                          <a:sysClr val="windowText" lastClr="000000"/>
+                                        </a:solidFill>
+                                        <a:latin typeface="Cambria Math"/>
+                                      </a:rPr>
+                                      <m:t>𝑑</m:t>
+                                    </m:r>
+                                  </m:e>
+                                  <m:sub>
+                                    <m:r>
+                                      <a:rPr lang="en-US" altLang="ko-KR" sz="1600" b="0" i="1" smtClean="0">
+                                        <a:solidFill>
+                                          <a:sysClr val="windowText" lastClr="000000"/>
+                                        </a:solidFill>
+                                        <a:latin typeface="Cambria Math"/>
+                                      </a:rPr>
+                                      <m:t>3</m:t>
+                                    </m:r>
+                                  </m:sub>
+                                </m:sSub>
+                                <m:r>
+                                  <a:rPr lang="en-US" altLang="ko-KR" sz="1600" b="0" i="1" smtClean="0">
+                                    <a:solidFill>
+                                      <a:sysClr val="windowText" lastClr="000000"/>
+                                    </a:solidFill>
+                                    <a:latin typeface="Cambria Math"/>
+                                  </a:rPr>
+                                  <m:t>=</m:t>
+                                </m:r>
+                                <m:sSub>
+                                  <m:sSubPr>
+                                    <m:ctrlPr>
+                                      <a:rPr lang="en-US" altLang="ko-KR" sz="1600" b="0" i="1" smtClean="0">
+                                        <a:solidFill>
+                                          <a:sysClr val="windowText" lastClr="000000"/>
+                                        </a:solidFill>
+                                        <a:latin typeface="Cambria Math"/>
+                                      </a:rPr>
+                                    </m:ctrlPr>
+                                  </m:sSubPr>
+                                  <m:e>
+                                    <m:r>
+                                      <a:rPr lang="en-US" altLang="ko-KR" sz="1600" b="0" i="1" smtClean="0">
+                                        <a:solidFill>
+                                          <a:sysClr val="windowText" lastClr="000000"/>
+                                        </a:solidFill>
+                                        <a:latin typeface="Cambria Math"/>
+                                      </a:rPr>
+                                      <m:t>𝑋</m:t>
+                                    </m:r>
+                                  </m:e>
+                                  <m:sub>
+                                    <m:r>
+                                      <a:rPr lang="en-US" altLang="ko-KR" sz="1600" b="0" i="1" smtClean="0">
+                                        <a:solidFill>
+                                          <a:sysClr val="windowText" lastClr="000000"/>
+                                        </a:solidFill>
+                                        <a:latin typeface="Cambria Math"/>
+                                      </a:rPr>
+                                      <m:t>2</m:t>
+                                    </m:r>
+                                    <m:r>
+                                      <a:rPr lang="en-US" altLang="ko-KR" sz="1600" b="0" i="1" smtClean="0">
+                                        <a:solidFill>
+                                          <a:sysClr val="windowText" lastClr="000000"/>
+                                        </a:solidFill>
+                                        <a:latin typeface="Cambria Math"/>
+                                      </a:rPr>
+                                      <m:t>3</m:t>
+                                    </m:r>
+                                  </m:sub>
+                                </m:sSub>
+                                <m:r>
+                                  <a:rPr lang="en-US" altLang="ko-KR" sz="1600" b="0" i="1" smtClean="0">
+                                    <a:solidFill>
+                                      <a:sysClr val="windowText" lastClr="000000"/>
+                                    </a:solidFill>
+                                    <a:latin typeface="Cambria Math"/>
+                                  </a:rPr>
+                                  <m:t>−</m:t>
+                                </m:r>
+                                <m:sSub>
+                                  <m:sSubPr>
+                                    <m:ctrlPr>
+                                      <a:rPr lang="en-US" altLang="ko-KR" sz="1600" b="0" i="1" smtClean="0">
+                                        <a:solidFill>
+                                          <a:sysClr val="windowText" lastClr="000000"/>
+                                        </a:solidFill>
+                                        <a:latin typeface="Cambria Math"/>
+                                      </a:rPr>
+                                    </m:ctrlPr>
+                                  </m:sSubPr>
+                                  <m:e>
+                                    <m:r>
+                                      <a:rPr lang="en-US" altLang="ko-KR" sz="1600" b="0" i="1" smtClean="0">
+                                        <a:solidFill>
+                                          <a:sysClr val="windowText" lastClr="000000"/>
+                                        </a:solidFill>
+                                        <a:latin typeface="Cambria Math"/>
+                                      </a:rPr>
+                                      <m:t>𝑋</m:t>
+                                    </m:r>
+                                  </m:e>
+                                  <m:sub>
+                                    <m:r>
+                                      <a:rPr lang="en-US" altLang="ko-KR" sz="1600" b="0" i="1" smtClean="0">
+                                        <a:solidFill>
+                                          <a:sysClr val="windowText" lastClr="000000"/>
+                                        </a:solidFill>
+                                        <a:latin typeface="Cambria Math"/>
+                                      </a:rPr>
+                                      <m:t>1</m:t>
+                                    </m:r>
+                                    <m:r>
+                                      <a:rPr lang="en-US" altLang="ko-KR" sz="1600" b="0" i="1" smtClean="0">
+                                        <a:solidFill>
+                                          <a:sysClr val="windowText" lastClr="000000"/>
+                                        </a:solidFill>
+                                        <a:latin typeface="Cambria Math"/>
+                                      </a:rPr>
+                                      <m:t>3</m:t>
+                                    </m:r>
+                                  </m:sub>
+                                </m:sSub>
+                              </m:oMath>
+                            </m:oMathPara>
+                          </a14:m>
+                          <a:endParaRPr lang="ko-KR" altLang="en-US" sz="1600" dirty="0">
+                            <a:solidFill>
+                              <a:sysClr val="windowText" lastClr="000000"/>
+                            </a:solidFill>
+                          </a:endParaRPr>
+                        </a:p>
+                      </a:txBody>
+                      <a:tcPr anchor="ctr">
+                        <a:lnL w="12700" cap="flat" cmpd="sng" algn="ctr">
+                          <a:solidFill>
+                            <a:schemeClr val="tx1"/>
+                          </a:solidFill>
+                          <a:prstDash val="solid"/>
+                          <a:round/>
+                          <a:headEnd type="none" w="med" len="med"/>
+                          <a:tailEnd type="none" w="med" len="med"/>
+                        </a:lnL>
+                        <a:lnR w="12700" cap="flat" cmpd="sng" algn="ctr">
+                          <a:solidFill>
+                            <a:schemeClr val="tx1"/>
+                          </a:solidFill>
+                          <a:prstDash val="solid"/>
+                          <a:round/>
+                          <a:headEnd type="none" w="med" len="med"/>
+                          <a:tailEnd type="none" w="med" len="med"/>
+                        </a:lnR>
+                        <a:lnT w="12700" cap="flat" cmpd="sng" algn="ctr">
+                          <a:solidFill>
+                            <a:schemeClr val="tx1"/>
+                          </a:solidFill>
+                          <a:prstDash val="solid"/>
+                          <a:round/>
+                          <a:headEnd type="none" w="med" len="med"/>
+                          <a:tailEnd type="none" w="med" len="med"/>
+                        </a:lnT>
+                        <a:lnB w="12700" cap="flat" cmpd="sng" algn="ctr">
+                          <a:solidFill>
+                            <a:schemeClr val="tx1"/>
+                          </a:solidFill>
+                          <a:prstDash val="solid"/>
+                          <a:round/>
+                          <a:headEnd type="none" w="med" len="med"/>
+                          <a:tailEnd type="none" w="med" len="med"/>
+                        </a:lnB>
+                        <a:lnTlToBr w="12700" cmpd="sng">
+                          <a:noFill/>
+                          <a:prstDash val="solid"/>
+                        </a:lnTlToBr>
+                        <a:lnBlToTr w="12700" cmpd="sng">
+                          <a:noFill/>
+                          <a:prstDash val="solid"/>
+                        </a:lnBlToTr>
+                        <a:solidFill>
+                          <a:schemeClr val="bg1"/>
+                        </a:solidFill>
+                      </a:tcPr>
+                    </a:tc>
+                  </a:tr>
+                  <a:tr h="370840">
+                    <a:tc vMerge="1">
+                      <a:txBody>
+                        <a:bodyPr/>
+                        <a:lstStyle/>
+                        <a:p>
+                          <a:pPr algn="ctr" latinLnBrk="1"/>
+                          <a:endParaRPr lang="ko-KR" altLang="en-US" dirty="0">
+                            <a:solidFill>
+                              <a:sysClr val="windowText" lastClr="000000"/>
+                            </a:solidFill>
+                          </a:endParaRPr>
+                        </a:p>
+                      </a:txBody>
+                      <a:tcPr anchor="ctr">
+                        <a:lnL w="12700" cap="flat" cmpd="sng" algn="ctr">
+                          <a:solidFill>
+                            <a:schemeClr val="tx1"/>
+                          </a:solidFill>
+                          <a:prstDash val="solid"/>
+                          <a:round/>
+                          <a:headEnd type="none" w="med" len="med"/>
+                          <a:tailEnd type="none" w="med" len="med"/>
+                        </a:lnL>
+                        <a:lnR w="12700" cap="flat" cmpd="sng" algn="ctr">
+                          <a:solidFill>
+                            <a:schemeClr val="tx1"/>
+                          </a:solidFill>
+                          <a:prstDash val="solid"/>
+                          <a:round/>
+                          <a:headEnd type="none" w="med" len="med"/>
+                          <a:tailEnd type="none" w="med" len="med"/>
+                        </a:lnR>
+                        <a:lnT w="12700" cap="flat" cmpd="sng" algn="ctr">
+                          <a:solidFill>
+                            <a:schemeClr val="tx1"/>
+                          </a:solidFill>
+                          <a:prstDash val="solid"/>
+                          <a:round/>
+                          <a:headEnd type="none" w="med" len="med"/>
+                          <a:tailEnd type="none" w="med" len="med"/>
+                        </a:lnT>
+                        <a:lnB w="12700" cap="flat" cmpd="sng" algn="ctr">
+                          <a:solidFill>
+                            <a:schemeClr val="tx1"/>
+                          </a:solidFill>
+                          <a:prstDash val="solid"/>
+                          <a:round/>
+                          <a:headEnd type="none" w="med" len="med"/>
+                          <a:tailEnd type="none" w="med" len="med"/>
+                        </a:lnB>
+                        <a:lnTlToBr w="12700" cmpd="sng">
+                          <a:noFill/>
+                          <a:prstDash val="solid"/>
+                        </a:lnTlToBr>
+                        <a:lnBlToTr w="12700" cmpd="sng">
+                          <a:noFill/>
+                          <a:prstDash val="solid"/>
+                        </a:lnBlToTr>
+                        <a:solidFill>
+                          <a:schemeClr val="bg2"/>
+                        </a:solidFill>
+                      </a:tcPr>
+                    </a:tc>
+                    <a:tc>
+                      <a:txBody>
+                        <a:bodyPr/>
+                        <a:lstStyle/>
+                        <a:p>
+                          <a:pPr algn="ctr" latinLnBrk="1"/>
+                          <a14:m>
+                            <m:oMathPara xmlns:m="http://schemas.openxmlformats.org/officeDocument/2006/math">
+                              <m:oMathParaPr>
+                                <m:jc m:val="centerGroup"/>
+                              </m:oMathParaPr>
+                              <m:oMath xmlns:m="http://schemas.openxmlformats.org/officeDocument/2006/math">
+                                <m:sSub>
+                                  <m:sSubPr>
+                                    <m:ctrlPr>
+                                      <a:rPr lang="en-US" altLang="ko-KR" sz="1600" b="0" i="1" smtClean="0">
+                                        <a:solidFill>
+                                          <a:sysClr val="windowText" lastClr="000000"/>
+                                        </a:solidFill>
+                                        <a:latin typeface="Cambria Math"/>
+                                      </a:rPr>
+                                    </m:ctrlPr>
+                                  </m:sSubPr>
+                                  <m:e>
+                                    <m:r>
+                                      <a:rPr lang="en-US" altLang="ko-KR" sz="1600" b="0" i="1" smtClean="0">
+                                        <a:solidFill>
+                                          <a:sysClr val="windowText" lastClr="000000"/>
+                                        </a:solidFill>
+                                        <a:latin typeface="Cambria Math"/>
+                                      </a:rPr>
+                                      <m:t>𝑋</m:t>
+                                    </m:r>
+                                  </m:e>
+                                  <m:sub>
+                                    <m:r>
+                                      <a:rPr lang="en-US" altLang="ko-KR" sz="1600" b="0" i="1" smtClean="0">
+                                        <a:solidFill>
+                                          <a:sysClr val="windowText" lastClr="000000"/>
+                                        </a:solidFill>
+                                        <a:latin typeface="Cambria Math"/>
+                                      </a:rPr>
+                                      <m:t>14</m:t>
+                                    </m:r>
+                                  </m:sub>
+                                </m:sSub>
+                              </m:oMath>
+                            </m:oMathPara>
+                          </a14:m>
+                          <a:endParaRPr lang="ko-KR" altLang="en-US" sz="1600" dirty="0">
+                            <a:solidFill>
+                              <a:sysClr val="windowText" lastClr="000000"/>
+                            </a:solidFill>
+                          </a:endParaRPr>
+                        </a:p>
+                      </a:txBody>
+                      <a:tcPr anchor="ctr">
+                        <a:lnL w="12700" cap="flat" cmpd="sng" algn="ctr">
+                          <a:solidFill>
+                            <a:schemeClr val="tx1"/>
+                          </a:solidFill>
+                          <a:prstDash val="solid"/>
+                          <a:round/>
+                          <a:headEnd type="none" w="med" len="med"/>
+                          <a:tailEnd type="none" w="med" len="med"/>
+                        </a:lnL>
+                        <a:lnR w="12700" cap="flat" cmpd="sng" algn="ctr">
+                          <a:solidFill>
+                            <a:schemeClr val="tx1"/>
+                          </a:solidFill>
+                          <a:prstDash val="solid"/>
+                          <a:round/>
+                          <a:headEnd type="none" w="med" len="med"/>
+                          <a:tailEnd type="none" w="med" len="med"/>
+                        </a:lnR>
+                        <a:lnT w="12700" cap="flat" cmpd="sng" algn="ctr">
+                          <a:solidFill>
+                            <a:schemeClr val="tx1"/>
+                          </a:solidFill>
+                          <a:prstDash val="solid"/>
+                          <a:round/>
+                          <a:headEnd type="none" w="med" len="med"/>
+                          <a:tailEnd type="none" w="med" len="med"/>
+                        </a:lnT>
+                        <a:lnB w="12700" cap="flat" cmpd="sng" algn="ctr">
+                          <a:solidFill>
+                            <a:schemeClr val="tx1"/>
+                          </a:solidFill>
+                          <a:prstDash val="solid"/>
+                          <a:round/>
+                          <a:headEnd type="none" w="med" len="med"/>
+                          <a:tailEnd type="none" w="med" len="med"/>
+                        </a:lnB>
+                        <a:lnTlToBr w="12700" cmpd="sng">
+                          <a:noFill/>
+                          <a:prstDash val="solid"/>
+                        </a:lnTlToBr>
+                        <a:lnBlToTr w="12700" cmpd="sng">
+                          <a:noFill/>
+                          <a:prstDash val="solid"/>
+                        </a:lnBlToTr>
+                        <a:solidFill>
+                          <a:schemeClr val="bg1"/>
+                        </a:solidFill>
+                      </a:tcPr>
+                    </a:tc>
+                    <a:tc>
+                      <a:txBody>
+                        <a:bodyPr/>
+                        <a:lstStyle/>
+                        <a:p>
+                          <a:pPr algn="ctr" latinLnBrk="1"/>
+                          <a14:m>
+                            <m:oMathPara xmlns:m="http://schemas.openxmlformats.org/officeDocument/2006/math">
+                              <m:oMathParaPr>
+                                <m:jc m:val="centerGroup"/>
+                              </m:oMathParaPr>
+                              <m:oMath xmlns:m="http://schemas.openxmlformats.org/officeDocument/2006/math">
+                                <m:sSub>
+                                  <m:sSubPr>
+                                    <m:ctrlPr>
+                                      <a:rPr lang="en-US" altLang="ko-KR" sz="1600" b="0" i="1" smtClean="0">
+                                        <a:solidFill>
+                                          <a:sysClr val="windowText" lastClr="000000"/>
+                                        </a:solidFill>
+                                        <a:latin typeface="Cambria Math"/>
+                                      </a:rPr>
+                                    </m:ctrlPr>
+                                  </m:sSubPr>
+                                  <m:e>
+                                    <m:r>
+                                      <a:rPr lang="en-US" altLang="ko-KR" sz="1600" b="0" i="1" smtClean="0">
+                                        <a:solidFill>
+                                          <a:sysClr val="windowText" lastClr="000000"/>
+                                        </a:solidFill>
+                                        <a:latin typeface="Cambria Math"/>
+                                      </a:rPr>
+                                      <m:t>𝑋</m:t>
+                                    </m:r>
+                                  </m:e>
+                                  <m:sub>
+                                    <m:r>
+                                      <a:rPr lang="en-US" altLang="ko-KR" sz="1600" b="0" i="1" smtClean="0">
+                                        <a:solidFill>
+                                          <a:sysClr val="windowText" lastClr="000000"/>
+                                        </a:solidFill>
+                                        <a:latin typeface="Cambria Math"/>
+                                      </a:rPr>
+                                      <m:t>24</m:t>
+                                    </m:r>
+                                  </m:sub>
+                                </m:sSub>
+                              </m:oMath>
+                            </m:oMathPara>
+                          </a14:m>
+                          <a:endParaRPr lang="ko-KR" altLang="en-US" sz="1600" dirty="0">
+                            <a:solidFill>
+                              <a:sysClr val="windowText" lastClr="000000"/>
+                            </a:solidFill>
+                          </a:endParaRPr>
+                        </a:p>
+                      </a:txBody>
+                      <a:tcPr anchor="ctr">
+                        <a:lnL w="12700" cap="flat" cmpd="sng" algn="ctr">
+                          <a:solidFill>
+                            <a:schemeClr val="tx1"/>
+                          </a:solidFill>
+                          <a:prstDash val="solid"/>
+                          <a:round/>
+                          <a:headEnd type="none" w="med" len="med"/>
+                          <a:tailEnd type="none" w="med" len="med"/>
+                        </a:lnL>
+                        <a:lnR w="12700" cap="flat" cmpd="sng" algn="ctr">
+                          <a:solidFill>
+                            <a:schemeClr val="tx1"/>
+                          </a:solidFill>
+                          <a:prstDash val="solid"/>
+                          <a:round/>
+                          <a:headEnd type="none" w="med" len="med"/>
+                          <a:tailEnd type="none" w="med" len="med"/>
+                        </a:lnR>
+                        <a:lnT w="12700" cap="flat" cmpd="sng" algn="ctr">
+                          <a:solidFill>
+                            <a:schemeClr val="tx1"/>
+                          </a:solidFill>
+                          <a:prstDash val="solid"/>
+                          <a:round/>
+                          <a:headEnd type="none" w="med" len="med"/>
+                          <a:tailEnd type="none" w="med" len="med"/>
+                        </a:lnT>
+                        <a:lnB w="12700" cap="flat" cmpd="sng" algn="ctr">
+                          <a:solidFill>
+                            <a:schemeClr val="tx1"/>
+                          </a:solidFill>
+                          <a:prstDash val="solid"/>
+                          <a:round/>
+                          <a:headEnd type="none" w="med" len="med"/>
+                          <a:tailEnd type="none" w="med" len="med"/>
+                        </a:lnB>
+                        <a:lnTlToBr w="12700" cmpd="sng">
+                          <a:noFill/>
+                          <a:prstDash val="solid"/>
+                        </a:lnTlToBr>
+                        <a:lnBlToTr w="12700" cmpd="sng">
+                          <a:noFill/>
+                          <a:prstDash val="solid"/>
+                        </a:lnBlToTr>
+                        <a:solidFill>
+                          <a:schemeClr val="bg1"/>
+                        </a:solidFill>
+                      </a:tcPr>
+                    </a:tc>
+                    <a:tc>
+                      <a:txBody>
+                        <a:bodyPr/>
+                        <a:lstStyle/>
+                        <a:p>
+                          <a:pPr marL="0" marR="0" indent="0" algn="ctr" defTabSz="914400" rtl="0" eaLnBrk="1" fontAlgn="auto" latinLnBrk="1" hangingPunct="1">
+                            <a:lnSpc>
+                              <a:spcPct val="100000"/>
+                            </a:lnSpc>
+                            <a:spcBef>
+                              <a:spcPts val="0"/>
+                            </a:spcBef>
+                            <a:spcAft>
+                              <a:spcPts val="0"/>
+                            </a:spcAft>
+                            <a:buClrTx/>
+                            <a:buSzTx/>
+                            <a:buFontTx/>
+                            <a:buNone/>
+                            <a:tabLst/>
+                            <a:defRPr/>
+                          </a:pPr>
+                          <a14:m>
+                            <m:oMathPara xmlns:m="http://schemas.openxmlformats.org/officeDocument/2006/math">
+                              <m:oMathParaPr>
+                                <m:jc m:val="centerGroup"/>
+                              </m:oMathParaPr>
+                              <m:oMath xmlns:m="http://schemas.openxmlformats.org/officeDocument/2006/math">
+                                <m:sSub>
+                                  <m:sSubPr>
+                                    <m:ctrlPr>
+                                      <a:rPr lang="en-US" altLang="ko-KR" sz="1600" b="0" i="1" smtClean="0">
+                                        <a:solidFill>
+                                          <a:sysClr val="windowText" lastClr="000000"/>
+                                        </a:solidFill>
+                                        <a:latin typeface="Cambria Math"/>
+                                      </a:rPr>
+                                    </m:ctrlPr>
+                                  </m:sSubPr>
+                                  <m:e>
+                                    <m:r>
+                                      <a:rPr lang="en-US" altLang="ko-KR" sz="1600" b="0" i="1" smtClean="0">
+                                        <a:solidFill>
+                                          <a:sysClr val="windowText" lastClr="000000"/>
+                                        </a:solidFill>
+                                        <a:latin typeface="Cambria Math"/>
+                                      </a:rPr>
+                                      <m:t>𝑑</m:t>
+                                    </m:r>
+                                  </m:e>
+                                  <m:sub>
+                                    <m:r>
+                                      <a:rPr lang="en-US" altLang="ko-KR" sz="1600" b="0" i="1" smtClean="0">
+                                        <a:solidFill>
+                                          <a:sysClr val="windowText" lastClr="000000"/>
+                                        </a:solidFill>
+                                        <a:latin typeface="Cambria Math"/>
+                                      </a:rPr>
+                                      <m:t>4</m:t>
+                                    </m:r>
+                                  </m:sub>
+                                </m:sSub>
+                                <m:r>
+                                  <a:rPr lang="en-US" altLang="ko-KR" sz="1600" b="0" i="1" smtClean="0">
+                                    <a:solidFill>
+                                      <a:sysClr val="windowText" lastClr="000000"/>
+                                    </a:solidFill>
+                                    <a:latin typeface="Cambria Math"/>
+                                  </a:rPr>
+                                  <m:t>=</m:t>
+                                </m:r>
+                                <m:sSub>
+                                  <m:sSubPr>
+                                    <m:ctrlPr>
+                                      <a:rPr lang="en-US" altLang="ko-KR" sz="1600" b="0" i="1" smtClean="0">
+                                        <a:solidFill>
+                                          <a:sysClr val="windowText" lastClr="000000"/>
+                                        </a:solidFill>
+                                        <a:latin typeface="Cambria Math"/>
+                                      </a:rPr>
+                                    </m:ctrlPr>
+                                  </m:sSubPr>
+                                  <m:e>
+                                    <m:r>
+                                      <a:rPr lang="en-US" altLang="ko-KR" sz="1600" b="0" i="1" smtClean="0">
+                                        <a:solidFill>
+                                          <a:sysClr val="windowText" lastClr="000000"/>
+                                        </a:solidFill>
+                                        <a:latin typeface="Cambria Math"/>
+                                      </a:rPr>
+                                      <m:t>𝑋</m:t>
+                                    </m:r>
+                                  </m:e>
+                                  <m:sub>
+                                    <m:r>
+                                      <a:rPr lang="en-US" altLang="ko-KR" sz="1600" b="0" i="1" smtClean="0">
+                                        <a:solidFill>
+                                          <a:sysClr val="windowText" lastClr="000000"/>
+                                        </a:solidFill>
+                                        <a:latin typeface="Cambria Math"/>
+                                      </a:rPr>
+                                      <m:t>2</m:t>
+                                    </m:r>
+                                    <m:r>
+                                      <a:rPr lang="en-US" altLang="ko-KR" sz="1600" b="0" i="1" smtClean="0">
+                                        <a:solidFill>
+                                          <a:sysClr val="windowText" lastClr="000000"/>
+                                        </a:solidFill>
+                                        <a:latin typeface="Cambria Math"/>
+                                      </a:rPr>
+                                      <m:t>4</m:t>
+                                    </m:r>
+                                  </m:sub>
+                                </m:sSub>
+                                <m:r>
+                                  <a:rPr lang="en-US" altLang="ko-KR" sz="1600" b="0" i="1" smtClean="0">
+                                    <a:solidFill>
+                                      <a:sysClr val="windowText" lastClr="000000"/>
+                                    </a:solidFill>
+                                    <a:latin typeface="Cambria Math"/>
+                                  </a:rPr>
+                                  <m:t>−</m:t>
+                                </m:r>
+                                <m:sSub>
+                                  <m:sSubPr>
+                                    <m:ctrlPr>
+                                      <a:rPr lang="en-US" altLang="ko-KR" sz="1600" b="0" i="1" smtClean="0">
+                                        <a:solidFill>
+                                          <a:sysClr val="windowText" lastClr="000000"/>
+                                        </a:solidFill>
+                                        <a:latin typeface="Cambria Math"/>
+                                      </a:rPr>
+                                    </m:ctrlPr>
+                                  </m:sSubPr>
+                                  <m:e>
+                                    <m:r>
+                                      <a:rPr lang="en-US" altLang="ko-KR" sz="1600" b="0" i="1" smtClean="0">
+                                        <a:solidFill>
+                                          <a:sysClr val="windowText" lastClr="000000"/>
+                                        </a:solidFill>
+                                        <a:latin typeface="Cambria Math"/>
+                                      </a:rPr>
+                                      <m:t>𝑋</m:t>
+                                    </m:r>
+                                  </m:e>
+                                  <m:sub>
+                                    <m:r>
+                                      <a:rPr lang="en-US" altLang="ko-KR" sz="1600" b="0" i="1" smtClean="0">
+                                        <a:solidFill>
+                                          <a:sysClr val="windowText" lastClr="000000"/>
+                                        </a:solidFill>
+                                        <a:latin typeface="Cambria Math"/>
+                                      </a:rPr>
+                                      <m:t>1</m:t>
+                                    </m:r>
+                                    <m:r>
+                                      <a:rPr lang="en-US" altLang="ko-KR" sz="1600" b="0" i="1" smtClean="0">
+                                        <a:solidFill>
+                                          <a:sysClr val="windowText" lastClr="000000"/>
+                                        </a:solidFill>
+                                        <a:latin typeface="Cambria Math"/>
+                                      </a:rPr>
+                                      <m:t>4</m:t>
+                                    </m:r>
+                                  </m:sub>
+                                </m:sSub>
+                              </m:oMath>
+                            </m:oMathPara>
+                          </a14:m>
+                          <a:endParaRPr lang="ko-KR" altLang="en-US" sz="1600" dirty="0">
+                            <a:solidFill>
+                              <a:sysClr val="windowText" lastClr="000000"/>
+                            </a:solidFill>
+                          </a:endParaRPr>
+                        </a:p>
+                      </a:txBody>
+                      <a:tcPr anchor="ctr">
+                        <a:lnL w="12700" cap="flat" cmpd="sng" algn="ctr">
+                          <a:solidFill>
+                            <a:schemeClr val="tx1"/>
+                          </a:solidFill>
+                          <a:prstDash val="solid"/>
+                          <a:round/>
+                          <a:headEnd type="none" w="med" len="med"/>
+                          <a:tailEnd type="none" w="med" len="med"/>
+                        </a:lnL>
+                        <a:lnR w="12700" cap="flat" cmpd="sng" algn="ctr">
+                          <a:solidFill>
+                            <a:schemeClr val="tx1"/>
+                          </a:solidFill>
+                          <a:prstDash val="solid"/>
+                          <a:round/>
+                          <a:headEnd type="none" w="med" len="med"/>
+                          <a:tailEnd type="none" w="med" len="med"/>
+                        </a:lnR>
+                        <a:lnT w="12700" cap="flat" cmpd="sng" algn="ctr">
+                          <a:solidFill>
+                            <a:schemeClr val="tx1"/>
+                          </a:solidFill>
+                          <a:prstDash val="solid"/>
+                          <a:round/>
+                          <a:headEnd type="none" w="med" len="med"/>
+                          <a:tailEnd type="none" w="med" len="med"/>
+                        </a:lnT>
+                        <a:lnB w="12700" cap="flat" cmpd="sng" algn="ctr">
+                          <a:solidFill>
+                            <a:schemeClr val="tx1"/>
+                          </a:solidFill>
+                          <a:prstDash val="solid"/>
+                          <a:round/>
+                          <a:headEnd type="none" w="med" len="med"/>
+                          <a:tailEnd type="none" w="med" len="med"/>
+                        </a:lnB>
+                        <a:lnTlToBr w="12700" cmpd="sng">
+                          <a:noFill/>
+                          <a:prstDash val="solid"/>
+                        </a:lnTlToBr>
+                        <a:lnBlToTr w="12700" cmpd="sng">
+                          <a:noFill/>
+                          <a:prstDash val="solid"/>
+                        </a:lnBlToTr>
+                        <a:solidFill>
+                          <a:schemeClr val="bg1"/>
+                        </a:solidFill>
+                      </a:tcPr>
+                    </a:tc>
+                  </a:tr>
+                  <a:tr h="370840">
+                    <a:tc vMerge="1">
+                      <a:txBody>
+                        <a:bodyPr/>
+                        <a:lstStyle/>
+                        <a:p>
+                          <a:pPr algn="ctr" latinLnBrk="1"/>
+                          <a:endParaRPr lang="en-US" altLang="ko-KR" dirty="0" smtClean="0">
+                            <a:solidFill>
+                              <a:sysClr val="windowText" lastClr="000000"/>
+                            </a:solidFill>
+                          </a:endParaRPr>
+                        </a:p>
+                      </a:txBody>
+                      <a:tcPr anchor="ctr">
+                        <a:lnL w="12700" cap="flat" cmpd="sng" algn="ctr">
+                          <a:solidFill>
+                            <a:schemeClr val="tx1"/>
+                          </a:solidFill>
+                          <a:prstDash val="solid"/>
+                          <a:round/>
+                          <a:headEnd type="none" w="med" len="med"/>
+                          <a:tailEnd type="none" w="med" len="med"/>
+                        </a:lnL>
+                        <a:lnR w="12700" cap="flat" cmpd="sng" algn="ctr">
+                          <a:solidFill>
+                            <a:schemeClr val="tx1"/>
+                          </a:solidFill>
+                          <a:prstDash val="solid"/>
+                          <a:round/>
+                          <a:headEnd type="none" w="med" len="med"/>
+                          <a:tailEnd type="none" w="med" len="med"/>
+                        </a:lnR>
+                        <a:lnT w="12700" cap="flat" cmpd="sng" algn="ctr">
+                          <a:solidFill>
+                            <a:schemeClr val="tx1"/>
+                          </a:solidFill>
+                          <a:prstDash val="solid"/>
+                          <a:round/>
+                          <a:headEnd type="none" w="med" len="med"/>
+                          <a:tailEnd type="none" w="med" len="med"/>
+                        </a:lnT>
+                        <a:lnB w="12700" cap="flat" cmpd="sng" algn="ctr">
+                          <a:solidFill>
+                            <a:schemeClr val="tx1"/>
+                          </a:solidFill>
+                          <a:prstDash val="solid"/>
+                          <a:round/>
+                          <a:headEnd type="none" w="med" len="med"/>
+                          <a:tailEnd type="none" w="med" len="med"/>
+                        </a:lnB>
+                        <a:lnTlToBr w="12700" cmpd="sng">
+                          <a:noFill/>
+                          <a:prstDash val="solid"/>
+                        </a:lnTlToBr>
+                        <a:lnBlToTr w="12700" cmpd="sng">
+                          <a:noFill/>
+                          <a:prstDash val="solid"/>
+                        </a:lnBlToTr>
+                        <a:solidFill>
+                          <a:schemeClr val="bg2"/>
+                        </a:solidFill>
+                      </a:tcPr>
+                    </a:tc>
+                    <a:tc>
+                      <a:txBody>
+                        <a:bodyPr/>
+                        <a:lstStyle/>
+                        <a:p>
+                          <a:pPr algn="ctr" latinLnBrk="1"/>
+                          <a14:m>
+                            <m:oMathPara xmlns:m="http://schemas.openxmlformats.org/officeDocument/2006/math">
+                              <m:oMathParaPr>
+                                <m:jc m:val="centerGroup"/>
+                              </m:oMathParaPr>
+                              <m:oMath xmlns:m="http://schemas.openxmlformats.org/officeDocument/2006/math">
+                                <m:r>
+                                  <a:rPr lang="en-US" altLang="ko-KR" sz="1600" b="0" i="1" smtClean="0">
+                                    <a:solidFill>
+                                      <a:sysClr val="windowText" lastClr="000000"/>
+                                    </a:solidFill>
+                                    <a:latin typeface="Cambria Math"/>
+                                  </a:rPr>
+                                  <m:t>⋮</m:t>
+                                </m:r>
+                              </m:oMath>
+                            </m:oMathPara>
+                          </a14:m>
+                          <a:endParaRPr lang="ko-KR" altLang="en-US" sz="1600" dirty="0">
+                            <a:solidFill>
+                              <a:sysClr val="windowText" lastClr="000000"/>
+                            </a:solidFill>
+                          </a:endParaRPr>
+                        </a:p>
+                      </a:txBody>
+                      <a:tcPr anchor="ctr">
+                        <a:lnL w="12700" cap="flat" cmpd="sng" algn="ctr">
+                          <a:solidFill>
+                            <a:schemeClr val="tx1"/>
+                          </a:solidFill>
+                          <a:prstDash val="solid"/>
+                          <a:round/>
+                          <a:headEnd type="none" w="med" len="med"/>
+                          <a:tailEnd type="none" w="med" len="med"/>
+                        </a:lnL>
+                        <a:lnR w="12700" cap="flat" cmpd="sng" algn="ctr">
+                          <a:solidFill>
+                            <a:schemeClr val="tx1"/>
+                          </a:solidFill>
+                          <a:prstDash val="solid"/>
+                          <a:round/>
+                          <a:headEnd type="none" w="med" len="med"/>
+                          <a:tailEnd type="none" w="med" len="med"/>
+                        </a:lnR>
+                        <a:lnT w="12700" cap="flat" cmpd="sng" algn="ctr">
+                          <a:solidFill>
+                            <a:schemeClr val="tx1"/>
+                          </a:solidFill>
+                          <a:prstDash val="solid"/>
+                          <a:round/>
+                          <a:headEnd type="none" w="med" len="med"/>
+                          <a:tailEnd type="none" w="med" len="med"/>
+                        </a:lnT>
+                        <a:lnB w="12700" cap="flat" cmpd="sng" algn="ctr">
+                          <a:solidFill>
+                            <a:schemeClr val="tx1"/>
+                          </a:solidFill>
+                          <a:prstDash val="solid"/>
+                          <a:round/>
+                          <a:headEnd type="none" w="med" len="med"/>
+                          <a:tailEnd type="none" w="med" len="med"/>
+                        </a:lnB>
+                        <a:lnTlToBr w="12700" cmpd="sng">
+                          <a:noFill/>
+                          <a:prstDash val="solid"/>
+                        </a:lnTlToBr>
+                        <a:lnBlToTr w="12700" cmpd="sng">
+                          <a:noFill/>
+                          <a:prstDash val="solid"/>
+                        </a:lnBlToTr>
+                        <a:solidFill>
+                          <a:schemeClr val="bg1"/>
+                        </a:solidFill>
+                      </a:tcPr>
+                    </a:tc>
+                    <a:tc>
+                      <a:txBody>
+                        <a:bodyPr/>
+                        <a:lstStyle/>
+                        <a:p>
+                          <a:pPr algn="ctr" latinLnBrk="1"/>
+                          <a14:m>
+                            <m:oMathPara xmlns:m="http://schemas.openxmlformats.org/officeDocument/2006/math">
+                              <m:oMathParaPr>
+                                <m:jc m:val="centerGroup"/>
+                              </m:oMathParaPr>
+                              <m:oMath xmlns:m="http://schemas.openxmlformats.org/officeDocument/2006/math">
+                                <m:r>
+                                  <a:rPr lang="en-US" altLang="ko-KR" sz="1600" b="0" i="1" smtClean="0">
+                                    <a:solidFill>
+                                      <a:sysClr val="windowText" lastClr="000000"/>
+                                    </a:solidFill>
+                                    <a:latin typeface="Cambria Math"/>
+                                  </a:rPr>
+                                  <m:t>⋮</m:t>
+                                </m:r>
+                              </m:oMath>
+                            </m:oMathPara>
+                          </a14:m>
+                          <a:endParaRPr lang="ko-KR" altLang="en-US" sz="1600" dirty="0">
+                            <a:solidFill>
+                              <a:sysClr val="windowText" lastClr="000000"/>
+                            </a:solidFill>
+                          </a:endParaRPr>
+                        </a:p>
+                      </a:txBody>
+                      <a:tcPr anchor="ctr">
+                        <a:lnL w="12700" cap="flat" cmpd="sng" algn="ctr">
+                          <a:solidFill>
+                            <a:schemeClr val="tx1"/>
+                          </a:solidFill>
+                          <a:prstDash val="solid"/>
+                          <a:round/>
+                          <a:headEnd type="none" w="med" len="med"/>
+                          <a:tailEnd type="none" w="med" len="med"/>
+                        </a:lnL>
+                        <a:lnR w="12700" cap="flat" cmpd="sng" algn="ctr">
+                          <a:solidFill>
+                            <a:schemeClr val="tx1"/>
+                          </a:solidFill>
+                          <a:prstDash val="solid"/>
+                          <a:round/>
+                          <a:headEnd type="none" w="med" len="med"/>
+                          <a:tailEnd type="none" w="med" len="med"/>
+                        </a:lnR>
+                        <a:lnT w="12700" cap="flat" cmpd="sng" algn="ctr">
+                          <a:solidFill>
+                            <a:schemeClr val="tx1"/>
+                          </a:solidFill>
+                          <a:prstDash val="solid"/>
+                          <a:round/>
+                          <a:headEnd type="none" w="med" len="med"/>
+                          <a:tailEnd type="none" w="med" len="med"/>
+                        </a:lnT>
+                        <a:lnB w="12700" cap="flat" cmpd="sng" algn="ctr">
+                          <a:solidFill>
+                            <a:schemeClr val="tx1"/>
+                          </a:solidFill>
+                          <a:prstDash val="solid"/>
+                          <a:round/>
+                          <a:headEnd type="none" w="med" len="med"/>
+                          <a:tailEnd type="none" w="med" len="med"/>
+                        </a:lnB>
+                        <a:lnTlToBr w="12700" cmpd="sng">
+                          <a:noFill/>
+                          <a:prstDash val="solid"/>
+                        </a:lnTlToBr>
+                        <a:lnBlToTr w="12700" cmpd="sng">
+                          <a:noFill/>
+                          <a:prstDash val="solid"/>
+                        </a:lnBlToTr>
+                        <a:solidFill>
+                          <a:schemeClr val="bg1"/>
+                        </a:solidFill>
+                      </a:tcPr>
+                    </a:tc>
+                    <a:tc>
+                      <a:txBody>
+                        <a:bodyPr/>
+                        <a:lstStyle/>
+                        <a:p>
+                          <a:pPr algn="ctr" latinLnBrk="1"/>
+                          <a14:m>
+                            <m:oMathPara xmlns:m="http://schemas.openxmlformats.org/officeDocument/2006/math">
+                              <m:oMathParaPr>
+                                <m:jc m:val="centerGroup"/>
+                              </m:oMathParaPr>
+                              <m:oMath xmlns:m="http://schemas.openxmlformats.org/officeDocument/2006/math">
+                                <m:r>
+                                  <a:rPr lang="en-US" altLang="ko-KR" sz="1600" b="0" i="1" smtClean="0">
+                                    <a:solidFill>
+                                      <a:sysClr val="windowText" lastClr="000000"/>
+                                    </a:solidFill>
+                                    <a:latin typeface="Cambria Math"/>
+                                  </a:rPr>
+                                  <m:t>⋮</m:t>
+                                </m:r>
+                              </m:oMath>
+                            </m:oMathPara>
+                          </a14:m>
+                          <a:endParaRPr lang="ko-KR" altLang="en-US" sz="1600" dirty="0">
+                            <a:solidFill>
+                              <a:sysClr val="windowText" lastClr="000000"/>
+                            </a:solidFill>
+                          </a:endParaRPr>
+                        </a:p>
+                      </a:txBody>
+                      <a:tcPr anchor="ctr">
+                        <a:lnL w="12700" cap="flat" cmpd="sng" algn="ctr">
+                          <a:solidFill>
+                            <a:schemeClr val="tx1"/>
+                          </a:solidFill>
+                          <a:prstDash val="solid"/>
+                          <a:round/>
+                          <a:headEnd type="none" w="med" len="med"/>
+                          <a:tailEnd type="none" w="med" len="med"/>
+                        </a:lnL>
+                        <a:lnR w="12700" cap="flat" cmpd="sng" algn="ctr">
+                          <a:solidFill>
+                            <a:schemeClr val="tx1"/>
+                          </a:solidFill>
+                          <a:prstDash val="solid"/>
+                          <a:round/>
+                          <a:headEnd type="none" w="med" len="med"/>
+                          <a:tailEnd type="none" w="med" len="med"/>
+                        </a:lnR>
+                        <a:lnT w="12700" cap="flat" cmpd="sng" algn="ctr">
+                          <a:solidFill>
+                            <a:schemeClr val="tx1"/>
+                          </a:solidFill>
+                          <a:prstDash val="solid"/>
+                          <a:round/>
+                          <a:headEnd type="none" w="med" len="med"/>
+                          <a:tailEnd type="none" w="med" len="med"/>
+                        </a:lnT>
+                        <a:lnB w="12700" cap="flat" cmpd="sng" algn="ctr">
+                          <a:solidFill>
+                            <a:schemeClr val="tx1"/>
+                          </a:solidFill>
+                          <a:prstDash val="solid"/>
+                          <a:round/>
+                          <a:headEnd type="none" w="med" len="med"/>
+                          <a:tailEnd type="none" w="med" len="med"/>
+                        </a:lnB>
+                        <a:lnTlToBr w="12700" cmpd="sng">
+                          <a:noFill/>
+                          <a:prstDash val="solid"/>
+                        </a:lnTlToBr>
+                        <a:lnBlToTr w="12700" cmpd="sng">
+                          <a:noFill/>
+                          <a:prstDash val="solid"/>
+                        </a:lnBlToTr>
+                        <a:solidFill>
+                          <a:schemeClr val="bg1"/>
+                        </a:solidFill>
+                      </a:tcPr>
+                    </a:tc>
+                  </a:tr>
+                  <a:tr h="370840">
+                    <a:tc>
+                      <a:txBody>
+                        <a:bodyPr/>
+                        <a:lstStyle/>
+                        <a:p>
+                          <a:pPr algn="ctr" latinLnBrk="1"/>
+                          <a:r>
+                            <a:rPr lang="ko-KR" altLang="en-US" sz="1600" b="1" dirty="0" smtClean="0">
+                              <a:solidFill>
+                                <a:sysClr val="windowText" lastClr="000000"/>
+                              </a:solidFill>
+                            </a:rPr>
+                            <a:t>평균</a:t>
+                          </a:r>
+                          <a:endParaRPr lang="en-US" altLang="ko-KR" sz="1600" b="1" dirty="0" smtClean="0">
+                            <a:solidFill>
+                              <a:sysClr val="windowText" lastClr="000000"/>
+                            </a:solidFill>
+                          </a:endParaRPr>
+                        </a:p>
+                      </a:txBody>
+                      <a:tcPr anchor="ctr">
+                        <a:lnL w="12700" cap="flat" cmpd="sng" algn="ctr">
+                          <a:solidFill>
+                            <a:schemeClr val="tx1"/>
+                          </a:solidFill>
+                          <a:prstDash val="solid"/>
+                          <a:round/>
+                          <a:headEnd type="none" w="med" len="med"/>
+                          <a:tailEnd type="none" w="med" len="med"/>
+                        </a:lnL>
+                        <a:lnR w="12700" cap="flat" cmpd="sng" algn="ctr">
+                          <a:solidFill>
+                            <a:schemeClr val="tx1"/>
+                          </a:solidFill>
+                          <a:prstDash val="solid"/>
+                          <a:round/>
+                          <a:headEnd type="none" w="med" len="med"/>
+                          <a:tailEnd type="none" w="med" len="med"/>
+                        </a:lnR>
+                        <a:lnT w="12700" cap="flat" cmpd="sng" algn="ctr">
+                          <a:solidFill>
+                            <a:schemeClr val="tx1"/>
+                          </a:solidFill>
+                          <a:prstDash val="solid"/>
+                          <a:round/>
+                          <a:headEnd type="none" w="med" len="med"/>
+                          <a:tailEnd type="none" w="med" len="med"/>
+                        </a:lnT>
+                        <a:lnB w="12700" cap="flat" cmpd="sng" algn="ctr">
+                          <a:solidFill>
+                            <a:schemeClr val="tx1"/>
+                          </a:solidFill>
+                          <a:prstDash val="solid"/>
+                          <a:round/>
+                          <a:headEnd type="none" w="med" len="med"/>
+                          <a:tailEnd type="none" w="med" len="med"/>
+                        </a:lnB>
+                        <a:lnTlToBr w="12700" cmpd="sng">
+                          <a:noFill/>
+                          <a:prstDash val="solid"/>
+                        </a:lnTlToBr>
+                        <a:lnBlToTr w="12700" cmpd="sng">
+                          <a:noFill/>
+                          <a:prstDash val="solid"/>
+                        </a:lnBlToTr>
+                        <a:solidFill>
+                          <a:schemeClr val="bg2"/>
+                        </a:solidFill>
+                      </a:tcPr>
+                    </a:tc>
+                    <a:tc>
+                      <a:txBody>
+                        <a:bodyPr/>
+                        <a:lstStyle/>
+                        <a:p>
+                          <a:pPr algn="ctr" latinLnBrk="1"/>
+                          <a14:m>
+                            <m:oMathPara xmlns:m="http://schemas.openxmlformats.org/officeDocument/2006/math">
+                              <m:oMathParaPr>
+                                <m:jc m:val="centerGroup"/>
+                              </m:oMathParaPr>
+                              <m:oMath xmlns:m="http://schemas.openxmlformats.org/officeDocument/2006/math">
+                                <m:acc>
+                                  <m:accPr>
+                                    <m:chr m:val="̅"/>
+                                    <m:ctrlPr>
+                                      <a:rPr lang="en-US" altLang="ko-KR" sz="1600" b="0" i="1" smtClean="0">
+                                        <a:solidFill>
+                                          <a:sysClr val="windowText" lastClr="000000"/>
+                                        </a:solidFill>
+                                        <a:latin typeface="Cambria Math"/>
+                                      </a:rPr>
+                                    </m:ctrlPr>
+                                  </m:accPr>
+                                  <m:e>
+                                    <m:sSub>
+                                      <m:sSubPr>
+                                        <m:ctrlPr>
+                                          <a:rPr lang="en-US" altLang="ko-KR" sz="1600" b="0" i="1" smtClean="0">
+                                            <a:solidFill>
+                                              <a:sysClr val="windowText" lastClr="000000"/>
+                                            </a:solidFill>
+                                            <a:latin typeface="Cambria Math"/>
+                                          </a:rPr>
+                                        </m:ctrlPr>
+                                      </m:sSubPr>
+                                      <m:e>
+                                        <m:r>
+                                          <a:rPr lang="en-US" altLang="ko-KR" sz="1600" b="0" i="1" smtClean="0">
+                                            <a:solidFill>
+                                              <a:sysClr val="windowText" lastClr="000000"/>
+                                            </a:solidFill>
+                                            <a:latin typeface="Cambria Math"/>
+                                          </a:rPr>
+                                          <m:t>𝑋</m:t>
+                                        </m:r>
+                                      </m:e>
+                                      <m:sub>
+                                        <m:r>
+                                          <a:rPr lang="en-US" altLang="ko-KR" sz="1600" b="0" i="1" smtClean="0">
+                                            <a:solidFill>
+                                              <a:sysClr val="windowText" lastClr="000000"/>
+                                            </a:solidFill>
+                                            <a:latin typeface="Cambria Math"/>
+                                          </a:rPr>
+                                          <m:t>1</m:t>
+                                        </m:r>
+                                      </m:sub>
+                                    </m:sSub>
+                                  </m:e>
+                                </m:acc>
+                                <m:r>
+                                  <a:rPr lang="en-US" altLang="ko-KR" sz="1600" b="0" i="1" smtClean="0">
+                                    <a:solidFill>
+                                      <a:sysClr val="windowText" lastClr="000000"/>
+                                    </a:solidFill>
+                                    <a:latin typeface="Cambria Math"/>
+                                  </a:rPr>
+                                  <m:t>=</m:t>
+                                </m:r>
+                                <m:f>
+                                  <m:fPr>
+                                    <m:ctrlPr>
+                                      <a:rPr lang="en-US" altLang="ko-KR" sz="1600" b="0" i="1" smtClean="0">
+                                        <a:solidFill>
+                                          <a:sysClr val="windowText" lastClr="000000"/>
+                                        </a:solidFill>
+                                        <a:latin typeface="Cambria Math"/>
+                                      </a:rPr>
+                                    </m:ctrlPr>
+                                  </m:fPr>
+                                  <m:num>
+                                    <m:r>
+                                      <a:rPr lang="en-US" altLang="ko-KR" sz="1600" b="0" i="1" smtClean="0">
+                                        <a:solidFill>
+                                          <a:sysClr val="windowText" lastClr="000000"/>
+                                        </a:solidFill>
+                                        <a:latin typeface="Cambria Math"/>
+                                      </a:rPr>
+                                      <m:t>1</m:t>
+                                    </m:r>
+                                  </m:num>
+                                  <m:den>
+                                    <m:r>
+                                      <a:rPr lang="en-US" altLang="ko-KR" sz="1600" b="0" i="1" smtClean="0">
+                                        <a:solidFill>
+                                          <a:sysClr val="windowText" lastClr="000000"/>
+                                        </a:solidFill>
+                                        <a:latin typeface="Cambria Math"/>
+                                      </a:rPr>
+                                      <m:t>𝑛</m:t>
+                                    </m:r>
+                                  </m:den>
+                                </m:f>
+                                <m:nary>
+                                  <m:naryPr>
+                                    <m:chr m:val="∑"/>
+                                    <m:supHide m:val="on"/>
+                                    <m:ctrlPr>
+                                      <a:rPr lang="en-US" altLang="ko-KR" sz="1600" b="0" i="1" smtClean="0">
+                                        <a:solidFill>
+                                          <a:sysClr val="windowText" lastClr="000000"/>
+                                        </a:solidFill>
+                                        <a:latin typeface="Cambria Math"/>
+                                      </a:rPr>
+                                    </m:ctrlPr>
+                                  </m:naryPr>
+                                  <m:sub>
+                                    <m:r>
+                                      <a:rPr lang="en-US" altLang="ko-KR" sz="1600" b="0" i="1" smtClean="0">
+                                        <a:solidFill>
+                                          <a:sysClr val="windowText" lastClr="000000"/>
+                                        </a:solidFill>
+                                        <a:latin typeface="Cambria Math"/>
+                                      </a:rPr>
+                                      <m:t>𝑠</m:t>
+                                    </m:r>
+                                  </m:sub>
+                                  <m:sup/>
+                                  <m:e>
+                                    <m:sSub>
+                                      <m:sSubPr>
+                                        <m:ctrlPr>
+                                          <a:rPr lang="en-US" altLang="ko-KR" sz="1600" b="0" i="1" smtClean="0">
+                                            <a:solidFill>
+                                              <a:sysClr val="windowText" lastClr="000000"/>
+                                            </a:solidFill>
+                                            <a:latin typeface="Cambria Math"/>
+                                          </a:rPr>
+                                        </m:ctrlPr>
+                                      </m:sSubPr>
+                                      <m:e>
+                                        <m:r>
+                                          <a:rPr lang="en-US" altLang="ko-KR" sz="1600" b="0" i="1" smtClean="0">
+                                            <a:solidFill>
+                                              <a:sysClr val="windowText" lastClr="000000"/>
+                                            </a:solidFill>
+                                            <a:latin typeface="Cambria Math"/>
+                                          </a:rPr>
+                                          <m:t>𝑋</m:t>
+                                        </m:r>
+                                      </m:e>
+                                      <m:sub>
+                                        <m:r>
+                                          <a:rPr lang="en-US" altLang="ko-KR" sz="1600" b="0" i="1" smtClean="0">
+                                            <a:solidFill>
+                                              <a:sysClr val="windowText" lastClr="000000"/>
+                                            </a:solidFill>
+                                            <a:latin typeface="Cambria Math"/>
+                                          </a:rPr>
+                                          <m:t>1</m:t>
+                                        </m:r>
+                                        <m:r>
+                                          <a:rPr lang="en-US" altLang="ko-KR" sz="1600" b="0" i="1" smtClean="0">
+                                            <a:solidFill>
+                                              <a:sysClr val="windowText" lastClr="000000"/>
+                                            </a:solidFill>
+                                            <a:latin typeface="Cambria Math"/>
+                                          </a:rPr>
+                                          <m:t>𝑠</m:t>
+                                        </m:r>
+                                      </m:sub>
+                                    </m:sSub>
+                                  </m:e>
+                                </m:nary>
+                              </m:oMath>
+                            </m:oMathPara>
+                          </a14:m>
+                          <a:endParaRPr lang="ko-KR" altLang="en-US" sz="1600" dirty="0">
+                            <a:solidFill>
+                              <a:sysClr val="windowText" lastClr="000000"/>
+                            </a:solidFill>
+                          </a:endParaRPr>
+                        </a:p>
+                      </a:txBody>
+                      <a:tcPr anchor="ctr">
+                        <a:lnL w="12700" cap="flat" cmpd="sng" algn="ctr">
+                          <a:solidFill>
+                            <a:schemeClr val="tx1"/>
+                          </a:solidFill>
+                          <a:prstDash val="solid"/>
+                          <a:round/>
+                          <a:headEnd type="none" w="med" len="med"/>
+                          <a:tailEnd type="none" w="med" len="med"/>
+                        </a:lnL>
+                        <a:lnR w="12700" cap="flat" cmpd="sng" algn="ctr">
+                          <a:solidFill>
+                            <a:schemeClr val="tx1"/>
+                          </a:solidFill>
+                          <a:prstDash val="solid"/>
+                          <a:round/>
+                          <a:headEnd type="none" w="med" len="med"/>
+                          <a:tailEnd type="none" w="med" len="med"/>
+                        </a:lnR>
+                        <a:lnT w="12700" cap="flat" cmpd="sng" algn="ctr">
+                          <a:solidFill>
+                            <a:schemeClr val="tx1"/>
+                          </a:solidFill>
+                          <a:prstDash val="solid"/>
+                          <a:round/>
+                          <a:headEnd type="none" w="med" len="med"/>
+                          <a:tailEnd type="none" w="med" len="med"/>
+                        </a:lnT>
+                        <a:lnB w="12700" cap="flat" cmpd="sng" algn="ctr">
+                          <a:solidFill>
+                            <a:schemeClr val="tx1"/>
+                          </a:solidFill>
+                          <a:prstDash val="solid"/>
+                          <a:round/>
+                          <a:headEnd type="none" w="med" len="med"/>
+                          <a:tailEnd type="none" w="med" len="med"/>
+                        </a:lnB>
+                        <a:lnTlToBr w="12700" cmpd="sng">
+                          <a:noFill/>
+                          <a:prstDash val="solid"/>
+                        </a:lnTlToBr>
+                        <a:lnBlToTr w="12700" cmpd="sng">
+                          <a:noFill/>
+                          <a:prstDash val="solid"/>
+                        </a:lnBlToTr>
+                        <a:solidFill>
+                          <a:schemeClr val="bg1"/>
+                        </a:solidFill>
+                      </a:tcPr>
+                    </a:tc>
+                    <a:tc>
+                      <a:txBody>
+                        <a:bodyPr/>
+                        <a:lstStyle/>
+                        <a:p>
+                          <a:pPr algn="ctr" latinLnBrk="1"/>
+                          <a14:m>
+                            <m:oMathPara xmlns:m="http://schemas.openxmlformats.org/officeDocument/2006/math">
+                              <m:oMathParaPr>
+                                <m:jc m:val="centerGroup"/>
+                              </m:oMathParaPr>
+                              <m:oMath xmlns:m="http://schemas.openxmlformats.org/officeDocument/2006/math">
+                                <m:acc>
+                                  <m:accPr>
+                                    <m:chr m:val="̅"/>
+                                    <m:ctrlPr>
+                                      <a:rPr lang="en-US" altLang="ko-KR" sz="1600" b="0" i="1" smtClean="0">
+                                        <a:solidFill>
+                                          <a:sysClr val="windowText" lastClr="000000"/>
+                                        </a:solidFill>
+                                        <a:latin typeface="Cambria Math"/>
+                                      </a:rPr>
+                                    </m:ctrlPr>
+                                  </m:accPr>
+                                  <m:e>
+                                    <m:sSub>
+                                      <m:sSubPr>
+                                        <m:ctrlPr>
+                                          <a:rPr lang="en-US" altLang="ko-KR" sz="1600" b="0" i="1" smtClean="0">
+                                            <a:solidFill>
+                                              <a:sysClr val="windowText" lastClr="000000"/>
+                                            </a:solidFill>
+                                            <a:latin typeface="Cambria Math"/>
+                                          </a:rPr>
+                                        </m:ctrlPr>
+                                      </m:sSubPr>
+                                      <m:e>
+                                        <m:r>
+                                          <a:rPr lang="en-US" altLang="ko-KR" sz="1600" b="0" i="1" smtClean="0">
+                                            <a:solidFill>
+                                              <a:sysClr val="windowText" lastClr="000000"/>
+                                            </a:solidFill>
+                                            <a:latin typeface="Cambria Math"/>
+                                          </a:rPr>
+                                          <m:t>𝑋</m:t>
+                                        </m:r>
+                                      </m:e>
+                                      <m:sub>
+                                        <m:r>
+                                          <a:rPr lang="en-US" altLang="ko-KR" sz="1600" b="0" i="1" smtClean="0">
+                                            <a:solidFill>
+                                              <a:sysClr val="windowText" lastClr="000000"/>
+                                            </a:solidFill>
+                                            <a:latin typeface="Cambria Math"/>
+                                          </a:rPr>
+                                          <m:t>2</m:t>
+                                        </m:r>
+                                      </m:sub>
+                                    </m:sSub>
+                                  </m:e>
+                                </m:acc>
+                                <m:r>
+                                  <a:rPr lang="en-US" altLang="ko-KR" sz="1600" b="0" i="1" smtClean="0">
+                                    <a:solidFill>
+                                      <a:sysClr val="windowText" lastClr="000000"/>
+                                    </a:solidFill>
+                                    <a:latin typeface="Cambria Math"/>
+                                  </a:rPr>
+                                  <m:t>=</m:t>
+                                </m:r>
+                                <m:f>
+                                  <m:fPr>
+                                    <m:ctrlPr>
+                                      <a:rPr lang="en-US" altLang="ko-KR" sz="1600" b="0" i="1" smtClean="0">
+                                        <a:solidFill>
+                                          <a:sysClr val="windowText" lastClr="000000"/>
+                                        </a:solidFill>
+                                        <a:latin typeface="Cambria Math"/>
+                                      </a:rPr>
+                                    </m:ctrlPr>
+                                  </m:fPr>
+                                  <m:num>
+                                    <m:r>
+                                      <a:rPr lang="en-US" altLang="ko-KR" sz="1600" b="0" i="1" smtClean="0">
+                                        <a:solidFill>
+                                          <a:sysClr val="windowText" lastClr="000000"/>
+                                        </a:solidFill>
+                                        <a:latin typeface="Cambria Math"/>
+                                      </a:rPr>
+                                      <m:t>1</m:t>
+                                    </m:r>
+                                  </m:num>
+                                  <m:den>
+                                    <m:r>
+                                      <a:rPr lang="en-US" altLang="ko-KR" sz="1600" b="0" i="1" smtClean="0">
+                                        <a:solidFill>
+                                          <a:sysClr val="windowText" lastClr="000000"/>
+                                        </a:solidFill>
+                                        <a:latin typeface="Cambria Math"/>
+                                      </a:rPr>
+                                      <m:t>𝑛</m:t>
+                                    </m:r>
+                                  </m:den>
+                                </m:f>
+                                <m:nary>
+                                  <m:naryPr>
+                                    <m:chr m:val="∑"/>
+                                    <m:supHide m:val="on"/>
+                                    <m:ctrlPr>
+                                      <a:rPr lang="en-US" altLang="ko-KR" sz="1600" b="0" i="1" smtClean="0">
+                                        <a:solidFill>
+                                          <a:sysClr val="windowText" lastClr="000000"/>
+                                        </a:solidFill>
+                                        <a:latin typeface="Cambria Math"/>
+                                      </a:rPr>
+                                    </m:ctrlPr>
+                                  </m:naryPr>
+                                  <m:sub>
+                                    <m:r>
+                                      <a:rPr lang="en-US" altLang="ko-KR" sz="1600" b="0" i="1" smtClean="0">
+                                        <a:solidFill>
+                                          <a:sysClr val="windowText" lastClr="000000"/>
+                                        </a:solidFill>
+                                        <a:latin typeface="Cambria Math"/>
+                                      </a:rPr>
+                                      <m:t>𝑠</m:t>
+                                    </m:r>
+                                  </m:sub>
+                                  <m:sup/>
+                                  <m:e>
+                                    <m:sSub>
+                                      <m:sSubPr>
+                                        <m:ctrlPr>
+                                          <a:rPr lang="en-US" altLang="ko-KR" sz="1600" b="0" i="1" smtClean="0">
+                                            <a:solidFill>
+                                              <a:sysClr val="windowText" lastClr="000000"/>
+                                            </a:solidFill>
+                                            <a:latin typeface="Cambria Math"/>
+                                          </a:rPr>
+                                        </m:ctrlPr>
+                                      </m:sSubPr>
+                                      <m:e>
+                                        <m:r>
+                                          <a:rPr lang="en-US" altLang="ko-KR" sz="1600" b="0" i="1" smtClean="0">
+                                            <a:solidFill>
+                                              <a:sysClr val="windowText" lastClr="000000"/>
+                                            </a:solidFill>
+                                            <a:latin typeface="Cambria Math"/>
+                                          </a:rPr>
+                                          <m:t>𝑋</m:t>
+                                        </m:r>
+                                      </m:e>
+                                      <m:sub>
+                                        <m:r>
+                                          <a:rPr lang="en-US" altLang="ko-KR" sz="1600" b="0" i="1" smtClean="0">
+                                            <a:solidFill>
+                                              <a:sysClr val="windowText" lastClr="000000"/>
+                                            </a:solidFill>
+                                            <a:latin typeface="Cambria Math"/>
+                                          </a:rPr>
+                                          <m:t>2</m:t>
+                                        </m:r>
+                                        <m:r>
+                                          <a:rPr lang="en-US" altLang="ko-KR" sz="1600" b="0" i="1" smtClean="0">
+                                            <a:solidFill>
+                                              <a:sysClr val="windowText" lastClr="000000"/>
+                                            </a:solidFill>
+                                            <a:latin typeface="Cambria Math"/>
+                                          </a:rPr>
+                                          <m:t>𝑠</m:t>
+                                        </m:r>
+                                      </m:sub>
+                                    </m:sSub>
+                                  </m:e>
+                                </m:nary>
+                              </m:oMath>
+                            </m:oMathPara>
+                          </a14:m>
+                          <a:endParaRPr lang="ko-KR" altLang="en-US" sz="1600" dirty="0">
+                            <a:solidFill>
+                              <a:sysClr val="windowText" lastClr="000000"/>
+                            </a:solidFill>
+                          </a:endParaRPr>
+                        </a:p>
+                      </a:txBody>
+                      <a:tcPr anchor="ctr">
+                        <a:lnL w="12700" cap="flat" cmpd="sng" algn="ctr">
+                          <a:solidFill>
+                            <a:schemeClr val="tx1"/>
+                          </a:solidFill>
+                          <a:prstDash val="solid"/>
+                          <a:round/>
+                          <a:headEnd type="none" w="med" len="med"/>
+                          <a:tailEnd type="none" w="med" len="med"/>
+                        </a:lnL>
+                        <a:lnR w="12700" cap="flat" cmpd="sng" algn="ctr">
+                          <a:solidFill>
+                            <a:schemeClr val="tx1"/>
+                          </a:solidFill>
+                          <a:prstDash val="solid"/>
+                          <a:round/>
+                          <a:headEnd type="none" w="med" len="med"/>
+                          <a:tailEnd type="none" w="med" len="med"/>
+                        </a:lnR>
+                        <a:lnT w="12700" cap="flat" cmpd="sng" algn="ctr">
+                          <a:solidFill>
+                            <a:schemeClr val="tx1"/>
+                          </a:solidFill>
+                          <a:prstDash val="solid"/>
+                          <a:round/>
+                          <a:headEnd type="none" w="med" len="med"/>
+                          <a:tailEnd type="none" w="med" len="med"/>
+                        </a:lnT>
+                        <a:lnB w="12700" cap="flat" cmpd="sng" algn="ctr">
+                          <a:solidFill>
+                            <a:schemeClr val="tx1"/>
+                          </a:solidFill>
+                          <a:prstDash val="solid"/>
+                          <a:round/>
+                          <a:headEnd type="none" w="med" len="med"/>
+                          <a:tailEnd type="none" w="med" len="med"/>
+                        </a:lnB>
+                        <a:lnTlToBr w="12700" cmpd="sng">
+                          <a:noFill/>
+                          <a:prstDash val="solid"/>
+                        </a:lnTlToBr>
+                        <a:lnBlToTr w="12700" cmpd="sng">
+                          <a:noFill/>
+                          <a:prstDash val="solid"/>
+                        </a:lnBlToTr>
+                        <a:solidFill>
+                          <a:schemeClr val="bg1"/>
+                        </a:solidFill>
+                      </a:tcPr>
+                    </a:tc>
+                    <a:tc>
+                      <a:txBody>
+                        <a:bodyPr/>
+                        <a:lstStyle/>
+                        <a:p>
+                          <a:pPr algn="ctr" latinLnBrk="1"/>
+                          <a14:m>
+                            <m:oMathPara xmlns:m="http://schemas.openxmlformats.org/officeDocument/2006/math">
+                              <m:oMathParaPr>
+                                <m:jc m:val="centerGroup"/>
+                              </m:oMathParaPr>
+                              <m:oMath xmlns:m="http://schemas.openxmlformats.org/officeDocument/2006/math">
+                                <m:acc>
+                                  <m:accPr>
+                                    <m:chr m:val="̅"/>
+                                    <m:ctrlPr>
+                                      <a:rPr lang="en-US" altLang="ko-KR" sz="1600" b="0" i="1" smtClean="0">
+                                        <a:solidFill>
+                                          <a:sysClr val="windowText" lastClr="000000"/>
+                                        </a:solidFill>
+                                        <a:latin typeface="Cambria Math"/>
+                                      </a:rPr>
+                                    </m:ctrlPr>
+                                  </m:accPr>
+                                  <m:e>
+                                    <m:r>
+                                      <a:rPr lang="en-US" altLang="ko-KR" sz="1600" b="0" i="1" smtClean="0">
+                                        <a:solidFill>
+                                          <a:sysClr val="windowText" lastClr="000000"/>
+                                        </a:solidFill>
+                                        <a:latin typeface="Cambria Math"/>
+                                      </a:rPr>
+                                      <m:t>𝑑</m:t>
+                                    </m:r>
+                                  </m:e>
+                                </m:acc>
+                                <m:r>
+                                  <a:rPr lang="en-US" altLang="ko-KR" sz="1600" b="0" i="1" smtClean="0">
+                                    <a:solidFill>
+                                      <a:sysClr val="windowText" lastClr="000000"/>
+                                    </a:solidFill>
+                                    <a:latin typeface="Cambria Math"/>
+                                  </a:rPr>
+                                  <m:t>=</m:t>
+                                </m:r>
+                                <m:f>
+                                  <m:fPr>
+                                    <m:ctrlPr>
+                                      <a:rPr lang="en-US" altLang="ko-KR" sz="1600" b="0" i="1" smtClean="0">
+                                        <a:solidFill>
+                                          <a:sysClr val="windowText" lastClr="000000"/>
+                                        </a:solidFill>
+                                        <a:latin typeface="Cambria Math"/>
+                                      </a:rPr>
+                                    </m:ctrlPr>
+                                  </m:fPr>
+                                  <m:num>
+                                    <m:r>
+                                      <a:rPr lang="en-US" altLang="ko-KR" sz="1600" b="0" i="1" smtClean="0">
+                                        <a:solidFill>
+                                          <a:sysClr val="windowText" lastClr="000000"/>
+                                        </a:solidFill>
+                                        <a:latin typeface="Cambria Math"/>
+                                      </a:rPr>
+                                      <m:t>1</m:t>
+                                    </m:r>
+                                  </m:num>
+                                  <m:den>
+                                    <m:r>
+                                      <a:rPr lang="en-US" altLang="ko-KR" sz="1600" b="0" i="1" smtClean="0">
+                                        <a:solidFill>
+                                          <a:sysClr val="windowText" lastClr="000000"/>
+                                        </a:solidFill>
+                                        <a:latin typeface="Cambria Math"/>
+                                      </a:rPr>
+                                      <m:t>𝑛</m:t>
+                                    </m:r>
+                                  </m:den>
+                                </m:f>
+                                <m:nary>
+                                  <m:naryPr>
+                                    <m:chr m:val="∑"/>
+                                    <m:supHide m:val="on"/>
+                                    <m:ctrlPr>
+                                      <a:rPr lang="en-US" altLang="ko-KR" sz="1600" b="0" i="1" smtClean="0">
+                                        <a:solidFill>
+                                          <a:sysClr val="windowText" lastClr="000000"/>
+                                        </a:solidFill>
+                                        <a:latin typeface="Cambria Math"/>
+                                      </a:rPr>
+                                    </m:ctrlPr>
+                                  </m:naryPr>
+                                  <m:sub>
+                                    <m:r>
+                                      <a:rPr lang="en-US" altLang="ko-KR" sz="1600" b="0" i="1" smtClean="0">
+                                        <a:solidFill>
+                                          <a:sysClr val="windowText" lastClr="000000"/>
+                                        </a:solidFill>
+                                        <a:latin typeface="Cambria Math"/>
+                                      </a:rPr>
+                                      <m:t>𝑠</m:t>
+                                    </m:r>
+                                  </m:sub>
+                                  <m:sup/>
+                                  <m:e>
+                                    <m:sSub>
+                                      <m:sSubPr>
+                                        <m:ctrlPr>
+                                          <a:rPr lang="en-US" altLang="ko-KR" sz="1600" b="0" i="1" smtClean="0">
+                                            <a:solidFill>
+                                              <a:sysClr val="windowText" lastClr="000000"/>
+                                            </a:solidFill>
+                                            <a:latin typeface="Cambria Math"/>
+                                          </a:rPr>
+                                        </m:ctrlPr>
+                                      </m:sSubPr>
+                                      <m:e>
+                                        <m:r>
+                                          <a:rPr lang="en-US" altLang="ko-KR" sz="1600" b="0" i="1" smtClean="0">
+                                            <a:solidFill>
+                                              <a:sysClr val="windowText" lastClr="000000"/>
+                                            </a:solidFill>
+                                            <a:latin typeface="Cambria Math"/>
+                                          </a:rPr>
+                                          <m:t>𝑑</m:t>
+                                        </m:r>
+                                      </m:e>
+                                      <m:sub>
+                                        <m:r>
+                                          <a:rPr lang="en-US" altLang="ko-KR" sz="1600" b="0" i="1" smtClean="0">
+                                            <a:solidFill>
+                                              <a:sysClr val="windowText" lastClr="000000"/>
+                                            </a:solidFill>
+                                            <a:latin typeface="Cambria Math"/>
+                                          </a:rPr>
+                                          <m:t>𝑠</m:t>
+                                        </m:r>
+                                      </m:sub>
+                                    </m:sSub>
+                                  </m:e>
+                                </m:nary>
+                                <m:r>
+                                  <a:rPr lang="en-US" altLang="ko-KR" sz="1600" b="0" i="1" smtClean="0">
+                                    <a:solidFill>
+                                      <a:sysClr val="windowText" lastClr="000000"/>
+                                    </a:solidFill>
+                                    <a:latin typeface="Cambria Math"/>
+                                  </a:rPr>
+                                  <m:t>=</m:t>
+                                </m:r>
+                                <m:f>
+                                  <m:fPr>
+                                    <m:ctrlPr>
+                                      <a:rPr lang="en-US" altLang="ko-KR" sz="1600" b="0" i="1" smtClean="0">
+                                        <a:solidFill>
+                                          <a:sysClr val="windowText" lastClr="000000"/>
+                                        </a:solidFill>
+                                        <a:latin typeface="Cambria Math"/>
+                                      </a:rPr>
+                                    </m:ctrlPr>
+                                  </m:fPr>
+                                  <m:num>
+                                    <m:r>
+                                      <a:rPr lang="en-US" altLang="ko-KR" sz="1600" b="0" i="1" smtClean="0">
+                                        <a:solidFill>
+                                          <a:sysClr val="windowText" lastClr="000000"/>
+                                        </a:solidFill>
+                                        <a:latin typeface="Cambria Math"/>
+                                      </a:rPr>
+                                      <m:t>1</m:t>
+                                    </m:r>
+                                  </m:num>
+                                  <m:den>
+                                    <m:r>
+                                      <a:rPr lang="en-US" altLang="ko-KR" sz="1600" b="0" i="1" smtClean="0">
+                                        <a:solidFill>
+                                          <a:sysClr val="windowText" lastClr="000000"/>
+                                        </a:solidFill>
+                                        <a:latin typeface="Cambria Math"/>
+                                      </a:rPr>
+                                      <m:t>𝑛</m:t>
+                                    </m:r>
+                                  </m:den>
+                                </m:f>
+                                <m:nary>
+                                  <m:naryPr>
+                                    <m:chr m:val="∑"/>
+                                    <m:supHide m:val="on"/>
+                                    <m:ctrlPr>
+                                      <a:rPr lang="en-US" altLang="ko-KR" sz="1600" b="0" i="1" smtClean="0">
+                                        <a:solidFill>
+                                          <a:sysClr val="windowText" lastClr="000000"/>
+                                        </a:solidFill>
+                                        <a:latin typeface="Cambria Math"/>
+                                      </a:rPr>
+                                    </m:ctrlPr>
+                                  </m:naryPr>
+                                  <m:sub>
+                                    <m:r>
+                                      <a:rPr lang="en-US" altLang="ko-KR" sz="1600" b="0" i="1" smtClean="0">
+                                        <a:solidFill>
+                                          <a:sysClr val="windowText" lastClr="000000"/>
+                                        </a:solidFill>
+                                        <a:latin typeface="Cambria Math"/>
+                                      </a:rPr>
+                                      <m:t>𝑠</m:t>
+                                    </m:r>
+                                  </m:sub>
+                                  <m:sup/>
+                                  <m:e>
+                                    <m:r>
+                                      <a:rPr lang="en-US" altLang="ko-KR" sz="1600" b="0" i="1" smtClean="0">
+                                        <a:solidFill>
+                                          <a:sysClr val="windowText" lastClr="000000"/>
+                                        </a:solidFill>
+                                        <a:latin typeface="Cambria Math"/>
+                                      </a:rPr>
+                                      <m:t>(</m:t>
+                                    </m:r>
+                                    <m:sSub>
+                                      <m:sSubPr>
+                                        <m:ctrlPr>
+                                          <a:rPr lang="en-US" altLang="ko-KR" sz="1600" b="0" i="1" smtClean="0">
+                                            <a:solidFill>
+                                              <a:sysClr val="windowText" lastClr="000000"/>
+                                            </a:solidFill>
+                                            <a:latin typeface="Cambria Math"/>
+                                          </a:rPr>
+                                        </m:ctrlPr>
+                                      </m:sSubPr>
+                                      <m:e>
+                                        <m:r>
+                                          <a:rPr lang="en-US" altLang="ko-KR" sz="1600" b="0" i="1" smtClean="0">
+                                            <a:solidFill>
+                                              <a:sysClr val="windowText" lastClr="000000"/>
+                                            </a:solidFill>
+                                            <a:latin typeface="Cambria Math"/>
+                                          </a:rPr>
+                                          <m:t>𝑋</m:t>
+                                        </m:r>
+                                      </m:e>
+                                      <m:sub>
+                                        <m:r>
+                                          <a:rPr lang="en-US" altLang="ko-KR" sz="1600" b="0" i="1" smtClean="0">
+                                            <a:solidFill>
+                                              <a:sysClr val="windowText" lastClr="000000"/>
+                                            </a:solidFill>
+                                            <a:latin typeface="Cambria Math"/>
+                                          </a:rPr>
+                                          <m:t>2</m:t>
+                                        </m:r>
+                                        <m:r>
+                                          <a:rPr lang="en-US" altLang="ko-KR" sz="1600" b="0" i="1" smtClean="0">
+                                            <a:solidFill>
+                                              <a:sysClr val="windowText" lastClr="000000"/>
+                                            </a:solidFill>
+                                            <a:latin typeface="Cambria Math"/>
+                                          </a:rPr>
+                                          <m:t>𝑠</m:t>
+                                        </m:r>
+                                      </m:sub>
+                                    </m:sSub>
+                                    <m:r>
+                                      <a:rPr lang="en-US" altLang="ko-KR" sz="1600" b="0" i="1" smtClean="0">
+                                        <a:solidFill>
+                                          <a:sysClr val="windowText" lastClr="000000"/>
+                                        </a:solidFill>
+                                        <a:latin typeface="Cambria Math"/>
+                                      </a:rPr>
+                                      <m:t>−</m:t>
+                                    </m:r>
+                                    <m:sSub>
+                                      <m:sSubPr>
+                                        <m:ctrlPr>
+                                          <a:rPr lang="en-US" altLang="ko-KR" sz="1600" b="0" i="1" smtClean="0">
+                                            <a:solidFill>
+                                              <a:sysClr val="windowText" lastClr="000000"/>
+                                            </a:solidFill>
+                                            <a:latin typeface="Cambria Math"/>
+                                          </a:rPr>
+                                        </m:ctrlPr>
+                                      </m:sSubPr>
+                                      <m:e>
+                                        <m:r>
+                                          <a:rPr lang="en-US" altLang="ko-KR" sz="1600" b="0" i="1" smtClean="0">
+                                            <a:solidFill>
+                                              <a:sysClr val="windowText" lastClr="000000"/>
+                                            </a:solidFill>
+                                            <a:latin typeface="Cambria Math"/>
+                                          </a:rPr>
+                                          <m:t>𝑋</m:t>
+                                        </m:r>
+                                      </m:e>
+                                      <m:sub>
+                                        <m:r>
+                                          <a:rPr lang="en-US" altLang="ko-KR" sz="1600" b="0" i="1" smtClean="0">
+                                            <a:solidFill>
+                                              <a:sysClr val="windowText" lastClr="000000"/>
+                                            </a:solidFill>
+                                            <a:latin typeface="Cambria Math"/>
+                                          </a:rPr>
+                                          <m:t>1</m:t>
+                                        </m:r>
+                                        <m:r>
+                                          <a:rPr lang="en-US" altLang="ko-KR" sz="1600" b="0" i="1" smtClean="0">
+                                            <a:solidFill>
+                                              <a:sysClr val="windowText" lastClr="000000"/>
+                                            </a:solidFill>
+                                            <a:latin typeface="Cambria Math"/>
+                                          </a:rPr>
+                                          <m:t>𝑠</m:t>
+                                        </m:r>
+                                      </m:sub>
+                                    </m:sSub>
+                                    <m:r>
+                                      <a:rPr lang="en-US" altLang="ko-KR" sz="1600" b="0" i="1" smtClean="0">
+                                        <a:solidFill>
+                                          <a:sysClr val="windowText" lastClr="000000"/>
+                                        </a:solidFill>
+                                        <a:latin typeface="Cambria Math"/>
+                                      </a:rPr>
+                                      <m:t>)</m:t>
+                                    </m:r>
+                                  </m:e>
+                                </m:nary>
+                              </m:oMath>
+                            </m:oMathPara>
+                          </a14:m>
+                          <a:endParaRPr lang="ko-KR" altLang="en-US" sz="1600" dirty="0">
+                            <a:solidFill>
+                              <a:sysClr val="windowText" lastClr="000000"/>
+                            </a:solidFill>
+                          </a:endParaRPr>
+                        </a:p>
+                      </a:txBody>
+                      <a:tcPr anchor="ctr">
+                        <a:lnL w="12700" cap="flat" cmpd="sng" algn="ctr">
+                          <a:solidFill>
+                            <a:schemeClr val="tx1"/>
+                          </a:solidFill>
+                          <a:prstDash val="solid"/>
+                          <a:round/>
+                          <a:headEnd type="none" w="med" len="med"/>
+                          <a:tailEnd type="none" w="med" len="med"/>
+                        </a:lnL>
+                        <a:lnR w="12700" cap="flat" cmpd="sng" algn="ctr">
+                          <a:solidFill>
+                            <a:schemeClr val="tx1"/>
+                          </a:solidFill>
+                          <a:prstDash val="solid"/>
+                          <a:round/>
+                          <a:headEnd type="none" w="med" len="med"/>
+                          <a:tailEnd type="none" w="med" len="med"/>
+                        </a:lnR>
+                        <a:lnT w="12700" cap="flat" cmpd="sng" algn="ctr">
+                          <a:solidFill>
+                            <a:schemeClr val="tx1"/>
+                          </a:solidFill>
+                          <a:prstDash val="solid"/>
+                          <a:round/>
+                          <a:headEnd type="none" w="med" len="med"/>
+                          <a:tailEnd type="none" w="med" len="med"/>
+                        </a:lnT>
+                        <a:lnB w="12700" cap="flat" cmpd="sng" algn="ctr">
+                          <a:solidFill>
+                            <a:schemeClr val="tx1"/>
+                          </a:solidFill>
+                          <a:prstDash val="solid"/>
+                          <a:round/>
+                          <a:headEnd type="none" w="med" len="med"/>
+                          <a:tailEnd type="none" w="med" len="med"/>
+                        </a:lnB>
+                        <a:lnTlToBr w="12700" cmpd="sng">
+                          <a:noFill/>
+                          <a:prstDash val="solid"/>
+                        </a:lnTlToBr>
+                        <a:lnBlToTr w="12700" cmpd="sng">
+                          <a:noFill/>
+                          <a:prstDash val="solid"/>
+                        </a:lnBlToTr>
+                        <a:solidFill>
+                          <a:schemeClr val="bg1"/>
+                        </a:solidFill>
+                      </a:tcPr>
+                    </a:tc>
+                  </a:tr>
+                  <a:tr h="370840">
+                    <a:tc>
+                      <a:txBody>
+                        <a:bodyPr/>
+                        <a:lstStyle/>
+                        <a:p>
+                          <a:pPr algn="ctr" latinLnBrk="1"/>
+                          <a:r>
+                            <a:rPr lang="ko-KR" altLang="en-US" sz="1600" b="1" dirty="0" smtClean="0">
+                              <a:solidFill>
+                                <a:sysClr val="windowText" lastClr="000000"/>
+                              </a:solidFill>
+                            </a:rPr>
+                            <a:t>분산</a:t>
+                          </a:r>
+                          <a:endParaRPr lang="en-US" altLang="ko-KR" sz="1600" b="1" dirty="0" smtClean="0">
+                            <a:solidFill>
+                              <a:sysClr val="windowText" lastClr="000000"/>
+                            </a:solidFill>
+                          </a:endParaRPr>
+                        </a:p>
+                      </a:txBody>
+                      <a:tcPr anchor="ctr">
+                        <a:lnL w="12700" cap="flat" cmpd="sng" algn="ctr">
+                          <a:solidFill>
+                            <a:schemeClr val="tx1"/>
+                          </a:solidFill>
+                          <a:prstDash val="solid"/>
+                          <a:round/>
+                          <a:headEnd type="none" w="med" len="med"/>
+                          <a:tailEnd type="none" w="med" len="med"/>
+                        </a:lnL>
+                        <a:lnR w="12700" cap="flat" cmpd="sng" algn="ctr">
+                          <a:solidFill>
+                            <a:schemeClr val="tx1"/>
+                          </a:solidFill>
+                          <a:prstDash val="solid"/>
+                          <a:round/>
+                          <a:headEnd type="none" w="med" len="med"/>
+                          <a:tailEnd type="none" w="med" len="med"/>
+                        </a:lnR>
+                        <a:lnT w="12700" cap="flat" cmpd="sng" algn="ctr">
+                          <a:solidFill>
+                            <a:schemeClr val="tx1"/>
+                          </a:solidFill>
+                          <a:prstDash val="solid"/>
+                          <a:round/>
+                          <a:headEnd type="none" w="med" len="med"/>
+                          <a:tailEnd type="none" w="med" len="med"/>
+                        </a:lnT>
+                        <a:lnB w="12700" cap="flat" cmpd="sng" algn="ctr">
+                          <a:solidFill>
+                            <a:schemeClr val="tx1"/>
+                          </a:solidFill>
+                          <a:prstDash val="solid"/>
+                          <a:round/>
+                          <a:headEnd type="none" w="med" len="med"/>
+                          <a:tailEnd type="none" w="med" len="med"/>
+                        </a:lnB>
+                        <a:lnTlToBr w="12700" cmpd="sng">
+                          <a:noFill/>
+                          <a:prstDash val="solid"/>
+                        </a:lnTlToBr>
+                        <a:lnBlToTr w="12700" cmpd="sng">
+                          <a:noFill/>
+                          <a:prstDash val="solid"/>
+                        </a:lnBlToTr>
+                        <a:solidFill>
+                          <a:schemeClr val="bg2"/>
+                        </a:solidFill>
+                      </a:tcPr>
+                    </a:tc>
+                    <a:tc>
+                      <a:txBody>
+                        <a:bodyPr/>
+                        <a:lstStyle/>
+                        <a:p>
+                          <a:pPr algn="ctr" latinLnBrk="1"/>
+                          <a14:m>
+                            <m:oMathPara xmlns:m="http://schemas.openxmlformats.org/officeDocument/2006/math">
+                              <m:oMathParaPr>
+                                <m:jc m:val="centerGroup"/>
+                              </m:oMathParaPr>
+                              <m:oMath xmlns:m="http://schemas.openxmlformats.org/officeDocument/2006/math">
+                                <m:sSubSup>
+                                  <m:sSubSupPr>
+                                    <m:ctrlPr>
+                                      <a:rPr lang="en-US" altLang="ko-KR" sz="1600" b="0" i="1" smtClean="0">
+                                        <a:solidFill>
+                                          <a:sysClr val="windowText" lastClr="000000"/>
+                                        </a:solidFill>
+                                        <a:latin typeface="Cambria Math"/>
+                                      </a:rPr>
+                                    </m:ctrlPr>
+                                  </m:sSubSupPr>
+                                  <m:e>
+                                    <m:r>
+                                      <a:rPr lang="en-US" altLang="ko-KR" sz="1600" b="0" i="1" smtClean="0">
+                                        <a:solidFill>
+                                          <a:sysClr val="windowText" lastClr="000000"/>
+                                        </a:solidFill>
+                                        <a:latin typeface="Cambria Math"/>
+                                      </a:rPr>
+                                      <m:t>𝑠</m:t>
+                                    </m:r>
+                                  </m:e>
+                                  <m:sub>
+                                    <m:r>
+                                      <a:rPr lang="en-US" altLang="ko-KR" sz="1600" b="0" i="1" smtClean="0">
+                                        <a:solidFill>
+                                          <a:sysClr val="windowText" lastClr="000000"/>
+                                        </a:solidFill>
+                                        <a:latin typeface="Cambria Math"/>
+                                      </a:rPr>
+                                      <m:t>1</m:t>
+                                    </m:r>
+                                  </m:sub>
+                                  <m:sup>
+                                    <m:r>
+                                      <a:rPr lang="en-US" altLang="ko-KR" sz="1600" b="0" i="1" smtClean="0">
+                                        <a:solidFill>
+                                          <a:sysClr val="windowText" lastClr="000000"/>
+                                        </a:solidFill>
+                                        <a:latin typeface="Cambria Math"/>
+                                      </a:rPr>
+                                      <m:t>2</m:t>
+                                    </m:r>
+                                  </m:sup>
+                                </m:sSubSup>
+                                <m:r>
+                                  <a:rPr lang="en-US" altLang="ko-KR" sz="1600" b="0" i="1" smtClean="0">
+                                    <a:solidFill>
+                                      <a:sysClr val="windowText" lastClr="000000"/>
+                                    </a:solidFill>
+                                    <a:latin typeface="Cambria Math"/>
+                                  </a:rPr>
+                                  <m:t>=</m:t>
+                                </m:r>
+                                <m:f>
+                                  <m:fPr>
+                                    <m:ctrlPr>
+                                      <a:rPr lang="en-US" altLang="ko-KR" sz="1600" b="0" i="1" smtClean="0">
+                                        <a:solidFill>
+                                          <a:sysClr val="windowText" lastClr="000000"/>
+                                        </a:solidFill>
+                                        <a:latin typeface="Cambria Math"/>
+                                      </a:rPr>
+                                    </m:ctrlPr>
+                                  </m:fPr>
+                                  <m:num>
+                                    <m:r>
+                                      <a:rPr lang="en-US" altLang="ko-KR" sz="1600" b="0" i="1" smtClean="0">
+                                        <a:solidFill>
+                                          <a:sysClr val="windowText" lastClr="000000"/>
+                                        </a:solidFill>
+                                        <a:latin typeface="Cambria Math"/>
+                                      </a:rPr>
+                                      <m:t>1</m:t>
+                                    </m:r>
+                                  </m:num>
+                                  <m:den>
+                                    <m:r>
+                                      <a:rPr lang="en-US" altLang="ko-KR" sz="1600" b="0" i="1" smtClean="0">
+                                        <a:solidFill>
+                                          <a:sysClr val="windowText" lastClr="000000"/>
+                                        </a:solidFill>
+                                        <a:latin typeface="Cambria Math"/>
+                                      </a:rPr>
+                                      <m:t>𝑛</m:t>
+                                    </m:r>
+                                    <m:r>
+                                      <a:rPr lang="en-US" altLang="ko-KR" sz="1600" b="0" i="1" smtClean="0">
+                                        <a:solidFill>
+                                          <a:sysClr val="windowText" lastClr="000000"/>
+                                        </a:solidFill>
+                                        <a:latin typeface="Cambria Math"/>
+                                      </a:rPr>
+                                      <m:t>−1</m:t>
+                                    </m:r>
+                                  </m:den>
+                                </m:f>
+                                <m:nary>
+                                  <m:naryPr>
+                                    <m:chr m:val="∑"/>
+                                    <m:supHide m:val="on"/>
+                                    <m:ctrlPr>
+                                      <a:rPr lang="en-US" altLang="ko-KR" sz="1600" b="0" i="1" smtClean="0">
+                                        <a:solidFill>
+                                          <a:sysClr val="windowText" lastClr="000000"/>
+                                        </a:solidFill>
+                                        <a:latin typeface="Cambria Math"/>
+                                      </a:rPr>
+                                    </m:ctrlPr>
+                                  </m:naryPr>
+                                  <m:sub>
+                                    <m:r>
+                                      <a:rPr lang="en-US" altLang="ko-KR" sz="1600" b="0" i="1" smtClean="0">
+                                        <a:solidFill>
+                                          <a:sysClr val="windowText" lastClr="000000"/>
+                                        </a:solidFill>
+                                        <a:latin typeface="Cambria Math"/>
+                                      </a:rPr>
+                                      <m:t>𝑠</m:t>
+                                    </m:r>
+                                  </m:sub>
+                                  <m:sup/>
+                                  <m:e>
+                                    <m:sSup>
+                                      <m:sSupPr>
+                                        <m:ctrlPr>
+                                          <a:rPr lang="en-US" altLang="ko-KR" sz="1600" b="0" i="1" smtClean="0">
+                                            <a:solidFill>
+                                              <a:sysClr val="windowText" lastClr="000000"/>
+                                            </a:solidFill>
+                                            <a:latin typeface="Cambria Math"/>
+                                          </a:rPr>
+                                        </m:ctrlPr>
+                                      </m:sSupPr>
+                                      <m:e>
+                                        <m:d>
+                                          <m:dPr>
+                                            <m:ctrlPr>
+                                              <a:rPr lang="en-US" altLang="ko-KR" sz="1600" b="0" i="1" smtClean="0">
+                                                <a:solidFill>
+                                                  <a:sysClr val="windowText" lastClr="000000"/>
+                                                </a:solidFill>
+                                                <a:latin typeface="Cambria Math"/>
+                                              </a:rPr>
+                                            </m:ctrlPr>
+                                          </m:dPr>
+                                          <m:e>
+                                            <m:sSub>
+                                              <m:sSubPr>
+                                                <m:ctrlPr>
+                                                  <a:rPr lang="en-US" altLang="ko-KR" sz="1600" b="0" i="1" smtClean="0">
+                                                    <a:solidFill>
+                                                      <a:sysClr val="windowText" lastClr="000000"/>
+                                                    </a:solidFill>
+                                                    <a:latin typeface="Cambria Math"/>
+                                                  </a:rPr>
+                                                </m:ctrlPr>
+                                              </m:sSubPr>
+                                              <m:e>
+                                                <m:r>
+                                                  <a:rPr lang="en-US" altLang="ko-KR" sz="1600" b="0" i="1" smtClean="0">
+                                                    <a:solidFill>
+                                                      <a:sysClr val="windowText" lastClr="000000"/>
+                                                    </a:solidFill>
+                                                    <a:latin typeface="Cambria Math"/>
+                                                  </a:rPr>
+                                                  <m:t>𝑋</m:t>
+                                                </m:r>
+                                              </m:e>
+                                              <m:sub>
+                                                <m:r>
+                                                  <a:rPr lang="en-US" altLang="ko-KR" sz="1600" b="0" i="1" smtClean="0">
+                                                    <a:solidFill>
+                                                      <a:sysClr val="windowText" lastClr="000000"/>
+                                                    </a:solidFill>
+                                                    <a:latin typeface="Cambria Math"/>
+                                                  </a:rPr>
+                                                  <m:t>1</m:t>
+                                                </m:r>
+                                                <m:r>
+                                                  <a:rPr lang="en-US" altLang="ko-KR" sz="1600" b="0" i="1" smtClean="0">
+                                                    <a:solidFill>
+                                                      <a:sysClr val="windowText" lastClr="000000"/>
+                                                    </a:solidFill>
+                                                    <a:latin typeface="Cambria Math"/>
+                                                  </a:rPr>
+                                                  <m:t>𝑠</m:t>
+                                                </m:r>
+                                              </m:sub>
+                                            </m:sSub>
+                                            <m:r>
+                                              <a:rPr lang="en-US" altLang="ko-KR" sz="1600" b="0" i="1" smtClean="0">
+                                                <a:solidFill>
+                                                  <a:sysClr val="windowText" lastClr="000000"/>
+                                                </a:solidFill>
+                                                <a:latin typeface="Cambria Math"/>
+                                              </a:rPr>
+                                              <m:t>−</m:t>
+                                            </m:r>
+                                            <m:sSub>
+                                              <m:sSubPr>
+                                                <m:ctrlPr>
+                                                  <a:rPr lang="en-US" altLang="ko-KR" sz="1600" b="0" i="1" smtClean="0">
+                                                    <a:solidFill>
+                                                      <a:sysClr val="windowText" lastClr="000000"/>
+                                                    </a:solidFill>
+                                                    <a:latin typeface="Cambria Math"/>
+                                                  </a:rPr>
+                                                </m:ctrlPr>
+                                              </m:sSubPr>
+                                              <m:e>
+                                                <m:acc>
+                                                  <m:accPr>
+                                                    <m:chr m:val="̅"/>
+                                                    <m:ctrlPr>
+                                                      <a:rPr lang="en-US" altLang="ko-KR" sz="1600" b="0" i="1" smtClean="0">
+                                                        <a:solidFill>
+                                                          <a:sysClr val="windowText" lastClr="000000"/>
+                                                        </a:solidFill>
+                                                        <a:latin typeface="Cambria Math"/>
+                                                      </a:rPr>
+                                                    </m:ctrlPr>
+                                                  </m:accPr>
+                                                  <m:e>
+                                                    <m:r>
+                                                      <a:rPr lang="en-US" altLang="ko-KR" sz="1600" b="0" i="1" smtClean="0">
+                                                        <a:solidFill>
+                                                          <a:sysClr val="windowText" lastClr="000000"/>
+                                                        </a:solidFill>
+                                                        <a:latin typeface="Cambria Math"/>
+                                                      </a:rPr>
+                                                      <m:t>𝑋</m:t>
+                                                    </m:r>
+                                                  </m:e>
+                                                </m:acc>
+                                              </m:e>
+                                              <m:sub>
+                                                <m:r>
+                                                  <a:rPr lang="en-US" altLang="ko-KR" sz="1600" b="0" i="1" smtClean="0">
+                                                    <a:solidFill>
+                                                      <a:sysClr val="windowText" lastClr="000000"/>
+                                                    </a:solidFill>
+                                                    <a:latin typeface="Cambria Math"/>
+                                                  </a:rPr>
+                                                  <m:t>1</m:t>
+                                                </m:r>
+                                              </m:sub>
+                                            </m:sSub>
+                                          </m:e>
+                                        </m:d>
+                                      </m:e>
+                                      <m:sup>
+                                        <m:r>
+                                          <a:rPr lang="en-US" altLang="ko-KR" sz="1600" b="0" i="1" smtClean="0">
+                                            <a:solidFill>
+                                              <a:sysClr val="windowText" lastClr="000000"/>
+                                            </a:solidFill>
+                                            <a:latin typeface="Cambria Math"/>
+                                          </a:rPr>
+                                          <m:t>2</m:t>
+                                        </m:r>
+                                      </m:sup>
+                                    </m:sSup>
+                                  </m:e>
+                                </m:nary>
+                              </m:oMath>
+                            </m:oMathPara>
+                          </a14:m>
+                          <a:endParaRPr lang="ko-KR" altLang="en-US" sz="1600" dirty="0">
+                            <a:solidFill>
+                              <a:sysClr val="windowText" lastClr="000000"/>
+                            </a:solidFill>
+                          </a:endParaRPr>
+                        </a:p>
+                      </a:txBody>
+                      <a:tcPr anchor="ctr">
+                        <a:lnL w="12700" cap="flat" cmpd="sng" algn="ctr">
+                          <a:solidFill>
+                            <a:schemeClr val="tx1"/>
+                          </a:solidFill>
+                          <a:prstDash val="solid"/>
+                          <a:round/>
+                          <a:headEnd type="none" w="med" len="med"/>
+                          <a:tailEnd type="none" w="med" len="med"/>
+                        </a:lnL>
+                        <a:lnR w="12700" cap="flat" cmpd="sng" algn="ctr">
+                          <a:solidFill>
+                            <a:schemeClr val="tx1"/>
+                          </a:solidFill>
+                          <a:prstDash val="solid"/>
+                          <a:round/>
+                          <a:headEnd type="none" w="med" len="med"/>
+                          <a:tailEnd type="none" w="med" len="med"/>
+                        </a:lnR>
+                        <a:lnT w="12700" cap="flat" cmpd="sng" algn="ctr">
+                          <a:solidFill>
+                            <a:schemeClr val="tx1"/>
+                          </a:solidFill>
+                          <a:prstDash val="solid"/>
+                          <a:round/>
+                          <a:headEnd type="none" w="med" len="med"/>
+                          <a:tailEnd type="none" w="med" len="med"/>
+                        </a:lnT>
+                        <a:lnB w="12700" cap="flat" cmpd="sng" algn="ctr">
+                          <a:solidFill>
+                            <a:schemeClr val="tx1"/>
+                          </a:solidFill>
+                          <a:prstDash val="solid"/>
+                          <a:round/>
+                          <a:headEnd type="none" w="med" len="med"/>
+                          <a:tailEnd type="none" w="med" len="med"/>
+                        </a:lnB>
+                        <a:lnTlToBr w="12700" cmpd="sng">
+                          <a:noFill/>
+                          <a:prstDash val="solid"/>
+                        </a:lnTlToBr>
+                        <a:lnBlToTr w="12700" cmpd="sng">
+                          <a:noFill/>
+                          <a:prstDash val="solid"/>
+                        </a:lnBlToTr>
+                        <a:solidFill>
+                          <a:schemeClr val="bg1"/>
+                        </a:solidFill>
+                      </a:tcPr>
+                    </a:tc>
+                    <a:tc>
+                      <a:txBody>
+                        <a:bodyPr/>
+                        <a:lstStyle/>
+                        <a:p>
+                          <a:pPr algn="ctr" latinLnBrk="1"/>
+                          <a14:m>
+                            <m:oMathPara xmlns:m="http://schemas.openxmlformats.org/officeDocument/2006/math">
+                              <m:oMathParaPr>
+                                <m:jc m:val="centerGroup"/>
+                              </m:oMathParaPr>
+                              <m:oMath xmlns:m="http://schemas.openxmlformats.org/officeDocument/2006/math">
+                                <m:sSubSup>
+                                  <m:sSubSupPr>
+                                    <m:ctrlPr>
+                                      <a:rPr lang="en-US" altLang="ko-KR" sz="1600" b="0" i="1" smtClean="0">
+                                        <a:solidFill>
+                                          <a:sysClr val="windowText" lastClr="000000"/>
+                                        </a:solidFill>
+                                        <a:latin typeface="Cambria Math"/>
+                                      </a:rPr>
+                                    </m:ctrlPr>
+                                  </m:sSubSupPr>
+                                  <m:e>
+                                    <m:r>
+                                      <a:rPr lang="en-US" altLang="ko-KR" sz="1600" b="0" i="1" smtClean="0">
+                                        <a:solidFill>
+                                          <a:sysClr val="windowText" lastClr="000000"/>
+                                        </a:solidFill>
+                                        <a:latin typeface="Cambria Math"/>
+                                      </a:rPr>
+                                      <m:t>𝑠</m:t>
+                                    </m:r>
+                                  </m:e>
+                                  <m:sub>
+                                    <m:r>
+                                      <a:rPr lang="en-US" altLang="ko-KR" sz="1600" b="0" i="1" smtClean="0">
+                                        <a:solidFill>
+                                          <a:sysClr val="windowText" lastClr="000000"/>
+                                        </a:solidFill>
+                                        <a:latin typeface="Cambria Math"/>
+                                      </a:rPr>
+                                      <m:t>2</m:t>
+                                    </m:r>
+                                  </m:sub>
+                                  <m:sup>
+                                    <m:r>
+                                      <a:rPr lang="en-US" altLang="ko-KR" sz="1600" b="0" i="1" smtClean="0">
+                                        <a:solidFill>
+                                          <a:sysClr val="windowText" lastClr="000000"/>
+                                        </a:solidFill>
+                                        <a:latin typeface="Cambria Math"/>
+                                      </a:rPr>
+                                      <m:t>2</m:t>
+                                    </m:r>
+                                  </m:sup>
+                                </m:sSubSup>
+                                <m:r>
+                                  <a:rPr lang="en-US" altLang="ko-KR" sz="1600" b="0" i="1" smtClean="0">
+                                    <a:solidFill>
+                                      <a:sysClr val="windowText" lastClr="000000"/>
+                                    </a:solidFill>
+                                    <a:latin typeface="Cambria Math"/>
+                                  </a:rPr>
+                                  <m:t>=</m:t>
+                                </m:r>
+                                <m:f>
+                                  <m:fPr>
+                                    <m:ctrlPr>
+                                      <a:rPr lang="en-US" altLang="ko-KR" sz="1600" b="0" i="1" smtClean="0">
+                                        <a:solidFill>
+                                          <a:sysClr val="windowText" lastClr="000000"/>
+                                        </a:solidFill>
+                                        <a:latin typeface="Cambria Math"/>
+                                      </a:rPr>
+                                    </m:ctrlPr>
+                                  </m:fPr>
+                                  <m:num>
+                                    <m:r>
+                                      <a:rPr lang="en-US" altLang="ko-KR" sz="1600" b="0" i="1" smtClean="0">
+                                        <a:solidFill>
+                                          <a:sysClr val="windowText" lastClr="000000"/>
+                                        </a:solidFill>
+                                        <a:latin typeface="Cambria Math"/>
+                                      </a:rPr>
+                                      <m:t>1</m:t>
+                                    </m:r>
+                                  </m:num>
+                                  <m:den>
+                                    <m:r>
+                                      <a:rPr lang="en-US" altLang="ko-KR" sz="1600" b="0" i="1" smtClean="0">
+                                        <a:solidFill>
+                                          <a:sysClr val="windowText" lastClr="000000"/>
+                                        </a:solidFill>
+                                        <a:latin typeface="Cambria Math"/>
+                                      </a:rPr>
+                                      <m:t>𝑛</m:t>
+                                    </m:r>
+                                    <m:r>
+                                      <a:rPr lang="en-US" altLang="ko-KR" sz="1600" b="0" i="1" smtClean="0">
+                                        <a:solidFill>
+                                          <a:sysClr val="windowText" lastClr="000000"/>
+                                        </a:solidFill>
+                                        <a:latin typeface="Cambria Math"/>
+                                      </a:rPr>
+                                      <m:t>−1</m:t>
+                                    </m:r>
+                                  </m:den>
+                                </m:f>
+                                <m:nary>
+                                  <m:naryPr>
+                                    <m:chr m:val="∑"/>
+                                    <m:supHide m:val="on"/>
+                                    <m:ctrlPr>
+                                      <a:rPr lang="en-US" altLang="ko-KR" sz="1600" b="0" i="1" smtClean="0">
+                                        <a:solidFill>
+                                          <a:sysClr val="windowText" lastClr="000000"/>
+                                        </a:solidFill>
+                                        <a:latin typeface="Cambria Math"/>
+                                      </a:rPr>
+                                    </m:ctrlPr>
+                                  </m:naryPr>
+                                  <m:sub>
+                                    <m:r>
+                                      <a:rPr lang="en-US" altLang="ko-KR" sz="1600" b="0" i="1" smtClean="0">
+                                        <a:solidFill>
+                                          <a:sysClr val="windowText" lastClr="000000"/>
+                                        </a:solidFill>
+                                        <a:latin typeface="Cambria Math"/>
+                                      </a:rPr>
+                                      <m:t>𝑠</m:t>
+                                    </m:r>
+                                  </m:sub>
+                                  <m:sup/>
+                                  <m:e>
+                                    <m:sSup>
+                                      <m:sSupPr>
+                                        <m:ctrlPr>
+                                          <a:rPr lang="en-US" altLang="ko-KR" sz="1600" b="0" i="1" smtClean="0">
+                                            <a:solidFill>
+                                              <a:sysClr val="windowText" lastClr="000000"/>
+                                            </a:solidFill>
+                                            <a:latin typeface="Cambria Math"/>
+                                          </a:rPr>
+                                        </m:ctrlPr>
+                                      </m:sSupPr>
+                                      <m:e>
+                                        <m:d>
+                                          <m:dPr>
+                                            <m:ctrlPr>
+                                              <a:rPr lang="en-US" altLang="ko-KR" sz="1600" b="0" i="1" smtClean="0">
+                                                <a:solidFill>
+                                                  <a:sysClr val="windowText" lastClr="000000"/>
+                                                </a:solidFill>
+                                                <a:latin typeface="Cambria Math"/>
+                                              </a:rPr>
+                                            </m:ctrlPr>
+                                          </m:dPr>
+                                          <m:e>
+                                            <m:sSub>
+                                              <m:sSubPr>
+                                                <m:ctrlPr>
+                                                  <a:rPr lang="en-US" altLang="ko-KR" sz="1600" b="0" i="1" smtClean="0">
+                                                    <a:solidFill>
+                                                      <a:sysClr val="windowText" lastClr="000000"/>
+                                                    </a:solidFill>
+                                                    <a:latin typeface="Cambria Math"/>
+                                                  </a:rPr>
+                                                </m:ctrlPr>
+                                              </m:sSubPr>
+                                              <m:e>
+                                                <m:r>
+                                                  <a:rPr lang="en-US" altLang="ko-KR" sz="1600" b="0" i="1" smtClean="0">
+                                                    <a:solidFill>
+                                                      <a:sysClr val="windowText" lastClr="000000"/>
+                                                    </a:solidFill>
+                                                    <a:latin typeface="Cambria Math"/>
+                                                  </a:rPr>
+                                                  <m:t>𝑋</m:t>
+                                                </m:r>
+                                              </m:e>
+                                              <m:sub>
+                                                <m:r>
+                                                  <a:rPr lang="en-US" altLang="ko-KR" sz="1600" b="0" i="1" smtClean="0">
+                                                    <a:solidFill>
+                                                      <a:sysClr val="windowText" lastClr="000000"/>
+                                                    </a:solidFill>
+                                                    <a:latin typeface="Cambria Math"/>
+                                                  </a:rPr>
+                                                  <m:t>2</m:t>
+                                                </m:r>
+                                                <m:r>
+                                                  <a:rPr lang="en-US" altLang="ko-KR" sz="1600" b="0" i="1" smtClean="0">
+                                                    <a:solidFill>
+                                                      <a:sysClr val="windowText" lastClr="000000"/>
+                                                    </a:solidFill>
+                                                    <a:latin typeface="Cambria Math"/>
+                                                  </a:rPr>
+                                                  <m:t>𝑠</m:t>
+                                                </m:r>
+                                              </m:sub>
+                                            </m:sSub>
+                                            <m:r>
+                                              <a:rPr lang="en-US" altLang="ko-KR" sz="1600" b="0" i="1" smtClean="0">
+                                                <a:solidFill>
+                                                  <a:sysClr val="windowText" lastClr="000000"/>
+                                                </a:solidFill>
+                                                <a:latin typeface="Cambria Math"/>
+                                              </a:rPr>
+                                              <m:t>−</m:t>
+                                            </m:r>
+                                            <m:sSub>
+                                              <m:sSubPr>
+                                                <m:ctrlPr>
+                                                  <a:rPr lang="en-US" altLang="ko-KR" sz="1600" b="0" i="1" smtClean="0">
+                                                    <a:solidFill>
+                                                      <a:sysClr val="windowText" lastClr="000000"/>
+                                                    </a:solidFill>
+                                                    <a:latin typeface="Cambria Math"/>
+                                                  </a:rPr>
+                                                </m:ctrlPr>
+                                              </m:sSubPr>
+                                              <m:e>
+                                                <m:acc>
+                                                  <m:accPr>
+                                                    <m:chr m:val="̅"/>
+                                                    <m:ctrlPr>
+                                                      <a:rPr lang="en-US" altLang="ko-KR" sz="1600" b="0" i="1" smtClean="0">
+                                                        <a:solidFill>
+                                                          <a:sysClr val="windowText" lastClr="000000"/>
+                                                        </a:solidFill>
+                                                        <a:latin typeface="Cambria Math"/>
+                                                      </a:rPr>
+                                                    </m:ctrlPr>
+                                                  </m:accPr>
+                                                  <m:e>
+                                                    <m:r>
+                                                      <a:rPr lang="en-US" altLang="ko-KR" sz="1600" b="0" i="1" smtClean="0">
+                                                        <a:solidFill>
+                                                          <a:sysClr val="windowText" lastClr="000000"/>
+                                                        </a:solidFill>
+                                                        <a:latin typeface="Cambria Math"/>
+                                                      </a:rPr>
+                                                      <m:t>𝑋</m:t>
+                                                    </m:r>
+                                                  </m:e>
+                                                </m:acc>
+                                              </m:e>
+                                              <m:sub>
+                                                <m:r>
+                                                  <a:rPr lang="en-US" altLang="ko-KR" sz="1600" b="0" i="1" smtClean="0">
+                                                    <a:solidFill>
+                                                      <a:sysClr val="windowText" lastClr="000000"/>
+                                                    </a:solidFill>
+                                                    <a:latin typeface="Cambria Math"/>
+                                                  </a:rPr>
+                                                  <m:t>2</m:t>
+                                                </m:r>
+                                              </m:sub>
+                                            </m:sSub>
+                                          </m:e>
+                                        </m:d>
+                                      </m:e>
+                                      <m:sup>
+                                        <m:r>
+                                          <a:rPr lang="en-US" altLang="ko-KR" sz="1600" b="0" i="1" smtClean="0">
+                                            <a:solidFill>
+                                              <a:sysClr val="windowText" lastClr="000000"/>
+                                            </a:solidFill>
+                                            <a:latin typeface="Cambria Math"/>
+                                          </a:rPr>
+                                          <m:t>2</m:t>
+                                        </m:r>
+                                      </m:sup>
+                                    </m:sSup>
+                                  </m:e>
+                                </m:nary>
+                              </m:oMath>
+                            </m:oMathPara>
+                          </a14:m>
+                          <a:endParaRPr lang="ko-KR" altLang="en-US" sz="1600" dirty="0">
+                            <a:solidFill>
+                              <a:sysClr val="windowText" lastClr="000000"/>
+                            </a:solidFill>
+                          </a:endParaRPr>
+                        </a:p>
+                      </a:txBody>
+                      <a:tcPr anchor="ctr">
+                        <a:lnL w="12700" cap="flat" cmpd="sng" algn="ctr">
+                          <a:solidFill>
+                            <a:schemeClr val="tx1"/>
+                          </a:solidFill>
+                          <a:prstDash val="solid"/>
+                          <a:round/>
+                          <a:headEnd type="none" w="med" len="med"/>
+                          <a:tailEnd type="none" w="med" len="med"/>
+                        </a:lnL>
+                        <a:lnR w="12700" cap="flat" cmpd="sng" algn="ctr">
+                          <a:solidFill>
+                            <a:schemeClr val="tx1"/>
+                          </a:solidFill>
+                          <a:prstDash val="solid"/>
+                          <a:round/>
+                          <a:headEnd type="none" w="med" len="med"/>
+                          <a:tailEnd type="none" w="med" len="med"/>
+                        </a:lnR>
+                        <a:lnT w="12700" cap="flat" cmpd="sng" algn="ctr">
+                          <a:solidFill>
+                            <a:schemeClr val="tx1"/>
+                          </a:solidFill>
+                          <a:prstDash val="solid"/>
+                          <a:round/>
+                          <a:headEnd type="none" w="med" len="med"/>
+                          <a:tailEnd type="none" w="med" len="med"/>
+                        </a:lnT>
+                        <a:lnB w="12700" cap="flat" cmpd="sng" algn="ctr">
+                          <a:solidFill>
+                            <a:schemeClr val="tx1"/>
+                          </a:solidFill>
+                          <a:prstDash val="solid"/>
+                          <a:round/>
+                          <a:headEnd type="none" w="med" len="med"/>
+                          <a:tailEnd type="none" w="med" len="med"/>
+                        </a:lnB>
+                        <a:lnTlToBr w="12700" cmpd="sng">
+                          <a:noFill/>
+                          <a:prstDash val="solid"/>
+                        </a:lnTlToBr>
+                        <a:lnBlToTr w="12700" cmpd="sng">
+                          <a:noFill/>
+                          <a:prstDash val="solid"/>
+                        </a:lnBlToTr>
+                        <a:solidFill>
+                          <a:schemeClr val="bg1"/>
+                        </a:solidFill>
+                      </a:tcPr>
+                    </a:tc>
+                    <a:tc>
+                      <a:txBody>
+                        <a:bodyPr/>
+                        <a:lstStyle/>
+                        <a:p>
+                          <a:pPr algn="ctr" latinLnBrk="1"/>
+                          <a14:m>
+                            <m:oMathPara xmlns:m="http://schemas.openxmlformats.org/officeDocument/2006/math">
+                              <m:oMathParaPr>
+                                <m:jc m:val="centerGroup"/>
+                              </m:oMathParaPr>
+                              <m:oMath xmlns:m="http://schemas.openxmlformats.org/officeDocument/2006/math">
+                                <m:sSubSup>
+                                  <m:sSubSupPr>
+                                    <m:ctrlPr>
+                                      <a:rPr lang="en-US" altLang="ko-KR" sz="1600" b="0" i="1" smtClean="0">
+                                        <a:solidFill>
+                                          <a:sysClr val="windowText" lastClr="000000"/>
+                                        </a:solidFill>
+                                        <a:latin typeface="Cambria Math"/>
+                                      </a:rPr>
+                                    </m:ctrlPr>
+                                  </m:sSubSupPr>
+                                  <m:e>
+                                    <m:r>
+                                      <a:rPr lang="en-US" altLang="ko-KR" sz="1600" b="0" i="1" smtClean="0">
+                                        <a:solidFill>
+                                          <a:sysClr val="windowText" lastClr="000000"/>
+                                        </a:solidFill>
+                                        <a:latin typeface="Cambria Math"/>
+                                      </a:rPr>
+                                      <m:t>𝑠</m:t>
+                                    </m:r>
+                                  </m:e>
+                                  <m:sub>
+                                    <m:r>
+                                      <a:rPr lang="en-US" altLang="ko-KR" sz="1600" b="0" i="1" smtClean="0">
+                                        <a:solidFill>
+                                          <a:sysClr val="windowText" lastClr="000000"/>
+                                        </a:solidFill>
+                                        <a:latin typeface="Cambria Math"/>
+                                      </a:rPr>
+                                      <m:t>𝑑</m:t>
+                                    </m:r>
+                                  </m:sub>
+                                  <m:sup>
+                                    <m:r>
+                                      <a:rPr lang="en-US" altLang="ko-KR" sz="1600" b="0" i="1" smtClean="0">
+                                        <a:solidFill>
+                                          <a:sysClr val="windowText" lastClr="000000"/>
+                                        </a:solidFill>
+                                        <a:latin typeface="Cambria Math"/>
+                                      </a:rPr>
+                                      <m:t>2</m:t>
+                                    </m:r>
+                                  </m:sup>
+                                </m:sSubSup>
+                                <m:r>
+                                  <a:rPr lang="en-US" altLang="ko-KR" sz="1600" b="0" i="1" smtClean="0">
+                                    <a:solidFill>
+                                      <a:sysClr val="windowText" lastClr="000000"/>
+                                    </a:solidFill>
+                                    <a:latin typeface="Cambria Math"/>
+                                  </a:rPr>
+                                  <m:t>=</m:t>
+                                </m:r>
+                                <m:f>
+                                  <m:fPr>
+                                    <m:ctrlPr>
+                                      <a:rPr lang="en-US" altLang="ko-KR" sz="1600" b="0" i="1" smtClean="0">
+                                        <a:solidFill>
+                                          <a:sysClr val="windowText" lastClr="000000"/>
+                                        </a:solidFill>
+                                        <a:latin typeface="Cambria Math"/>
+                                      </a:rPr>
+                                    </m:ctrlPr>
+                                  </m:fPr>
+                                  <m:num>
+                                    <m:r>
+                                      <a:rPr lang="en-US" altLang="ko-KR" sz="1600" b="0" i="1" smtClean="0">
+                                        <a:solidFill>
+                                          <a:sysClr val="windowText" lastClr="000000"/>
+                                        </a:solidFill>
+                                        <a:latin typeface="Cambria Math"/>
+                                      </a:rPr>
+                                      <m:t>1</m:t>
+                                    </m:r>
+                                  </m:num>
+                                  <m:den>
+                                    <m:r>
+                                      <a:rPr lang="en-US" altLang="ko-KR" sz="1600" b="0" i="1" smtClean="0">
+                                        <a:solidFill>
+                                          <a:sysClr val="windowText" lastClr="000000"/>
+                                        </a:solidFill>
+                                        <a:latin typeface="Cambria Math"/>
+                                      </a:rPr>
+                                      <m:t>𝑛</m:t>
+                                    </m:r>
+                                    <m:r>
+                                      <a:rPr lang="en-US" altLang="ko-KR" sz="1600" b="0" i="1" smtClean="0">
+                                        <a:solidFill>
+                                          <a:sysClr val="windowText" lastClr="000000"/>
+                                        </a:solidFill>
+                                        <a:latin typeface="Cambria Math"/>
+                                      </a:rPr>
+                                      <m:t>−1</m:t>
+                                    </m:r>
+                                  </m:den>
+                                </m:f>
+                                <m:nary>
+                                  <m:naryPr>
+                                    <m:chr m:val="∑"/>
+                                    <m:supHide m:val="on"/>
+                                    <m:ctrlPr>
+                                      <a:rPr lang="en-US" altLang="ko-KR" sz="1600" b="0" i="1" smtClean="0">
+                                        <a:solidFill>
+                                          <a:sysClr val="windowText" lastClr="000000"/>
+                                        </a:solidFill>
+                                        <a:latin typeface="Cambria Math"/>
+                                      </a:rPr>
+                                    </m:ctrlPr>
+                                  </m:naryPr>
+                                  <m:sub>
+                                    <m:r>
+                                      <a:rPr lang="en-US" altLang="ko-KR" sz="1600" b="0" i="1" smtClean="0">
+                                        <a:solidFill>
+                                          <a:sysClr val="windowText" lastClr="000000"/>
+                                        </a:solidFill>
+                                        <a:latin typeface="Cambria Math"/>
+                                      </a:rPr>
+                                      <m:t>𝑠</m:t>
+                                    </m:r>
+                                  </m:sub>
+                                  <m:sup/>
+                                  <m:e>
+                                    <m:sSup>
+                                      <m:sSupPr>
+                                        <m:ctrlPr>
+                                          <a:rPr lang="en-US" altLang="ko-KR" sz="1600" b="0" i="1" smtClean="0">
+                                            <a:solidFill>
+                                              <a:sysClr val="windowText" lastClr="000000"/>
+                                            </a:solidFill>
+                                            <a:latin typeface="Cambria Math"/>
+                                          </a:rPr>
+                                        </m:ctrlPr>
+                                      </m:sSupPr>
+                                      <m:e>
+                                        <m:d>
+                                          <m:dPr>
+                                            <m:ctrlPr>
+                                              <a:rPr lang="en-US" altLang="ko-KR" sz="1600" b="0" i="1" smtClean="0">
+                                                <a:solidFill>
+                                                  <a:sysClr val="windowText" lastClr="000000"/>
+                                                </a:solidFill>
+                                                <a:latin typeface="Cambria Math"/>
+                                              </a:rPr>
+                                            </m:ctrlPr>
+                                          </m:dPr>
+                                          <m:e>
+                                            <m:sSub>
+                                              <m:sSubPr>
+                                                <m:ctrlPr>
+                                                  <a:rPr lang="en-US" altLang="ko-KR" sz="1600" b="0" i="1" smtClean="0">
+                                                    <a:solidFill>
+                                                      <a:sysClr val="windowText" lastClr="000000"/>
+                                                    </a:solidFill>
+                                                    <a:latin typeface="Cambria Math"/>
+                                                  </a:rPr>
+                                                </m:ctrlPr>
+                                              </m:sSubPr>
+                                              <m:e>
+                                                <m:r>
+                                                  <a:rPr lang="en-US" altLang="ko-KR" sz="1600" b="0" i="1" smtClean="0">
+                                                    <a:solidFill>
+                                                      <a:sysClr val="windowText" lastClr="000000"/>
+                                                    </a:solidFill>
+                                                    <a:latin typeface="Cambria Math"/>
+                                                  </a:rPr>
+                                                  <m:t>𝑑</m:t>
+                                                </m:r>
+                                              </m:e>
+                                              <m:sub>
+                                                <m:r>
+                                                  <a:rPr lang="en-US" altLang="ko-KR" sz="1600" b="0" i="1" smtClean="0">
+                                                    <a:solidFill>
+                                                      <a:sysClr val="windowText" lastClr="000000"/>
+                                                    </a:solidFill>
+                                                    <a:latin typeface="Cambria Math"/>
+                                                  </a:rPr>
+                                                  <m:t>𝑠</m:t>
+                                                </m:r>
+                                              </m:sub>
+                                            </m:sSub>
+                                            <m:r>
+                                              <a:rPr lang="en-US" altLang="ko-KR" sz="1600" b="0" i="1" smtClean="0">
+                                                <a:solidFill>
+                                                  <a:sysClr val="windowText" lastClr="000000"/>
+                                                </a:solidFill>
+                                                <a:latin typeface="Cambria Math"/>
+                                              </a:rPr>
+                                              <m:t>−</m:t>
+                                            </m:r>
+                                            <m:acc>
+                                              <m:accPr>
+                                                <m:chr m:val="̅"/>
+                                                <m:ctrlPr>
+                                                  <a:rPr lang="en-US" altLang="ko-KR" sz="1600" b="0" i="1" smtClean="0">
+                                                    <a:solidFill>
+                                                      <a:sysClr val="windowText" lastClr="000000"/>
+                                                    </a:solidFill>
+                                                    <a:latin typeface="Cambria Math"/>
+                                                  </a:rPr>
+                                                </m:ctrlPr>
+                                              </m:accPr>
+                                              <m:e>
+                                                <m:r>
+                                                  <a:rPr lang="en-US" altLang="ko-KR" sz="1600" b="0" i="1" smtClean="0">
+                                                    <a:solidFill>
+                                                      <a:sysClr val="windowText" lastClr="000000"/>
+                                                    </a:solidFill>
+                                                    <a:latin typeface="Cambria Math"/>
+                                                  </a:rPr>
+                                                  <m:t>𝑑</m:t>
+                                                </m:r>
+                                              </m:e>
+                                            </m:acc>
+                                          </m:e>
+                                        </m:d>
+                                      </m:e>
+                                      <m:sup>
+                                        <m:r>
+                                          <a:rPr lang="en-US" altLang="ko-KR" sz="1600" b="0" i="1" smtClean="0">
+                                            <a:solidFill>
+                                              <a:sysClr val="windowText" lastClr="000000"/>
+                                            </a:solidFill>
+                                            <a:latin typeface="Cambria Math"/>
+                                          </a:rPr>
+                                          <m:t>2</m:t>
+                                        </m:r>
+                                      </m:sup>
+                                    </m:sSup>
+                                  </m:e>
+                                </m:nary>
+                              </m:oMath>
+                            </m:oMathPara>
+                          </a14:m>
+                          <a:endParaRPr lang="ko-KR" altLang="en-US" sz="1600" dirty="0">
+                            <a:solidFill>
+                              <a:sysClr val="windowText" lastClr="000000"/>
+                            </a:solidFill>
+                          </a:endParaRPr>
+                        </a:p>
+                      </a:txBody>
+                      <a:tcPr anchor="ctr">
+                        <a:lnL w="12700" cap="flat" cmpd="sng" algn="ctr">
+                          <a:solidFill>
+                            <a:schemeClr val="tx1"/>
+                          </a:solidFill>
+                          <a:prstDash val="solid"/>
+                          <a:round/>
+                          <a:headEnd type="none" w="med" len="med"/>
+                          <a:tailEnd type="none" w="med" len="med"/>
+                        </a:lnL>
+                        <a:lnR w="12700" cap="flat" cmpd="sng" algn="ctr">
+                          <a:solidFill>
+                            <a:schemeClr val="tx1"/>
+                          </a:solidFill>
+                          <a:prstDash val="solid"/>
+                          <a:round/>
+                          <a:headEnd type="none" w="med" len="med"/>
+                          <a:tailEnd type="none" w="med" len="med"/>
+                        </a:lnR>
+                        <a:lnT w="12700" cap="flat" cmpd="sng" algn="ctr">
+                          <a:solidFill>
+                            <a:schemeClr val="tx1"/>
+                          </a:solidFill>
+                          <a:prstDash val="solid"/>
+                          <a:round/>
+                          <a:headEnd type="none" w="med" len="med"/>
+                          <a:tailEnd type="none" w="med" len="med"/>
+                        </a:lnT>
+                        <a:lnB w="12700" cap="flat" cmpd="sng" algn="ctr">
+                          <a:solidFill>
+                            <a:schemeClr val="tx1"/>
+                          </a:solidFill>
+                          <a:prstDash val="solid"/>
+                          <a:round/>
+                          <a:headEnd type="none" w="med" len="med"/>
+                          <a:tailEnd type="none" w="med" len="med"/>
+                        </a:lnB>
+                        <a:lnTlToBr w="12700" cmpd="sng">
+                          <a:noFill/>
+                          <a:prstDash val="solid"/>
+                        </a:lnTlToBr>
+                        <a:lnBlToTr w="12700" cmpd="sng">
+                          <a:noFill/>
+                          <a:prstDash val="solid"/>
+                        </a:lnBlToTr>
+                        <a:solidFill>
+                          <a:schemeClr val="bg1"/>
+                        </a:solidFill>
+                      </a:tcPr>
+                    </a:tc>
+                  </a:tr>
+                  <a:tr h="370840">
+                    <a:tc gridSpan="3">
+                      <a:txBody>
+                        <a:bodyPr/>
+                        <a:lstStyle/>
+                        <a:p>
+                          <a:pPr algn="ctr" latinLnBrk="1"/>
+                          <a:r>
+                            <a:rPr lang="ko-KR" altLang="en-US" sz="1600" b="1" dirty="0" smtClean="0">
+                              <a:solidFill>
+                                <a:sysClr val="windowText" lastClr="000000"/>
+                              </a:solidFill>
+                            </a:rPr>
+                            <a:t>표준오차</a:t>
+                          </a:r>
+                          <a:endParaRPr lang="en-US" altLang="ko-KR" sz="1600" b="1" dirty="0" smtClean="0">
+                            <a:solidFill>
+                              <a:sysClr val="windowText" lastClr="000000"/>
+                            </a:solidFill>
+                          </a:endParaRPr>
+                        </a:p>
+                      </a:txBody>
+                      <a:tcPr anchor="ctr">
+                        <a:lnL w="12700" cap="flat" cmpd="sng" algn="ctr">
+                          <a:solidFill>
+                            <a:schemeClr val="tx1"/>
+                          </a:solidFill>
+                          <a:prstDash val="solid"/>
+                          <a:round/>
+                          <a:headEnd type="none" w="med" len="med"/>
+                          <a:tailEnd type="none" w="med" len="med"/>
+                        </a:lnL>
+                        <a:lnR w="12700" cap="flat" cmpd="sng" algn="ctr">
+                          <a:solidFill>
+                            <a:schemeClr val="tx1"/>
+                          </a:solidFill>
+                          <a:prstDash val="solid"/>
+                          <a:round/>
+                          <a:headEnd type="none" w="med" len="med"/>
+                          <a:tailEnd type="none" w="med" len="med"/>
+                        </a:lnR>
+                        <a:lnT w="12700" cap="flat" cmpd="sng" algn="ctr">
+                          <a:solidFill>
+                            <a:schemeClr val="tx1"/>
+                          </a:solidFill>
+                          <a:prstDash val="solid"/>
+                          <a:round/>
+                          <a:headEnd type="none" w="med" len="med"/>
+                          <a:tailEnd type="none" w="med" len="med"/>
+                        </a:lnT>
+                        <a:lnB w="12700" cap="flat" cmpd="sng" algn="ctr">
+                          <a:solidFill>
+                            <a:schemeClr val="tx1"/>
+                          </a:solidFill>
+                          <a:prstDash val="solid"/>
+                          <a:round/>
+                          <a:headEnd type="none" w="med" len="med"/>
+                          <a:tailEnd type="none" w="med" len="med"/>
+                        </a:lnB>
+                        <a:lnTlToBr w="12700" cmpd="sng">
+                          <a:noFill/>
+                          <a:prstDash val="solid"/>
+                        </a:lnTlToBr>
+                        <a:lnBlToTr w="12700" cmpd="sng">
+                          <a:noFill/>
+                          <a:prstDash val="solid"/>
+                        </a:lnBlToTr>
+                        <a:solidFill>
+                          <a:schemeClr val="bg2"/>
+                        </a:solidFill>
+                      </a:tcPr>
+                    </a:tc>
+                    <a:tc hMerge="1">
+                      <a:txBody>
+                        <a:bodyPr/>
+                        <a:lstStyle/>
+                        <a:p>
+                          <a:pPr algn="ctr" latinLnBrk="1"/>
+                          <a:endParaRPr lang="ko-KR" altLang="en-US" sz="1600" dirty="0">
+                            <a:solidFill>
+                              <a:sysClr val="windowText" lastClr="000000"/>
+                            </a:solidFill>
+                          </a:endParaRPr>
+                        </a:p>
+                      </a:txBody>
+                      <a:tcPr anchor="ctr">
+                        <a:lnL w="12700" cap="flat" cmpd="sng" algn="ctr">
+                          <a:solidFill>
+                            <a:schemeClr val="tx1"/>
+                          </a:solidFill>
+                          <a:prstDash val="solid"/>
+                          <a:round/>
+                          <a:headEnd type="none" w="med" len="med"/>
+                          <a:tailEnd type="none" w="med" len="med"/>
+                        </a:lnL>
+                        <a:lnR w="12700" cap="flat" cmpd="sng" algn="ctr">
+                          <a:solidFill>
+                            <a:schemeClr val="tx1"/>
+                          </a:solidFill>
+                          <a:prstDash val="solid"/>
+                          <a:round/>
+                          <a:headEnd type="none" w="med" len="med"/>
+                          <a:tailEnd type="none" w="med" len="med"/>
+                        </a:lnR>
+                        <a:lnT w="12700" cap="flat" cmpd="sng" algn="ctr">
+                          <a:solidFill>
+                            <a:schemeClr val="tx1"/>
+                          </a:solidFill>
+                          <a:prstDash val="solid"/>
+                          <a:round/>
+                          <a:headEnd type="none" w="med" len="med"/>
+                          <a:tailEnd type="none" w="med" len="med"/>
+                        </a:lnT>
+                        <a:lnB w="12700" cap="flat" cmpd="sng" algn="ctr">
+                          <a:solidFill>
+                            <a:schemeClr val="tx1"/>
+                          </a:solidFill>
+                          <a:prstDash val="solid"/>
+                          <a:round/>
+                          <a:headEnd type="none" w="med" len="med"/>
+                          <a:tailEnd type="none" w="med" len="med"/>
+                        </a:lnB>
+                        <a:lnTlToBr w="12700" cmpd="sng">
+                          <a:noFill/>
+                          <a:prstDash val="solid"/>
+                        </a:lnTlToBr>
+                        <a:lnBlToTr w="12700" cmpd="sng">
+                          <a:noFill/>
+                          <a:prstDash val="solid"/>
+                        </a:lnBlToTr>
+                        <a:solidFill>
+                          <a:schemeClr val="bg1"/>
+                        </a:solidFill>
+                      </a:tcPr>
+                    </a:tc>
+                    <a:tc hMerge="1">
+                      <a:txBody>
+                        <a:bodyPr/>
+                        <a:lstStyle/>
+                        <a:p>
+                          <a:pPr algn="ctr" latinLnBrk="1"/>
+                          <a:endParaRPr lang="ko-KR" altLang="en-US" sz="1600" dirty="0">
+                            <a:solidFill>
+                              <a:sysClr val="windowText" lastClr="000000"/>
+                            </a:solidFill>
+                          </a:endParaRPr>
+                        </a:p>
+                      </a:txBody>
+                      <a:tcPr anchor="ctr">
+                        <a:lnL w="12700" cap="flat" cmpd="sng" algn="ctr">
+                          <a:solidFill>
+                            <a:schemeClr val="tx1"/>
+                          </a:solidFill>
+                          <a:prstDash val="solid"/>
+                          <a:round/>
+                          <a:headEnd type="none" w="med" len="med"/>
+                          <a:tailEnd type="none" w="med" len="med"/>
+                        </a:lnL>
+                        <a:lnR w="12700" cap="flat" cmpd="sng" algn="ctr">
+                          <a:solidFill>
+                            <a:schemeClr val="tx1"/>
+                          </a:solidFill>
+                          <a:prstDash val="solid"/>
+                          <a:round/>
+                          <a:headEnd type="none" w="med" len="med"/>
+                          <a:tailEnd type="none" w="med" len="med"/>
+                        </a:lnR>
+                        <a:lnT w="12700" cap="flat" cmpd="sng" algn="ctr">
+                          <a:solidFill>
+                            <a:schemeClr val="tx1"/>
+                          </a:solidFill>
+                          <a:prstDash val="solid"/>
+                          <a:round/>
+                          <a:headEnd type="none" w="med" len="med"/>
+                          <a:tailEnd type="none" w="med" len="med"/>
+                        </a:lnT>
+                        <a:lnB w="12700" cap="flat" cmpd="sng" algn="ctr">
+                          <a:solidFill>
+                            <a:schemeClr val="tx1"/>
+                          </a:solidFill>
+                          <a:prstDash val="solid"/>
+                          <a:round/>
+                          <a:headEnd type="none" w="med" len="med"/>
+                          <a:tailEnd type="none" w="med" len="med"/>
+                        </a:lnB>
+                        <a:lnTlToBr w="12700" cmpd="sng">
+                          <a:noFill/>
+                          <a:prstDash val="solid"/>
+                        </a:lnTlToBr>
+                        <a:lnBlToTr w="12700" cmpd="sng">
+                          <a:noFill/>
+                          <a:prstDash val="solid"/>
+                        </a:lnBlToTr>
+                        <a:solidFill>
+                          <a:schemeClr val="bg1"/>
+                        </a:solidFill>
+                      </a:tcPr>
+                    </a:tc>
+                    <a:tc>
+                      <a:txBody>
+                        <a:bodyPr/>
+                        <a:lstStyle/>
+                        <a:p>
+                          <a:pPr algn="ctr" latinLnBrk="1"/>
+                          <a14:m>
+                            <m:oMathPara xmlns:m="http://schemas.openxmlformats.org/officeDocument/2006/math">
+                              <m:oMathParaPr>
+                                <m:jc m:val="centerGroup"/>
+                              </m:oMathParaPr>
+                              <m:oMath xmlns:m="http://schemas.openxmlformats.org/officeDocument/2006/math">
+                                <m:sSubSup>
+                                  <m:sSubSupPr>
+                                    <m:ctrlPr>
+                                      <a:rPr lang="en-US" altLang="ko-KR" sz="1600" b="0" i="1" smtClean="0">
+                                        <a:solidFill>
+                                          <a:sysClr val="windowText" lastClr="000000"/>
+                                        </a:solidFill>
+                                        <a:latin typeface="Cambria Math"/>
+                                      </a:rPr>
+                                    </m:ctrlPr>
+                                  </m:sSubSupPr>
+                                  <m:e>
+                                    <m:r>
+                                      <a:rPr lang="en-US" altLang="ko-KR" sz="1600" b="0" i="1" smtClean="0">
+                                        <a:solidFill>
+                                          <a:sysClr val="windowText" lastClr="000000"/>
+                                        </a:solidFill>
+                                        <a:latin typeface="Cambria Math"/>
+                                      </a:rPr>
+                                      <m:t>𝑠</m:t>
+                                    </m:r>
+                                  </m:e>
+                                  <m:sub>
+                                    <m:acc>
+                                      <m:accPr>
+                                        <m:chr m:val="̅"/>
+                                        <m:ctrlPr>
+                                          <a:rPr lang="en-US" altLang="ko-KR" sz="1600" b="0" i="1" smtClean="0">
+                                            <a:solidFill>
+                                              <a:sysClr val="windowText" lastClr="000000"/>
+                                            </a:solidFill>
+                                            <a:latin typeface="Cambria Math"/>
+                                          </a:rPr>
+                                        </m:ctrlPr>
+                                      </m:accPr>
+                                      <m:e>
+                                        <m:r>
+                                          <a:rPr lang="en-US" altLang="ko-KR" sz="1600" b="0" i="1" smtClean="0">
+                                            <a:solidFill>
+                                              <a:sysClr val="windowText" lastClr="000000"/>
+                                            </a:solidFill>
+                                            <a:latin typeface="Cambria Math"/>
+                                          </a:rPr>
+                                          <m:t>𝑑</m:t>
+                                        </m:r>
+                                      </m:e>
+                                    </m:acc>
+                                  </m:sub>
+                                  <m:sup>
+                                    <m:r>
+                                      <a:rPr lang="en-US" altLang="ko-KR" sz="1600" b="0" i="1" smtClean="0">
+                                        <a:solidFill>
+                                          <a:sysClr val="windowText" lastClr="000000"/>
+                                        </a:solidFill>
+                                        <a:latin typeface="Cambria Math"/>
+                                      </a:rPr>
+                                      <m:t>2</m:t>
+                                    </m:r>
+                                  </m:sup>
+                                </m:sSubSup>
+                                <m:r>
+                                  <a:rPr lang="en-US" altLang="ko-KR" sz="1600" b="0" i="1" smtClean="0">
+                                    <a:solidFill>
+                                      <a:sysClr val="windowText" lastClr="000000"/>
+                                    </a:solidFill>
+                                    <a:latin typeface="Cambria Math"/>
+                                  </a:rPr>
+                                  <m:t>=</m:t>
+                                </m:r>
+                                <m:sSubSup>
+                                  <m:sSubSupPr>
+                                    <m:ctrlPr>
+                                      <a:rPr lang="en-US" altLang="ko-KR" sz="1600" b="0" i="1" smtClean="0">
+                                        <a:solidFill>
+                                          <a:sysClr val="windowText" lastClr="000000"/>
+                                        </a:solidFill>
+                                        <a:latin typeface="Cambria Math"/>
+                                      </a:rPr>
+                                    </m:ctrlPr>
+                                  </m:sSubSupPr>
+                                  <m:e>
+                                    <m:r>
+                                      <a:rPr lang="en-US" altLang="ko-KR" sz="1600" b="0" i="1" smtClean="0">
+                                        <a:solidFill>
+                                          <a:sysClr val="windowText" lastClr="000000"/>
+                                        </a:solidFill>
+                                        <a:latin typeface="Cambria Math"/>
+                                      </a:rPr>
+                                      <m:t>𝑠</m:t>
+                                    </m:r>
+                                  </m:e>
+                                  <m:sub>
+                                    <m:r>
+                                      <a:rPr lang="en-US" altLang="ko-KR" sz="1600" b="0" i="1" smtClean="0">
+                                        <a:solidFill>
+                                          <a:sysClr val="windowText" lastClr="000000"/>
+                                        </a:solidFill>
+                                        <a:latin typeface="Cambria Math"/>
+                                      </a:rPr>
+                                      <m:t>𝑑</m:t>
+                                    </m:r>
+                                  </m:sub>
+                                  <m:sup>
+                                    <m:r>
+                                      <a:rPr lang="en-US" altLang="ko-KR" sz="1600" b="0" i="1" smtClean="0">
+                                        <a:solidFill>
+                                          <a:sysClr val="windowText" lastClr="000000"/>
+                                        </a:solidFill>
+                                        <a:latin typeface="Cambria Math"/>
+                                      </a:rPr>
+                                      <m:t>2</m:t>
+                                    </m:r>
+                                  </m:sup>
+                                </m:sSubSup>
+                                <m:r>
+                                  <a:rPr lang="en-US" altLang="ko-KR" sz="1600" b="0" i="1" smtClean="0">
+                                    <a:solidFill>
+                                      <a:sysClr val="windowText" lastClr="000000"/>
+                                    </a:solidFill>
+                                    <a:latin typeface="Cambria Math"/>
+                                  </a:rPr>
+                                  <m:t>/</m:t>
+                                </m:r>
+                                <m:r>
+                                  <a:rPr lang="en-US" altLang="ko-KR" sz="1600" b="0" i="1" smtClean="0">
+                                    <a:solidFill>
+                                      <a:sysClr val="windowText" lastClr="000000"/>
+                                    </a:solidFill>
+                                    <a:latin typeface="Cambria Math"/>
+                                  </a:rPr>
+                                  <m:t>𝑛</m:t>
+                                </m:r>
+                              </m:oMath>
+                            </m:oMathPara>
+                          </a14:m>
+                          <a:endParaRPr lang="ko-KR" altLang="en-US" sz="1600" dirty="0">
+                            <a:solidFill>
+                              <a:sysClr val="windowText" lastClr="000000"/>
+                            </a:solidFill>
+                          </a:endParaRPr>
+                        </a:p>
+                      </a:txBody>
+                      <a:tcPr anchor="ctr">
+                        <a:lnL w="12700" cap="flat" cmpd="sng" algn="ctr">
+                          <a:solidFill>
+                            <a:schemeClr val="tx1"/>
+                          </a:solidFill>
+                          <a:prstDash val="solid"/>
+                          <a:round/>
+                          <a:headEnd type="none" w="med" len="med"/>
+                          <a:tailEnd type="none" w="med" len="med"/>
+                        </a:lnL>
+                        <a:lnR w="12700" cap="flat" cmpd="sng" algn="ctr">
+                          <a:solidFill>
+                            <a:schemeClr val="tx1"/>
+                          </a:solidFill>
+                          <a:prstDash val="solid"/>
+                          <a:round/>
+                          <a:headEnd type="none" w="med" len="med"/>
+                          <a:tailEnd type="none" w="med" len="med"/>
+                        </a:lnR>
+                        <a:lnT w="12700" cap="flat" cmpd="sng" algn="ctr">
+                          <a:solidFill>
+                            <a:schemeClr val="tx1"/>
+                          </a:solidFill>
+                          <a:prstDash val="solid"/>
+                          <a:round/>
+                          <a:headEnd type="none" w="med" len="med"/>
+                          <a:tailEnd type="none" w="med" len="med"/>
+                        </a:lnT>
+                        <a:lnB w="12700" cap="flat" cmpd="sng" algn="ctr">
+                          <a:solidFill>
+                            <a:schemeClr val="tx1"/>
+                          </a:solidFill>
+                          <a:prstDash val="solid"/>
+                          <a:round/>
+                          <a:headEnd type="none" w="med" len="med"/>
+                          <a:tailEnd type="none" w="med" len="med"/>
+                        </a:lnB>
+                        <a:lnTlToBr w="12700" cmpd="sng">
+                          <a:noFill/>
+                          <a:prstDash val="solid"/>
+                        </a:lnTlToBr>
+                        <a:lnBlToTr w="12700" cmpd="sng">
+                          <a:noFill/>
+                          <a:prstDash val="solid"/>
+                        </a:lnBlToTr>
+                        <a:solidFill>
+                          <a:schemeClr val="bg1"/>
+                        </a:solidFill>
+                      </a:tcPr>
+                    </a:tc>
+                  </a:tr>
+                </a:tbl>
+              </a:graphicData>
+            </a:graphic>
+          </p:graphicFrame>
+        </mc:Choice>
+        <mc:Fallback>
+          <p:graphicFrame>
+            <p:nvGraphicFramePr>
+              <p:cNvPr id="4" name="표 3"/>
+              <p:cNvGraphicFramePr>
+                <a:graphicFrameLocks noGrp="1"/>
+              </p:cNvGraphicFramePr>
+              <p:nvPr>
+                <p:extLst>
+                  <p:ext uri="{D42A27DB-BD31-4B8C-83A1-F6EECF244321}">
+                    <p14:modId xmlns:p14="http://schemas.microsoft.com/office/powerpoint/2010/main" val="4155608371"/>
+                  </p:ext>
+                </p:extLst>
+              </p:nvPr>
+            </p:nvGraphicFramePr>
+            <p:xfrm>
+              <a:off x="251521" y="860774"/>
+              <a:ext cx="8712966" cy="4553839"/>
+            </p:xfrm>
+            <a:graphic>
+              <a:graphicData uri="http://schemas.openxmlformats.org/drawingml/2006/table">
+                <a:tbl>
+                  <a:tblPr firstRow="1" bandRow="1">
+                    <a:tableStyleId>{5C22544A-7EE6-4342-B048-85BDC9FD1C3A}</a:tableStyleId>
+                  </a:tblPr>
+                  <a:tblGrid>
+                    <a:gridCol w="1008111"/>
+                    <a:gridCol w="2568285"/>
+                    <a:gridCol w="2568285"/>
+                    <a:gridCol w="2568285"/>
+                  </a:tblGrid>
+                  <a:tr h="370840">
+                    <a:tc rowSpan="6">
+                      <a:txBody>
+                        <a:bodyPr/>
+                        <a:lstStyle/>
+                        <a:p>
+                          <a:pPr algn="ctr" latinLnBrk="1"/>
+                          <a:r>
+                            <a:rPr lang="ko-KR" altLang="en-US" sz="1600" dirty="0" smtClean="0">
+                              <a:solidFill>
+                                <a:sysClr val="windowText" lastClr="000000"/>
+                              </a:solidFill>
+                            </a:rPr>
+                            <a:t>피험자</a:t>
+                          </a:r>
+                          <a:endParaRPr lang="en-US" altLang="ko-KR" sz="1600" dirty="0" smtClean="0">
+                            <a:solidFill>
+                              <a:sysClr val="windowText" lastClr="000000"/>
+                            </a:solidFill>
+                          </a:endParaRPr>
+                        </a:p>
+                        <a:p>
+                          <a:pPr algn="ctr" latinLnBrk="1"/>
+                          <a:r>
+                            <a:rPr lang="en-US" altLang="ko-KR" sz="1600" baseline="0" dirty="0" smtClean="0">
+                              <a:solidFill>
+                                <a:sysClr val="windowText" lastClr="000000"/>
+                              </a:solidFill>
+                            </a:rPr>
+                            <a:t>(n</a:t>
+                          </a:r>
+                          <a:r>
+                            <a:rPr lang="ko-KR" altLang="en-US" sz="1600" baseline="0" dirty="0" smtClean="0">
+                              <a:solidFill>
+                                <a:sysClr val="windowText" lastClr="000000"/>
+                              </a:solidFill>
+                            </a:rPr>
+                            <a:t>명</a:t>
+                          </a:r>
+                          <a:r>
+                            <a:rPr lang="en-US" altLang="ko-KR" sz="1600" baseline="0" dirty="0" smtClean="0">
+                              <a:solidFill>
+                                <a:sysClr val="windowText" lastClr="000000"/>
+                              </a:solidFill>
+                            </a:rPr>
+                            <a:t>)</a:t>
+                          </a:r>
+                          <a:endParaRPr lang="en-US" altLang="ko-KR" sz="1600" dirty="0" smtClean="0">
+                            <a:solidFill>
+                              <a:sysClr val="windowText" lastClr="000000"/>
+                            </a:solidFill>
+                          </a:endParaRPr>
+                        </a:p>
+                      </a:txBody>
+                      <a:tcPr anchor="ctr">
+                        <a:lnL w="12700" cap="flat" cmpd="sng" algn="ctr">
+                          <a:solidFill>
+                            <a:schemeClr val="tx1"/>
+                          </a:solidFill>
+                          <a:prstDash val="solid"/>
+                          <a:round/>
+                          <a:headEnd type="none" w="med" len="med"/>
+                          <a:tailEnd type="none" w="med" len="med"/>
+                        </a:lnL>
+                        <a:lnR w="12700" cap="flat" cmpd="sng" algn="ctr">
+                          <a:solidFill>
+                            <a:schemeClr val="tx1"/>
+                          </a:solidFill>
+                          <a:prstDash val="solid"/>
+                          <a:round/>
+                          <a:headEnd type="none" w="med" len="med"/>
+                          <a:tailEnd type="none" w="med" len="med"/>
+                        </a:lnR>
+                        <a:lnT w="12700" cap="flat" cmpd="sng" algn="ctr">
+                          <a:solidFill>
+                            <a:schemeClr val="tx1"/>
+                          </a:solidFill>
+                          <a:prstDash val="solid"/>
+                          <a:round/>
+                          <a:headEnd type="none" w="med" len="med"/>
+                          <a:tailEnd type="none" w="med" len="med"/>
+                        </a:lnT>
+                        <a:lnB w="12700" cap="flat" cmpd="sng" algn="ctr">
+                          <a:solidFill>
+                            <a:schemeClr val="tx1"/>
+                          </a:solidFill>
+                          <a:prstDash val="solid"/>
+                          <a:round/>
+                          <a:headEnd type="none" w="med" len="med"/>
+                          <a:tailEnd type="none" w="med" len="med"/>
+                        </a:lnB>
+                        <a:lnTlToBr w="12700" cmpd="sng">
+                          <a:noFill/>
+                          <a:prstDash val="solid"/>
+                        </a:lnTlToBr>
+                        <a:lnBlToTr w="12700" cmpd="sng">
+                          <a:noFill/>
+                          <a:prstDash val="solid"/>
+                        </a:lnBlToTr>
+                        <a:solidFill>
+                          <a:schemeClr val="bg2"/>
+                        </a:solidFill>
+                      </a:tcPr>
+                    </a:tc>
+                    <a:tc>
+                      <a:txBody>
+                        <a:bodyPr/>
+                        <a:lstStyle/>
+                        <a:p>
+                          <a:pPr algn="ctr" latinLnBrk="1"/>
+                          <a:r>
+                            <a:rPr lang="en-US" altLang="ko-KR" sz="1600" dirty="0" smtClean="0">
+                              <a:solidFill>
+                                <a:sysClr val="windowText" lastClr="000000"/>
+                              </a:solidFill>
+                            </a:rPr>
+                            <a:t>Before</a:t>
+                          </a:r>
+                          <a:endParaRPr lang="ko-KR" altLang="en-US" sz="1600" dirty="0">
+                            <a:solidFill>
+                              <a:sysClr val="windowText" lastClr="000000"/>
+                            </a:solidFill>
+                          </a:endParaRPr>
+                        </a:p>
+                      </a:txBody>
+                      <a:tcPr anchor="ctr">
+                        <a:lnL w="12700" cap="flat" cmpd="sng" algn="ctr">
+                          <a:solidFill>
+                            <a:schemeClr val="tx1"/>
+                          </a:solidFill>
+                          <a:prstDash val="solid"/>
+                          <a:round/>
+                          <a:headEnd type="none" w="med" len="med"/>
+                          <a:tailEnd type="none" w="med" len="med"/>
+                        </a:lnL>
+                        <a:lnR w="12700" cap="flat" cmpd="sng" algn="ctr">
+                          <a:solidFill>
+                            <a:schemeClr val="tx1"/>
+                          </a:solidFill>
+                          <a:prstDash val="solid"/>
+                          <a:round/>
+                          <a:headEnd type="none" w="med" len="med"/>
+                          <a:tailEnd type="none" w="med" len="med"/>
+                        </a:lnR>
+                        <a:lnT w="12700" cap="flat" cmpd="sng" algn="ctr">
+                          <a:solidFill>
+                            <a:schemeClr val="tx1"/>
+                          </a:solidFill>
+                          <a:prstDash val="solid"/>
+                          <a:round/>
+                          <a:headEnd type="none" w="med" len="med"/>
+                          <a:tailEnd type="none" w="med" len="med"/>
+                        </a:lnT>
+                        <a:lnB w="12700" cap="flat" cmpd="sng" algn="ctr">
+                          <a:solidFill>
+                            <a:schemeClr val="tx1"/>
+                          </a:solidFill>
+                          <a:prstDash val="solid"/>
+                          <a:round/>
+                          <a:headEnd type="none" w="med" len="med"/>
+                          <a:tailEnd type="none" w="med" len="med"/>
+                        </a:lnB>
+                        <a:lnTlToBr w="12700" cmpd="sng">
+                          <a:noFill/>
+                          <a:prstDash val="solid"/>
+                        </a:lnTlToBr>
+                        <a:lnBlToTr w="12700" cmpd="sng">
+                          <a:noFill/>
+                          <a:prstDash val="solid"/>
+                        </a:lnBlToTr>
+                        <a:solidFill>
+                          <a:schemeClr val="bg2"/>
+                        </a:solidFill>
+                      </a:tcPr>
+                    </a:tc>
+                    <a:tc>
+                      <a:txBody>
+                        <a:bodyPr/>
+                        <a:lstStyle/>
+                        <a:p>
+                          <a:pPr algn="ctr" latinLnBrk="1"/>
+                          <a:r>
+                            <a:rPr lang="en-US" altLang="ko-KR" sz="1600" dirty="0" smtClean="0">
+                              <a:solidFill>
+                                <a:sysClr val="windowText" lastClr="000000"/>
+                              </a:solidFill>
+                            </a:rPr>
+                            <a:t>After</a:t>
+                          </a:r>
+                          <a:endParaRPr lang="ko-KR" altLang="en-US" sz="1600" dirty="0">
+                            <a:solidFill>
+                              <a:sysClr val="windowText" lastClr="000000"/>
+                            </a:solidFill>
+                          </a:endParaRPr>
+                        </a:p>
+                      </a:txBody>
+                      <a:tcPr anchor="ctr">
+                        <a:lnL w="12700" cap="flat" cmpd="sng" algn="ctr">
+                          <a:solidFill>
+                            <a:schemeClr val="tx1"/>
+                          </a:solidFill>
+                          <a:prstDash val="solid"/>
+                          <a:round/>
+                          <a:headEnd type="none" w="med" len="med"/>
+                          <a:tailEnd type="none" w="med" len="med"/>
+                        </a:lnL>
+                        <a:lnR w="12700" cap="flat" cmpd="sng" algn="ctr">
+                          <a:solidFill>
+                            <a:schemeClr val="tx1"/>
+                          </a:solidFill>
+                          <a:prstDash val="solid"/>
+                          <a:round/>
+                          <a:headEnd type="none" w="med" len="med"/>
+                          <a:tailEnd type="none" w="med" len="med"/>
+                        </a:lnR>
+                        <a:lnT w="12700" cap="flat" cmpd="sng" algn="ctr">
+                          <a:solidFill>
+                            <a:schemeClr val="tx1"/>
+                          </a:solidFill>
+                          <a:prstDash val="solid"/>
+                          <a:round/>
+                          <a:headEnd type="none" w="med" len="med"/>
+                          <a:tailEnd type="none" w="med" len="med"/>
+                        </a:lnT>
+                        <a:lnB w="12700" cap="flat" cmpd="sng" algn="ctr">
+                          <a:solidFill>
+                            <a:schemeClr val="tx1"/>
+                          </a:solidFill>
+                          <a:prstDash val="solid"/>
+                          <a:round/>
+                          <a:headEnd type="none" w="med" len="med"/>
+                          <a:tailEnd type="none" w="med" len="med"/>
+                        </a:lnB>
+                        <a:lnTlToBr w="12700" cmpd="sng">
+                          <a:noFill/>
+                          <a:prstDash val="solid"/>
+                        </a:lnTlToBr>
+                        <a:lnBlToTr w="12700" cmpd="sng">
+                          <a:noFill/>
+                          <a:prstDash val="solid"/>
+                        </a:lnBlToTr>
+                        <a:solidFill>
+                          <a:schemeClr val="bg2"/>
+                        </a:solidFill>
+                      </a:tcPr>
+                    </a:tc>
+                    <a:tc>
+                      <a:txBody>
+                        <a:bodyPr/>
+                        <a:lstStyle/>
+                        <a:p>
+                          <a:pPr algn="ctr" latinLnBrk="1"/>
+                          <a:r>
+                            <a:rPr lang="en-US" altLang="ko-KR" sz="1600" dirty="0" smtClean="0">
+                              <a:solidFill>
+                                <a:sysClr val="windowText" lastClr="000000"/>
+                              </a:solidFill>
+                            </a:rPr>
+                            <a:t>d = After-Before</a:t>
+                          </a:r>
+                          <a:endParaRPr lang="ko-KR" altLang="en-US" sz="1600" dirty="0">
+                            <a:solidFill>
+                              <a:sysClr val="windowText" lastClr="000000"/>
+                            </a:solidFill>
+                          </a:endParaRPr>
+                        </a:p>
+                      </a:txBody>
+                      <a:tcPr anchor="ctr">
+                        <a:lnL w="12700" cap="flat" cmpd="sng" algn="ctr">
+                          <a:solidFill>
+                            <a:schemeClr val="tx1"/>
+                          </a:solidFill>
+                          <a:prstDash val="solid"/>
+                          <a:round/>
+                          <a:headEnd type="none" w="med" len="med"/>
+                          <a:tailEnd type="none" w="med" len="med"/>
+                        </a:lnL>
+                        <a:lnR w="12700" cap="flat" cmpd="sng" algn="ctr">
+                          <a:solidFill>
+                            <a:schemeClr val="tx1"/>
+                          </a:solidFill>
+                          <a:prstDash val="solid"/>
+                          <a:round/>
+                          <a:headEnd type="none" w="med" len="med"/>
+                          <a:tailEnd type="none" w="med" len="med"/>
+                        </a:lnR>
+                        <a:lnT w="12700" cap="flat" cmpd="sng" algn="ctr">
+                          <a:solidFill>
+                            <a:schemeClr val="tx1"/>
+                          </a:solidFill>
+                          <a:prstDash val="solid"/>
+                          <a:round/>
+                          <a:headEnd type="none" w="med" len="med"/>
+                          <a:tailEnd type="none" w="med" len="med"/>
+                        </a:lnT>
+                        <a:lnB w="12700" cap="flat" cmpd="sng" algn="ctr">
+                          <a:solidFill>
+                            <a:schemeClr val="tx1"/>
+                          </a:solidFill>
+                          <a:prstDash val="solid"/>
+                          <a:round/>
+                          <a:headEnd type="none" w="med" len="med"/>
+                          <a:tailEnd type="none" w="med" len="med"/>
+                        </a:lnB>
+                        <a:lnTlToBr w="12700" cmpd="sng">
+                          <a:noFill/>
+                          <a:prstDash val="solid"/>
+                        </a:lnTlToBr>
+                        <a:lnBlToTr w="12700" cmpd="sng">
+                          <a:noFill/>
+                          <a:prstDash val="solid"/>
+                        </a:lnBlToTr>
+                        <a:solidFill>
+                          <a:schemeClr val="bg2"/>
+                        </a:solidFill>
+                      </a:tcPr>
+                    </a:tc>
+                  </a:tr>
+                  <a:tr h="370840">
+                    <a:tc vMerge="1">
+                      <a:txBody>
+                        <a:bodyPr/>
+                        <a:lstStyle/>
+                        <a:p>
+                          <a:pPr algn="ctr" latinLnBrk="1"/>
+                          <a:endParaRPr lang="ko-KR" altLang="en-US" dirty="0">
+                            <a:solidFill>
+                              <a:sysClr val="windowText" lastClr="000000"/>
+                            </a:solidFill>
+                          </a:endParaRPr>
+                        </a:p>
+                      </a:txBody>
+                      <a:tcPr anchor="ctr">
+                        <a:lnL w="12700" cap="flat" cmpd="sng" algn="ctr">
+                          <a:solidFill>
+                            <a:schemeClr val="tx1"/>
+                          </a:solidFill>
+                          <a:prstDash val="solid"/>
+                          <a:round/>
+                          <a:headEnd type="none" w="med" len="med"/>
+                          <a:tailEnd type="none" w="med" len="med"/>
+                        </a:lnL>
+                        <a:lnR w="12700" cap="flat" cmpd="sng" algn="ctr">
+                          <a:solidFill>
+                            <a:schemeClr val="tx1"/>
+                          </a:solidFill>
+                          <a:prstDash val="solid"/>
+                          <a:round/>
+                          <a:headEnd type="none" w="med" len="med"/>
+                          <a:tailEnd type="none" w="med" len="med"/>
+                        </a:lnR>
+                        <a:lnT w="12700" cap="flat" cmpd="sng" algn="ctr">
+                          <a:solidFill>
+                            <a:schemeClr val="tx1"/>
+                          </a:solidFill>
+                          <a:prstDash val="solid"/>
+                          <a:round/>
+                          <a:headEnd type="none" w="med" len="med"/>
+                          <a:tailEnd type="none" w="med" len="med"/>
+                        </a:lnT>
+                        <a:lnB w="12700" cap="flat" cmpd="sng" algn="ctr">
+                          <a:solidFill>
+                            <a:schemeClr val="tx1"/>
+                          </a:solidFill>
+                          <a:prstDash val="solid"/>
+                          <a:round/>
+                          <a:headEnd type="none" w="med" len="med"/>
+                          <a:tailEnd type="none" w="med" len="med"/>
+                        </a:lnB>
+                        <a:lnTlToBr w="12700" cmpd="sng">
+                          <a:noFill/>
+                          <a:prstDash val="solid"/>
+                        </a:lnTlToBr>
+                        <a:lnBlToTr w="12700" cmpd="sng">
+                          <a:noFill/>
+                          <a:prstDash val="solid"/>
+                        </a:lnBlToTr>
+                        <a:solidFill>
+                          <a:schemeClr val="bg2"/>
+                        </a:solidFill>
+                      </a:tcPr>
+                    </a:tc>
+                    <a:tc>
+                      <a:txBody>
+                        <a:bodyPr/>
+                        <a:lstStyle/>
+                        <a:p>
+                          <a:endParaRPr lang="ko-KR"/>
+                        </a:p>
+                      </a:txBody>
+                      <a:tcPr anchor="ctr">
+                        <a:lnL w="12700" cap="flat" cmpd="sng" algn="ctr">
+                          <a:solidFill>
+                            <a:schemeClr val="tx1"/>
+                          </a:solidFill>
+                          <a:prstDash val="solid"/>
+                          <a:round/>
+                          <a:headEnd type="none" w="med" len="med"/>
+                          <a:tailEnd type="none" w="med" len="med"/>
+                        </a:lnL>
+                        <a:lnR w="12700" cap="flat" cmpd="sng" algn="ctr">
+                          <a:solidFill>
+                            <a:schemeClr val="tx1"/>
+                          </a:solidFill>
+                          <a:prstDash val="solid"/>
+                          <a:round/>
+                          <a:headEnd type="none" w="med" len="med"/>
+                          <a:tailEnd type="none" w="med" len="med"/>
+                        </a:lnR>
+                        <a:lnT w="12700" cap="flat" cmpd="sng" algn="ctr">
+                          <a:solidFill>
+                            <a:schemeClr val="tx1"/>
+                          </a:solidFill>
+                          <a:prstDash val="solid"/>
+                          <a:round/>
+                          <a:headEnd type="none" w="med" len="med"/>
+                          <a:tailEnd type="none" w="med" len="med"/>
+                        </a:lnT>
+                        <a:lnB w="12700" cap="flat" cmpd="sng" algn="ctr">
+                          <a:solidFill>
+                            <a:schemeClr val="tx1"/>
+                          </a:solidFill>
+                          <a:prstDash val="solid"/>
+                          <a:round/>
+                          <a:headEnd type="none" w="med" len="med"/>
+                          <a:tailEnd type="none" w="med" len="med"/>
+                        </a:lnB>
+                        <a:lnTlToBr w="12700" cmpd="sng">
+                          <a:noFill/>
+                          <a:prstDash val="solid"/>
+                        </a:lnTlToBr>
+                        <a:lnBlToTr w="12700" cmpd="sng">
+                          <a:noFill/>
+                          <a:prstDash val="solid"/>
+                        </a:lnBlToTr>
+                        <a:blipFill rotWithShape="1">
+                          <a:blip r:embed="rId2"/>
+                          <a:stretch>
+                            <a:fillRect l="-39100" t="-100000" r="-199763" b="-1040984"/>
+                          </a:stretch>
+                        </a:blipFill>
+                      </a:tcPr>
+                    </a:tc>
+                    <a:tc>
+                      <a:txBody>
+                        <a:bodyPr/>
+                        <a:lstStyle/>
+                        <a:p>
+                          <a:endParaRPr lang="ko-KR"/>
+                        </a:p>
+                      </a:txBody>
+                      <a:tcPr anchor="ctr">
+                        <a:lnL w="12700" cap="flat" cmpd="sng" algn="ctr">
+                          <a:solidFill>
+                            <a:schemeClr val="tx1"/>
+                          </a:solidFill>
+                          <a:prstDash val="solid"/>
+                          <a:round/>
+                          <a:headEnd type="none" w="med" len="med"/>
+                          <a:tailEnd type="none" w="med" len="med"/>
+                        </a:lnL>
+                        <a:lnR w="12700" cap="flat" cmpd="sng" algn="ctr">
+                          <a:solidFill>
+                            <a:schemeClr val="tx1"/>
+                          </a:solidFill>
+                          <a:prstDash val="solid"/>
+                          <a:round/>
+                          <a:headEnd type="none" w="med" len="med"/>
+                          <a:tailEnd type="none" w="med" len="med"/>
+                        </a:lnR>
+                        <a:lnT w="12700" cap="flat" cmpd="sng" algn="ctr">
+                          <a:solidFill>
+                            <a:schemeClr val="tx1"/>
+                          </a:solidFill>
+                          <a:prstDash val="solid"/>
+                          <a:round/>
+                          <a:headEnd type="none" w="med" len="med"/>
+                          <a:tailEnd type="none" w="med" len="med"/>
+                        </a:lnT>
+                        <a:lnB w="12700" cap="flat" cmpd="sng" algn="ctr">
+                          <a:solidFill>
+                            <a:schemeClr val="tx1"/>
+                          </a:solidFill>
+                          <a:prstDash val="solid"/>
+                          <a:round/>
+                          <a:headEnd type="none" w="med" len="med"/>
+                          <a:tailEnd type="none" w="med" len="med"/>
+                        </a:lnB>
+                        <a:lnTlToBr w="12700" cmpd="sng">
+                          <a:noFill/>
+                          <a:prstDash val="solid"/>
+                        </a:lnTlToBr>
+                        <a:lnBlToTr w="12700" cmpd="sng">
+                          <a:noFill/>
+                          <a:prstDash val="solid"/>
+                        </a:lnBlToTr>
+                        <a:blipFill rotWithShape="1">
+                          <a:blip r:embed="rId2"/>
+                          <a:stretch>
+                            <a:fillRect l="-139430" t="-100000" r="-100238" b="-1040984"/>
+                          </a:stretch>
+                        </a:blipFill>
+                      </a:tcPr>
+                    </a:tc>
+                    <a:tc>
+                      <a:txBody>
+                        <a:bodyPr/>
+                        <a:lstStyle/>
+                        <a:p>
+                          <a:endParaRPr lang="ko-KR"/>
+                        </a:p>
+                      </a:txBody>
+                      <a:tcPr anchor="ctr">
+                        <a:lnL w="12700" cap="flat" cmpd="sng" algn="ctr">
+                          <a:solidFill>
+                            <a:schemeClr val="tx1"/>
+                          </a:solidFill>
+                          <a:prstDash val="solid"/>
+                          <a:round/>
+                          <a:headEnd type="none" w="med" len="med"/>
+                          <a:tailEnd type="none" w="med" len="med"/>
+                        </a:lnL>
+                        <a:lnR w="12700" cap="flat" cmpd="sng" algn="ctr">
+                          <a:solidFill>
+                            <a:schemeClr val="tx1"/>
+                          </a:solidFill>
+                          <a:prstDash val="solid"/>
+                          <a:round/>
+                          <a:headEnd type="none" w="med" len="med"/>
+                          <a:tailEnd type="none" w="med" len="med"/>
+                        </a:lnR>
+                        <a:lnT w="12700" cap="flat" cmpd="sng" algn="ctr">
+                          <a:solidFill>
+                            <a:schemeClr val="tx1"/>
+                          </a:solidFill>
+                          <a:prstDash val="solid"/>
+                          <a:round/>
+                          <a:headEnd type="none" w="med" len="med"/>
+                          <a:tailEnd type="none" w="med" len="med"/>
+                        </a:lnT>
+                        <a:lnB w="12700" cap="flat" cmpd="sng" algn="ctr">
+                          <a:solidFill>
+                            <a:schemeClr val="tx1"/>
+                          </a:solidFill>
+                          <a:prstDash val="solid"/>
+                          <a:round/>
+                          <a:headEnd type="none" w="med" len="med"/>
+                          <a:tailEnd type="none" w="med" len="med"/>
+                        </a:lnB>
+                        <a:lnTlToBr w="12700" cmpd="sng">
+                          <a:noFill/>
+                          <a:prstDash val="solid"/>
+                        </a:lnTlToBr>
+                        <a:lnBlToTr w="12700" cmpd="sng">
+                          <a:noFill/>
+                          <a:prstDash val="solid"/>
+                        </a:lnBlToTr>
+                        <a:blipFill rotWithShape="1">
+                          <a:blip r:embed="rId2"/>
+                          <a:stretch>
+                            <a:fillRect l="-238863" t="-100000" b="-1040984"/>
+                          </a:stretch>
+                        </a:blipFill>
+                      </a:tcPr>
+                    </a:tc>
+                  </a:tr>
+                  <a:tr h="370840">
+                    <a:tc vMerge="1">
+                      <a:txBody>
+                        <a:bodyPr/>
+                        <a:lstStyle/>
+                        <a:p>
+                          <a:pPr algn="ctr" latinLnBrk="1"/>
+                          <a:endParaRPr lang="ko-KR" altLang="en-US" dirty="0">
+                            <a:solidFill>
+                              <a:sysClr val="windowText" lastClr="000000"/>
+                            </a:solidFill>
+                          </a:endParaRPr>
+                        </a:p>
+                      </a:txBody>
+                      <a:tcPr anchor="ctr">
+                        <a:lnL w="12700" cap="flat" cmpd="sng" algn="ctr">
+                          <a:solidFill>
+                            <a:schemeClr val="tx1"/>
+                          </a:solidFill>
+                          <a:prstDash val="solid"/>
+                          <a:round/>
+                          <a:headEnd type="none" w="med" len="med"/>
+                          <a:tailEnd type="none" w="med" len="med"/>
+                        </a:lnL>
+                        <a:lnR w="12700" cap="flat" cmpd="sng" algn="ctr">
+                          <a:solidFill>
+                            <a:schemeClr val="tx1"/>
+                          </a:solidFill>
+                          <a:prstDash val="solid"/>
+                          <a:round/>
+                          <a:headEnd type="none" w="med" len="med"/>
+                          <a:tailEnd type="none" w="med" len="med"/>
+                        </a:lnR>
+                        <a:lnT w="12700" cap="flat" cmpd="sng" algn="ctr">
+                          <a:solidFill>
+                            <a:schemeClr val="tx1"/>
+                          </a:solidFill>
+                          <a:prstDash val="solid"/>
+                          <a:round/>
+                          <a:headEnd type="none" w="med" len="med"/>
+                          <a:tailEnd type="none" w="med" len="med"/>
+                        </a:lnT>
+                        <a:lnB w="12700" cap="flat" cmpd="sng" algn="ctr">
+                          <a:solidFill>
+                            <a:schemeClr val="tx1"/>
+                          </a:solidFill>
+                          <a:prstDash val="solid"/>
+                          <a:round/>
+                          <a:headEnd type="none" w="med" len="med"/>
+                          <a:tailEnd type="none" w="med" len="med"/>
+                        </a:lnB>
+                        <a:lnTlToBr w="12700" cmpd="sng">
+                          <a:noFill/>
+                          <a:prstDash val="solid"/>
+                        </a:lnTlToBr>
+                        <a:lnBlToTr w="12700" cmpd="sng">
+                          <a:noFill/>
+                          <a:prstDash val="solid"/>
+                        </a:lnBlToTr>
+                        <a:solidFill>
+                          <a:schemeClr val="bg2"/>
+                        </a:solidFill>
+                      </a:tcPr>
+                    </a:tc>
+                    <a:tc>
+                      <a:txBody>
+                        <a:bodyPr/>
+                        <a:lstStyle/>
+                        <a:p>
+                          <a:endParaRPr lang="ko-KR"/>
+                        </a:p>
+                      </a:txBody>
+                      <a:tcPr anchor="ctr">
+                        <a:lnL w="12700" cap="flat" cmpd="sng" algn="ctr">
+                          <a:solidFill>
+                            <a:schemeClr val="tx1"/>
+                          </a:solidFill>
+                          <a:prstDash val="solid"/>
+                          <a:round/>
+                          <a:headEnd type="none" w="med" len="med"/>
+                          <a:tailEnd type="none" w="med" len="med"/>
+                        </a:lnL>
+                        <a:lnR w="12700" cap="flat" cmpd="sng" algn="ctr">
+                          <a:solidFill>
+                            <a:schemeClr val="tx1"/>
+                          </a:solidFill>
+                          <a:prstDash val="solid"/>
+                          <a:round/>
+                          <a:headEnd type="none" w="med" len="med"/>
+                          <a:tailEnd type="none" w="med" len="med"/>
+                        </a:lnR>
+                        <a:lnT w="12700" cap="flat" cmpd="sng" algn="ctr">
+                          <a:solidFill>
+                            <a:schemeClr val="tx1"/>
+                          </a:solidFill>
+                          <a:prstDash val="solid"/>
+                          <a:round/>
+                          <a:headEnd type="none" w="med" len="med"/>
+                          <a:tailEnd type="none" w="med" len="med"/>
+                        </a:lnT>
+                        <a:lnB w="12700" cap="flat" cmpd="sng" algn="ctr">
+                          <a:solidFill>
+                            <a:schemeClr val="tx1"/>
+                          </a:solidFill>
+                          <a:prstDash val="solid"/>
+                          <a:round/>
+                          <a:headEnd type="none" w="med" len="med"/>
+                          <a:tailEnd type="none" w="med" len="med"/>
+                        </a:lnB>
+                        <a:lnTlToBr w="12700" cmpd="sng">
+                          <a:noFill/>
+                          <a:prstDash val="solid"/>
+                        </a:lnTlToBr>
+                        <a:lnBlToTr w="12700" cmpd="sng">
+                          <a:noFill/>
+                          <a:prstDash val="solid"/>
+                        </a:lnBlToTr>
+                        <a:blipFill rotWithShape="1">
+                          <a:blip r:embed="rId2"/>
+                          <a:stretch>
+                            <a:fillRect l="-39100" t="-203333" r="-199763" b="-958333"/>
+                          </a:stretch>
+                        </a:blipFill>
+                      </a:tcPr>
+                    </a:tc>
+                    <a:tc>
+                      <a:txBody>
+                        <a:bodyPr/>
+                        <a:lstStyle/>
+                        <a:p>
+                          <a:endParaRPr lang="ko-KR"/>
+                        </a:p>
+                      </a:txBody>
+                      <a:tcPr anchor="ctr">
+                        <a:lnL w="12700" cap="flat" cmpd="sng" algn="ctr">
+                          <a:solidFill>
+                            <a:schemeClr val="tx1"/>
+                          </a:solidFill>
+                          <a:prstDash val="solid"/>
+                          <a:round/>
+                          <a:headEnd type="none" w="med" len="med"/>
+                          <a:tailEnd type="none" w="med" len="med"/>
+                        </a:lnL>
+                        <a:lnR w="12700" cap="flat" cmpd="sng" algn="ctr">
+                          <a:solidFill>
+                            <a:schemeClr val="tx1"/>
+                          </a:solidFill>
+                          <a:prstDash val="solid"/>
+                          <a:round/>
+                          <a:headEnd type="none" w="med" len="med"/>
+                          <a:tailEnd type="none" w="med" len="med"/>
+                        </a:lnR>
+                        <a:lnT w="12700" cap="flat" cmpd="sng" algn="ctr">
+                          <a:solidFill>
+                            <a:schemeClr val="tx1"/>
+                          </a:solidFill>
+                          <a:prstDash val="solid"/>
+                          <a:round/>
+                          <a:headEnd type="none" w="med" len="med"/>
+                          <a:tailEnd type="none" w="med" len="med"/>
+                        </a:lnT>
+                        <a:lnB w="12700" cap="flat" cmpd="sng" algn="ctr">
+                          <a:solidFill>
+                            <a:schemeClr val="tx1"/>
+                          </a:solidFill>
+                          <a:prstDash val="solid"/>
+                          <a:round/>
+                          <a:headEnd type="none" w="med" len="med"/>
+                          <a:tailEnd type="none" w="med" len="med"/>
+                        </a:lnB>
+                        <a:lnTlToBr w="12700" cmpd="sng">
+                          <a:noFill/>
+                          <a:prstDash val="solid"/>
+                        </a:lnTlToBr>
+                        <a:lnBlToTr w="12700" cmpd="sng">
+                          <a:noFill/>
+                          <a:prstDash val="solid"/>
+                        </a:lnBlToTr>
+                        <a:blipFill rotWithShape="1">
+                          <a:blip r:embed="rId2"/>
+                          <a:stretch>
+                            <a:fillRect l="-139430" t="-203333" r="-100238" b="-958333"/>
+                          </a:stretch>
+                        </a:blipFill>
+                      </a:tcPr>
+                    </a:tc>
+                    <a:tc>
+                      <a:txBody>
+                        <a:bodyPr/>
+                        <a:lstStyle/>
+                        <a:p>
+                          <a:endParaRPr lang="ko-KR"/>
+                        </a:p>
+                      </a:txBody>
+                      <a:tcPr anchor="ctr">
+                        <a:lnL w="12700" cap="flat" cmpd="sng" algn="ctr">
+                          <a:solidFill>
+                            <a:schemeClr val="tx1"/>
+                          </a:solidFill>
+                          <a:prstDash val="solid"/>
+                          <a:round/>
+                          <a:headEnd type="none" w="med" len="med"/>
+                          <a:tailEnd type="none" w="med" len="med"/>
+                        </a:lnL>
+                        <a:lnR w="12700" cap="flat" cmpd="sng" algn="ctr">
+                          <a:solidFill>
+                            <a:schemeClr val="tx1"/>
+                          </a:solidFill>
+                          <a:prstDash val="solid"/>
+                          <a:round/>
+                          <a:headEnd type="none" w="med" len="med"/>
+                          <a:tailEnd type="none" w="med" len="med"/>
+                        </a:lnR>
+                        <a:lnT w="12700" cap="flat" cmpd="sng" algn="ctr">
+                          <a:solidFill>
+                            <a:schemeClr val="tx1"/>
+                          </a:solidFill>
+                          <a:prstDash val="solid"/>
+                          <a:round/>
+                          <a:headEnd type="none" w="med" len="med"/>
+                          <a:tailEnd type="none" w="med" len="med"/>
+                        </a:lnT>
+                        <a:lnB w="12700" cap="flat" cmpd="sng" algn="ctr">
+                          <a:solidFill>
+                            <a:schemeClr val="tx1"/>
+                          </a:solidFill>
+                          <a:prstDash val="solid"/>
+                          <a:round/>
+                          <a:headEnd type="none" w="med" len="med"/>
+                          <a:tailEnd type="none" w="med" len="med"/>
+                        </a:lnB>
+                        <a:lnTlToBr w="12700" cmpd="sng">
+                          <a:noFill/>
+                          <a:prstDash val="solid"/>
+                        </a:lnTlToBr>
+                        <a:lnBlToTr w="12700" cmpd="sng">
+                          <a:noFill/>
+                          <a:prstDash val="solid"/>
+                        </a:lnBlToTr>
+                        <a:blipFill rotWithShape="1">
+                          <a:blip r:embed="rId2"/>
+                          <a:stretch>
+                            <a:fillRect l="-238863" t="-203333" b="-958333"/>
+                          </a:stretch>
+                        </a:blipFill>
+                      </a:tcPr>
+                    </a:tc>
+                  </a:tr>
+                  <a:tr h="370840">
+                    <a:tc vMerge="1">
+                      <a:txBody>
+                        <a:bodyPr/>
+                        <a:lstStyle/>
+                        <a:p>
+                          <a:pPr algn="ctr" latinLnBrk="1"/>
+                          <a:endParaRPr lang="ko-KR" altLang="en-US" dirty="0">
+                            <a:solidFill>
+                              <a:sysClr val="windowText" lastClr="000000"/>
+                            </a:solidFill>
+                          </a:endParaRPr>
+                        </a:p>
+                      </a:txBody>
+                      <a:tcPr anchor="ctr">
+                        <a:lnL w="12700" cap="flat" cmpd="sng" algn="ctr">
+                          <a:solidFill>
+                            <a:schemeClr val="tx1"/>
+                          </a:solidFill>
+                          <a:prstDash val="solid"/>
+                          <a:round/>
+                          <a:headEnd type="none" w="med" len="med"/>
+                          <a:tailEnd type="none" w="med" len="med"/>
+                        </a:lnL>
+                        <a:lnR w="12700" cap="flat" cmpd="sng" algn="ctr">
+                          <a:solidFill>
+                            <a:schemeClr val="tx1"/>
+                          </a:solidFill>
+                          <a:prstDash val="solid"/>
+                          <a:round/>
+                          <a:headEnd type="none" w="med" len="med"/>
+                          <a:tailEnd type="none" w="med" len="med"/>
+                        </a:lnR>
+                        <a:lnT w="12700" cap="flat" cmpd="sng" algn="ctr">
+                          <a:solidFill>
+                            <a:schemeClr val="tx1"/>
+                          </a:solidFill>
+                          <a:prstDash val="solid"/>
+                          <a:round/>
+                          <a:headEnd type="none" w="med" len="med"/>
+                          <a:tailEnd type="none" w="med" len="med"/>
+                        </a:lnT>
+                        <a:lnB w="12700" cap="flat" cmpd="sng" algn="ctr">
+                          <a:solidFill>
+                            <a:schemeClr val="tx1"/>
+                          </a:solidFill>
+                          <a:prstDash val="solid"/>
+                          <a:round/>
+                          <a:headEnd type="none" w="med" len="med"/>
+                          <a:tailEnd type="none" w="med" len="med"/>
+                        </a:lnB>
+                        <a:lnTlToBr w="12700" cmpd="sng">
+                          <a:noFill/>
+                          <a:prstDash val="solid"/>
+                        </a:lnTlToBr>
+                        <a:lnBlToTr w="12700" cmpd="sng">
+                          <a:noFill/>
+                          <a:prstDash val="solid"/>
+                        </a:lnBlToTr>
+                        <a:solidFill>
+                          <a:schemeClr val="bg2"/>
+                        </a:solidFill>
+                      </a:tcPr>
+                    </a:tc>
+                    <a:tc>
+                      <a:txBody>
+                        <a:bodyPr/>
+                        <a:lstStyle/>
+                        <a:p>
+                          <a:endParaRPr lang="ko-KR"/>
+                        </a:p>
+                      </a:txBody>
+                      <a:tcPr anchor="ctr">
+                        <a:lnL w="12700" cap="flat" cmpd="sng" algn="ctr">
+                          <a:solidFill>
+                            <a:schemeClr val="tx1"/>
+                          </a:solidFill>
+                          <a:prstDash val="solid"/>
+                          <a:round/>
+                          <a:headEnd type="none" w="med" len="med"/>
+                          <a:tailEnd type="none" w="med" len="med"/>
+                        </a:lnL>
+                        <a:lnR w="12700" cap="flat" cmpd="sng" algn="ctr">
+                          <a:solidFill>
+                            <a:schemeClr val="tx1"/>
+                          </a:solidFill>
+                          <a:prstDash val="solid"/>
+                          <a:round/>
+                          <a:headEnd type="none" w="med" len="med"/>
+                          <a:tailEnd type="none" w="med" len="med"/>
+                        </a:lnR>
+                        <a:lnT w="12700" cap="flat" cmpd="sng" algn="ctr">
+                          <a:solidFill>
+                            <a:schemeClr val="tx1"/>
+                          </a:solidFill>
+                          <a:prstDash val="solid"/>
+                          <a:round/>
+                          <a:headEnd type="none" w="med" len="med"/>
+                          <a:tailEnd type="none" w="med" len="med"/>
+                        </a:lnT>
+                        <a:lnB w="12700" cap="flat" cmpd="sng" algn="ctr">
+                          <a:solidFill>
+                            <a:schemeClr val="tx1"/>
+                          </a:solidFill>
+                          <a:prstDash val="solid"/>
+                          <a:round/>
+                          <a:headEnd type="none" w="med" len="med"/>
+                          <a:tailEnd type="none" w="med" len="med"/>
+                        </a:lnB>
+                        <a:lnTlToBr w="12700" cmpd="sng">
+                          <a:noFill/>
+                          <a:prstDash val="solid"/>
+                        </a:lnTlToBr>
+                        <a:lnBlToTr w="12700" cmpd="sng">
+                          <a:noFill/>
+                          <a:prstDash val="solid"/>
+                        </a:lnBlToTr>
+                        <a:blipFill rotWithShape="1">
+                          <a:blip r:embed="rId2"/>
+                          <a:stretch>
+                            <a:fillRect l="-39100" t="-298361" r="-199763" b="-842623"/>
+                          </a:stretch>
+                        </a:blipFill>
+                      </a:tcPr>
+                    </a:tc>
+                    <a:tc>
+                      <a:txBody>
+                        <a:bodyPr/>
+                        <a:lstStyle/>
+                        <a:p>
+                          <a:endParaRPr lang="ko-KR"/>
+                        </a:p>
+                      </a:txBody>
+                      <a:tcPr anchor="ctr">
+                        <a:lnL w="12700" cap="flat" cmpd="sng" algn="ctr">
+                          <a:solidFill>
+                            <a:schemeClr val="tx1"/>
+                          </a:solidFill>
+                          <a:prstDash val="solid"/>
+                          <a:round/>
+                          <a:headEnd type="none" w="med" len="med"/>
+                          <a:tailEnd type="none" w="med" len="med"/>
+                        </a:lnL>
+                        <a:lnR w="12700" cap="flat" cmpd="sng" algn="ctr">
+                          <a:solidFill>
+                            <a:schemeClr val="tx1"/>
+                          </a:solidFill>
+                          <a:prstDash val="solid"/>
+                          <a:round/>
+                          <a:headEnd type="none" w="med" len="med"/>
+                          <a:tailEnd type="none" w="med" len="med"/>
+                        </a:lnR>
+                        <a:lnT w="12700" cap="flat" cmpd="sng" algn="ctr">
+                          <a:solidFill>
+                            <a:schemeClr val="tx1"/>
+                          </a:solidFill>
+                          <a:prstDash val="solid"/>
+                          <a:round/>
+                          <a:headEnd type="none" w="med" len="med"/>
+                          <a:tailEnd type="none" w="med" len="med"/>
+                        </a:lnT>
+                        <a:lnB w="12700" cap="flat" cmpd="sng" algn="ctr">
+                          <a:solidFill>
+                            <a:schemeClr val="tx1"/>
+                          </a:solidFill>
+                          <a:prstDash val="solid"/>
+                          <a:round/>
+                          <a:headEnd type="none" w="med" len="med"/>
+                          <a:tailEnd type="none" w="med" len="med"/>
+                        </a:lnB>
+                        <a:lnTlToBr w="12700" cmpd="sng">
+                          <a:noFill/>
+                          <a:prstDash val="solid"/>
+                        </a:lnTlToBr>
+                        <a:lnBlToTr w="12700" cmpd="sng">
+                          <a:noFill/>
+                          <a:prstDash val="solid"/>
+                        </a:lnBlToTr>
+                        <a:blipFill rotWithShape="1">
+                          <a:blip r:embed="rId2"/>
+                          <a:stretch>
+                            <a:fillRect l="-139430" t="-298361" r="-100238" b="-842623"/>
+                          </a:stretch>
+                        </a:blipFill>
+                      </a:tcPr>
+                    </a:tc>
+                    <a:tc>
+                      <a:txBody>
+                        <a:bodyPr/>
+                        <a:lstStyle/>
+                        <a:p>
+                          <a:endParaRPr lang="ko-KR"/>
+                        </a:p>
+                      </a:txBody>
+                      <a:tcPr anchor="ctr">
+                        <a:lnL w="12700" cap="flat" cmpd="sng" algn="ctr">
+                          <a:solidFill>
+                            <a:schemeClr val="tx1"/>
+                          </a:solidFill>
+                          <a:prstDash val="solid"/>
+                          <a:round/>
+                          <a:headEnd type="none" w="med" len="med"/>
+                          <a:tailEnd type="none" w="med" len="med"/>
+                        </a:lnL>
+                        <a:lnR w="12700" cap="flat" cmpd="sng" algn="ctr">
+                          <a:solidFill>
+                            <a:schemeClr val="tx1"/>
+                          </a:solidFill>
+                          <a:prstDash val="solid"/>
+                          <a:round/>
+                          <a:headEnd type="none" w="med" len="med"/>
+                          <a:tailEnd type="none" w="med" len="med"/>
+                        </a:lnR>
+                        <a:lnT w="12700" cap="flat" cmpd="sng" algn="ctr">
+                          <a:solidFill>
+                            <a:schemeClr val="tx1"/>
+                          </a:solidFill>
+                          <a:prstDash val="solid"/>
+                          <a:round/>
+                          <a:headEnd type="none" w="med" len="med"/>
+                          <a:tailEnd type="none" w="med" len="med"/>
+                        </a:lnT>
+                        <a:lnB w="12700" cap="flat" cmpd="sng" algn="ctr">
+                          <a:solidFill>
+                            <a:schemeClr val="tx1"/>
+                          </a:solidFill>
+                          <a:prstDash val="solid"/>
+                          <a:round/>
+                          <a:headEnd type="none" w="med" len="med"/>
+                          <a:tailEnd type="none" w="med" len="med"/>
+                        </a:lnB>
+                        <a:lnTlToBr w="12700" cmpd="sng">
+                          <a:noFill/>
+                          <a:prstDash val="solid"/>
+                        </a:lnTlToBr>
+                        <a:lnBlToTr w="12700" cmpd="sng">
+                          <a:noFill/>
+                          <a:prstDash val="solid"/>
+                        </a:lnBlToTr>
+                        <a:blipFill rotWithShape="1">
+                          <a:blip r:embed="rId2"/>
+                          <a:stretch>
+                            <a:fillRect l="-238863" t="-298361" b="-842623"/>
+                          </a:stretch>
+                        </a:blipFill>
+                      </a:tcPr>
+                    </a:tc>
+                  </a:tr>
+                  <a:tr h="370840">
+                    <a:tc vMerge="1">
+                      <a:txBody>
+                        <a:bodyPr/>
+                        <a:lstStyle/>
+                        <a:p>
+                          <a:pPr algn="ctr" latinLnBrk="1"/>
+                          <a:endParaRPr lang="ko-KR" altLang="en-US" dirty="0">
+                            <a:solidFill>
+                              <a:sysClr val="windowText" lastClr="000000"/>
+                            </a:solidFill>
+                          </a:endParaRPr>
+                        </a:p>
+                      </a:txBody>
+                      <a:tcPr anchor="ctr">
+                        <a:lnL w="12700" cap="flat" cmpd="sng" algn="ctr">
+                          <a:solidFill>
+                            <a:schemeClr val="tx1"/>
+                          </a:solidFill>
+                          <a:prstDash val="solid"/>
+                          <a:round/>
+                          <a:headEnd type="none" w="med" len="med"/>
+                          <a:tailEnd type="none" w="med" len="med"/>
+                        </a:lnL>
+                        <a:lnR w="12700" cap="flat" cmpd="sng" algn="ctr">
+                          <a:solidFill>
+                            <a:schemeClr val="tx1"/>
+                          </a:solidFill>
+                          <a:prstDash val="solid"/>
+                          <a:round/>
+                          <a:headEnd type="none" w="med" len="med"/>
+                          <a:tailEnd type="none" w="med" len="med"/>
+                        </a:lnR>
+                        <a:lnT w="12700" cap="flat" cmpd="sng" algn="ctr">
+                          <a:solidFill>
+                            <a:schemeClr val="tx1"/>
+                          </a:solidFill>
+                          <a:prstDash val="solid"/>
+                          <a:round/>
+                          <a:headEnd type="none" w="med" len="med"/>
+                          <a:tailEnd type="none" w="med" len="med"/>
+                        </a:lnT>
+                        <a:lnB w="12700" cap="flat" cmpd="sng" algn="ctr">
+                          <a:solidFill>
+                            <a:schemeClr val="tx1"/>
+                          </a:solidFill>
+                          <a:prstDash val="solid"/>
+                          <a:round/>
+                          <a:headEnd type="none" w="med" len="med"/>
+                          <a:tailEnd type="none" w="med" len="med"/>
+                        </a:lnB>
+                        <a:lnTlToBr w="12700" cmpd="sng">
+                          <a:noFill/>
+                          <a:prstDash val="solid"/>
+                        </a:lnTlToBr>
+                        <a:lnBlToTr w="12700" cmpd="sng">
+                          <a:noFill/>
+                          <a:prstDash val="solid"/>
+                        </a:lnBlToTr>
+                        <a:solidFill>
+                          <a:schemeClr val="bg2"/>
+                        </a:solidFill>
+                      </a:tcPr>
+                    </a:tc>
+                    <a:tc>
+                      <a:txBody>
+                        <a:bodyPr/>
+                        <a:lstStyle/>
+                        <a:p>
+                          <a:endParaRPr lang="ko-KR"/>
+                        </a:p>
+                      </a:txBody>
+                      <a:tcPr anchor="ctr">
+                        <a:lnL w="12700" cap="flat" cmpd="sng" algn="ctr">
+                          <a:solidFill>
+                            <a:schemeClr val="tx1"/>
+                          </a:solidFill>
+                          <a:prstDash val="solid"/>
+                          <a:round/>
+                          <a:headEnd type="none" w="med" len="med"/>
+                          <a:tailEnd type="none" w="med" len="med"/>
+                        </a:lnL>
+                        <a:lnR w="12700" cap="flat" cmpd="sng" algn="ctr">
+                          <a:solidFill>
+                            <a:schemeClr val="tx1"/>
+                          </a:solidFill>
+                          <a:prstDash val="solid"/>
+                          <a:round/>
+                          <a:headEnd type="none" w="med" len="med"/>
+                          <a:tailEnd type="none" w="med" len="med"/>
+                        </a:lnR>
+                        <a:lnT w="12700" cap="flat" cmpd="sng" algn="ctr">
+                          <a:solidFill>
+                            <a:schemeClr val="tx1"/>
+                          </a:solidFill>
+                          <a:prstDash val="solid"/>
+                          <a:round/>
+                          <a:headEnd type="none" w="med" len="med"/>
+                          <a:tailEnd type="none" w="med" len="med"/>
+                        </a:lnT>
+                        <a:lnB w="12700" cap="flat" cmpd="sng" algn="ctr">
+                          <a:solidFill>
+                            <a:schemeClr val="tx1"/>
+                          </a:solidFill>
+                          <a:prstDash val="solid"/>
+                          <a:round/>
+                          <a:headEnd type="none" w="med" len="med"/>
+                          <a:tailEnd type="none" w="med" len="med"/>
+                        </a:lnB>
+                        <a:lnTlToBr w="12700" cmpd="sng">
+                          <a:noFill/>
+                          <a:prstDash val="solid"/>
+                        </a:lnTlToBr>
+                        <a:lnBlToTr w="12700" cmpd="sng">
+                          <a:noFill/>
+                          <a:prstDash val="solid"/>
+                        </a:lnBlToTr>
+                        <a:blipFill rotWithShape="1">
+                          <a:blip r:embed="rId2"/>
+                          <a:stretch>
+                            <a:fillRect l="-39100" t="-398361" r="-199763" b="-742623"/>
+                          </a:stretch>
+                        </a:blipFill>
+                      </a:tcPr>
+                    </a:tc>
+                    <a:tc>
+                      <a:txBody>
+                        <a:bodyPr/>
+                        <a:lstStyle/>
+                        <a:p>
+                          <a:endParaRPr lang="ko-KR"/>
+                        </a:p>
+                      </a:txBody>
+                      <a:tcPr anchor="ctr">
+                        <a:lnL w="12700" cap="flat" cmpd="sng" algn="ctr">
+                          <a:solidFill>
+                            <a:schemeClr val="tx1"/>
+                          </a:solidFill>
+                          <a:prstDash val="solid"/>
+                          <a:round/>
+                          <a:headEnd type="none" w="med" len="med"/>
+                          <a:tailEnd type="none" w="med" len="med"/>
+                        </a:lnL>
+                        <a:lnR w="12700" cap="flat" cmpd="sng" algn="ctr">
+                          <a:solidFill>
+                            <a:schemeClr val="tx1"/>
+                          </a:solidFill>
+                          <a:prstDash val="solid"/>
+                          <a:round/>
+                          <a:headEnd type="none" w="med" len="med"/>
+                          <a:tailEnd type="none" w="med" len="med"/>
+                        </a:lnR>
+                        <a:lnT w="12700" cap="flat" cmpd="sng" algn="ctr">
+                          <a:solidFill>
+                            <a:schemeClr val="tx1"/>
+                          </a:solidFill>
+                          <a:prstDash val="solid"/>
+                          <a:round/>
+                          <a:headEnd type="none" w="med" len="med"/>
+                          <a:tailEnd type="none" w="med" len="med"/>
+                        </a:lnT>
+                        <a:lnB w="12700" cap="flat" cmpd="sng" algn="ctr">
+                          <a:solidFill>
+                            <a:schemeClr val="tx1"/>
+                          </a:solidFill>
+                          <a:prstDash val="solid"/>
+                          <a:round/>
+                          <a:headEnd type="none" w="med" len="med"/>
+                          <a:tailEnd type="none" w="med" len="med"/>
+                        </a:lnB>
+                        <a:lnTlToBr w="12700" cmpd="sng">
+                          <a:noFill/>
+                          <a:prstDash val="solid"/>
+                        </a:lnTlToBr>
+                        <a:lnBlToTr w="12700" cmpd="sng">
+                          <a:noFill/>
+                          <a:prstDash val="solid"/>
+                        </a:lnBlToTr>
+                        <a:blipFill rotWithShape="1">
+                          <a:blip r:embed="rId2"/>
+                          <a:stretch>
+                            <a:fillRect l="-139430" t="-398361" r="-100238" b="-742623"/>
+                          </a:stretch>
+                        </a:blipFill>
+                      </a:tcPr>
+                    </a:tc>
+                    <a:tc>
+                      <a:txBody>
+                        <a:bodyPr/>
+                        <a:lstStyle/>
+                        <a:p>
+                          <a:endParaRPr lang="ko-KR"/>
+                        </a:p>
+                      </a:txBody>
+                      <a:tcPr anchor="ctr">
+                        <a:lnL w="12700" cap="flat" cmpd="sng" algn="ctr">
+                          <a:solidFill>
+                            <a:schemeClr val="tx1"/>
+                          </a:solidFill>
+                          <a:prstDash val="solid"/>
+                          <a:round/>
+                          <a:headEnd type="none" w="med" len="med"/>
+                          <a:tailEnd type="none" w="med" len="med"/>
+                        </a:lnL>
+                        <a:lnR w="12700" cap="flat" cmpd="sng" algn="ctr">
+                          <a:solidFill>
+                            <a:schemeClr val="tx1"/>
+                          </a:solidFill>
+                          <a:prstDash val="solid"/>
+                          <a:round/>
+                          <a:headEnd type="none" w="med" len="med"/>
+                          <a:tailEnd type="none" w="med" len="med"/>
+                        </a:lnR>
+                        <a:lnT w="12700" cap="flat" cmpd="sng" algn="ctr">
+                          <a:solidFill>
+                            <a:schemeClr val="tx1"/>
+                          </a:solidFill>
+                          <a:prstDash val="solid"/>
+                          <a:round/>
+                          <a:headEnd type="none" w="med" len="med"/>
+                          <a:tailEnd type="none" w="med" len="med"/>
+                        </a:lnT>
+                        <a:lnB w="12700" cap="flat" cmpd="sng" algn="ctr">
+                          <a:solidFill>
+                            <a:schemeClr val="tx1"/>
+                          </a:solidFill>
+                          <a:prstDash val="solid"/>
+                          <a:round/>
+                          <a:headEnd type="none" w="med" len="med"/>
+                          <a:tailEnd type="none" w="med" len="med"/>
+                        </a:lnB>
+                        <a:lnTlToBr w="12700" cmpd="sng">
+                          <a:noFill/>
+                          <a:prstDash val="solid"/>
+                        </a:lnTlToBr>
+                        <a:lnBlToTr w="12700" cmpd="sng">
+                          <a:noFill/>
+                          <a:prstDash val="solid"/>
+                        </a:lnBlToTr>
+                        <a:blipFill rotWithShape="1">
+                          <a:blip r:embed="rId2"/>
+                          <a:stretch>
+                            <a:fillRect l="-238863" t="-398361" b="-742623"/>
+                          </a:stretch>
+                        </a:blipFill>
+                      </a:tcPr>
+                    </a:tc>
+                  </a:tr>
+                  <a:tr h="370840">
+                    <a:tc vMerge="1">
+                      <a:txBody>
+                        <a:bodyPr/>
+                        <a:lstStyle/>
+                        <a:p>
+                          <a:pPr algn="ctr" latinLnBrk="1"/>
+                          <a:endParaRPr lang="en-US" altLang="ko-KR" dirty="0" smtClean="0">
+                            <a:solidFill>
+                              <a:sysClr val="windowText" lastClr="000000"/>
+                            </a:solidFill>
+                          </a:endParaRPr>
+                        </a:p>
+                      </a:txBody>
+                      <a:tcPr anchor="ctr">
+                        <a:lnL w="12700" cap="flat" cmpd="sng" algn="ctr">
+                          <a:solidFill>
+                            <a:schemeClr val="tx1"/>
+                          </a:solidFill>
+                          <a:prstDash val="solid"/>
+                          <a:round/>
+                          <a:headEnd type="none" w="med" len="med"/>
+                          <a:tailEnd type="none" w="med" len="med"/>
+                        </a:lnL>
+                        <a:lnR w="12700" cap="flat" cmpd="sng" algn="ctr">
+                          <a:solidFill>
+                            <a:schemeClr val="tx1"/>
+                          </a:solidFill>
+                          <a:prstDash val="solid"/>
+                          <a:round/>
+                          <a:headEnd type="none" w="med" len="med"/>
+                          <a:tailEnd type="none" w="med" len="med"/>
+                        </a:lnR>
+                        <a:lnT w="12700" cap="flat" cmpd="sng" algn="ctr">
+                          <a:solidFill>
+                            <a:schemeClr val="tx1"/>
+                          </a:solidFill>
+                          <a:prstDash val="solid"/>
+                          <a:round/>
+                          <a:headEnd type="none" w="med" len="med"/>
+                          <a:tailEnd type="none" w="med" len="med"/>
+                        </a:lnT>
+                        <a:lnB w="12700" cap="flat" cmpd="sng" algn="ctr">
+                          <a:solidFill>
+                            <a:schemeClr val="tx1"/>
+                          </a:solidFill>
+                          <a:prstDash val="solid"/>
+                          <a:round/>
+                          <a:headEnd type="none" w="med" len="med"/>
+                          <a:tailEnd type="none" w="med" len="med"/>
+                        </a:lnB>
+                        <a:lnTlToBr w="12700" cmpd="sng">
+                          <a:noFill/>
+                          <a:prstDash val="solid"/>
+                        </a:lnTlToBr>
+                        <a:lnBlToTr w="12700" cmpd="sng">
+                          <a:noFill/>
+                          <a:prstDash val="solid"/>
+                        </a:lnBlToTr>
+                        <a:solidFill>
+                          <a:schemeClr val="bg2"/>
+                        </a:solidFill>
+                      </a:tcPr>
+                    </a:tc>
+                    <a:tc>
+                      <a:txBody>
+                        <a:bodyPr/>
+                        <a:lstStyle/>
+                        <a:p>
+                          <a:endParaRPr lang="ko-KR"/>
+                        </a:p>
+                      </a:txBody>
+                      <a:tcPr anchor="ctr">
+                        <a:lnL w="12700" cap="flat" cmpd="sng" algn="ctr">
+                          <a:solidFill>
+                            <a:schemeClr val="tx1"/>
+                          </a:solidFill>
+                          <a:prstDash val="solid"/>
+                          <a:round/>
+                          <a:headEnd type="none" w="med" len="med"/>
+                          <a:tailEnd type="none" w="med" len="med"/>
+                        </a:lnL>
+                        <a:lnR w="12700" cap="flat" cmpd="sng" algn="ctr">
+                          <a:solidFill>
+                            <a:schemeClr val="tx1"/>
+                          </a:solidFill>
+                          <a:prstDash val="solid"/>
+                          <a:round/>
+                          <a:headEnd type="none" w="med" len="med"/>
+                          <a:tailEnd type="none" w="med" len="med"/>
+                        </a:lnR>
+                        <a:lnT w="12700" cap="flat" cmpd="sng" algn="ctr">
+                          <a:solidFill>
+                            <a:schemeClr val="tx1"/>
+                          </a:solidFill>
+                          <a:prstDash val="solid"/>
+                          <a:round/>
+                          <a:headEnd type="none" w="med" len="med"/>
+                          <a:tailEnd type="none" w="med" len="med"/>
+                        </a:lnT>
+                        <a:lnB w="12700" cap="flat" cmpd="sng" algn="ctr">
+                          <a:solidFill>
+                            <a:schemeClr val="tx1"/>
+                          </a:solidFill>
+                          <a:prstDash val="solid"/>
+                          <a:round/>
+                          <a:headEnd type="none" w="med" len="med"/>
+                          <a:tailEnd type="none" w="med" len="med"/>
+                        </a:lnB>
+                        <a:lnTlToBr w="12700" cmpd="sng">
+                          <a:noFill/>
+                          <a:prstDash val="solid"/>
+                        </a:lnTlToBr>
+                        <a:lnBlToTr w="12700" cmpd="sng">
+                          <a:noFill/>
+                          <a:prstDash val="solid"/>
+                        </a:lnBlToTr>
+                        <a:blipFill rotWithShape="1">
+                          <a:blip r:embed="rId2"/>
+                          <a:stretch>
+                            <a:fillRect l="-39100" t="-498361" r="-199763" b="-642623"/>
+                          </a:stretch>
+                        </a:blipFill>
+                      </a:tcPr>
+                    </a:tc>
+                    <a:tc>
+                      <a:txBody>
+                        <a:bodyPr/>
+                        <a:lstStyle/>
+                        <a:p>
+                          <a:endParaRPr lang="ko-KR"/>
+                        </a:p>
+                      </a:txBody>
+                      <a:tcPr anchor="ctr">
+                        <a:lnL w="12700" cap="flat" cmpd="sng" algn="ctr">
+                          <a:solidFill>
+                            <a:schemeClr val="tx1"/>
+                          </a:solidFill>
+                          <a:prstDash val="solid"/>
+                          <a:round/>
+                          <a:headEnd type="none" w="med" len="med"/>
+                          <a:tailEnd type="none" w="med" len="med"/>
+                        </a:lnL>
+                        <a:lnR w="12700" cap="flat" cmpd="sng" algn="ctr">
+                          <a:solidFill>
+                            <a:schemeClr val="tx1"/>
+                          </a:solidFill>
+                          <a:prstDash val="solid"/>
+                          <a:round/>
+                          <a:headEnd type="none" w="med" len="med"/>
+                          <a:tailEnd type="none" w="med" len="med"/>
+                        </a:lnR>
+                        <a:lnT w="12700" cap="flat" cmpd="sng" algn="ctr">
+                          <a:solidFill>
+                            <a:schemeClr val="tx1"/>
+                          </a:solidFill>
+                          <a:prstDash val="solid"/>
+                          <a:round/>
+                          <a:headEnd type="none" w="med" len="med"/>
+                          <a:tailEnd type="none" w="med" len="med"/>
+                        </a:lnT>
+                        <a:lnB w="12700" cap="flat" cmpd="sng" algn="ctr">
+                          <a:solidFill>
+                            <a:schemeClr val="tx1"/>
+                          </a:solidFill>
+                          <a:prstDash val="solid"/>
+                          <a:round/>
+                          <a:headEnd type="none" w="med" len="med"/>
+                          <a:tailEnd type="none" w="med" len="med"/>
+                        </a:lnB>
+                        <a:lnTlToBr w="12700" cmpd="sng">
+                          <a:noFill/>
+                          <a:prstDash val="solid"/>
+                        </a:lnTlToBr>
+                        <a:lnBlToTr w="12700" cmpd="sng">
+                          <a:noFill/>
+                          <a:prstDash val="solid"/>
+                        </a:lnBlToTr>
+                        <a:blipFill rotWithShape="1">
+                          <a:blip r:embed="rId2"/>
+                          <a:stretch>
+                            <a:fillRect l="-139430" t="-498361" r="-100238" b="-642623"/>
+                          </a:stretch>
+                        </a:blipFill>
+                      </a:tcPr>
+                    </a:tc>
+                    <a:tc>
+                      <a:txBody>
+                        <a:bodyPr/>
+                        <a:lstStyle/>
+                        <a:p>
+                          <a:endParaRPr lang="ko-KR"/>
+                        </a:p>
+                      </a:txBody>
+                      <a:tcPr anchor="ctr">
+                        <a:lnL w="12700" cap="flat" cmpd="sng" algn="ctr">
+                          <a:solidFill>
+                            <a:schemeClr val="tx1"/>
+                          </a:solidFill>
+                          <a:prstDash val="solid"/>
+                          <a:round/>
+                          <a:headEnd type="none" w="med" len="med"/>
+                          <a:tailEnd type="none" w="med" len="med"/>
+                        </a:lnL>
+                        <a:lnR w="12700" cap="flat" cmpd="sng" algn="ctr">
+                          <a:solidFill>
+                            <a:schemeClr val="tx1"/>
+                          </a:solidFill>
+                          <a:prstDash val="solid"/>
+                          <a:round/>
+                          <a:headEnd type="none" w="med" len="med"/>
+                          <a:tailEnd type="none" w="med" len="med"/>
+                        </a:lnR>
+                        <a:lnT w="12700" cap="flat" cmpd="sng" algn="ctr">
+                          <a:solidFill>
+                            <a:schemeClr val="tx1"/>
+                          </a:solidFill>
+                          <a:prstDash val="solid"/>
+                          <a:round/>
+                          <a:headEnd type="none" w="med" len="med"/>
+                          <a:tailEnd type="none" w="med" len="med"/>
+                        </a:lnT>
+                        <a:lnB w="12700" cap="flat" cmpd="sng" algn="ctr">
+                          <a:solidFill>
+                            <a:schemeClr val="tx1"/>
+                          </a:solidFill>
+                          <a:prstDash val="solid"/>
+                          <a:round/>
+                          <a:headEnd type="none" w="med" len="med"/>
+                          <a:tailEnd type="none" w="med" len="med"/>
+                        </a:lnB>
+                        <a:lnTlToBr w="12700" cmpd="sng">
+                          <a:noFill/>
+                          <a:prstDash val="solid"/>
+                        </a:lnTlToBr>
+                        <a:lnBlToTr w="12700" cmpd="sng">
+                          <a:noFill/>
+                          <a:prstDash val="solid"/>
+                        </a:lnBlToTr>
+                        <a:blipFill rotWithShape="1">
+                          <a:blip r:embed="rId2"/>
+                          <a:stretch>
+                            <a:fillRect l="-238863" t="-498361" b="-642623"/>
+                          </a:stretch>
+                        </a:blipFill>
+                      </a:tcPr>
+                    </a:tc>
+                  </a:tr>
+                  <a:tr h="1274826">
+                    <a:tc>
+                      <a:txBody>
+                        <a:bodyPr/>
+                        <a:lstStyle/>
+                        <a:p>
+                          <a:pPr algn="ctr" latinLnBrk="1"/>
+                          <a:r>
+                            <a:rPr lang="ko-KR" altLang="en-US" sz="1600" b="1" dirty="0" smtClean="0">
+                              <a:solidFill>
+                                <a:sysClr val="windowText" lastClr="000000"/>
+                              </a:solidFill>
+                            </a:rPr>
+                            <a:t>평균</a:t>
+                          </a:r>
+                          <a:endParaRPr lang="en-US" altLang="ko-KR" sz="1600" b="1" dirty="0" smtClean="0">
+                            <a:solidFill>
+                              <a:sysClr val="windowText" lastClr="000000"/>
+                            </a:solidFill>
+                          </a:endParaRPr>
+                        </a:p>
+                      </a:txBody>
+                      <a:tcPr anchor="ctr">
+                        <a:lnL w="12700" cap="flat" cmpd="sng" algn="ctr">
+                          <a:solidFill>
+                            <a:schemeClr val="tx1"/>
+                          </a:solidFill>
+                          <a:prstDash val="solid"/>
+                          <a:round/>
+                          <a:headEnd type="none" w="med" len="med"/>
+                          <a:tailEnd type="none" w="med" len="med"/>
+                        </a:lnL>
+                        <a:lnR w="12700" cap="flat" cmpd="sng" algn="ctr">
+                          <a:solidFill>
+                            <a:schemeClr val="tx1"/>
+                          </a:solidFill>
+                          <a:prstDash val="solid"/>
+                          <a:round/>
+                          <a:headEnd type="none" w="med" len="med"/>
+                          <a:tailEnd type="none" w="med" len="med"/>
+                        </a:lnR>
+                        <a:lnT w="12700" cap="flat" cmpd="sng" algn="ctr">
+                          <a:solidFill>
+                            <a:schemeClr val="tx1"/>
+                          </a:solidFill>
+                          <a:prstDash val="solid"/>
+                          <a:round/>
+                          <a:headEnd type="none" w="med" len="med"/>
+                          <a:tailEnd type="none" w="med" len="med"/>
+                        </a:lnT>
+                        <a:lnB w="12700" cap="flat" cmpd="sng" algn="ctr">
+                          <a:solidFill>
+                            <a:schemeClr val="tx1"/>
+                          </a:solidFill>
+                          <a:prstDash val="solid"/>
+                          <a:round/>
+                          <a:headEnd type="none" w="med" len="med"/>
+                          <a:tailEnd type="none" w="med" len="med"/>
+                        </a:lnB>
+                        <a:lnTlToBr w="12700" cmpd="sng">
+                          <a:noFill/>
+                          <a:prstDash val="solid"/>
+                        </a:lnTlToBr>
+                        <a:lnBlToTr w="12700" cmpd="sng">
+                          <a:noFill/>
+                          <a:prstDash val="solid"/>
+                        </a:lnBlToTr>
+                        <a:solidFill>
+                          <a:schemeClr val="bg2"/>
+                        </a:solidFill>
+                      </a:tcPr>
+                    </a:tc>
+                    <a:tc>
+                      <a:txBody>
+                        <a:bodyPr/>
+                        <a:lstStyle/>
+                        <a:p>
+                          <a:endParaRPr lang="ko-KR"/>
+                        </a:p>
+                      </a:txBody>
+                      <a:tcPr anchor="ctr">
+                        <a:lnL w="12700" cap="flat" cmpd="sng" algn="ctr">
+                          <a:solidFill>
+                            <a:schemeClr val="tx1"/>
+                          </a:solidFill>
+                          <a:prstDash val="solid"/>
+                          <a:round/>
+                          <a:headEnd type="none" w="med" len="med"/>
+                          <a:tailEnd type="none" w="med" len="med"/>
+                        </a:lnL>
+                        <a:lnR w="12700" cap="flat" cmpd="sng" algn="ctr">
+                          <a:solidFill>
+                            <a:schemeClr val="tx1"/>
+                          </a:solidFill>
+                          <a:prstDash val="solid"/>
+                          <a:round/>
+                          <a:headEnd type="none" w="med" len="med"/>
+                          <a:tailEnd type="none" w="med" len="med"/>
+                        </a:lnR>
+                        <a:lnT w="12700" cap="flat" cmpd="sng" algn="ctr">
+                          <a:solidFill>
+                            <a:schemeClr val="tx1"/>
+                          </a:solidFill>
+                          <a:prstDash val="solid"/>
+                          <a:round/>
+                          <a:headEnd type="none" w="med" len="med"/>
+                          <a:tailEnd type="none" w="med" len="med"/>
+                        </a:lnT>
+                        <a:lnB w="12700" cap="flat" cmpd="sng" algn="ctr">
+                          <a:solidFill>
+                            <a:schemeClr val="tx1"/>
+                          </a:solidFill>
+                          <a:prstDash val="solid"/>
+                          <a:round/>
+                          <a:headEnd type="none" w="med" len="med"/>
+                          <a:tailEnd type="none" w="med" len="med"/>
+                        </a:lnB>
+                        <a:lnTlToBr w="12700" cmpd="sng">
+                          <a:noFill/>
+                          <a:prstDash val="solid"/>
+                        </a:lnTlToBr>
+                        <a:lnBlToTr w="12700" cmpd="sng">
+                          <a:noFill/>
+                          <a:prstDash val="solid"/>
+                        </a:lnBlToTr>
+                        <a:blipFill rotWithShape="1">
+                          <a:blip r:embed="rId2"/>
+                          <a:stretch>
+                            <a:fillRect l="-39100" t="-174641" r="-199763" b="-87560"/>
+                          </a:stretch>
+                        </a:blipFill>
+                      </a:tcPr>
+                    </a:tc>
+                    <a:tc>
+                      <a:txBody>
+                        <a:bodyPr/>
+                        <a:lstStyle/>
+                        <a:p>
+                          <a:endParaRPr lang="ko-KR"/>
+                        </a:p>
+                      </a:txBody>
+                      <a:tcPr anchor="ctr">
+                        <a:lnL w="12700" cap="flat" cmpd="sng" algn="ctr">
+                          <a:solidFill>
+                            <a:schemeClr val="tx1"/>
+                          </a:solidFill>
+                          <a:prstDash val="solid"/>
+                          <a:round/>
+                          <a:headEnd type="none" w="med" len="med"/>
+                          <a:tailEnd type="none" w="med" len="med"/>
+                        </a:lnL>
+                        <a:lnR w="12700" cap="flat" cmpd="sng" algn="ctr">
+                          <a:solidFill>
+                            <a:schemeClr val="tx1"/>
+                          </a:solidFill>
+                          <a:prstDash val="solid"/>
+                          <a:round/>
+                          <a:headEnd type="none" w="med" len="med"/>
+                          <a:tailEnd type="none" w="med" len="med"/>
+                        </a:lnR>
+                        <a:lnT w="12700" cap="flat" cmpd="sng" algn="ctr">
+                          <a:solidFill>
+                            <a:schemeClr val="tx1"/>
+                          </a:solidFill>
+                          <a:prstDash val="solid"/>
+                          <a:round/>
+                          <a:headEnd type="none" w="med" len="med"/>
+                          <a:tailEnd type="none" w="med" len="med"/>
+                        </a:lnT>
+                        <a:lnB w="12700" cap="flat" cmpd="sng" algn="ctr">
+                          <a:solidFill>
+                            <a:schemeClr val="tx1"/>
+                          </a:solidFill>
+                          <a:prstDash val="solid"/>
+                          <a:round/>
+                          <a:headEnd type="none" w="med" len="med"/>
+                          <a:tailEnd type="none" w="med" len="med"/>
+                        </a:lnB>
+                        <a:lnTlToBr w="12700" cmpd="sng">
+                          <a:noFill/>
+                          <a:prstDash val="solid"/>
+                        </a:lnTlToBr>
+                        <a:lnBlToTr w="12700" cmpd="sng">
+                          <a:noFill/>
+                          <a:prstDash val="solid"/>
+                        </a:lnBlToTr>
+                        <a:blipFill rotWithShape="1">
+                          <a:blip r:embed="rId2"/>
+                          <a:stretch>
+                            <a:fillRect l="-139430" t="-174641" r="-100238" b="-87560"/>
+                          </a:stretch>
+                        </a:blipFill>
+                      </a:tcPr>
+                    </a:tc>
+                    <a:tc>
+                      <a:txBody>
+                        <a:bodyPr/>
+                        <a:lstStyle/>
+                        <a:p>
+                          <a:endParaRPr lang="ko-KR"/>
+                        </a:p>
+                      </a:txBody>
+                      <a:tcPr anchor="ctr">
+                        <a:lnL w="12700" cap="flat" cmpd="sng" algn="ctr">
+                          <a:solidFill>
+                            <a:schemeClr val="tx1"/>
+                          </a:solidFill>
+                          <a:prstDash val="solid"/>
+                          <a:round/>
+                          <a:headEnd type="none" w="med" len="med"/>
+                          <a:tailEnd type="none" w="med" len="med"/>
+                        </a:lnL>
+                        <a:lnR w="12700" cap="flat" cmpd="sng" algn="ctr">
+                          <a:solidFill>
+                            <a:schemeClr val="tx1"/>
+                          </a:solidFill>
+                          <a:prstDash val="solid"/>
+                          <a:round/>
+                          <a:headEnd type="none" w="med" len="med"/>
+                          <a:tailEnd type="none" w="med" len="med"/>
+                        </a:lnR>
+                        <a:lnT w="12700" cap="flat" cmpd="sng" algn="ctr">
+                          <a:solidFill>
+                            <a:schemeClr val="tx1"/>
+                          </a:solidFill>
+                          <a:prstDash val="solid"/>
+                          <a:round/>
+                          <a:headEnd type="none" w="med" len="med"/>
+                          <a:tailEnd type="none" w="med" len="med"/>
+                        </a:lnT>
+                        <a:lnB w="12700" cap="flat" cmpd="sng" algn="ctr">
+                          <a:solidFill>
+                            <a:schemeClr val="tx1"/>
+                          </a:solidFill>
+                          <a:prstDash val="solid"/>
+                          <a:round/>
+                          <a:headEnd type="none" w="med" len="med"/>
+                          <a:tailEnd type="none" w="med" len="med"/>
+                        </a:lnB>
+                        <a:lnTlToBr w="12700" cmpd="sng">
+                          <a:noFill/>
+                          <a:prstDash val="solid"/>
+                        </a:lnTlToBr>
+                        <a:lnBlToTr w="12700" cmpd="sng">
+                          <a:noFill/>
+                          <a:prstDash val="solid"/>
+                        </a:lnBlToTr>
+                        <a:blipFill rotWithShape="1">
+                          <a:blip r:embed="rId2"/>
+                          <a:stretch>
+                            <a:fillRect l="-238863" t="-174641" b="-87560"/>
+                          </a:stretch>
+                        </a:blipFill>
+                      </a:tcPr>
+                    </a:tc>
+                  </a:tr>
+                  <a:tr h="683133">
+                    <a:tc>
+                      <a:txBody>
+                        <a:bodyPr/>
+                        <a:lstStyle/>
+                        <a:p>
+                          <a:pPr algn="ctr" latinLnBrk="1"/>
+                          <a:r>
+                            <a:rPr lang="ko-KR" altLang="en-US" sz="1600" b="1" dirty="0" smtClean="0">
+                              <a:solidFill>
+                                <a:sysClr val="windowText" lastClr="000000"/>
+                              </a:solidFill>
+                            </a:rPr>
+                            <a:t>분산</a:t>
+                          </a:r>
+                          <a:endParaRPr lang="en-US" altLang="ko-KR" sz="1600" b="1" dirty="0" smtClean="0">
+                            <a:solidFill>
+                              <a:sysClr val="windowText" lastClr="000000"/>
+                            </a:solidFill>
+                          </a:endParaRPr>
+                        </a:p>
+                      </a:txBody>
+                      <a:tcPr anchor="ctr">
+                        <a:lnL w="12700" cap="flat" cmpd="sng" algn="ctr">
+                          <a:solidFill>
+                            <a:schemeClr val="tx1"/>
+                          </a:solidFill>
+                          <a:prstDash val="solid"/>
+                          <a:round/>
+                          <a:headEnd type="none" w="med" len="med"/>
+                          <a:tailEnd type="none" w="med" len="med"/>
+                        </a:lnL>
+                        <a:lnR w="12700" cap="flat" cmpd="sng" algn="ctr">
+                          <a:solidFill>
+                            <a:schemeClr val="tx1"/>
+                          </a:solidFill>
+                          <a:prstDash val="solid"/>
+                          <a:round/>
+                          <a:headEnd type="none" w="med" len="med"/>
+                          <a:tailEnd type="none" w="med" len="med"/>
+                        </a:lnR>
+                        <a:lnT w="12700" cap="flat" cmpd="sng" algn="ctr">
+                          <a:solidFill>
+                            <a:schemeClr val="tx1"/>
+                          </a:solidFill>
+                          <a:prstDash val="solid"/>
+                          <a:round/>
+                          <a:headEnd type="none" w="med" len="med"/>
+                          <a:tailEnd type="none" w="med" len="med"/>
+                        </a:lnT>
+                        <a:lnB w="12700" cap="flat" cmpd="sng" algn="ctr">
+                          <a:solidFill>
+                            <a:schemeClr val="tx1"/>
+                          </a:solidFill>
+                          <a:prstDash val="solid"/>
+                          <a:round/>
+                          <a:headEnd type="none" w="med" len="med"/>
+                          <a:tailEnd type="none" w="med" len="med"/>
+                        </a:lnB>
+                        <a:lnTlToBr w="12700" cmpd="sng">
+                          <a:noFill/>
+                          <a:prstDash val="solid"/>
+                        </a:lnTlToBr>
+                        <a:lnBlToTr w="12700" cmpd="sng">
+                          <a:noFill/>
+                          <a:prstDash val="solid"/>
+                        </a:lnBlToTr>
+                        <a:solidFill>
+                          <a:schemeClr val="bg2"/>
+                        </a:solidFill>
+                      </a:tcPr>
+                    </a:tc>
+                    <a:tc>
+                      <a:txBody>
+                        <a:bodyPr/>
+                        <a:lstStyle/>
+                        <a:p>
+                          <a:endParaRPr lang="ko-KR"/>
+                        </a:p>
+                      </a:txBody>
+                      <a:tcPr anchor="ctr">
+                        <a:lnL w="12700" cap="flat" cmpd="sng" algn="ctr">
+                          <a:solidFill>
+                            <a:schemeClr val="tx1"/>
+                          </a:solidFill>
+                          <a:prstDash val="solid"/>
+                          <a:round/>
+                          <a:headEnd type="none" w="med" len="med"/>
+                          <a:tailEnd type="none" w="med" len="med"/>
+                        </a:lnL>
+                        <a:lnR w="12700" cap="flat" cmpd="sng" algn="ctr">
+                          <a:solidFill>
+                            <a:schemeClr val="tx1"/>
+                          </a:solidFill>
+                          <a:prstDash val="solid"/>
+                          <a:round/>
+                          <a:headEnd type="none" w="med" len="med"/>
+                          <a:tailEnd type="none" w="med" len="med"/>
+                        </a:lnR>
+                        <a:lnT w="12700" cap="flat" cmpd="sng" algn="ctr">
+                          <a:solidFill>
+                            <a:schemeClr val="tx1"/>
+                          </a:solidFill>
+                          <a:prstDash val="solid"/>
+                          <a:round/>
+                          <a:headEnd type="none" w="med" len="med"/>
+                          <a:tailEnd type="none" w="med" len="med"/>
+                        </a:lnT>
+                        <a:lnB w="12700" cap="flat" cmpd="sng" algn="ctr">
+                          <a:solidFill>
+                            <a:schemeClr val="tx1"/>
+                          </a:solidFill>
+                          <a:prstDash val="solid"/>
+                          <a:round/>
+                          <a:headEnd type="none" w="med" len="med"/>
+                          <a:tailEnd type="none" w="med" len="med"/>
+                        </a:lnB>
+                        <a:lnTlToBr w="12700" cmpd="sng">
+                          <a:noFill/>
+                          <a:prstDash val="solid"/>
+                        </a:lnTlToBr>
+                        <a:lnBlToTr w="12700" cmpd="sng">
+                          <a:noFill/>
+                          <a:prstDash val="solid"/>
+                        </a:lnBlToTr>
+                        <a:blipFill rotWithShape="1">
+                          <a:blip r:embed="rId2"/>
+                          <a:stretch>
+                            <a:fillRect l="-39100" t="-512500" r="-199763" b="-63393"/>
+                          </a:stretch>
+                        </a:blipFill>
+                      </a:tcPr>
+                    </a:tc>
+                    <a:tc>
+                      <a:txBody>
+                        <a:bodyPr/>
+                        <a:lstStyle/>
+                        <a:p>
+                          <a:endParaRPr lang="ko-KR"/>
+                        </a:p>
+                      </a:txBody>
+                      <a:tcPr anchor="ctr">
+                        <a:lnL w="12700" cap="flat" cmpd="sng" algn="ctr">
+                          <a:solidFill>
+                            <a:schemeClr val="tx1"/>
+                          </a:solidFill>
+                          <a:prstDash val="solid"/>
+                          <a:round/>
+                          <a:headEnd type="none" w="med" len="med"/>
+                          <a:tailEnd type="none" w="med" len="med"/>
+                        </a:lnL>
+                        <a:lnR w="12700" cap="flat" cmpd="sng" algn="ctr">
+                          <a:solidFill>
+                            <a:schemeClr val="tx1"/>
+                          </a:solidFill>
+                          <a:prstDash val="solid"/>
+                          <a:round/>
+                          <a:headEnd type="none" w="med" len="med"/>
+                          <a:tailEnd type="none" w="med" len="med"/>
+                        </a:lnR>
+                        <a:lnT w="12700" cap="flat" cmpd="sng" algn="ctr">
+                          <a:solidFill>
+                            <a:schemeClr val="tx1"/>
+                          </a:solidFill>
+                          <a:prstDash val="solid"/>
+                          <a:round/>
+                          <a:headEnd type="none" w="med" len="med"/>
+                          <a:tailEnd type="none" w="med" len="med"/>
+                        </a:lnT>
+                        <a:lnB w="12700" cap="flat" cmpd="sng" algn="ctr">
+                          <a:solidFill>
+                            <a:schemeClr val="tx1"/>
+                          </a:solidFill>
+                          <a:prstDash val="solid"/>
+                          <a:round/>
+                          <a:headEnd type="none" w="med" len="med"/>
+                          <a:tailEnd type="none" w="med" len="med"/>
+                        </a:lnB>
+                        <a:lnTlToBr w="12700" cmpd="sng">
+                          <a:noFill/>
+                          <a:prstDash val="solid"/>
+                        </a:lnTlToBr>
+                        <a:lnBlToTr w="12700" cmpd="sng">
+                          <a:noFill/>
+                          <a:prstDash val="solid"/>
+                        </a:lnBlToTr>
+                        <a:blipFill rotWithShape="1">
+                          <a:blip r:embed="rId2"/>
+                          <a:stretch>
+                            <a:fillRect l="-139430" t="-512500" r="-100238" b="-63393"/>
+                          </a:stretch>
+                        </a:blipFill>
+                      </a:tcPr>
+                    </a:tc>
+                    <a:tc>
+                      <a:txBody>
+                        <a:bodyPr/>
+                        <a:lstStyle/>
+                        <a:p>
+                          <a:endParaRPr lang="ko-KR"/>
+                        </a:p>
+                      </a:txBody>
+                      <a:tcPr anchor="ctr">
+                        <a:lnL w="12700" cap="flat" cmpd="sng" algn="ctr">
+                          <a:solidFill>
+                            <a:schemeClr val="tx1"/>
+                          </a:solidFill>
+                          <a:prstDash val="solid"/>
+                          <a:round/>
+                          <a:headEnd type="none" w="med" len="med"/>
+                          <a:tailEnd type="none" w="med" len="med"/>
+                        </a:lnL>
+                        <a:lnR w="12700" cap="flat" cmpd="sng" algn="ctr">
+                          <a:solidFill>
+                            <a:schemeClr val="tx1"/>
+                          </a:solidFill>
+                          <a:prstDash val="solid"/>
+                          <a:round/>
+                          <a:headEnd type="none" w="med" len="med"/>
+                          <a:tailEnd type="none" w="med" len="med"/>
+                        </a:lnR>
+                        <a:lnT w="12700" cap="flat" cmpd="sng" algn="ctr">
+                          <a:solidFill>
+                            <a:schemeClr val="tx1"/>
+                          </a:solidFill>
+                          <a:prstDash val="solid"/>
+                          <a:round/>
+                          <a:headEnd type="none" w="med" len="med"/>
+                          <a:tailEnd type="none" w="med" len="med"/>
+                        </a:lnT>
+                        <a:lnB w="12700" cap="flat" cmpd="sng" algn="ctr">
+                          <a:solidFill>
+                            <a:schemeClr val="tx1"/>
+                          </a:solidFill>
+                          <a:prstDash val="solid"/>
+                          <a:round/>
+                          <a:headEnd type="none" w="med" len="med"/>
+                          <a:tailEnd type="none" w="med" len="med"/>
+                        </a:lnB>
+                        <a:lnTlToBr w="12700" cmpd="sng">
+                          <a:noFill/>
+                          <a:prstDash val="solid"/>
+                        </a:lnTlToBr>
+                        <a:lnBlToTr w="12700" cmpd="sng">
+                          <a:noFill/>
+                          <a:prstDash val="solid"/>
+                        </a:lnBlToTr>
+                        <a:blipFill rotWithShape="1">
+                          <a:blip r:embed="rId2"/>
+                          <a:stretch>
+                            <a:fillRect l="-238863" t="-512500" b="-63393"/>
+                          </a:stretch>
+                        </a:blipFill>
+                      </a:tcPr>
+                    </a:tc>
+                  </a:tr>
+                  <a:tr h="370840">
+                    <a:tc gridSpan="3">
+                      <a:txBody>
+                        <a:bodyPr/>
+                        <a:lstStyle/>
+                        <a:p>
+                          <a:pPr algn="ctr" latinLnBrk="1"/>
+                          <a:r>
+                            <a:rPr lang="ko-KR" altLang="en-US" sz="1600" b="1" dirty="0" smtClean="0">
+                              <a:solidFill>
+                                <a:sysClr val="windowText" lastClr="000000"/>
+                              </a:solidFill>
+                            </a:rPr>
+                            <a:t>표준오차</a:t>
+                          </a:r>
+                          <a:endParaRPr lang="en-US" altLang="ko-KR" sz="1600" b="1" dirty="0" smtClean="0">
+                            <a:solidFill>
+                              <a:sysClr val="windowText" lastClr="000000"/>
+                            </a:solidFill>
+                          </a:endParaRPr>
+                        </a:p>
+                      </a:txBody>
+                      <a:tcPr anchor="ctr">
+                        <a:lnL w="12700" cap="flat" cmpd="sng" algn="ctr">
+                          <a:solidFill>
+                            <a:schemeClr val="tx1"/>
+                          </a:solidFill>
+                          <a:prstDash val="solid"/>
+                          <a:round/>
+                          <a:headEnd type="none" w="med" len="med"/>
+                          <a:tailEnd type="none" w="med" len="med"/>
+                        </a:lnL>
+                        <a:lnR w="12700" cap="flat" cmpd="sng" algn="ctr">
+                          <a:solidFill>
+                            <a:schemeClr val="tx1"/>
+                          </a:solidFill>
+                          <a:prstDash val="solid"/>
+                          <a:round/>
+                          <a:headEnd type="none" w="med" len="med"/>
+                          <a:tailEnd type="none" w="med" len="med"/>
+                        </a:lnR>
+                        <a:lnT w="12700" cap="flat" cmpd="sng" algn="ctr">
+                          <a:solidFill>
+                            <a:schemeClr val="tx1"/>
+                          </a:solidFill>
+                          <a:prstDash val="solid"/>
+                          <a:round/>
+                          <a:headEnd type="none" w="med" len="med"/>
+                          <a:tailEnd type="none" w="med" len="med"/>
+                        </a:lnT>
+                        <a:lnB w="12700" cap="flat" cmpd="sng" algn="ctr">
+                          <a:solidFill>
+                            <a:schemeClr val="tx1"/>
+                          </a:solidFill>
+                          <a:prstDash val="solid"/>
+                          <a:round/>
+                          <a:headEnd type="none" w="med" len="med"/>
+                          <a:tailEnd type="none" w="med" len="med"/>
+                        </a:lnB>
+                        <a:lnTlToBr w="12700" cmpd="sng">
+                          <a:noFill/>
+                          <a:prstDash val="solid"/>
+                        </a:lnTlToBr>
+                        <a:lnBlToTr w="12700" cmpd="sng">
+                          <a:noFill/>
+                          <a:prstDash val="solid"/>
+                        </a:lnBlToTr>
+                        <a:solidFill>
+                          <a:schemeClr val="bg2"/>
+                        </a:solidFill>
+                      </a:tcPr>
+                    </a:tc>
+                    <a:tc hMerge="1">
+                      <a:txBody>
+                        <a:bodyPr/>
+                        <a:lstStyle/>
+                        <a:p>
+                          <a:pPr algn="ctr" latinLnBrk="1"/>
+                          <a:endParaRPr lang="ko-KR" altLang="en-US" sz="1600" dirty="0">
+                            <a:solidFill>
+                              <a:sysClr val="windowText" lastClr="000000"/>
+                            </a:solidFill>
+                          </a:endParaRPr>
+                        </a:p>
+                      </a:txBody>
+                      <a:tcPr anchor="ctr">
+                        <a:lnL w="12700" cap="flat" cmpd="sng" algn="ctr">
+                          <a:solidFill>
+                            <a:schemeClr val="tx1"/>
+                          </a:solidFill>
+                          <a:prstDash val="solid"/>
+                          <a:round/>
+                          <a:headEnd type="none" w="med" len="med"/>
+                          <a:tailEnd type="none" w="med" len="med"/>
+                        </a:lnL>
+                        <a:lnR w="12700" cap="flat" cmpd="sng" algn="ctr">
+                          <a:solidFill>
+                            <a:schemeClr val="tx1"/>
+                          </a:solidFill>
+                          <a:prstDash val="solid"/>
+                          <a:round/>
+                          <a:headEnd type="none" w="med" len="med"/>
+                          <a:tailEnd type="none" w="med" len="med"/>
+                        </a:lnR>
+                        <a:lnT w="12700" cap="flat" cmpd="sng" algn="ctr">
+                          <a:solidFill>
+                            <a:schemeClr val="tx1"/>
+                          </a:solidFill>
+                          <a:prstDash val="solid"/>
+                          <a:round/>
+                          <a:headEnd type="none" w="med" len="med"/>
+                          <a:tailEnd type="none" w="med" len="med"/>
+                        </a:lnT>
+                        <a:lnB w="12700" cap="flat" cmpd="sng" algn="ctr">
+                          <a:solidFill>
+                            <a:schemeClr val="tx1"/>
+                          </a:solidFill>
+                          <a:prstDash val="solid"/>
+                          <a:round/>
+                          <a:headEnd type="none" w="med" len="med"/>
+                          <a:tailEnd type="none" w="med" len="med"/>
+                        </a:lnB>
+                        <a:lnTlToBr w="12700" cmpd="sng">
+                          <a:noFill/>
+                          <a:prstDash val="solid"/>
+                        </a:lnTlToBr>
+                        <a:lnBlToTr w="12700" cmpd="sng">
+                          <a:noFill/>
+                          <a:prstDash val="solid"/>
+                        </a:lnBlToTr>
+                        <a:solidFill>
+                          <a:schemeClr val="bg1"/>
+                        </a:solidFill>
+                      </a:tcPr>
+                    </a:tc>
+                    <a:tc hMerge="1">
+                      <a:txBody>
+                        <a:bodyPr/>
+                        <a:lstStyle/>
+                        <a:p>
+                          <a:pPr algn="ctr" latinLnBrk="1"/>
+                          <a:endParaRPr lang="ko-KR" altLang="en-US" sz="1600" dirty="0">
+                            <a:solidFill>
+                              <a:sysClr val="windowText" lastClr="000000"/>
+                            </a:solidFill>
+                          </a:endParaRPr>
+                        </a:p>
+                      </a:txBody>
+                      <a:tcPr anchor="ctr">
+                        <a:lnL w="12700" cap="flat" cmpd="sng" algn="ctr">
+                          <a:solidFill>
+                            <a:schemeClr val="tx1"/>
+                          </a:solidFill>
+                          <a:prstDash val="solid"/>
+                          <a:round/>
+                          <a:headEnd type="none" w="med" len="med"/>
+                          <a:tailEnd type="none" w="med" len="med"/>
+                        </a:lnL>
+                        <a:lnR w="12700" cap="flat" cmpd="sng" algn="ctr">
+                          <a:solidFill>
+                            <a:schemeClr val="tx1"/>
+                          </a:solidFill>
+                          <a:prstDash val="solid"/>
+                          <a:round/>
+                          <a:headEnd type="none" w="med" len="med"/>
+                          <a:tailEnd type="none" w="med" len="med"/>
+                        </a:lnR>
+                        <a:lnT w="12700" cap="flat" cmpd="sng" algn="ctr">
+                          <a:solidFill>
+                            <a:schemeClr val="tx1"/>
+                          </a:solidFill>
+                          <a:prstDash val="solid"/>
+                          <a:round/>
+                          <a:headEnd type="none" w="med" len="med"/>
+                          <a:tailEnd type="none" w="med" len="med"/>
+                        </a:lnT>
+                        <a:lnB w="12700" cap="flat" cmpd="sng" algn="ctr">
+                          <a:solidFill>
+                            <a:schemeClr val="tx1"/>
+                          </a:solidFill>
+                          <a:prstDash val="solid"/>
+                          <a:round/>
+                          <a:headEnd type="none" w="med" len="med"/>
+                          <a:tailEnd type="none" w="med" len="med"/>
+                        </a:lnB>
+                        <a:lnTlToBr w="12700" cmpd="sng">
+                          <a:noFill/>
+                          <a:prstDash val="solid"/>
+                        </a:lnTlToBr>
+                        <a:lnBlToTr w="12700" cmpd="sng">
+                          <a:noFill/>
+                          <a:prstDash val="solid"/>
+                        </a:lnBlToTr>
+                        <a:solidFill>
+                          <a:schemeClr val="bg1"/>
+                        </a:solidFill>
+                      </a:tcPr>
+                    </a:tc>
+                    <a:tc>
+                      <a:txBody>
+                        <a:bodyPr/>
+                        <a:lstStyle/>
+                        <a:p>
+                          <a:endParaRPr lang="ko-KR"/>
+                        </a:p>
+                      </a:txBody>
+                      <a:tcPr anchor="ctr">
+                        <a:lnL w="12700" cap="flat" cmpd="sng" algn="ctr">
+                          <a:solidFill>
+                            <a:schemeClr val="tx1"/>
+                          </a:solidFill>
+                          <a:prstDash val="solid"/>
+                          <a:round/>
+                          <a:headEnd type="none" w="med" len="med"/>
+                          <a:tailEnd type="none" w="med" len="med"/>
+                        </a:lnL>
+                        <a:lnR w="12700" cap="flat" cmpd="sng" algn="ctr">
+                          <a:solidFill>
+                            <a:schemeClr val="tx1"/>
+                          </a:solidFill>
+                          <a:prstDash val="solid"/>
+                          <a:round/>
+                          <a:headEnd type="none" w="med" len="med"/>
+                          <a:tailEnd type="none" w="med" len="med"/>
+                        </a:lnR>
+                        <a:lnT w="12700" cap="flat" cmpd="sng" algn="ctr">
+                          <a:solidFill>
+                            <a:schemeClr val="tx1"/>
+                          </a:solidFill>
+                          <a:prstDash val="solid"/>
+                          <a:round/>
+                          <a:headEnd type="none" w="med" len="med"/>
+                          <a:tailEnd type="none" w="med" len="med"/>
+                        </a:lnT>
+                        <a:lnB w="12700" cap="flat" cmpd="sng" algn="ctr">
+                          <a:solidFill>
+                            <a:schemeClr val="tx1"/>
+                          </a:solidFill>
+                          <a:prstDash val="solid"/>
+                          <a:round/>
+                          <a:headEnd type="none" w="med" len="med"/>
+                          <a:tailEnd type="none" w="med" len="med"/>
+                        </a:lnB>
+                        <a:lnTlToBr w="12700" cmpd="sng">
+                          <a:noFill/>
+                          <a:prstDash val="solid"/>
+                        </a:lnTlToBr>
+                        <a:lnBlToTr w="12700" cmpd="sng">
+                          <a:noFill/>
+                          <a:prstDash val="solid"/>
+                        </a:lnBlToTr>
+                        <a:blipFill rotWithShape="1">
+                          <a:blip r:embed="rId2"/>
+                          <a:stretch>
+                            <a:fillRect l="-238863" t="-1124590" b="-16393"/>
+                          </a:stretch>
+                        </a:blipFill>
+                      </a:tcPr>
+                    </a:tc>
+                  </a:tr>
+                </a:tbl>
+              </a:graphicData>
+            </a:graphic>
+          </p:graphicFrame>
+        </mc:Fallback>
+      </mc:AlternateContent>
+    </p:spTree>
+    <p:extLst>
+      <p:ext uri="{BB962C8B-B14F-4D97-AF65-F5344CB8AC3E}">
+        <p14:creationId xmlns:p14="http://schemas.microsoft.com/office/powerpoint/2010/main" val="1637801866"/>
+      </p:ext>
+    </p:extLst>
+  </p:cSld>
+  <p:clrMapOvr>
+    <a:masterClrMapping/>
+  </p:clrMapOvr>
+</p:sld>
+</file>
+
+<file path=ppt/slides/slide3.xml><?xml version="1.0" encoding="utf-8"?>
 <p:sld xmlns:a="http://schemas.openxmlformats.org/drawingml/2006/main" xmlns:r="http://schemas.openxmlformats.org/officeDocument/2006/relationships" xmlns:p="http://schemas.openxmlformats.org/presentationml/2006/main">
   <p:cSld>
     <p:spTree>
@@ -12135,7 +19547,7 @@
 </p:sld>
 </file>
 
-<file path=ppt/slides/slide3.xml><?xml version="1.0" encoding="utf-8"?>
+<file path=ppt/slides/slide4.xml><?xml version="1.0" encoding="utf-8"?>
 <p:sld xmlns:a="http://schemas.openxmlformats.org/drawingml/2006/main" xmlns:r="http://schemas.openxmlformats.org/officeDocument/2006/relationships" xmlns:p="http://schemas.openxmlformats.org/presentationml/2006/main">
   <p:cSld>
     <p:spTree>
